--- a/document/基於財經字典與分析指標的神經網路預測股價趨勢.pptx
+++ b/document/基於財經字典與分析指標的神經網路預測股價趨勢.pptx
@@ -13,22 +13,22 @@
     <p:sldId id="299" r:id="rId4"/>
     <p:sldId id="301" r:id="rId5"/>
     <p:sldId id="324" r:id="rId6"/>
-    <p:sldId id="320" r:id="rId7"/>
-    <p:sldId id="306" r:id="rId8"/>
-    <p:sldId id="308" r:id="rId9"/>
-    <p:sldId id="311" r:id="rId10"/>
-    <p:sldId id="312" r:id="rId11"/>
-    <p:sldId id="348" r:id="rId12"/>
-    <p:sldId id="313" r:id="rId13"/>
-    <p:sldId id="314" r:id="rId14"/>
-    <p:sldId id="326" r:id="rId15"/>
-    <p:sldId id="328" r:id="rId16"/>
-    <p:sldId id="329" r:id="rId17"/>
-    <p:sldId id="330" r:id="rId18"/>
-    <p:sldId id="327" r:id="rId19"/>
-    <p:sldId id="331" r:id="rId20"/>
-    <p:sldId id="332" r:id="rId21"/>
-    <p:sldId id="335" r:id="rId22"/>
+    <p:sldId id="306" r:id="rId7"/>
+    <p:sldId id="308" r:id="rId8"/>
+    <p:sldId id="311" r:id="rId9"/>
+    <p:sldId id="312" r:id="rId10"/>
+    <p:sldId id="348" r:id="rId11"/>
+    <p:sldId id="313" r:id="rId12"/>
+    <p:sldId id="314" r:id="rId13"/>
+    <p:sldId id="326" r:id="rId14"/>
+    <p:sldId id="328" r:id="rId15"/>
+    <p:sldId id="329" r:id="rId16"/>
+    <p:sldId id="330" r:id="rId17"/>
+    <p:sldId id="327" r:id="rId18"/>
+    <p:sldId id="331" r:id="rId19"/>
+    <p:sldId id="332" r:id="rId20"/>
+    <p:sldId id="335" r:id="rId21"/>
+    <p:sldId id="349" r:id="rId22"/>
     <p:sldId id="338" r:id="rId23"/>
     <p:sldId id="339" r:id="rId24"/>
     <p:sldId id="340" r:id="rId25"/>
@@ -149,7 +149,6 @@
             <p14:sldId id="299"/>
             <p14:sldId id="301"/>
             <p14:sldId id="324"/>
-            <p14:sldId id="320"/>
             <p14:sldId id="306"/>
             <p14:sldId id="308"/>
             <p14:sldId id="311"/>
@@ -169,6 +168,7 @@
             <p14:sldId id="331"/>
             <p14:sldId id="332"/>
             <p14:sldId id="335"/>
+            <p14:sldId id="349"/>
             <p14:sldId id="338"/>
             <p14:sldId id="339"/>
             <p14:sldId id="340"/>
@@ -278,7 +278,7 @@
           <a:p>
             <a:fld id="{65EA3490-4363-4295-AD42-91872658A025}" type="datetimeFigureOut">
               <a:rPr lang="zh-TW" altLang="en-US" smtClean="0"/>
-              <a:t>2022/3/30</a:t>
+              <a:t>2022/7/3</a:t>
             </a:fld>
             <a:endParaRPr lang="zh-TW" altLang="en-US"/>
           </a:p>
@@ -711,107 +711,6 @@
           <a:p>
             <a:fld id="{4E5CB9D8-5690-495B-B731-214319CDC83B}" type="slidenum">
               <a:rPr lang="zh-TW" altLang="en-US" smtClean="0"/>
-              <a:t>29</a:t>
-            </a:fld>
-            <a:endParaRPr lang="zh-TW" altLang="en-US"/>
-          </a:p>
-        </p:txBody>
-      </p:sp>
-    </p:spTree>
-    <p:extLst>
-      <p:ext uri="{BB962C8B-B14F-4D97-AF65-F5344CB8AC3E}">
-        <p14:creationId xmlns:p14="http://schemas.microsoft.com/office/powerpoint/2010/main" val="848929834"/>
-      </p:ext>
-    </p:extLst>
-  </p:cSld>
-  <p:clrMapOvr>
-    <a:masterClrMapping/>
-  </p:clrMapOvr>
-</p:notes>
-</file>
-
-<file path=ppt/notesSlides/notesSlide11.xml><?xml version="1.0" encoding="utf-8"?>
-<p:notes xmlns:a="http://schemas.openxmlformats.org/drawingml/2006/main" xmlns:r="http://schemas.openxmlformats.org/officeDocument/2006/relationships" xmlns:p="http://schemas.openxmlformats.org/presentationml/2006/main">
-  <p:cSld>
-    <p:spTree>
-      <p:nvGrpSpPr>
-        <p:cNvPr id="1" name=""/>
-        <p:cNvGrpSpPr/>
-        <p:nvPr/>
-      </p:nvGrpSpPr>
-      <p:grpSpPr>
-        <a:xfrm>
-          <a:off x="0" y="0"/>
-          <a:ext cx="0" cy="0"/>
-          <a:chOff x="0" y="0"/>
-          <a:chExt cx="0" cy="0"/>
-        </a:xfrm>
-      </p:grpSpPr>
-      <p:sp>
-        <p:nvSpPr>
-          <p:cNvPr id="2" name="投影片影像版面配置區 1"/>
-          <p:cNvSpPr>
-            <a:spLocks noGrp="1" noRot="1" noChangeAspect="1"/>
-          </p:cNvSpPr>
-          <p:nvPr>
-            <p:ph type="sldImg"/>
-          </p:nvPr>
-        </p:nvSpPr>
-        <p:spPr/>
-      </p:sp>
-      <p:sp>
-        <p:nvSpPr>
-          <p:cNvPr id="3" name="備忘稿版面配置區 2"/>
-          <p:cNvSpPr>
-            <a:spLocks noGrp="1"/>
-          </p:cNvSpPr>
-          <p:nvPr>
-            <p:ph type="body" idx="1"/>
-          </p:nvPr>
-        </p:nvSpPr>
-        <p:spPr/>
-        <p:txBody>
-          <a:bodyPr/>
-          <a:lstStyle/>
-          <a:p>
-            <a:pPr marL="0" marR="0" lvl="0" indent="0" algn="l" defTabSz="914400" rtl="0" eaLnBrk="1" fontAlgn="auto" latinLnBrk="0" hangingPunct="1">
-              <a:lnSpc>
-                <a:spcPct val="100000"/>
-              </a:lnSpc>
-              <a:spcBef>
-                <a:spcPts val="0"/>
-              </a:spcBef>
-              <a:spcAft>
-                <a:spcPts val="0"/>
-              </a:spcAft>
-              <a:buClrTx/>
-              <a:buSzTx/>
-              <a:buFontTx/>
-              <a:buNone/>
-              <a:tabLst/>
-              <a:defRPr/>
-            </a:pPr>
-            <a:endParaRPr lang="zh-TW" altLang="en-US" dirty="0"/>
-          </a:p>
-        </p:txBody>
-      </p:sp>
-      <p:sp>
-        <p:nvSpPr>
-          <p:cNvPr id="4" name="投影片編號版面配置區 3"/>
-          <p:cNvSpPr>
-            <a:spLocks noGrp="1"/>
-          </p:cNvSpPr>
-          <p:nvPr>
-            <p:ph type="sldNum" sz="quarter" idx="5"/>
-          </p:nvPr>
-        </p:nvSpPr>
-        <p:spPr/>
-        <p:txBody>
-          <a:bodyPr/>
-          <a:lstStyle/>
-          <a:p>
-            <a:fld id="{4E5CB9D8-5690-495B-B731-214319CDC83B}" type="slidenum">
-              <a:rPr lang="zh-TW" altLang="en-US" smtClean="0"/>
               <a:t>30</a:t>
             </a:fld>
             <a:endParaRPr lang="zh-TW" altLang="en-US"/>
@@ -831,7 +730,7 @@
 </p:notes>
 </file>
 
-<file path=ppt/notesSlides/notesSlide12.xml><?xml version="1.0" encoding="utf-8"?>
+<file path=ppt/notesSlides/notesSlide11.xml><?xml version="1.0" encoding="utf-8"?>
 <p:notes xmlns:a="http://schemas.openxmlformats.org/drawingml/2006/main" xmlns:r="http://schemas.openxmlformats.org/officeDocument/2006/relationships" xmlns:p="http://schemas.openxmlformats.org/presentationml/2006/main">
   <p:cSld>
     <p:spTree>
@@ -932,7 +831,7 @@
 </p:notes>
 </file>
 
-<file path=ppt/notesSlides/notesSlide13.xml><?xml version="1.0" encoding="utf-8"?>
+<file path=ppt/notesSlides/notesSlide12.xml><?xml version="1.0" encoding="utf-8"?>
 <p:notes xmlns:a="http://schemas.openxmlformats.org/drawingml/2006/main" xmlns:r="http://schemas.openxmlformats.org/officeDocument/2006/relationships" xmlns:p="http://schemas.openxmlformats.org/presentationml/2006/main">
   <p:cSld>
     <p:spTree>
@@ -1033,7 +932,7 @@
 </p:notes>
 </file>
 
-<file path=ppt/notesSlides/notesSlide14.xml><?xml version="1.0" encoding="utf-8"?>
+<file path=ppt/notesSlides/notesSlide13.xml><?xml version="1.0" encoding="utf-8"?>
 <p:notes xmlns:a="http://schemas.openxmlformats.org/drawingml/2006/main" xmlns:r="http://schemas.openxmlformats.org/officeDocument/2006/relationships" xmlns:p="http://schemas.openxmlformats.org/presentationml/2006/main">
   <p:cSld>
     <p:spTree>
@@ -1347,90 +1246,6 @@
           <a:bodyPr/>
           <a:lstStyle/>
           <a:p>
-            <a:endParaRPr lang="zh-TW" altLang="en-US" dirty="0"/>
-          </a:p>
-        </p:txBody>
-      </p:sp>
-      <p:sp>
-        <p:nvSpPr>
-          <p:cNvPr id="4" name="投影片編號版面配置區 3"/>
-          <p:cNvSpPr>
-            <a:spLocks noGrp="1"/>
-          </p:cNvSpPr>
-          <p:nvPr>
-            <p:ph type="sldNum" sz="quarter" idx="5"/>
-          </p:nvPr>
-        </p:nvSpPr>
-        <p:spPr/>
-        <p:txBody>
-          <a:bodyPr/>
-          <a:lstStyle/>
-          <a:p>
-            <a:fld id="{4E5CB9D8-5690-495B-B731-214319CDC83B}" type="slidenum">
-              <a:rPr lang="zh-TW" altLang="en-US" smtClean="0"/>
-              <a:t>6</a:t>
-            </a:fld>
-            <a:endParaRPr lang="zh-TW" altLang="en-US"/>
-          </a:p>
-        </p:txBody>
-      </p:sp>
-    </p:spTree>
-    <p:extLst>
-      <p:ext uri="{BB962C8B-B14F-4D97-AF65-F5344CB8AC3E}">
-        <p14:creationId xmlns:p14="http://schemas.microsoft.com/office/powerpoint/2010/main" val="2997921279"/>
-      </p:ext>
-    </p:extLst>
-  </p:cSld>
-  <p:clrMapOvr>
-    <a:masterClrMapping/>
-  </p:clrMapOvr>
-</p:notes>
-</file>
-
-<file path=ppt/notesSlides/notesSlide5.xml><?xml version="1.0" encoding="utf-8"?>
-<p:notes xmlns:a="http://schemas.openxmlformats.org/drawingml/2006/main" xmlns:r="http://schemas.openxmlformats.org/officeDocument/2006/relationships" xmlns:p="http://schemas.openxmlformats.org/presentationml/2006/main">
-  <p:cSld>
-    <p:spTree>
-      <p:nvGrpSpPr>
-        <p:cNvPr id="1" name=""/>
-        <p:cNvGrpSpPr/>
-        <p:nvPr/>
-      </p:nvGrpSpPr>
-      <p:grpSpPr>
-        <a:xfrm>
-          <a:off x="0" y="0"/>
-          <a:ext cx="0" cy="0"/>
-          <a:chOff x="0" y="0"/>
-          <a:chExt cx="0" cy="0"/>
-        </a:xfrm>
-      </p:grpSpPr>
-      <p:sp>
-        <p:nvSpPr>
-          <p:cNvPr id="2" name="投影片影像版面配置區 1"/>
-          <p:cNvSpPr>
-            <a:spLocks noGrp="1" noRot="1" noChangeAspect="1"/>
-          </p:cNvSpPr>
-          <p:nvPr>
-            <p:ph type="sldImg"/>
-          </p:nvPr>
-        </p:nvSpPr>
-        <p:spPr/>
-      </p:sp>
-      <p:sp>
-        <p:nvSpPr>
-          <p:cNvPr id="3" name="備忘稿版面配置區 2"/>
-          <p:cNvSpPr>
-            <a:spLocks noGrp="1"/>
-          </p:cNvSpPr>
-          <p:nvPr>
-            <p:ph type="body" idx="1"/>
-          </p:nvPr>
-        </p:nvSpPr>
-        <p:spPr/>
-        <p:txBody>
-          <a:bodyPr/>
-          <a:lstStyle/>
-          <a:p>
             <a:pPr marL="0" marR="0" lvl="0" indent="0" algn="l" defTabSz="914400" rtl="0" eaLnBrk="1" fontAlgn="auto" latinLnBrk="0" hangingPunct="1">
               <a:lnSpc>
                 <a:spcPct val="100000"/>
@@ -1469,7 +1284,7 @@
           <a:p>
             <a:fld id="{4E5CB9D8-5690-495B-B731-214319CDC83B}" type="slidenum">
               <a:rPr lang="zh-TW" altLang="en-US" smtClean="0"/>
-              <a:t>11</a:t>
+              <a:t>10</a:t>
             </a:fld>
             <a:endParaRPr lang="zh-TW" altLang="en-US"/>
           </a:p>
@@ -1488,7 +1303,7 @@
 </p:notes>
 </file>
 
-<file path=ppt/notesSlides/notesSlide6.xml><?xml version="1.0" encoding="utf-8"?>
+<file path=ppt/notesSlides/notesSlide5.xml><?xml version="1.0" encoding="utf-8"?>
 <p:notes xmlns:a="http://schemas.openxmlformats.org/drawingml/2006/main" xmlns:r="http://schemas.openxmlformats.org/officeDocument/2006/relationships" xmlns:p="http://schemas.openxmlformats.org/presentationml/2006/main">
   <p:cSld>
     <p:spTree>
@@ -1553,7 +1368,7 @@
           <a:p>
             <a:fld id="{4E5CB9D8-5690-495B-B731-214319CDC83B}" type="slidenum">
               <a:rPr lang="zh-TW" altLang="en-US" smtClean="0"/>
-              <a:t>16</a:t>
+              <a:t>15</a:t>
             </a:fld>
             <a:endParaRPr lang="zh-TW" altLang="en-US"/>
           </a:p>
@@ -1572,7 +1387,7 @@
 </p:notes>
 </file>
 
-<file path=ppt/notesSlides/notesSlide7.xml><?xml version="1.0" encoding="utf-8"?>
+<file path=ppt/notesSlides/notesSlide6.xml><?xml version="1.0" encoding="utf-8"?>
 <p:notes xmlns:a="http://schemas.openxmlformats.org/drawingml/2006/main" xmlns:r="http://schemas.openxmlformats.org/officeDocument/2006/relationships" xmlns:p="http://schemas.openxmlformats.org/presentationml/2006/main">
   <p:cSld>
     <p:spTree>
@@ -1656,7 +1471,7 @@
 </p:notes>
 </file>
 
-<file path=ppt/notesSlides/notesSlide8.xml><?xml version="1.0" encoding="utf-8"?>
+<file path=ppt/notesSlides/notesSlide7.xml><?xml version="1.0" encoding="utf-8"?>
 <p:notes xmlns:a="http://schemas.openxmlformats.org/drawingml/2006/main" xmlns:r="http://schemas.openxmlformats.org/officeDocument/2006/relationships" xmlns:p="http://schemas.openxmlformats.org/presentationml/2006/main">
   <p:cSld>
     <p:spTree>
@@ -1757,7 +1572,7 @@
 </p:notes>
 </file>
 
-<file path=ppt/notesSlides/notesSlide9.xml><?xml version="1.0" encoding="utf-8"?>
+<file path=ppt/notesSlides/notesSlide8.xml><?xml version="1.0" encoding="utf-8"?>
 <p:notes xmlns:a="http://schemas.openxmlformats.org/drawingml/2006/main" xmlns:r="http://schemas.openxmlformats.org/officeDocument/2006/relationships" xmlns:p="http://schemas.openxmlformats.org/presentationml/2006/main">
   <p:cSld>
     <p:spTree>
@@ -1858,6 +1673,107 @@
 </p:notes>
 </file>
 
+<file path=ppt/notesSlides/notesSlide9.xml><?xml version="1.0" encoding="utf-8"?>
+<p:notes xmlns:a="http://schemas.openxmlformats.org/drawingml/2006/main" xmlns:r="http://schemas.openxmlformats.org/officeDocument/2006/relationships" xmlns:p="http://schemas.openxmlformats.org/presentationml/2006/main">
+  <p:cSld>
+    <p:spTree>
+      <p:nvGrpSpPr>
+        <p:cNvPr id="1" name=""/>
+        <p:cNvGrpSpPr/>
+        <p:nvPr/>
+      </p:nvGrpSpPr>
+      <p:grpSpPr>
+        <a:xfrm>
+          <a:off x="0" y="0"/>
+          <a:ext cx="0" cy="0"/>
+          <a:chOff x="0" y="0"/>
+          <a:chExt cx="0" cy="0"/>
+        </a:xfrm>
+      </p:grpSpPr>
+      <p:sp>
+        <p:nvSpPr>
+          <p:cNvPr id="2" name="投影片影像版面配置區 1"/>
+          <p:cNvSpPr>
+            <a:spLocks noGrp="1" noRot="1" noChangeAspect="1"/>
+          </p:cNvSpPr>
+          <p:nvPr>
+            <p:ph type="sldImg"/>
+          </p:nvPr>
+        </p:nvSpPr>
+        <p:spPr/>
+      </p:sp>
+      <p:sp>
+        <p:nvSpPr>
+          <p:cNvPr id="3" name="備忘稿版面配置區 2"/>
+          <p:cNvSpPr>
+            <a:spLocks noGrp="1"/>
+          </p:cNvSpPr>
+          <p:nvPr>
+            <p:ph type="body" idx="1"/>
+          </p:nvPr>
+        </p:nvSpPr>
+        <p:spPr/>
+        <p:txBody>
+          <a:bodyPr/>
+          <a:lstStyle/>
+          <a:p>
+            <a:pPr marL="0" marR="0" lvl="0" indent="0" algn="l" defTabSz="914400" rtl="0" eaLnBrk="1" fontAlgn="auto" latinLnBrk="0" hangingPunct="1">
+              <a:lnSpc>
+                <a:spcPct val="100000"/>
+              </a:lnSpc>
+              <a:spcBef>
+                <a:spcPts val="0"/>
+              </a:spcBef>
+              <a:spcAft>
+                <a:spcPts val="0"/>
+              </a:spcAft>
+              <a:buClrTx/>
+              <a:buSzTx/>
+              <a:buFontTx/>
+              <a:buNone/>
+              <a:tabLst/>
+              <a:defRPr/>
+            </a:pPr>
+            <a:endParaRPr lang="zh-TW" altLang="en-US" dirty="0"/>
+          </a:p>
+        </p:txBody>
+      </p:sp>
+      <p:sp>
+        <p:nvSpPr>
+          <p:cNvPr id="4" name="投影片編號版面配置區 3"/>
+          <p:cNvSpPr>
+            <a:spLocks noGrp="1"/>
+          </p:cNvSpPr>
+          <p:nvPr>
+            <p:ph type="sldNum" sz="quarter" idx="5"/>
+          </p:nvPr>
+        </p:nvSpPr>
+        <p:spPr/>
+        <p:txBody>
+          <a:bodyPr/>
+          <a:lstStyle/>
+          <a:p>
+            <a:fld id="{4E5CB9D8-5690-495B-B731-214319CDC83B}" type="slidenum">
+              <a:rPr lang="zh-TW" altLang="en-US" smtClean="0"/>
+              <a:t>29</a:t>
+            </a:fld>
+            <a:endParaRPr lang="zh-TW" altLang="en-US"/>
+          </a:p>
+        </p:txBody>
+      </p:sp>
+    </p:spTree>
+    <p:extLst>
+      <p:ext uri="{BB962C8B-B14F-4D97-AF65-F5344CB8AC3E}">
+        <p14:creationId xmlns:p14="http://schemas.microsoft.com/office/powerpoint/2010/main" val="848929834"/>
+      </p:ext>
+    </p:extLst>
+  </p:cSld>
+  <p:clrMapOvr>
+    <a:masterClrMapping/>
+  </p:clrMapOvr>
+</p:notes>
+</file>
+
 <file path=ppt/slideLayouts/slideLayout1.xml><?xml version="1.0" encoding="utf-8"?>
 <p:sldLayout xmlns:a="http://schemas.openxmlformats.org/drawingml/2006/main" xmlns:r="http://schemas.openxmlformats.org/officeDocument/2006/relationships" xmlns:p="http://schemas.openxmlformats.org/presentationml/2006/main" type="title" preserve="1">
   <p:cSld name="標題投影片">
@@ -2005,7 +1921,7 @@
           <a:p>
             <a:fld id="{60D366E2-F274-4D12-A619-2624D3AF2C59}" type="datetime1">
               <a:rPr lang="zh-TW" altLang="en-US" smtClean="0"/>
-              <a:t>2022/3/30</a:t>
+              <a:t>2022/7/3</a:t>
             </a:fld>
             <a:endParaRPr lang="zh-TW" altLang="en-US"/>
           </a:p>
@@ -2203,7 +2119,7 @@
           <a:p>
             <a:fld id="{FD284057-205F-4BD3-8BCA-46512D72934E}" type="datetime1">
               <a:rPr lang="zh-TW" altLang="en-US" smtClean="0"/>
-              <a:t>2022/3/30</a:t>
+              <a:t>2022/7/3</a:t>
             </a:fld>
             <a:endParaRPr lang="zh-TW" altLang="en-US"/>
           </a:p>
@@ -2411,7 +2327,7 @@
           <a:p>
             <a:fld id="{222F7F1F-CC56-45F0-8CED-145FD218908C}" type="datetime1">
               <a:rPr lang="zh-TW" altLang="en-US" smtClean="0"/>
-              <a:t>2022/3/30</a:t>
+              <a:t>2022/7/3</a:t>
             </a:fld>
             <a:endParaRPr lang="zh-TW" altLang="en-US"/>
           </a:p>
@@ -2612,7 +2528,7 @@
           <a:p>
             <a:fld id="{A17A1014-BFDD-41C4-910F-4961178F1808}" type="datetime1">
               <a:rPr lang="zh-TW" altLang="en-US" smtClean="0"/>
-              <a:t>2022/3/30</a:t>
+              <a:t>2022/7/3</a:t>
             </a:fld>
             <a:endParaRPr lang="zh-TW" altLang="en-US"/>
           </a:p>
@@ -2960,7 +2876,7 @@
           <a:p>
             <a:fld id="{7FC36EC9-7E1F-41EE-8D57-50DF76DDDD92}" type="datetime1">
               <a:rPr lang="zh-TW" altLang="en-US" smtClean="0"/>
-              <a:t>2022/3/30</a:t>
+              <a:t>2022/7/3</a:t>
             </a:fld>
             <a:endParaRPr lang="zh-TW" altLang="en-US"/>
           </a:p>
@@ -3225,7 +3141,7 @@
           <a:p>
             <a:fld id="{351931AC-CDA4-40CC-89D6-15D83A3E4204}" type="datetime1">
               <a:rPr lang="zh-TW" altLang="en-US" smtClean="0"/>
-              <a:t>2022/3/30</a:t>
+              <a:t>2022/7/3</a:t>
             </a:fld>
             <a:endParaRPr lang="zh-TW" altLang="en-US"/>
           </a:p>
@@ -3637,7 +3553,7 @@
           <a:p>
             <a:fld id="{8073E5D9-47F0-4EA7-901F-3D9D5E4358B2}" type="datetime1">
               <a:rPr lang="zh-TW" altLang="en-US" smtClean="0"/>
-              <a:t>2022/3/30</a:t>
+              <a:t>2022/7/3</a:t>
             </a:fld>
             <a:endParaRPr lang="zh-TW" altLang="en-US"/>
           </a:p>
@@ -3778,7 +3694,7 @@
           <a:p>
             <a:fld id="{32115004-8D0C-4E1C-A4E4-25EC459F908A}" type="datetime1">
               <a:rPr lang="zh-TW" altLang="en-US" smtClean="0"/>
-              <a:t>2022/3/30</a:t>
+              <a:t>2022/7/3</a:t>
             </a:fld>
             <a:endParaRPr lang="zh-TW" altLang="en-US"/>
           </a:p>
@@ -3891,7 +3807,7 @@
           <a:p>
             <a:fld id="{DB66AE4F-B398-451E-8963-9D62B4D0D094}" type="datetime1">
               <a:rPr lang="zh-TW" altLang="en-US" smtClean="0"/>
-              <a:t>2022/3/30</a:t>
+              <a:t>2022/7/3</a:t>
             </a:fld>
             <a:endParaRPr lang="zh-TW" altLang="en-US"/>
           </a:p>
@@ -4202,7 +4118,7 @@
           <a:p>
             <a:fld id="{8544C73D-0545-4321-A576-7482D623D31F}" type="datetime1">
               <a:rPr lang="zh-TW" altLang="en-US" smtClean="0"/>
-              <a:t>2022/3/30</a:t>
+              <a:t>2022/7/3</a:t>
             </a:fld>
             <a:endParaRPr lang="zh-TW" altLang="en-US"/>
           </a:p>
@@ -4490,7 +4406,7 @@
           <a:p>
             <a:fld id="{9391CDBC-FBDD-4C72-9496-71B1FB1C640A}" type="datetime1">
               <a:rPr lang="zh-TW" altLang="en-US" smtClean="0"/>
-              <a:t>2022/3/30</a:t>
+              <a:t>2022/7/3</a:t>
             </a:fld>
             <a:endParaRPr lang="zh-TW" altLang="en-US"/>
           </a:p>
@@ -4731,7 +4647,7 @@
           <a:p>
             <a:fld id="{4A4B1C5B-364C-48A5-8903-C3E4C2A70C45}" type="datetime1">
               <a:rPr lang="zh-TW" altLang="en-US" smtClean="0"/>
-              <a:t>2022/3/30</a:t>
+              <a:t>2022/7/3</a:t>
             </a:fld>
             <a:endParaRPr lang="zh-TW" altLang="en-US"/>
           </a:p>
@@ -5475,1331 +5391,6 @@
             <p:ph type="title"/>
           </p:nvPr>
         </p:nvSpPr>
-        <p:spPr>
-          <a:xfrm>
-            <a:off x="838200" y="376414"/>
-            <a:ext cx="10515600" cy="1325563"/>
-          </a:xfrm>
-        </p:spPr>
-        <p:txBody>
-          <a:bodyPr/>
-          <a:lstStyle/>
-          <a:p>
-            <a:r>
-              <a:rPr lang="en-US" altLang="zh-TW" dirty="0">
-                <a:latin typeface="Times New Roman" panose="02020603050405020304" pitchFamily="18" charset="0"/>
-                <a:cs typeface="Times New Roman" panose="02020603050405020304" pitchFamily="18" charset="0"/>
-              </a:rPr>
-              <a:t>Architecture</a:t>
-            </a:r>
-            <a:r>
-              <a:rPr lang="en-US" altLang="zh-TW" dirty="0"/>
-              <a:t> (2/13)</a:t>
-            </a:r>
-            <a:br>
-              <a:rPr lang="zh-TW" altLang="en-US" dirty="0"/>
-            </a:br>
-            <a:r>
-              <a:rPr lang="zh-TW" altLang="en-US" sz="3200" dirty="0"/>
-              <a:t>資料蒐集</a:t>
-            </a:r>
-            <a:r>
-              <a:rPr lang="en-US" altLang="zh-TW" sz="3200" dirty="0"/>
-              <a:t>—</a:t>
-            </a:r>
-            <a:r>
-              <a:rPr lang="zh-TW" altLang="en-US" sz="3200" dirty="0"/>
-              <a:t>股市新聞</a:t>
-            </a:r>
-          </a:p>
-        </p:txBody>
-      </p:sp>
-      <p:grpSp>
-        <p:nvGrpSpPr>
-          <p:cNvPr id="11" name="群組 10">
-            <a:extLst>
-              <a:ext uri="{FF2B5EF4-FFF2-40B4-BE49-F238E27FC236}">
-                <a16:creationId xmlns:a16="http://schemas.microsoft.com/office/drawing/2014/main" id="{6D0424EA-3E7E-41C5-AEF7-FC6203CBA727}"/>
-              </a:ext>
-            </a:extLst>
-          </p:cNvPr>
-          <p:cNvGrpSpPr/>
-          <p:nvPr/>
-        </p:nvGrpSpPr>
-        <p:grpSpPr>
-          <a:xfrm>
-            <a:off x="7846822" y="2024891"/>
-            <a:ext cx="1447832" cy="1286042"/>
-            <a:chOff x="7611431" y="1846549"/>
-            <a:chExt cx="1447832" cy="1286042"/>
-          </a:xfrm>
-        </p:grpSpPr>
-        <p:pic>
-          <p:nvPicPr>
-            <p:cNvPr id="7" name="內容版面配置區 4" descr="文件 外框">
-              <a:extLst>
-                <a:ext uri="{FF2B5EF4-FFF2-40B4-BE49-F238E27FC236}">
-                  <a16:creationId xmlns:a16="http://schemas.microsoft.com/office/drawing/2014/main" id="{8F3CB3AA-AD35-418F-89D2-5788A197A5D1}"/>
-                </a:ext>
-              </a:extLst>
-            </p:cNvPr>
-            <p:cNvPicPr>
-              <a:picLocks noChangeAspect="1"/>
-            </p:cNvPicPr>
-            <p:nvPr/>
-          </p:nvPicPr>
-          <p:blipFill>
-            <a:blip r:embed="rId2">
-              <a:extLst>
-                <a:ext uri="{28A0092B-C50C-407E-A947-70E740481C1C}">
-                  <a14:useLocalDpi xmlns:a14="http://schemas.microsoft.com/office/drawing/2010/main" val="0"/>
-                </a:ext>
-                <a:ext uri="{96DAC541-7B7A-43D3-8B79-37D633B846F1}">
-                  <asvg:svgBlip xmlns:asvg="http://schemas.microsoft.com/office/drawing/2016/SVG/main" r:embed="rId3"/>
-                </a:ext>
-              </a:extLst>
-            </a:blip>
-            <a:stretch>
-              <a:fillRect/>
-            </a:stretch>
-          </p:blipFill>
-          <p:spPr>
-            <a:xfrm>
-              <a:off x="7878147" y="2218191"/>
-              <a:ext cx="914400" cy="914400"/>
-            </a:xfrm>
-            <a:prstGeom prst="rect">
-              <a:avLst/>
-            </a:prstGeom>
-          </p:spPr>
-        </p:pic>
-        <p:sp>
-          <p:nvSpPr>
-            <p:cNvPr id="6" name="文字方塊 5">
-              <a:extLst>
-                <a:ext uri="{FF2B5EF4-FFF2-40B4-BE49-F238E27FC236}">
-                  <a16:creationId xmlns:a16="http://schemas.microsoft.com/office/drawing/2014/main" id="{60FDD00A-32EA-4EC3-B0CC-289E6B9EBDB1}"/>
-                </a:ext>
-              </a:extLst>
-            </p:cNvPr>
-            <p:cNvSpPr txBox="1"/>
-            <p:nvPr/>
-          </p:nvSpPr>
-          <p:spPr>
-            <a:xfrm>
-              <a:off x="7611431" y="1846549"/>
-              <a:ext cx="1447832" cy="369332"/>
-            </a:xfrm>
-            <a:prstGeom prst="rect">
-              <a:avLst/>
-            </a:prstGeom>
-            <a:noFill/>
-          </p:spPr>
-          <p:txBody>
-            <a:bodyPr wrap="none" rtlCol="0">
-              <a:spAutoFit/>
-            </a:bodyPr>
-            <a:lstStyle/>
-            <a:p>
-              <a:r>
-                <a:rPr lang="en-US" altLang="zh-TW" dirty="0">
-                  <a:latin typeface="Times New Roman" panose="02020603050405020304" pitchFamily="18" charset="0"/>
-                  <a:ea typeface="標楷體" panose="03000509000000000000" pitchFamily="65" charset="-120"/>
-                </a:rPr>
-                <a:t>Python</a:t>
-              </a:r>
-              <a:r>
-                <a:rPr lang="zh-TW" altLang="en-US" dirty="0">
-                  <a:latin typeface="Times New Roman" panose="02020603050405020304" pitchFamily="18" charset="0"/>
-                  <a:ea typeface="標楷體" panose="03000509000000000000" pitchFamily="65" charset="-120"/>
-                </a:rPr>
-                <a:t> </a:t>
-              </a:r>
-              <a:r>
-                <a:rPr lang="en-US" altLang="zh-TW" dirty="0">
-                  <a:latin typeface="Times New Roman" panose="02020603050405020304" pitchFamily="18" charset="0"/>
-                  <a:ea typeface="標楷體" panose="03000509000000000000" pitchFamily="65" charset="-120"/>
-                </a:rPr>
-                <a:t>Script</a:t>
-              </a:r>
-              <a:endParaRPr lang="zh-TW" altLang="en-US" dirty="0">
-                <a:latin typeface="Times New Roman" panose="02020603050405020304" pitchFamily="18" charset="0"/>
-                <a:ea typeface="標楷體" panose="03000509000000000000" pitchFamily="65" charset="-120"/>
-              </a:endParaRPr>
-            </a:p>
-          </p:txBody>
-        </p:sp>
-      </p:grpSp>
-      <p:grpSp>
-        <p:nvGrpSpPr>
-          <p:cNvPr id="9" name="群組 8">
-            <a:extLst>
-              <a:ext uri="{FF2B5EF4-FFF2-40B4-BE49-F238E27FC236}">
-                <a16:creationId xmlns:a16="http://schemas.microsoft.com/office/drawing/2014/main" id="{6EBD9C35-F987-44FB-BC72-CBB96CC49FBD}"/>
-              </a:ext>
-            </a:extLst>
-          </p:cNvPr>
-          <p:cNvGrpSpPr/>
-          <p:nvPr/>
-        </p:nvGrpSpPr>
-        <p:grpSpPr>
-          <a:xfrm>
-            <a:off x="1448555" y="2143186"/>
-            <a:ext cx="2649048" cy="1167747"/>
-            <a:chOff x="2480650" y="1964843"/>
-            <a:chExt cx="2649048" cy="1167747"/>
-          </a:xfrm>
-        </p:grpSpPr>
-        <p:pic>
-          <p:nvPicPr>
-            <p:cNvPr id="2050" name="Picture 2" descr="富果評價好嗎？《市場先生評測玉山富果帳戶》 - Mr.Market市場先生">
-              <a:extLst>
-                <a:ext uri="{FF2B5EF4-FFF2-40B4-BE49-F238E27FC236}">
-                  <a16:creationId xmlns:a16="http://schemas.microsoft.com/office/drawing/2014/main" id="{4D2564F3-7C94-48F4-8417-C9A548B41C01}"/>
-                </a:ext>
-              </a:extLst>
-            </p:cNvPr>
-            <p:cNvPicPr>
-              <a:picLocks noChangeAspect="1" noChangeArrowheads="1"/>
-            </p:cNvPicPr>
-            <p:nvPr/>
-          </p:nvPicPr>
-          <p:blipFill>
-            <a:blip r:embed="rId4">
-              <a:extLst>
-                <a:ext uri="{28A0092B-C50C-407E-A947-70E740481C1C}">
-                  <a14:useLocalDpi xmlns:a14="http://schemas.microsoft.com/office/drawing/2010/main" val="0"/>
-                </a:ext>
-              </a:extLst>
-            </a:blip>
-            <a:srcRect/>
-            <a:stretch>
-              <a:fillRect/>
-            </a:stretch>
-          </p:blipFill>
-          <p:spPr bwMode="auto">
-            <a:xfrm>
-              <a:off x="2480650" y="2334175"/>
-              <a:ext cx="2649048" cy="798415"/>
-            </a:xfrm>
-            <a:prstGeom prst="rect">
-              <a:avLst/>
-            </a:prstGeom>
-            <a:noFill/>
-            <a:extLst>
-              <a:ext uri="{909E8E84-426E-40DD-AFC4-6F175D3DCCD1}">
-                <a14:hiddenFill xmlns:a14="http://schemas.microsoft.com/office/drawing/2010/main">
-                  <a:solidFill>
-                    <a:srgbClr val="FFFFFF"/>
-                  </a:solidFill>
-                </a14:hiddenFill>
-              </a:ext>
-            </a:extLst>
-          </p:spPr>
-        </p:pic>
-        <p:sp>
-          <p:nvSpPr>
-            <p:cNvPr id="10" name="文字方塊 9">
-              <a:extLst>
-                <a:ext uri="{FF2B5EF4-FFF2-40B4-BE49-F238E27FC236}">
-                  <a16:creationId xmlns:a16="http://schemas.microsoft.com/office/drawing/2014/main" id="{026814E2-F978-4902-B245-8C141D2F3C8C}"/>
-                </a:ext>
-              </a:extLst>
-            </p:cNvPr>
-            <p:cNvSpPr txBox="1"/>
-            <p:nvPr/>
-          </p:nvSpPr>
-          <p:spPr>
-            <a:xfrm>
-              <a:off x="3264000" y="1964843"/>
-              <a:ext cx="1082348" cy="369332"/>
-            </a:xfrm>
-            <a:prstGeom prst="rect">
-              <a:avLst/>
-            </a:prstGeom>
-            <a:noFill/>
-          </p:spPr>
-          <p:txBody>
-            <a:bodyPr wrap="none" rtlCol="0">
-              <a:spAutoFit/>
-            </a:bodyPr>
-            <a:lstStyle/>
-            <a:p>
-              <a:r>
-                <a:rPr lang="en-US" altLang="zh-TW" dirty="0">
-                  <a:latin typeface="Times New Roman" panose="02020603050405020304" pitchFamily="18" charset="0"/>
-                  <a:ea typeface="標楷體" panose="03000509000000000000" pitchFamily="65" charset="-120"/>
-                </a:rPr>
-                <a:t>FugleAPI</a:t>
-              </a:r>
-              <a:endParaRPr lang="zh-TW" altLang="en-US" dirty="0">
-                <a:latin typeface="Times New Roman" panose="02020603050405020304" pitchFamily="18" charset="0"/>
-                <a:ea typeface="標楷體" panose="03000509000000000000" pitchFamily="65" charset="-120"/>
-              </a:endParaRPr>
-            </a:p>
-          </p:txBody>
-        </p:sp>
-      </p:grpSp>
-      <p:sp>
-        <p:nvSpPr>
-          <p:cNvPr id="17" name="箭號: 向左 16">
-            <a:extLst>
-              <a:ext uri="{FF2B5EF4-FFF2-40B4-BE49-F238E27FC236}">
-                <a16:creationId xmlns:a16="http://schemas.microsoft.com/office/drawing/2014/main" id="{D1453FF8-2E7E-417E-BB2C-DD7795A35FF0}"/>
-              </a:ext>
-            </a:extLst>
-          </p:cNvPr>
-          <p:cNvSpPr/>
-          <p:nvPr/>
-        </p:nvSpPr>
-        <p:spPr>
-          <a:xfrm>
-            <a:off x="4585131" y="2394223"/>
-            <a:ext cx="2263366" cy="251037"/>
-          </a:xfrm>
-          <a:prstGeom prst="leftArrow">
-            <a:avLst/>
-          </a:prstGeom>
-        </p:spPr>
-        <p:style>
-          <a:lnRef idx="2">
-            <a:schemeClr val="accent1">
-              <a:shade val="50000"/>
-            </a:schemeClr>
-          </a:lnRef>
-          <a:fillRef idx="1">
-            <a:schemeClr val="accent1"/>
-          </a:fillRef>
-          <a:effectRef idx="0">
-            <a:schemeClr val="accent1"/>
-          </a:effectRef>
-          <a:fontRef idx="minor">
-            <a:schemeClr val="lt1"/>
-          </a:fontRef>
-        </p:style>
-        <p:txBody>
-          <a:bodyPr rtlCol="0" anchor="ctr"/>
-          <a:lstStyle/>
-          <a:p>
-            <a:pPr algn="ctr"/>
-            <a:endParaRPr lang="zh-TW" altLang="en-US"/>
-          </a:p>
-        </p:txBody>
-      </p:sp>
-      <p:sp>
-        <p:nvSpPr>
-          <p:cNvPr id="19" name="文字方塊 18">
-            <a:extLst>
-              <a:ext uri="{FF2B5EF4-FFF2-40B4-BE49-F238E27FC236}">
-                <a16:creationId xmlns:a16="http://schemas.microsoft.com/office/drawing/2014/main" id="{65E873E2-6CFD-4976-AE7C-D497F899DE97}"/>
-              </a:ext>
-            </a:extLst>
-          </p:cNvPr>
-          <p:cNvSpPr txBox="1"/>
-          <p:nvPr/>
-        </p:nvSpPr>
-        <p:spPr>
-          <a:xfrm>
-            <a:off x="4816567" y="1737759"/>
-            <a:ext cx="1800493" cy="646331"/>
-          </a:xfrm>
-          <a:prstGeom prst="rect">
-            <a:avLst/>
-          </a:prstGeom>
-          <a:noFill/>
-        </p:spPr>
-        <p:txBody>
-          <a:bodyPr wrap="none" rtlCol="0">
-            <a:spAutoFit/>
-          </a:bodyPr>
-          <a:lstStyle/>
-          <a:p>
-            <a:r>
-              <a:rPr lang="en-US" altLang="zh-TW" dirty="0">
-                <a:latin typeface="Times New Roman" panose="02020603050405020304" pitchFamily="18" charset="0"/>
-                <a:ea typeface="標楷體" panose="03000509000000000000" pitchFamily="65" charset="-120"/>
-              </a:rPr>
-              <a:t>GET method:</a:t>
-            </a:r>
-          </a:p>
-          <a:p>
-            <a:r>
-              <a:rPr lang="zh-TW" altLang="en-US" dirty="0">
-                <a:latin typeface="Times New Roman" panose="02020603050405020304" pitchFamily="18" charset="0"/>
-                <a:ea typeface="標楷體" panose="03000509000000000000" pitchFamily="65" charset="-120"/>
-              </a:rPr>
-              <a:t>日期、股票代號</a:t>
-            </a:r>
-          </a:p>
-        </p:txBody>
-      </p:sp>
-      <p:sp>
-        <p:nvSpPr>
-          <p:cNvPr id="22" name="箭號: 向左 21">
-            <a:extLst>
-              <a:ext uri="{FF2B5EF4-FFF2-40B4-BE49-F238E27FC236}">
-                <a16:creationId xmlns:a16="http://schemas.microsoft.com/office/drawing/2014/main" id="{AF20622D-E672-4CB5-88EC-8274540B41E5}"/>
-              </a:ext>
-            </a:extLst>
-          </p:cNvPr>
-          <p:cNvSpPr/>
-          <p:nvPr/>
-        </p:nvSpPr>
-        <p:spPr>
-          <a:xfrm flipH="1">
-            <a:off x="4585130" y="2812285"/>
-            <a:ext cx="2263366" cy="251037"/>
-          </a:xfrm>
-          <a:prstGeom prst="leftArrow">
-            <a:avLst/>
-          </a:prstGeom>
-        </p:spPr>
-        <p:style>
-          <a:lnRef idx="2">
-            <a:schemeClr val="accent1">
-              <a:shade val="50000"/>
-            </a:schemeClr>
-          </a:lnRef>
-          <a:fillRef idx="1">
-            <a:schemeClr val="accent1"/>
-          </a:fillRef>
-          <a:effectRef idx="0">
-            <a:schemeClr val="accent1"/>
-          </a:effectRef>
-          <a:fontRef idx="minor">
-            <a:schemeClr val="lt1"/>
-          </a:fontRef>
-        </p:style>
-        <p:txBody>
-          <a:bodyPr rtlCol="0" anchor="ctr"/>
-          <a:lstStyle/>
-          <a:p>
-            <a:pPr algn="ctr"/>
-            <a:endParaRPr lang="zh-TW" altLang="en-US"/>
-          </a:p>
-        </p:txBody>
-      </p:sp>
-      <p:sp>
-        <p:nvSpPr>
-          <p:cNvPr id="23" name="文字方塊 22">
-            <a:extLst>
-              <a:ext uri="{FF2B5EF4-FFF2-40B4-BE49-F238E27FC236}">
-                <a16:creationId xmlns:a16="http://schemas.microsoft.com/office/drawing/2014/main" id="{1A797446-CA0E-47DE-B264-3AF7D21D531F}"/>
-              </a:ext>
-            </a:extLst>
-          </p:cNvPr>
-          <p:cNvSpPr txBox="1"/>
-          <p:nvPr/>
-        </p:nvSpPr>
-        <p:spPr>
-          <a:xfrm>
-            <a:off x="4787329" y="3126267"/>
-            <a:ext cx="2262158" cy="369332"/>
-          </a:xfrm>
-          <a:prstGeom prst="rect">
-            <a:avLst/>
-          </a:prstGeom>
-          <a:noFill/>
-        </p:spPr>
-        <p:txBody>
-          <a:bodyPr wrap="none" rtlCol="0">
-            <a:spAutoFit/>
-          </a:bodyPr>
-          <a:lstStyle/>
-          <a:p>
-            <a:r>
-              <a:rPr lang="zh-TW" altLang="en-US" dirty="0">
-                <a:latin typeface="Times New Roman" panose="02020603050405020304" pitchFamily="18" charset="0"/>
-                <a:ea typeface="標楷體" panose="03000509000000000000" pitchFamily="65" charset="-120"/>
-              </a:rPr>
-              <a:t>日期當天的新聞內容</a:t>
-            </a:r>
-          </a:p>
-        </p:txBody>
-      </p:sp>
-      <p:graphicFrame>
-        <p:nvGraphicFramePr>
-          <p:cNvPr id="24" name="表格 23">
-            <a:extLst>
-              <a:ext uri="{FF2B5EF4-FFF2-40B4-BE49-F238E27FC236}">
-                <a16:creationId xmlns:a16="http://schemas.microsoft.com/office/drawing/2014/main" id="{9BE4F70F-981C-4918-ABE2-3689F2399B21}"/>
-              </a:ext>
-            </a:extLst>
-          </p:cNvPr>
-          <p:cNvGraphicFramePr>
-            <a:graphicFrameLocks noGrp="1"/>
-          </p:cNvGraphicFramePr>
-          <p:nvPr>
-            <p:extLst>
-              <p:ext uri="{D42A27DB-BD31-4B8C-83A1-F6EECF244321}">
-                <p14:modId xmlns:p14="http://schemas.microsoft.com/office/powerpoint/2010/main" val="1424364729"/>
-              </p:ext>
-            </p:extLst>
-          </p:nvPr>
-        </p:nvGraphicFramePr>
-        <p:xfrm>
-          <a:off x="4350121" y="3654886"/>
-          <a:ext cx="3136574" cy="1594229"/>
-        </p:xfrm>
-        <a:graphic>
-          <a:graphicData uri="http://schemas.openxmlformats.org/drawingml/2006/table">
-            <a:tbl>
-              <a:tblPr firstRow="1" firstCol="1" bandRow="1">
-                <a:tableStyleId>{5C22544A-7EE6-4342-B048-85BDC9FD1C3A}</a:tableStyleId>
-              </a:tblPr>
-              <a:tblGrid>
-                <a:gridCol w="1568287">
-                  <a:extLst>
-                    <a:ext uri="{9D8B030D-6E8A-4147-A177-3AD203B41FA5}">
-                      <a16:colId xmlns:a16="http://schemas.microsoft.com/office/drawing/2014/main" val="3001273113"/>
-                    </a:ext>
-                  </a:extLst>
-                </a:gridCol>
-                <a:gridCol w="1568287">
-                  <a:extLst>
-                    <a:ext uri="{9D8B030D-6E8A-4147-A177-3AD203B41FA5}">
-                      <a16:colId xmlns:a16="http://schemas.microsoft.com/office/drawing/2014/main" val="4193152667"/>
-                    </a:ext>
-                  </a:extLst>
-                </a:gridCol>
-              </a:tblGrid>
-              <a:tr h="227747">
-                <a:tc>
-                  <a:txBody>
-                    <a:bodyPr/>
-                    <a:lstStyle/>
-                    <a:p>
-                      <a:pPr algn="ctr">
-                        <a:spcBef>
-                          <a:spcPts val="600"/>
-                        </a:spcBef>
-                        <a:spcAft>
-                          <a:spcPts val="600"/>
-                        </a:spcAft>
-                      </a:pPr>
-                      <a:r>
-                        <a:rPr lang="zh-TW" sz="1400" baseline="0" dirty="0">
-                          <a:effectLst/>
-                          <a:latin typeface="Times New Roman" panose="02020603050405020304" pitchFamily="18" charset="0"/>
-                          <a:ea typeface="標楷體" panose="03000509000000000000" pitchFamily="65" charset="-120"/>
-                        </a:rPr>
-                        <a:t>欄位</a:t>
-                      </a:r>
-                      <a:endParaRPr lang="zh-TW" sz="1400" baseline="0" dirty="0">
-                        <a:effectLst/>
-                        <a:latin typeface="Times New Roman" panose="02020603050405020304" pitchFamily="18" charset="0"/>
-                        <a:ea typeface="標楷體" panose="03000509000000000000" pitchFamily="65" charset="-120"/>
-                        <a:cs typeface="新細明體" panose="02020500000000000000" pitchFamily="18" charset="-120"/>
-                      </a:endParaRPr>
-                    </a:p>
-                  </a:txBody>
-                  <a:tcPr marL="68580" marR="68580" marT="0" marB="0"/>
-                </a:tc>
-                <a:tc>
-                  <a:txBody>
-                    <a:bodyPr/>
-                    <a:lstStyle/>
-                    <a:p>
-                      <a:pPr algn="ctr">
-                        <a:spcBef>
-                          <a:spcPts val="600"/>
-                        </a:spcBef>
-                        <a:spcAft>
-                          <a:spcPts val="600"/>
-                        </a:spcAft>
-                      </a:pPr>
-                      <a:r>
-                        <a:rPr lang="zh-TW" sz="1400" baseline="0" dirty="0">
-                          <a:effectLst/>
-                          <a:latin typeface="Times New Roman" panose="02020603050405020304" pitchFamily="18" charset="0"/>
-                          <a:ea typeface="標楷體" panose="03000509000000000000" pitchFamily="65" charset="-120"/>
-                        </a:rPr>
-                        <a:t>欄位敘述</a:t>
-                      </a:r>
-                      <a:endParaRPr lang="zh-TW" sz="1400" baseline="0" dirty="0">
-                        <a:effectLst/>
-                        <a:latin typeface="Times New Roman" panose="02020603050405020304" pitchFamily="18" charset="0"/>
-                        <a:ea typeface="標楷體" panose="03000509000000000000" pitchFamily="65" charset="-120"/>
-                        <a:cs typeface="新細明體" panose="02020500000000000000" pitchFamily="18" charset="-120"/>
-                      </a:endParaRPr>
-                    </a:p>
-                  </a:txBody>
-                  <a:tcPr marL="68580" marR="68580" marT="0" marB="0"/>
-                </a:tc>
-                <a:extLst>
-                  <a:ext uri="{0D108BD9-81ED-4DB2-BD59-A6C34878D82A}">
-                    <a16:rowId xmlns:a16="http://schemas.microsoft.com/office/drawing/2014/main" val="1671333131"/>
-                  </a:ext>
-                </a:extLst>
-              </a:tr>
-              <a:tr h="227747">
-                <a:tc>
-                  <a:txBody>
-                    <a:bodyPr/>
-                    <a:lstStyle/>
-                    <a:p>
-                      <a:pPr algn="ctr">
-                        <a:spcBef>
-                          <a:spcPts val="600"/>
-                        </a:spcBef>
-                        <a:spcAft>
-                          <a:spcPts val="600"/>
-                        </a:spcAft>
-                      </a:pPr>
-                      <a:r>
-                        <a:rPr lang="en-US" sz="1400" baseline="0" dirty="0">
-                          <a:effectLst/>
-                          <a:latin typeface="Times New Roman" panose="02020603050405020304" pitchFamily="18" charset="0"/>
-                          <a:ea typeface="標楷體" panose="03000509000000000000" pitchFamily="65" charset="-120"/>
-                        </a:rPr>
-                        <a:t>_id</a:t>
-                      </a:r>
-                      <a:endParaRPr lang="zh-TW" sz="1400" baseline="0" dirty="0">
-                        <a:effectLst/>
-                        <a:latin typeface="Times New Roman" panose="02020603050405020304" pitchFamily="18" charset="0"/>
-                        <a:ea typeface="標楷體" panose="03000509000000000000" pitchFamily="65" charset="-120"/>
-                        <a:cs typeface="新細明體" panose="02020500000000000000" pitchFamily="18" charset="-120"/>
-                      </a:endParaRPr>
-                    </a:p>
-                  </a:txBody>
-                  <a:tcPr marL="68580" marR="68580" marT="0" marB="0"/>
-                </a:tc>
-                <a:tc>
-                  <a:txBody>
-                    <a:bodyPr/>
-                    <a:lstStyle/>
-                    <a:p>
-                      <a:pPr algn="ctr">
-                        <a:spcBef>
-                          <a:spcPts val="600"/>
-                        </a:spcBef>
-                        <a:spcAft>
-                          <a:spcPts val="600"/>
-                        </a:spcAft>
-                      </a:pPr>
-                      <a:r>
-                        <a:rPr lang="zh-TW" sz="1400" baseline="0" dirty="0">
-                          <a:effectLst/>
-                          <a:latin typeface="Times New Roman" panose="02020603050405020304" pitchFamily="18" charset="0"/>
-                          <a:ea typeface="標楷體" panose="03000509000000000000" pitchFamily="65" charset="-120"/>
-                        </a:rPr>
-                        <a:t>新聞</a:t>
-                      </a:r>
-                      <a:r>
-                        <a:rPr lang="en-US" sz="1400" baseline="0" dirty="0">
-                          <a:effectLst/>
-                          <a:latin typeface="Times New Roman" panose="02020603050405020304" pitchFamily="18" charset="0"/>
-                          <a:ea typeface="標楷體" panose="03000509000000000000" pitchFamily="65" charset="-120"/>
-                        </a:rPr>
-                        <a:t>ID</a:t>
-                      </a:r>
-                      <a:endParaRPr lang="zh-TW" sz="1400" baseline="0" dirty="0">
-                        <a:effectLst/>
-                        <a:latin typeface="Times New Roman" panose="02020603050405020304" pitchFamily="18" charset="0"/>
-                        <a:ea typeface="標楷體" panose="03000509000000000000" pitchFamily="65" charset="-120"/>
-                        <a:cs typeface="新細明體" panose="02020500000000000000" pitchFamily="18" charset="-120"/>
-                      </a:endParaRPr>
-                    </a:p>
-                  </a:txBody>
-                  <a:tcPr marL="68580" marR="68580" marT="0" marB="0"/>
-                </a:tc>
-                <a:extLst>
-                  <a:ext uri="{0D108BD9-81ED-4DB2-BD59-A6C34878D82A}">
-                    <a16:rowId xmlns:a16="http://schemas.microsoft.com/office/drawing/2014/main" val="561764986"/>
-                  </a:ext>
-                </a:extLst>
-              </a:tr>
-              <a:tr h="227747">
-                <a:tc>
-                  <a:txBody>
-                    <a:bodyPr/>
-                    <a:lstStyle/>
-                    <a:p>
-                      <a:pPr algn="ctr">
-                        <a:spcBef>
-                          <a:spcPts val="600"/>
-                        </a:spcBef>
-                        <a:spcAft>
-                          <a:spcPts val="600"/>
-                        </a:spcAft>
-                      </a:pPr>
-                      <a:r>
-                        <a:rPr lang="en-US" sz="1400" baseline="0">
-                          <a:effectLst/>
-                          <a:latin typeface="Times New Roman" panose="02020603050405020304" pitchFamily="18" charset="0"/>
-                          <a:ea typeface="標楷體" panose="03000509000000000000" pitchFamily="65" charset="-120"/>
-                        </a:rPr>
-                        <a:t>title</a:t>
-                      </a:r>
-                      <a:endParaRPr lang="zh-TW" sz="1400" baseline="0">
-                        <a:effectLst/>
-                        <a:latin typeface="Times New Roman" panose="02020603050405020304" pitchFamily="18" charset="0"/>
-                        <a:ea typeface="標楷體" panose="03000509000000000000" pitchFamily="65" charset="-120"/>
-                        <a:cs typeface="新細明體" panose="02020500000000000000" pitchFamily="18" charset="-120"/>
-                      </a:endParaRPr>
-                    </a:p>
-                  </a:txBody>
-                  <a:tcPr marL="68580" marR="68580" marT="0" marB="0"/>
-                </a:tc>
-                <a:tc>
-                  <a:txBody>
-                    <a:bodyPr/>
-                    <a:lstStyle/>
-                    <a:p>
-                      <a:pPr algn="ctr">
-                        <a:spcBef>
-                          <a:spcPts val="600"/>
-                        </a:spcBef>
-                        <a:spcAft>
-                          <a:spcPts val="600"/>
-                        </a:spcAft>
-                      </a:pPr>
-                      <a:r>
-                        <a:rPr lang="zh-TW" sz="1400" baseline="0" dirty="0">
-                          <a:effectLst/>
-                          <a:latin typeface="Times New Roman" panose="02020603050405020304" pitchFamily="18" charset="0"/>
-                          <a:ea typeface="標楷體" panose="03000509000000000000" pitchFamily="65" charset="-120"/>
-                        </a:rPr>
-                        <a:t>新聞標題</a:t>
-                      </a:r>
-                      <a:endParaRPr lang="zh-TW" sz="1400" baseline="0" dirty="0">
-                        <a:effectLst/>
-                        <a:latin typeface="Times New Roman" panose="02020603050405020304" pitchFamily="18" charset="0"/>
-                        <a:ea typeface="標楷體" panose="03000509000000000000" pitchFamily="65" charset="-120"/>
-                        <a:cs typeface="新細明體" panose="02020500000000000000" pitchFamily="18" charset="-120"/>
-                      </a:endParaRPr>
-                    </a:p>
-                  </a:txBody>
-                  <a:tcPr marL="68580" marR="68580" marT="0" marB="0"/>
-                </a:tc>
-                <a:extLst>
-                  <a:ext uri="{0D108BD9-81ED-4DB2-BD59-A6C34878D82A}">
-                    <a16:rowId xmlns:a16="http://schemas.microsoft.com/office/drawing/2014/main" val="3005859253"/>
-                  </a:ext>
-                </a:extLst>
-              </a:tr>
-              <a:tr h="227747">
-                <a:tc>
-                  <a:txBody>
-                    <a:bodyPr/>
-                    <a:lstStyle/>
-                    <a:p>
-                      <a:pPr algn="ctr">
-                        <a:spcBef>
-                          <a:spcPts val="600"/>
-                        </a:spcBef>
-                        <a:spcAft>
-                          <a:spcPts val="600"/>
-                        </a:spcAft>
-                      </a:pPr>
-                      <a:r>
-                        <a:rPr lang="en-US" sz="1400" baseline="0" dirty="0">
-                          <a:effectLst/>
-                          <a:latin typeface="Times New Roman" panose="02020603050405020304" pitchFamily="18" charset="0"/>
-                          <a:ea typeface="標楷體" panose="03000509000000000000" pitchFamily="65" charset="-120"/>
-                        </a:rPr>
-                        <a:t>content</a:t>
-                      </a:r>
-                      <a:endParaRPr lang="zh-TW" sz="1400" baseline="0" dirty="0">
-                        <a:effectLst/>
-                        <a:latin typeface="Times New Roman" panose="02020603050405020304" pitchFamily="18" charset="0"/>
-                        <a:ea typeface="標楷體" panose="03000509000000000000" pitchFamily="65" charset="-120"/>
-                        <a:cs typeface="新細明體" panose="02020500000000000000" pitchFamily="18" charset="-120"/>
-                      </a:endParaRPr>
-                    </a:p>
-                  </a:txBody>
-                  <a:tcPr marL="68580" marR="68580" marT="0" marB="0"/>
-                </a:tc>
-                <a:tc>
-                  <a:txBody>
-                    <a:bodyPr/>
-                    <a:lstStyle/>
-                    <a:p>
-                      <a:pPr algn="ctr">
-                        <a:spcBef>
-                          <a:spcPts val="600"/>
-                        </a:spcBef>
-                        <a:spcAft>
-                          <a:spcPts val="600"/>
-                        </a:spcAft>
-                      </a:pPr>
-                      <a:r>
-                        <a:rPr lang="zh-TW" sz="1400" baseline="0">
-                          <a:effectLst/>
-                          <a:latin typeface="Times New Roman" panose="02020603050405020304" pitchFamily="18" charset="0"/>
-                          <a:ea typeface="標楷體" panose="03000509000000000000" pitchFamily="65" charset="-120"/>
-                        </a:rPr>
-                        <a:t>新聞內容</a:t>
-                      </a:r>
-                      <a:endParaRPr lang="zh-TW" sz="1400" baseline="0">
-                        <a:effectLst/>
-                        <a:latin typeface="Times New Roman" panose="02020603050405020304" pitchFamily="18" charset="0"/>
-                        <a:ea typeface="標楷體" panose="03000509000000000000" pitchFamily="65" charset="-120"/>
-                        <a:cs typeface="新細明體" panose="02020500000000000000" pitchFamily="18" charset="-120"/>
-                      </a:endParaRPr>
-                    </a:p>
-                  </a:txBody>
-                  <a:tcPr marL="68580" marR="68580" marT="0" marB="0"/>
-                </a:tc>
-                <a:extLst>
-                  <a:ext uri="{0D108BD9-81ED-4DB2-BD59-A6C34878D82A}">
-                    <a16:rowId xmlns:a16="http://schemas.microsoft.com/office/drawing/2014/main" val="246962393"/>
-                  </a:ext>
-                </a:extLst>
-              </a:tr>
-              <a:tr h="227747">
-                <a:tc>
-                  <a:txBody>
-                    <a:bodyPr/>
-                    <a:lstStyle/>
-                    <a:p>
-                      <a:pPr algn="ctr">
-                        <a:spcBef>
-                          <a:spcPts val="600"/>
-                        </a:spcBef>
-                        <a:spcAft>
-                          <a:spcPts val="600"/>
-                        </a:spcAft>
-                      </a:pPr>
-                      <a:r>
-                        <a:rPr lang="en-US" sz="1400" baseline="0">
-                          <a:effectLst/>
-                          <a:latin typeface="Times New Roman" panose="02020603050405020304" pitchFamily="18" charset="0"/>
-                          <a:ea typeface="標楷體" panose="03000509000000000000" pitchFamily="65" charset="-120"/>
-                        </a:rPr>
-                        <a:t>source</a:t>
-                      </a:r>
-                      <a:endParaRPr lang="zh-TW" sz="1400" baseline="0">
-                        <a:effectLst/>
-                        <a:latin typeface="Times New Roman" panose="02020603050405020304" pitchFamily="18" charset="0"/>
-                        <a:ea typeface="標楷體" panose="03000509000000000000" pitchFamily="65" charset="-120"/>
-                        <a:cs typeface="新細明體" panose="02020500000000000000" pitchFamily="18" charset="-120"/>
-                      </a:endParaRPr>
-                    </a:p>
-                  </a:txBody>
-                  <a:tcPr marL="68580" marR="68580" marT="0" marB="0"/>
-                </a:tc>
-                <a:tc>
-                  <a:txBody>
-                    <a:bodyPr/>
-                    <a:lstStyle/>
-                    <a:p>
-                      <a:pPr algn="ctr">
-                        <a:spcBef>
-                          <a:spcPts val="600"/>
-                        </a:spcBef>
-                        <a:spcAft>
-                          <a:spcPts val="600"/>
-                        </a:spcAft>
-                      </a:pPr>
-                      <a:r>
-                        <a:rPr lang="zh-TW" sz="1400" baseline="0" dirty="0">
-                          <a:effectLst/>
-                          <a:latin typeface="Times New Roman" panose="02020603050405020304" pitchFamily="18" charset="0"/>
-                          <a:ea typeface="標楷體" panose="03000509000000000000" pitchFamily="65" charset="-120"/>
-                        </a:rPr>
-                        <a:t>出版新聞報社</a:t>
-                      </a:r>
-                      <a:endParaRPr lang="zh-TW" sz="1400" baseline="0" dirty="0">
-                        <a:effectLst/>
-                        <a:latin typeface="Times New Roman" panose="02020603050405020304" pitchFamily="18" charset="0"/>
-                        <a:ea typeface="標楷體" panose="03000509000000000000" pitchFamily="65" charset="-120"/>
-                        <a:cs typeface="新細明體" panose="02020500000000000000" pitchFamily="18" charset="-120"/>
-                      </a:endParaRPr>
-                    </a:p>
-                  </a:txBody>
-                  <a:tcPr marL="68580" marR="68580" marT="0" marB="0"/>
-                </a:tc>
-                <a:extLst>
-                  <a:ext uri="{0D108BD9-81ED-4DB2-BD59-A6C34878D82A}">
-                    <a16:rowId xmlns:a16="http://schemas.microsoft.com/office/drawing/2014/main" val="999224936"/>
-                  </a:ext>
-                </a:extLst>
-              </a:tr>
-              <a:tr h="227747">
-                <a:tc>
-                  <a:txBody>
-                    <a:bodyPr/>
-                    <a:lstStyle/>
-                    <a:p>
-                      <a:pPr algn="ctr">
-                        <a:spcBef>
-                          <a:spcPts val="600"/>
-                        </a:spcBef>
-                        <a:spcAft>
-                          <a:spcPts val="600"/>
-                        </a:spcAft>
-                      </a:pPr>
-                      <a:r>
-                        <a:rPr lang="en-US" sz="1400" baseline="0">
-                          <a:effectLst/>
-                          <a:latin typeface="Times New Roman" panose="02020603050405020304" pitchFamily="18" charset="0"/>
-                          <a:ea typeface="標楷體" panose="03000509000000000000" pitchFamily="65" charset="-120"/>
-                        </a:rPr>
-                        <a:t>timestamp</a:t>
-                      </a:r>
-                      <a:endParaRPr lang="zh-TW" sz="1400" baseline="0">
-                        <a:effectLst/>
-                        <a:latin typeface="Times New Roman" panose="02020603050405020304" pitchFamily="18" charset="0"/>
-                        <a:ea typeface="標楷體" panose="03000509000000000000" pitchFamily="65" charset="-120"/>
-                        <a:cs typeface="新細明體" panose="02020500000000000000" pitchFamily="18" charset="-120"/>
-                      </a:endParaRPr>
-                    </a:p>
-                  </a:txBody>
-                  <a:tcPr marL="68580" marR="68580" marT="0" marB="0"/>
-                </a:tc>
-                <a:tc>
-                  <a:txBody>
-                    <a:bodyPr/>
-                    <a:lstStyle/>
-                    <a:p>
-                      <a:pPr algn="ctr">
-                        <a:spcBef>
-                          <a:spcPts val="600"/>
-                        </a:spcBef>
-                        <a:spcAft>
-                          <a:spcPts val="600"/>
-                        </a:spcAft>
-                      </a:pPr>
-                      <a:r>
-                        <a:rPr lang="zh-TW" sz="1400" baseline="0">
-                          <a:effectLst/>
-                          <a:latin typeface="Times New Roman" panose="02020603050405020304" pitchFamily="18" charset="0"/>
-                          <a:ea typeface="標楷體" panose="03000509000000000000" pitchFamily="65" charset="-120"/>
-                        </a:rPr>
-                        <a:t>新聞發布時間戳</a:t>
-                      </a:r>
-                      <a:endParaRPr lang="zh-TW" sz="1400" baseline="0">
-                        <a:effectLst/>
-                        <a:latin typeface="Times New Roman" panose="02020603050405020304" pitchFamily="18" charset="0"/>
-                        <a:ea typeface="標楷體" panose="03000509000000000000" pitchFamily="65" charset="-120"/>
-                        <a:cs typeface="新細明體" panose="02020500000000000000" pitchFamily="18" charset="-120"/>
-                      </a:endParaRPr>
-                    </a:p>
-                  </a:txBody>
-                  <a:tcPr marL="68580" marR="68580" marT="0" marB="0"/>
-                </a:tc>
-                <a:extLst>
-                  <a:ext uri="{0D108BD9-81ED-4DB2-BD59-A6C34878D82A}">
-                    <a16:rowId xmlns:a16="http://schemas.microsoft.com/office/drawing/2014/main" val="1274452234"/>
-                  </a:ext>
-                </a:extLst>
-              </a:tr>
-              <a:tr h="227747">
-                <a:tc>
-                  <a:txBody>
-                    <a:bodyPr/>
-                    <a:lstStyle/>
-                    <a:p>
-                      <a:pPr algn="ctr">
-                        <a:spcBef>
-                          <a:spcPts val="600"/>
-                        </a:spcBef>
-                        <a:spcAft>
-                          <a:spcPts val="600"/>
-                        </a:spcAft>
-                      </a:pPr>
-                      <a:r>
-                        <a:rPr lang="en-US" sz="1400" baseline="0">
-                          <a:effectLst/>
-                          <a:latin typeface="Times New Roman" panose="02020603050405020304" pitchFamily="18" charset="0"/>
-                          <a:ea typeface="標楷體" panose="03000509000000000000" pitchFamily="65" charset="-120"/>
-                        </a:rPr>
-                        <a:t>url</a:t>
-                      </a:r>
-                      <a:endParaRPr lang="zh-TW" sz="1400" baseline="0">
-                        <a:effectLst/>
-                        <a:latin typeface="Times New Roman" panose="02020603050405020304" pitchFamily="18" charset="0"/>
-                        <a:ea typeface="標楷體" panose="03000509000000000000" pitchFamily="65" charset="-120"/>
-                        <a:cs typeface="新細明體" panose="02020500000000000000" pitchFamily="18" charset="-120"/>
-                      </a:endParaRPr>
-                    </a:p>
-                  </a:txBody>
-                  <a:tcPr marL="68580" marR="68580" marT="0" marB="0"/>
-                </a:tc>
-                <a:tc>
-                  <a:txBody>
-                    <a:bodyPr/>
-                    <a:lstStyle/>
-                    <a:p>
-                      <a:pPr algn="ctr">
-                        <a:spcBef>
-                          <a:spcPts val="600"/>
-                        </a:spcBef>
-                        <a:spcAft>
-                          <a:spcPts val="600"/>
-                        </a:spcAft>
-                      </a:pPr>
-                      <a:r>
-                        <a:rPr lang="zh-TW" sz="1400" baseline="0" dirty="0">
-                          <a:effectLst/>
-                          <a:latin typeface="Times New Roman" panose="02020603050405020304" pitchFamily="18" charset="0"/>
-                          <a:ea typeface="標楷體" panose="03000509000000000000" pitchFamily="65" charset="-120"/>
-                        </a:rPr>
-                        <a:t>新聞</a:t>
-                      </a:r>
-                      <a:r>
-                        <a:rPr lang="en-US" sz="1400" baseline="0" dirty="0">
-                          <a:effectLst/>
-                          <a:latin typeface="Times New Roman" panose="02020603050405020304" pitchFamily="18" charset="0"/>
-                          <a:ea typeface="標楷體" panose="03000509000000000000" pitchFamily="65" charset="-120"/>
-                        </a:rPr>
-                        <a:t>URL</a:t>
-                      </a:r>
-                      <a:endParaRPr lang="zh-TW" sz="1400" baseline="0" dirty="0">
-                        <a:effectLst/>
-                        <a:latin typeface="Times New Roman" panose="02020603050405020304" pitchFamily="18" charset="0"/>
-                        <a:ea typeface="標楷體" panose="03000509000000000000" pitchFamily="65" charset="-120"/>
-                        <a:cs typeface="新細明體" panose="02020500000000000000" pitchFamily="18" charset="-120"/>
-                      </a:endParaRPr>
-                    </a:p>
-                  </a:txBody>
-                  <a:tcPr marL="68580" marR="68580" marT="0" marB="0"/>
-                </a:tc>
-                <a:extLst>
-                  <a:ext uri="{0D108BD9-81ED-4DB2-BD59-A6C34878D82A}">
-                    <a16:rowId xmlns:a16="http://schemas.microsoft.com/office/drawing/2014/main" val="2785183241"/>
-                  </a:ext>
-                </a:extLst>
-              </a:tr>
-            </a:tbl>
-          </a:graphicData>
-        </a:graphic>
-      </p:graphicFrame>
-      <p:sp>
-        <p:nvSpPr>
-          <p:cNvPr id="27" name="內容版面配置區 2">
-            <a:extLst>
-              <a:ext uri="{FF2B5EF4-FFF2-40B4-BE49-F238E27FC236}">
-                <a16:creationId xmlns:a16="http://schemas.microsoft.com/office/drawing/2014/main" id="{CC5BBC44-FF86-4350-AFC3-A12269F419C3}"/>
-              </a:ext>
-            </a:extLst>
-          </p:cNvPr>
-          <p:cNvSpPr>
-            <a:spLocks noGrp="1"/>
-          </p:cNvSpPr>
-          <p:nvPr>
-            <p:ph idx="1"/>
-          </p:nvPr>
-        </p:nvSpPr>
-        <p:spPr>
-          <a:xfrm>
-            <a:off x="838200" y="5973846"/>
-            <a:ext cx="10515600" cy="1038058"/>
-          </a:xfrm>
-        </p:spPr>
-        <p:txBody>
-          <a:bodyPr>
-            <a:normAutofit/>
-          </a:bodyPr>
-          <a:lstStyle/>
-          <a:p>
-            <a:r>
-              <a:rPr lang="zh-TW" altLang="en-US" sz="2400" dirty="0"/>
-              <a:t>重複爬取並濾除重複新聞，擷取</a:t>
-            </a:r>
-            <a:r>
-              <a:rPr lang="en-US" altLang="zh-TW" sz="2400" dirty="0"/>
-              <a:t>2017</a:t>
-            </a:r>
-            <a:r>
-              <a:rPr lang="zh-TW" altLang="en-US" sz="2400" dirty="0"/>
-              <a:t>年</a:t>
-            </a:r>
-            <a:r>
-              <a:rPr lang="en-US" altLang="zh-TW" sz="2400" dirty="0"/>
-              <a:t>1</a:t>
-            </a:r>
-            <a:r>
-              <a:rPr lang="zh-TW" altLang="en-US" sz="2400" dirty="0"/>
-              <a:t>月</a:t>
-            </a:r>
-            <a:r>
-              <a:rPr lang="en-US" altLang="zh-TW" sz="2400" dirty="0"/>
-              <a:t>1</a:t>
-            </a:r>
-            <a:r>
-              <a:rPr lang="zh-TW" altLang="en-US" sz="2400" dirty="0"/>
-              <a:t>日至</a:t>
-            </a:r>
-            <a:r>
-              <a:rPr lang="en-US" altLang="zh-TW" sz="2400" dirty="0"/>
-              <a:t>2021</a:t>
-            </a:r>
-            <a:r>
-              <a:rPr lang="zh-TW" altLang="en-US" sz="2400" dirty="0"/>
-              <a:t>年</a:t>
-            </a:r>
-            <a:r>
-              <a:rPr lang="en-US" altLang="zh-TW" sz="2400" dirty="0"/>
-              <a:t>12</a:t>
-            </a:r>
-            <a:r>
-              <a:rPr lang="zh-TW" altLang="en-US" sz="2400" dirty="0"/>
-              <a:t>月</a:t>
-            </a:r>
-            <a:r>
-              <a:rPr lang="en-US" altLang="zh-TW" sz="2400" dirty="0"/>
-              <a:t>31</a:t>
-            </a:r>
-            <a:r>
-              <a:rPr lang="zh-TW" altLang="en-US" sz="2400" dirty="0"/>
-              <a:t>日的新聞資料</a:t>
-            </a:r>
-          </a:p>
-        </p:txBody>
-      </p:sp>
-      <p:sp>
-        <p:nvSpPr>
-          <p:cNvPr id="28" name="文字方塊 27">
-            <a:extLst>
-              <a:ext uri="{FF2B5EF4-FFF2-40B4-BE49-F238E27FC236}">
-                <a16:creationId xmlns:a16="http://schemas.microsoft.com/office/drawing/2014/main" id="{0CFCA68B-72E8-4CE3-9980-B490CD640062}"/>
-              </a:ext>
-            </a:extLst>
-          </p:cNvPr>
-          <p:cNvSpPr txBox="1"/>
-          <p:nvPr/>
-        </p:nvSpPr>
-        <p:spPr>
-          <a:xfrm>
-            <a:off x="5422118" y="5269902"/>
-            <a:ext cx="992579" cy="276999"/>
-          </a:xfrm>
-          <a:prstGeom prst="rect">
-            <a:avLst/>
-          </a:prstGeom>
-          <a:noFill/>
-        </p:spPr>
-        <p:txBody>
-          <a:bodyPr wrap="none" rtlCol="0">
-            <a:spAutoFit/>
-          </a:bodyPr>
-          <a:lstStyle/>
-          <a:p>
-            <a:r>
-              <a:rPr lang="zh-TW" altLang="en-US" sz="1200" dirty="0">
-                <a:latin typeface="Times New Roman" panose="02020603050405020304" pitchFamily="18" charset="0"/>
-                <a:ea typeface="標楷體" panose="03000509000000000000" pitchFamily="65" charset="-120"/>
-              </a:rPr>
-              <a:t>表 新聞欄位</a:t>
-            </a:r>
-          </a:p>
-        </p:txBody>
-      </p:sp>
-      <p:sp>
-        <p:nvSpPr>
-          <p:cNvPr id="3" name="投影片編號版面配置區 2">
-            <a:extLst>
-              <a:ext uri="{FF2B5EF4-FFF2-40B4-BE49-F238E27FC236}">
-                <a16:creationId xmlns:a16="http://schemas.microsoft.com/office/drawing/2014/main" id="{32C3C666-C4A2-43FE-AD62-F42F7B3C764F}"/>
-              </a:ext>
-            </a:extLst>
-          </p:cNvPr>
-          <p:cNvSpPr>
-            <a:spLocks noGrp="1"/>
-          </p:cNvSpPr>
-          <p:nvPr>
-            <p:ph type="sldNum" sz="quarter" idx="12"/>
-          </p:nvPr>
-        </p:nvSpPr>
-        <p:spPr/>
-        <p:txBody>
-          <a:bodyPr/>
-          <a:lstStyle/>
-          <a:p>
-            <a:fld id="{46B26A4B-3AD5-4556-810E-C20186AC774D}" type="slidenum">
-              <a:rPr lang="zh-TW" altLang="en-US" smtClean="0"/>
-              <a:t>10</a:t>
-            </a:fld>
-            <a:endParaRPr lang="zh-TW" altLang="en-US"/>
-          </a:p>
-        </p:txBody>
-      </p:sp>
-      <p:sp>
-        <p:nvSpPr>
-          <p:cNvPr id="18" name="矩形 17">
-            <a:extLst>
-              <a:ext uri="{FF2B5EF4-FFF2-40B4-BE49-F238E27FC236}">
-                <a16:creationId xmlns:a16="http://schemas.microsoft.com/office/drawing/2014/main" id="{5C705C30-FE21-40C3-BFD8-86E6EA2A9A4A}"/>
-              </a:ext>
-            </a:extLst>
-          </p:cNvPr>
-          <p:cNvSpPr/>
-          <p:nvPr/>
-        </p:nvSpPr>
-        <p:spPr>
-          <a:xfrm>
-            <a:off x="4350119" y="4296880"/>
-            <a:ext cx="3136575" cy="301289"/>
-          </a:xfrm>
-          <a:prstGeom prst="rect">
-            <a:avLst/>
-          </a:prstGeom>
-          <a:noFill/>
-          <a:ln w="28575">
-            <a:solidFill>
-              <a:srgbClr val="FF0000"/>
-            </a:solidFill>
-          </a:ln>
-        </p:spPr>
-        <p:style>
-          <a:lnRef idx="2">
-            <a:schemeClr val="accent1">
-              <a:shade val="50000"/>
-            </a:schemeClr>
-          </a:lnRef>
-          <a:fillRef idx="1">
-            <a:schemeClr val="accent1"/>
-          </a:fillRef>
-          <a:effectRef idx="0">
-            <a:schemeClr val="accent1"/>
-          </a:effectRef>
-          <a:fontRef idx="minor">
-            <a:schemeClr val="lt1"/>
-          </a:fontRef>
-        </p:style>
-        <p:txBody>
-          <a:bodyPr rtlCol="0" anchor="ctr"/>
-          <a:lstStyle/>
-          <a:p>
-            <a:pPr algn="ctr"/>
-            <a:endParaRPr lang="zh-TW" altLang="en-US"/>
-          </a:p>
-        </p:txBody>
-      </p:sp>
-    </p:spTree>
-    <p:extLst>
-      <p:ext uri="{BB962C8B-B14F-4D97-AF65-F5344CB8AC3E}">
-        <p14:creationId xmlns:p14="http://schemas.microsoft.com/office/powerpoint/2010/main" val="3519382156"/>
-      </p:ext>
-    </p:extLst>
-  </p:cSld>
-  <p:clrMapOvr>
-    <a:masterClrMapping/>
-  </p:clrMapOvr>
-  <p:timing>
-    <p:tnLst>
-      <p:par>
-        <p:cTn id="1" dur="indefinite" restart="never" nodeType="tmRoot">
-          <p:childTnLst>
-            <p:seq concurrent="1" nextAc="seek">
-              <p:cTn id="2" dur="indefinite" nodeType="mainSeq">
-                <p:childTnLst>
-                  <p:par>
-                    <p:cTn id="3" fill="hold">
-                      <p:stCondLst>
-                        <p:cond delay="indefinite"/>
-                      </p:stCondLst>
-                      <p:childTnLst>
-                        <p:par>
-                          <p:cTn id="4" fill="hold">
-                            <p:stCondLst>
-                              <p:cond delay="0"/>
-                            </p:stCondLst>
-                            <p:childTnLst>
-                              <p:par>
-                                <p:cTn id="5" presetID="22" presetClass="entr" presetSubtype="8" fill="hold" grpId="0" nodeType="clickEffect">
-                                  <p:stCondLst>
-                                    <p:cond delay="0"/>
-                                  </p:stCondLst>
-                                  <p:childTnLst>
-                                    <p:set>
-                                      <p:cBhvr>
-                                        <p:cTn id="6" dur="1" fill="hold">
-                                          <p:stCondLst>
-                                            <p:cond delay="0"/>
-                                          </p:stCondLst>
-                                        </p:cTn>
-                                        <p:tgtEl>
-                                          <p:spTgt spid="18"/>
-                                        </p:tgtEl>
-                                        <p:attrNameLst>
-                                          <p:attrName>style.visibility</p:attrName>
-                                        </p:attrNameLst>
-                                      </p:cBhvr>
-                                      <p:to>
-                                        <p:strVal val="visible"/>
-                                      </p:to>
-                                    </p:set>
-                                    <p:animEffect transition="in" filter="wipe(left)">
-                                      <p:cBhvr>
-                                        <p:cTn id="7" dur="500"/>
-                                        <p:tgtEl>
-                                          <p:spTgt spid="18"/>
-                                        </p:tgtEl>
-                                      </p:cBhvr>
-                                    </p:animEffect>
-                                  </p:childTnLst>
-                                </p:cTn>
-                              </p:par>
-                            </p:childTnLst>
-                          </p:cTn>
-                        </p:par>
-                      </p:childTnLst>
-                    </p:cTn>
-                  </p:par>
-                </p:childTnLst>
-              </p:cTn>
-              <p:prevCondLst>
-                <p:cond evt="onPrev" delay="0">
-                  <p:tgtEl>
-                    <p:sldTgt/>
-                  </p:tgtEl>
-                </p:cond>
-              </p:prevCondLst>
-              <p:nextCondLst>
-                <p:cond evt="onNext" delay="0">
-                  <p:tgtEl>
-                    <p:sldTgt/>
-                  </p:tgtEl>
-                </p:cond>
-              </p:nextCondLst>
-            </p:seq>
-          </p:childTnLst>
-        </p:cTn>
-      </p:par>
-    </p:tnLst>
-    <p:bldLst>
-      <p:bldP spid="18" grpId="0" animBg="1"/>
-    </p:bldLst>
-  </p:timing>
-</p:sld>
-</file>
-
-<file path=ppt/slides/slide11.xml><?xml version="1.0" encoding="utf-8"?>
-<p:sld xmlns:a="http://schemas.openxmlformats.org/drawingml/2006/main" xmlns:r="http://schemas.openxmlformats.org/officeDocument/2006/relationships" xmlns:p="http://schemas.openxmlformats.org/presentationml/2006/main">
-  <p:cSld>
-    <p:spTree>
-      <p:nvGrpSpPr>
-        <p:cNvPr id="1" name=""/>
-        <p:cNvGrpSpPr/>
-        <p:nvPr/>
-      </p:nvGrpSpPr>
-      <p:grpSpPr>
-        <a:xfrm>
-          <a:off x="0" y="0"/>
-          <a:ext cx="0" cy="0"/>
-          <a:chOff x="0" y="0"/>
-          <a:chExt cx="0" cy="0"/>
-        </a:xfrm>
-      </p:grpSpPr>
-      <p:sp>
-        <p:nvSpPr>
-          <p:cNvPr id="2" name="標題 1">
-            <a:extLst>
-              <a:ext uri="{FF2B5EF4-FFF2-40B4-BE49-F238E27FC236}">
-                <a16:creationId xmlns:a16="http://schemas.microsoft.com/office/drawing/2014/main" id="{30B5659A-36FA-4442-8258-90086709D616}"/>
-              </a:ext>
-            </a:extLst>
-          </p:cNvPr>
-          <p:cNvSpPr>
-            <a:spLocks noGrp="1"/>
-          </p:cNvSpPr>
-          <p:nvPr>
-            <p:ph type="title"/>
-          </p:nvPr>
-        </p:nvSpPr>
         <p:spPr/>
         <p:txBody>
           <a:bodyPr/>
@@ -8374,7 +6965,7 @@
           <a:p>
             <a:fld id="{46B26A4B-3AD5-4556-810E-C20186AC774D}" type="slidenum">
               <a:rPr lang="zh-TW" altLang="en-US" smtClean="0"/>
-              <a:t>11</a:t>
+              <a:t>10</a:t>
             </a:fld>
             <a:endParaRPr lang="zh-TW" altLang="en-US"/>
           </a:p>
@@ -8393,7 +6984,7 @@
 </p:sld>
 </file>
 
-<file path=ppt/slides/slide12.xml><?xml version="1.0" encoding="utf-8"?>
+<file path=ppt/slides/slide11.xml><?xml version="1.0" encoding="utf-8"?>
 <p:sld xmlns:a="http://schemas.openxmlformats.org/drawingml/2006/main" xmlns:r="http://schemas.openxmlformats.org/officeDocument/2006/relationships" xmlns:p="http://schemas.openxmlformats.org/presentationml/2006/main">
   <p:cSld>
     <p:spTree>
@@ -9423,7 +8014,7 @@
           <a:p>
             <a:fld id="{46B26A4B-3AD5-4556-810E-C20186AC774D}" type="slidenum">
               <a:rPr lang="zh-TW" altLang="en-US" smtClean="0"/>
-              <a:t>12</a:t>
+              <a:t>11</a:t>
             </a:fld>
             <a:endParaRPr lang="zh-TW" altLang="en-US"/>
           </a:p>
@@ -9668,7 +8259,7 @@
 </p:sld>
 </file>
 
-<file path=ppt/slides/slide13.xml><?xml version="1.0" encoding="utf-8"?>
+<file path=ppt/slides/slide12.xml><?xml version="1.0" encoding="utf-8"?>
 <p:sld xmlns:a="http://schemas.openxmlformats.org/drawingml/2006/main" xmlns:r="http://schemas.openxmlformats.org/officeDocument/2006/relationships" xmlns:p="http://schemas.openxmlformats.org/presentationml/2006/main">
   <p:cSld>
     <p:spTree>
@@ -10007,7 +8598,7 @@
           <a:p>
             <a:fld id="{46B26A4B-3AD5-4556-810E-C20186AC774D}" type="slidenum">
               <a:rPr lang="zh-TW" altLang="en-US" smtClean="0"/>
-              <a:t>13</a:t>
+              <a:t>12</a:t>
             </a:fld>
             <a:endParaRPr lang="zh-TW" altLang="en-US"/>
           </a:p>
@@ -10026,7 +8617,7 @@
 </p:sld>
 </file>
 
-<file path=ppt/slides/slide14.xml><?xml version="1.0" encoding="utf-8"?>
+<file path=ppt/slides/slide13.xml><?xml version="1.0" encoding="utf-8"?>
 <p:sld xmlns:a="http://schemas.openxmlformats.org/drawingml/2006/main" xmlns:r="http://schemas.openxmlformats.org/officeDocument/2006/relationships" xmlns:p="http://schemas.openxmlformats.org/presentationml/2006/main">
   <p:cSld>
     <p:spTree>
@@ -11275,7 +9866,7 @@
           <a:p>
             <a:fld id="{46B26A4B-3AD5-4556-810E-C20186AC774D}" type="slidenum">
               <a:rPr lang="zh-TW" altLang="en-US" smtClean="0"/>
-              <a:t>14</a:t>
+              <a:t>13</a:t>
             </a:fld>
             <a:endParaRPr lang="zh-TW" altLang="en-US"/>
           </a:p>
@@ -11294,7 +9885,7 @@
 </p:sld>
 </file>
 
-<file path=ppt/slides/slide15.xml><?xml version="1.0" encoding="utf-8"?>
+<file path=ppt/slides/slide14.xml><?xml version="1.0" encoding="utf-8"?>
 <p:sld xmlns:a="http://schemas.openxmlformats.org/drawingml/2006/main" xmlns:r="http://schemas.openxmlformats.org/officeDocument/2006/relationships" xmlns:p="http://schemas.openxmlformats.org/presentationml/2006/main">
   <p:cSld>
     <p:spTree>
@@ -12260,7 +10851,7 @@
           <a:p>
             <a:fld id="{46B26A4B-3AD5-4556-810E-C20186AC774D}" type="slidenum">
               <a:rPr lang="zh-TW" altLang="en-US" smtClean="0"/>
-              <a:t>15</a:t>
+              <a:t>14</a:t>
             </a:fld>
             <a:endParaRPr lang="zh-TW" altLang="en-US"/>
           </a:p>
@@ -12279,7 +10870,7 @@
 </p:sld>
 </file>
 
-<file path=ppt/slides/slide16.xml><?xml version="1.0" encoding="utf-8"?>
+<file path=ppt/slides/slide15.xml><?xml version="1.0" encoding="utf-8"?>
 <p:sld xmlns:a="http://schemas.openxmlformats.org/drawingml/2006/main" xmlns:r="http://schemas.openxmlformats.org/officeDocument/2006/relationships" xmlns:p="http://schemas.openxmlformats.org/presentationml/2006/main">
   <p:cSld>
     <p:spTree>
@@ -12698,7 +11289,7 @@
           <a:p>
             <a:fld id="{46B26A4B-3AD5-4556-810E-C20186AC774D}" type="slidenum">
               <a:rPr lang="zh-TW" altLang="en-US" smtClean="0"/>
-              <a:t>16</a:t>
+              <a:t>15</a:t>
             </a:fld>
             <a:endParaRPr lang="zh-TW" altLang="en-US"/>
           </a:p>
@@ -13099,7 +11690,7 @@
 </p:sld>
 </file>
 
-<file path=ppt/slides/slide17.xml><?xml version="1.0" encoding="utf-8"?>
+<file path=ppt/slides/slide16.xml><?xml version="1.0" encoding="utf-8"?>
 <p:sld xmlns:a="http://schemas.openxmlformats.org/drawingml/2006/main" xmlns:r="http://schemas.openxmlformats.org/officeDocument/2006/relationships" xmlns:p="http://schemas.openxmlformats.org/presentationml/2006/main">
   <p:cSld>
     <p:spTree>
@@ -13865,7 +12456,7 @@
           <a:p>
             <a:fld id="{46B26A4B-3AD5-4556-810E-C20186AC774D}" type="slidenum">
               <a:rPr lang="zh-TW" altLang="en-US" smtClean="0"/>
-              <a:t>17</a:t>
+              <a:t>16</a:t>
             </a:fld>
             <a:endParaRPr lang="zh-TW" altLang="en-US"/>
           </a:p>
@@ -13884,7 +12475,7 @@
 </p:sld>
 </file>
 
-<file path=ppt/slides/slide18.xml><?xml version="1.0" encoding="utf-8"?>
+<file path=ppt/slides/slide17.xml><?xml version="1.0" encoding="utf-8"?>
 <p:sld xmlns:a="http://schemas.openxmlformats.org/drawingml/2006/main" xmlns:r="http://schemas.openxmlformats.org/officeDocument/2006/relationships" xmlns:p="http://schemas.openxmlformats.org/presentationml/2006/main">
   <p:cSld>
     <p:spTree>
@@ -15197,7 +13788,7 @@
           <a:p>
             <a:fld id="{46B26A4B-3AD5-4556-810E-C20186AC774D}" type="slidenum">
               <a:rPr lang="zh-TW" altLang="en-US" smtClean="0"/>
-              <a:t>18</a:t>
+              <a:t>17</a:t>
             </a:fld>
             <a:endParaRPr lang="zh-TW" altLang="en-US"/>
           </a:p>
@@ -15216,7 +13807,7 @@
 </p:sld>
 </file>
 
-<file path=ppt/slides/slide19.xml><?xml version="1.0" encoding="utf-8"?>
+<file path=ppt/slides/slide18.xml><?xml version="1.0" encoding="utf-8"?>
 <p:sld xmlns:a="http://schemas.openxmlformats.org/drawingml/2006/main" xmlns:r="http://schemas.openxmlformats.org/officeDocument/2006/relationships" xmlns:p="http://schemas.openxmlformats.org/presentationml/2006/main">
   <p:cSld>
     <p:spTree>
@@ -17369,7 +15960,7 @@
           <a:p>
             <a:fld id="{46B26A4B-3AD5-4556-810E-C20186AC774D}" type="slidenum">
               <a:rPr lang="zh-TW" altLang="en-US" smtClean="0"/>
-              <a:t>19</a:t>
+              <a:t>18</a:t>
             </a:fld>
             <a:endParaRPr lang="zh-TW" altLang="en-US"/>
           </a:p>
@@ -17388,167 +15979,7 @@
 </p:sld>
 </file>
 
-<file path=ppt/slides/slide2.xml><?xml version="1.0" encoding="utf-8"?>
-<p:sld xmlns:a="http://schemas.openxmlformats.org/drawingml/2006/main" xmlns:r="http://schemas.openxmlformats.org/officeDocument/2006/relationships" xmlns:p="http://schemas.openxmlformats.org/presentationml/2006/main">
-  <p:cSld>
-    <p:spTree>
-      <p:nvGrpSpPr>
-        <p:cNvPr id="1" name=""/>
-        <p:cNvGrpSpPr/>
-        <p:nvPr/>
-      </p:nvGrpSpPr>
-      <p:grpSpPr>
-        <a:xfrm>
-          <a:off x="0" y="0"/>
-          <a:ext cx="0" cy="0"/>
-          <a:chOff x="0" y="0"/>
-          <a:chExt cx="0" cy="0"/>
-        </a:xfrm>
-      </p:grpSpPr>
-      <p:sp>
-        <p:nvSpPr>
-          <p:cNvPr id="2" name="標題 1">
-            <a:extLst>
-              <a:ext uri="{FF2B5EF4-FFF2-40B4-BE49-F238E27FC236}">
-                <a16:creationId xmlns:a16="http://schemas.microsoft.com/office/drawing/2014/main" id="{4D22C71B-9003-400B-8FDF-3EF013B0E330}"/>
-              </a:ext>
-            </a:extLst>
-          </p:cNvPr>
-          <p:cNvSpPr>
-            <a:spLocks noGrp="1"/>
-          </p:cNvSpPr>
-          <p:nvPr>
-            <p:ph type="title"/>
-          </p:nvPr>
-        </p:nvSpPr>
-        <p:spPr/>
-        <p:txBody>
-          <a:bodyPr/>
-          <a:lstStyle/>
-          <a:p>
-            <a:r>
-              <a:rPr lang="en-US" altLang="zh-TW" dirty="0"/>
-              <a:t>Outline</a:t>
-            </a:r>
-            <a:endParaRPr lang="zh-TW" altLang="en-US" dirty="0"/>
-          </a:p>
-        </p:txBody>
-      </p:sp>
-      <p:sp>
-        <p:nvSpPr>
-          <p:cNvPr id="3" name="內容版面配置區 2">
-            <a:extLst>
-              <a:ext uri="{FF2B5EF4-FFF2-40B4-BE49-F238E27FC236}">
-                <a16:creationId xmlns:a16="http://schemas.microsoft.com/office/drawing/2014/main" id="{A9F62972-6309-4FE9-A90D-452377C2D54B}"/>
-              </a:ext>
-            </a:extLst>
-          </p:cNvPr>
-          <p:cNvSpPr>
-            <a:spLocks noGrp="1"/>
-          </p:cNvSpPr>
-          <p:nvPr>
-            <p:ph idx="1"/>
-          </p:nvPr>
-        </p:nvSpPr>
-        <p:spPr/>
-        <p:txBody>
-          <a:bodyPr/>
-          <a:lstStyle/>
-          <a:p>
-            <a:r>
-              <a:rPr lang="zh-TW" altLang="en-US" dirty="0"/>
-              <a:t>緒論</a:t>
-            </a:r>
-            <a:endParaRPr lang="en-US" altLang="zh-TW" dirty="0"/>
-          </a:p>
-          <a:p>
-            <a:pPr lvl="1"/>
-            <a:r>
-              <a:rPr lang="zh-TW" altLang="en-US" dirty="0"/>
-              <a:t>研究動機與背景</a:t>
-            </a:r>
-            <a:endParaRPr lang="en-US" altLang="zh-TW" dirty="0"/>
-          </a:p>
-          <a:p>
-            <a:pPr lvl="1"/>
-            <a:r>
-              <a:rPr lang="zh-TW" altLang="en-US" dirty="0"/>
-              <a:t>預期成果</a:t>
-            </a:r>
-            <a:endParaRPr lang="en-US" altLang="zh-TW" dirty="0"/>
-          </a:p>
-          <a:p>
-            <a:r>
-              <a:rPr lang="zh-TW" altLang="en-US" dirty="0"/>
-              <a:t>相關文獻探討</a:t>
-            </a:r>
-            <a:endParaRPr lang="en-US" altLang="zh-TW" dirty="0"/>
-          </a:p>
-          <a:p>
-            <a:r>
-              <a:rPr lang="zh-TW" altLang="en-US" dirty="0"/>
-              <a:t>實驗架構與流程</a:t>
-            </a:r>
-            <a:endParaRPr lang="en-US" altLang="zh-TW" dirty="0"/>
-          </a:p>
-          <a:p>
-            <a:r>
-              <a:rPr lang="zh-TW" altLang="en-US" dirty="0"/>
-              <a:t>目前實驗結果</a:t>
-            </a:r>
-            <a:endParaRPr lang="en-US" altLang="zh-TW" dirty="0"/>
-          </a:p>
-          <a:p>
-            <a:r>
-              <a:rPr lang="zh-TW" altLang="en-US" dirty="0"/>
-              <a:t>結論</a:t>
-            </a:r>
-          </a:p>
-        </p:txBody>
-      </p:sp>
-      <p:sp>
-        <p:nvSpPr>
-          <p:cNvPr id="4" name="投影片編號版面配置區 3">
-            <a:extLst>
-              <a:ext uri="{FF2B5EF4-FFF2-40B4-BE49-F238E27FC236}">
-                <a16:creationId xmlns:a16="http://schemas.microsoft.com/office/drawing/2014/main" id="{07B7E591-3E49-4EF5-81D9-8B7C44651DE1}"/>
-              </a:ext>
-            </a:extLst>
-          </p:cNvPr>
-          <p:cNvSpPr>
-            <a:spLocks noGrp="1"/>
-          </p:cNvSpPr>
-          <p:nvPr>
-            <p:ph type="sldNum" sz="quarter" idx="12"/>
-          </p:nvPr>
-        </p:nvSpPr>
-        <p:spPr/>
-        <p:txBody>
-          <a:bodyPr/>
-          <a:lstStyle/>
-          <a:p>
-            <a:fld id="{46B26A4B-3AD5-4556-810E-C20186AC774D}" type="slidenum">
-              <a:rPr lang="zh-TW" altLang="en-US" smtClean="0"/>
-              <a:t>2</a:t>
-            </a:fld>
-            <a:endParaRPr lang="zh-TW" altLang="en-US"/>
-          </a:p>
-        </p:txBody>
-      </p:sp>
-    </p:spTree>
-    <p:extLst>
-      <p:ext uri="{BB962C8B-B14F-4D97-AF65-F5344CB8AC3E}">
-        <p14:creationId xmlns:p14="http://schemas.microsoft.com/office/powerpoint/2010/main" val="3595257048"/>
-      </p:ext>
-    </p:extLst>
-  </p:cSld>
-  <p:clrMapOvr>
-    <a:masterClrMapping/>
-  </p:clrMapOvr>
-</p:sld>
-</file>
-
-<file path=ppt/slides/slide20.xml><?xml version="1.0" encoding="utf-8"?>
+<file path=ppt/slides/slide19.xml><?xml version="1.0" encoding="utf-8"?>
 <p:sld xmlns:a="http://schemas.openxmlformats.org/drawingml/2006/main" xmlns:r="http://schemas.openxmlformats.org/officeDocument/2006/relationships" xmlns:p="http://schemas.openxmlformats.org/presentationml/2006/main">
   <p:cSld>
     <p:spTree>
@@ -18179,7 +16610,7 @@
           <a:p>
             <a:fld id="{46B26A4B-3AD5-4556-810E-C20186AC774D}" type="slidenum">
               <a:rPr lang="zh-TW" altLang="en-US" smtClean="0"/>
-              <a:t>20</a:t>
+              <a:t>19</a:t>
             </a:fld>
             <a:endParaRPr lang="zh-TW" altLang="en-US"/>
           </a:p>
@@ -19305,7 +17736,167 @@
 </p:sld>
 </file>
 
-<file path=ppt/slides/slide21.xml><?xml version="1.0" encoding="utf-8"?>
+<file path=ppt/slides/slide2.xml><?xml version="1.0" encoding="utf-8"?>
+<p:sld xmlns:a="http://schemas.openxmlformats.org/drawingml/2006/main" xmlns:r="http://schemas.openxmlformats.org/officeDocument/2006/relationships" xmlns:p="http://schemas.openxmlformats.org/presentationml/2006/main">
+  <p:cSld>
+    <p:spTree>
+      <p:nvGrpSpPr>
+        <p:cNvPr id="1" name=""/>
+        <p:cNvGrpSpPr/>
+        <p:nvPr/>
+      </p:nvGrpSpPr>
+      <p:grpSpPr>
+        <a:xfrm>
+          <a:off x="0" y="0"/>
+          <a:ext cx="0" cy="0"/>
+          <a:chOff x="0" y="0"/>
+          <a:chExt cx="0" cy="0"/>
+        </a:xfrm>
+      </p:grpSpPr>
+      <p:sp>
+        <p:nvSpPr>
+          <p:cNvPr id="2" name="標題 1">
+            <a:extLst>
+              <a:ext uri="{FF2B5EF4-FFF2-40B4-BE49-F238E27FC236}">
+                <a16:creationId xmlns:a16="http://schemas.microsoft.com/office/drawing/2014/main" id="{4D22C71B-9003-400B-8FDF-3EF013B0E330}"/>
+              </a:ext>
+            </a:extLst>
+          </p:cNvPr>
+          <p:cNvSpPr>
+            <a:spLocks noGrp="1"/>
+          </p:cNvSpPr>
+          <p:nvPr>
+            <p:ph type="title"/>
+          </p:nvPr>
+        </p:nvSpPr>
+        <p:spPr/>
+        <p:txBody>
+          <a:bodyPr/>
+          <a:lstStyle/>
+          <a:p>
+            <a:r>
+              <a:rPr lang="en-US" altLang="zh-TW" dirty="0"/>
+              <a:t>Outline</a:t>
+            </a:r>
+            <a:endParaRPr lang="zh-TW" altLang="en-US" dirty="0"/>
+          </a:p>
+        </p:txBody>
+      </p:sp>
+      <p:sp>
+        <p:nvSpPr>
+          <p:cNvPr id="3" name="內容版面配置區 2">
+            <a:extLst>
+              <a:ext uri="{FF2B5EF4-FFF2-40B4-BE49-F238E27FC236}">
+                <a16:creationId xmlns:a16="http://schemas.microsoft.com/office/drawing/2014/main" id="{A9F62972-6309-4FE9-A90D-452377C2D54B}"/>
+              </a:ext>
+            </a:extLst>
+          </p:cNvPr>
+          <p:cNvSpPr>
+            <a:spLocks noGrp="1"/>
+          </p:cNvSpPr>
+          <p:nvPr>
+            <p:ph idx="1"/>
+          </p:nvPr>
+        </p:nvSpPr>
+        <p:spPr/>
+        <p:txBody>
+          <a:bodyPr/>
+          <a:lstStyle/>
+          <a:p>
+            <a:r>
+              <a:rPr lang="zh-TW" altLang="en-US" dirty="0"/>
+              <a:t>緒論</a:t>
+            </a:r>
+            <a:endParaRPr lang="en-US" altLang="zh-TW" dirty="0"/>
+          </a:p>
+          <a:p>
+            <a:pPr lvl="1"/>
+            <a:r>
+              <a:rPr lang="zh-TW" altLang="en-US" dirty="0"/>
+              <a:t>研究動機與背景</a:t>
+            </a:r>
+            <a:endParaRPr lang="en-US" altLang="zh-TW" dirty="0"/>
+          </a:p>
+          <a:p>
+            <a:pPr lvl="1"/>
+            <a:r>
+              <a:rPr lang="zh-TW" altLang="en-US"/>
+              <a:t>研究目的</a:t>
+            </a:r>
+            <a:endParaRPr lang="en-US" altLang="zh-TW" dirty="0"/>
+          </a:p>
+          <a:p>
+            <a:r>
+              <a:rPr lang="zh-TW" altLang="en-US" dirty="0"/>
+              <a:t>相關文獻探討</a:t>
+            </a:r>
+            <a:endParaRPr lang="en-US" altLang="zh-TW" dirty="0"/>
+          </a:p>
+          <a:p>
+            <a:r>
+              <a:rPr lang="zh-TW" altLang="en-US" dirty="0"/>
+              <a:t>實驗架構與流程</a:t>
+            </a:r>
+            <a:endParaRPr lang="en-US" altLang="zh-TW" dirty="0"/>
+          </a:p>
+          <a:p>
+            <a:r>
+              <a:rPr lang="zh-TW" altLang="en-US" dirty="0"/>
+              <a:t>目前實驗結果</a:t>
+            </a:r>
+            <a:endParaRPr lang="en-US" altLang="zh-TW" dirty="0"/>
+          </a:p>
+          <a:p>
+            <a:r>
+              <a:rPr lang="zh-TW" altLang="en-US" dirty="0"/>
+              <a:t>結論</a:t>
+            </a:r>
+          </a:p>
+        </p:txBody>
+      </p:sp>
+      <p:sp>
+        <p:nvSpPr>
+          <p:cNvPr id="4" name="投影片編號版面配置區 3">
+            <a:extLst>
+              <a:ext uri="{FF2B5EF4-FFF2-40B4-BE49-F238E27FC236}">
+                <a16:creationId xmlns:a16="http://schemas.microsoft.com/office/drawing/2014/main" id="{07B7E591-3E49-4EF5-81D9-8B7C44651DE1}"/>
+              </a:ext>
+            </a:extLst>
+          </p:cNvPr>
+          <p:cNvSpPr>
+            <a:spLocks noGrp="1"/>
+          </p:cNvSpPr>
+          <p:nvPr>
+            <p:ph type="sldNum" sz="quarter" idx="12"/>
+          </p:nvPr>
+        </p:nvSpPr>
+        <p:spPr/>
+        <p:txBody>
+          <a:bodyPr/>
+          <a:lstStyle/>
+          <a:p>
+            <a:fld id="{46B26A4B-3AD5-4556-810E-C20186AC774D}" type="slidenum">
+              <a:rPr lang="zh-TW" altLang="en-US" smtClean="0"/>
+              <a:t>2</a:t>
+            </a:fld>
+            <a:endParaRPr lang="zh-TW" altLang="en-US"/>
+          </a:p>
+        </p:txBody>
+      </p:sp>
+    </p:spTree>
+    <p:extLst>
+      <p:ext uri="{BB962C8B-B14F-4D97-AF65-F5344CB8AC3E}">
+        <p14:creationId xmlns:p14="http://schemas.microsoft.com/office/powerpoint/2010/main" val="3595257048"/>
+      </p:ext>
+    </p:extLst>
+  </p:cSld>
+  <p:clrMapOvr>
+    <a:masterClrMapping/>
+  </p:clrMapOvr>
+</p:sld>
+</file>
+
+<file path=ppt/slides/slide20.xml><?xml version="1.0" encoding="utf-8"?>
 <p:sld xmlns:a="http://schemas.openxmlformats.org/drawingml/2006/main" xmlns:r="http://schemas.openxmlformats.org/officeDocument/2006/relationships" xmlns:p="http://schemas.openxmlformats.org/presentationml/2006/main">
   <p:cSld>
     <p:spTree>
@@ -19956,7 +18547,7 @@
           <a:p>
             <a:fld id="{46B26A4B-3AD5-4556-810E-C20186AC774D}" type="slidenum">
               <a:rPr lang="zh-TW" altLang="en-US" smtClean="0"/>
-              <a:t>21</a:t>
+              <a:t>20</a:t>
             </a:fld>
             <a:endParaRPr lang="zh-TW" altLang="en-US"/>
           </a:p>
@@ -19966,6 +18557,631 @@
     <p:extLst>
       <p:ext uri="{BB962C8B-B14F-4D97-AF65-F5344CB8AC3E}">
         <p14:creationId xmlns:p14="http://schemas.microsoft.com/office/powerpoint/2010/main" val="4106744976"/>
+      </p:ext>
+    </p:extLst>
+  </p:cSld>
+  <p:clrMapOvr>
+    <a:masterClrMapping/>
+  </p:clrMapOvr>
+</p:sld>
+</file>
+
+<file path=ppt/slides/slide21.xml><?xml version="1.0" encoding="utf-8"?>
+<p:sld xmlns:a="http://schemas.openxmlformats.org/drawingml/2006/main" xmlns:r="http://schemas.openxmlformats.org/officeDocument/2006/relationships" xmlns:p="http://schemas.openxmlformats.org/presentationml/2006/main">
+  <p:cSld>
+    <p:spTree>
+      <p:nvGrpSpPr>
+        <p:cNvPr id="1" name=""/>
+        <p:cNvGrpSpPr/>
+        <p:nvPr/>
+      </p:nvGrpSpPr>
+      <p:grpSpPr>
+        <a:xfrm>
+          <a:off x="0" y="0"/>
+          <a:ext cx="0" cy="0"/>
+          <a:chOff x="0" y="0"/>
+          <a:chExt cx="0" cy="0"/>
+        </a:xfrm>
+      </p:grpSpPr>
+      <p:sp>
+        <p:nvSpPr>
+          <p:cNvPr id="3" name="內容版面配置區 2">
+            <a:extLst>
+              <a:ext uri="{FF2B5EF4-FFF2-40B4-BE49-F238E27FC236}">
+                <a16:creationId xmlns:a16="http://schemas.microsoft.com/office/drawing/2014/main" id="{7C4F8CE3-0E55-4F8A-B5AB-2FCB7C70AB29}"/>
+              </a:ext>
+            </a:extLst>
+          </p:cNvPr>
+          <p:cNvSpPr>
+            <a:spLocks noGrp="1"/>
+          </p:cNvSpPr>
+          <p:nvPr>
+            <p:ph idx="1"/>
+          </p:nvPr>
+        </p:nvSpPr>
+        <p:spPr/>
+        <p:txBody>
+          <a:bodyPr/>
+          <a:lstStyle/>
+          <a:p>
+            <a:r>
+              <a:rPr lang="zh-TW" altLang="en-US" sz="2400" dirty="0"/>
+              <a:t>投資策略：</a:t>
+            </a:r>
+            <a:endParaRPr lang="en-US" altLang="zh-TW" sz="2400" dirty="0"/>
+          </a:p>
+          <a:p>
+            <a:endParaRPr lang="en-US" altLang="zh-TW" sz="2400" dirty="0"/>
+          </a:p>
+          <a:p>
+            <a:endParaRPr lang="en-US" altLang="zh-TW" sz="2400" dirty="0"/>
+          </a:p>
+          <a:p>
+            <a:endParaRPr lang="en-US" altLang="zh-TW" sz="2400" dirty="0"/>
+          </a:p>
+          <a:p>
+            <a:endParaRPr lang="en-US" altLang="zh-TW" sz="2400" dirty="0"/>
+          </a:p>
+          <a:p>
+            <a:r>
+              <a:rPr lang="zh-TW" altLang="en-US" sz="2400" dirty="0"/>
+              <a:t>績效報表：</a:t>
+            </a:r>
+            <a:endParaRPr lang="en-US" altLang="zh-TW" sz="2400" dirty="0"/>
+          </a:p>
+          <a:p>
+            <a:pPr marL="0" indent="0">
+              <a:buNone/>
+            </a:pPr>
+            <a:endParaRPr lang="en-US" altLang="zh-TW" sz="2400" dirty="0"/>
+          </a:p>
+          <a:p>
+            <a:endParaRPr lang="en-US" altLang="zh-TW" sz="2400" dirty="0"/>
+          </a:p>
+          <a:p>
+            <a:endParaRPr lang="en-US" altLang="zh-TW" sz="2400" dirty="0"/>
+          </a:p>
+          <a:p>
+            <a:endParaRPr lang="en-US" altLang="zh-TW" sz="2400" dirty="0"/>
+          </a:p>
+          <a:p>
+            <a:endParaRPr lang="en-US" altLang="zh-TW" sz="2000" dirty="0"/>
+          </a:p>
+          <a:p>
+            <a:endParaRPr lang="en-US" altLang="zh-TW" sz="2400" dirty="0"/>
+          </a:p>
+        </p:txBody>
+      </p:sp>
+      <p:sp>
+        <p:nvSpPr>
+          <p:cNvPr id="4" name="標題 1">
+            <a:extLst>
+              <a:ext uri="{FF2B5EF4-FFF2-40B4-BE49-F238E27FC236}">
+                <a16:creationId xmlns:a16="http://schemas.microsoft.com/office/drawing/2014/main" id="{0816CD88-80A1-4A07-8806-11EAFED22E03}"/>
+              </a:ext>
+            </a:extLst>
+          </p:cNvPr>
+          <p:cNvSpPr>
+            <a:spLocks noGrp="1"/>
+          </p:cNvSpPr>
+          <p:nvPr>
+            <p:ph type="title"/>
+          </p:nvPr>
+        </p:nvSpPr>
+        <p:spPr>
+          <a:xfrm>
+            <a:off x="838200" y="365125"/>
+            <a:ext cx="10515600" cy="1325563"/>
+          </a:xfrm>
+        </p:spPr>
+        <p:txBody>
+          <a:bodyPr/>
+          <a:lstStyle/>
+          <a:p>
+            <a:r>
+              <a:rPr lang="en-US" altLang="zh-TW" dirty="0">
+                <a:latin typeface="Times New Roman" panose="02020603050405020304" pitchFamily="18" charset="0"/>
+                <a:cs typeface="Times New Roman" panose="02020603050405020304" pitchFamily="18" charset="0"/>
+              </a:rPr>
+              <a:t>Architecture</a:t>
+            </a:r>
+            <a:r>
+              <a:rPr lang="en-US" altLang="zh-TW" dirty="0"/>
+              <a:t> (13/13)</a:t>
+            </a:r>
+            <a:br>
+              <a:rPr lang="zh-TW" altLang="en-US" dirty="0"/>
+            </a:br>
+            <a:r>
+              <a:rPr lang="zh-TW" altLang="en-US" sz="3200" dirty="0"/>
+              <a:t>成果評估方法</a:t>
+            </a:r>
+            <a:r>
+              <a:rPr lang="en-US" altLang="zh-TW" sz="3200" dirty="0"/>
+              <a:t>— </a:t>
+            </a:r>
+            <a:r>
+              <a:rPr lang="zh-TW" altLang="en-US" sz="3200" dirty="0"/>
+              <a:t>模擬投資</a:t>
+            </a:r>
+          </a:p>
+        </p:txBody>
+      </p:sp>
+      <p:sp>
+        <p:nvSpPr>
+          <p:cNvPr id="2" name="投影片編號版面配置區 1">
+            <a:extLst>
+              <a:ext uri="{FF2B5EF4-FFF2-40B4-BE49-F238E27FC236}">
+                <a16:creationId xmlns:a16="http://schemas.microsoft.com/office/drawing/2014/main" id="{48E85D15-0F2D-485A-BDCA-0D1A83D5A812}"/>
+              </a:ext>
+            </a:extLst>
+          </p:cNvPr>
+          <p:cNvSpPr>
+            <a:spLocks noGrp="1"/>
+          </p:cNvSpPr>
+          <p:nvPr>
+            <p:ph type="sldNum" sz="quarter" idx="12"/>
+          </p:nvPr>
+        </p:nvSpPr>
+        <p:spPr/>
+        <p:txBody>
+          <a:bodyPr/>
+          <a:lstStyle/>
+          <a:p>
+            <a:fld id="{46B26A4B-3AD5-4556-810E-C20186AC774D}" type="slidenum">
+              <a:rPr lang="zh-TW" altLang="en-US" smtClean="0"/>
+              <a:t>21</a:t>
+            </a:fld>
+            <a:endParaRPr lang="zh-TW" altLang="en-US"/>
+          </a:p>
+        </p:txBody>
+      </p:sp>
+      <p:graphicFrame>
+        <p:nvGraphicFramePr>
+          <p:cNvPr id="5" name="表格 6">
+            <a:extLst>
+              <a:ext uri="{FF2B5EF4-FFF2-40B4-BE49-F238E27FC236}">
+                <a16:creationId xmlns:a16="http://schemas.microsoft.com/office/drawing/2014/main" id="{8D0139B3-DB74-3FCA-4425-5212EC771DAD}"/>
+              </a:ext>
+            </a:extLst>
+          </p:cNvPr>
+          <p:cNvGraphicFramePr>
+            <a:graphicFrameLocks noGrp="1"/>
+          </p:cNvGraphicFramePr>
+          <p:nvPr>
+            <p:extLst>
+              <p:ext uri="{D42A27DB-BD31-4B8C-83A1-F6EECF244321}">
+                <p14:modId xmlns:p14="http://schemas.microsoft.com/office/powerpoint/2010/main" val="2682682185"/>
+              </p:ext>
+            </p:extLst>
+          </p:nvPr>
+        </p:nvGraphicFramePr>
+        <p:xfrm>
+          <a:off x="2032000" y="2447290"/>
+          <a:ext cx="8127999" cy="1112520"/>
+        </p:xfrm>
+        <a:graphic>
+          <a:graphicData uri="http://schemas.openxmlformats.org/drawingml/2006/table">
+            <a:tbl>
+              <a:tblPr firstRow="1" firstCol="1" bandRow="1">
+                <a:tableStyleId>{5C22544A-7EE6-4342-B048-85BDC9FD1C3A}</a:tableStyleId>
+              </a:tblPr>
+              <a:tblGrid>
+                <a:gridCol w="2709333">
+                  <a:extLst>
+                    <a:ext uri="{9D8B030D-6E8A-4147-A177-3AD203B41FA5}">
+                      <a16:colId xmlns:a16="http://schemas.microsoft.com/office/drawing/2014/main" val="1408331754"/>
+                    </a:ext>
+                  </a:extLst>
+                </a:gridCol>
+                <a:gridCol w="2709333">
+                  <a:extLst>
+                    <a:ext uri="{9D8B030D-6E8A-4147-A177-3AD203B41FA5}">
+                      <a16:colId xmlns:a16="http://schemas.microsoft.com/office/drawing/2014/main" val="34614023"/>
+                    </a:ext>
+                  </a:extLst>
+                </a:gridCol>
+                <a:gridCol w="2709333">
+                  <a:extLst>
+                    <a:ext uri="{9D8B030D-6E8A-4147-A177-3AD203B41FA5}">
+                      <a16:colId xmlns:a16="http://schemas.microsoft.com/office/drawing/2014/main" val="3787296763"/>
+                    </a:ext>
+                  </a:extLst>
+                </a:gridCol>
+              </a:tblGrid>
+              <a:tr h="370840">
+                <a:tc>
+                  <a:txBody>
+                    <a:bodyPr/>
+                    <a:lstStyle/>
+                    <a:p>
+                      <a:pPr algn="ctr"/>
+                      <a:endParaRPr lang="zh-TW" altLang="en-US" baseline="0" dirty="0">
+                        <a:latin typeface="Times New Roman" panose="02020603050405020304" pitchFamily="18" charset="0"/>
+                        <a:ea typeface="標楷體" panose="03000509000000000000" pitchFamily="65" charset="-120"/>
+                      </a:endParaRPr>
+                    </a:p>
+                  </a:txBody>
+                  <a:tcPr anchor="ctr"/>
+                </a:tc>
+                <a:tc>
+                  <a:txBody>
+                    <a:bodyPr/>
+                    <a:lstStyle/>
+                    <a:p>
+                      <a:pPr algn="ctr"/>
+                      <a:r>
+                        <a:rPr lang="zh-TW" altLang="en-US" baseline="0" dirty="0">
+                          <a:latin typeface="Times New Roman" panose="02020603050405020304" pitchFamily="18" charset="0"/>
+                          <a:ea typeface="標楷體" panose="03000509000000000000" pitchFamily="65" charset="-120"/>
+                        </a:rPr>
+                        <a:t>預測為漲</a:t>
+                      </a:r>
+                    </a:p>
+                  </a:txBody>
+                  <a:tcPr anchor="ctr"/>
+                </a:tc>
+                <a:tc>
+                  <a:txBody>
+                    <a:bodyPr/>
+                    <a:lstStyle/>
+                    <a:p>
+                      <a:pPr algn="ctr"/>
+                      <a:r>
+                        <a:rPr lang="zh-TW" altLang="en-US" baseline="0" dirty="0">
+                          <a:latin typeface="Times New Roman" panose="02020603050405020304" pitchFamily="18" charset="0"/>
+                          <a:ea typeface="標楷體" panose="03000509000000000000" pitchFamily="65" charset="-120"/>
+                        </a:rPr>
+                        <a:t>預測為跌</a:t>
+                      </a:r>
+                    </a:p>
+                  </a:txBody>
+                  <a:tcPr anchor="ctr"/>
+                </a:tc>
+                <a:extLst>
+                  <a:ext uri="{0D108BD9-81ED-4DB2-BD59-A6C34878D82A}">
+                    <a16:rowId xmlns:a16="http://schemas.microsoft.com/office/drawing/2014/main" val="604472981"/>
+                  </a:ext>
+                </a:extLst>
+              </a:tr>
+              <a:tr h="370840">
+                <a:tc>
+                  <a:txBody>
+                    <a:bodyPr/>
+                    <a:lstStyle/>
+                    <a:p>
+                      <a:pPr algn="ctr"/>
+                      <a:r>
+                        <a:rPr lang="zh-TW" altLang="en-US" baseline="0" dirty="0">
+                          <a:latin typeface="Times New Roman" panose="02020603050405020304" pitchFamily="18" charset="0"/>
+                          <a:ea typeface="標楷體" panose="03000509000000000000" pitchFamily="65" charset="-120"/>
+                        </a:rPr>
+                        <a:t>持有股票</a:t>
+                      </a:r>
+                    </a:p>
+                  </a:txBody>
+                  <a:tcPr anchor="ctr"/>
+                </a:tc>
+                <a:tc>
+                  <a:txBody>
+                    <a:bodyPr/>
+                    <a:lstStyle/>
+                    <a:p>
+                      <a:pPr algn="ctr"/>
+                      <a:r>
+                        <a:rPr lang="zh-TW" altLang="en-US" baseline="0" dirty="0">
+                          <a:latin typeface="Times New Roman" panose="02020603050405020304" pitchFamily="18" charset="0"/>
+                          <a:ea typeface="標楷體" panose="03000509000000000000" pitchFamily="65" charset="-120"/>
+                        </a:rPr>
+                        <a:t>不做投資動作</a:t>
+                      </a:r>
+                    </a:p>
+                  </a:txBody>
+                  <a:tcPr anchor="ctr"/>
+                </a:tc>
+                <a:tc>
+                  <a:txBody>
+                    <a:bodyPr/>
+                    <a:lstStyle/>
+                    <a:p>
+                      <a:pPr algn="ctr"/>
+                      <a:r>
+                        <a:rPr lang="zh-TW" altLang="en-US" baseline="0" dirty="0">
+                          <a:latin typeface="Times New Roman" panose="02020603050405020304" pitchFamily="18" charset="0"/>
+                          <a:ea typeface="標楷體" panose="03000509000000000000" pitchFamily="65" charset="-120"/>
+                        </a:rPr>
+                        <a:t>賣出股票</a:t>
+                      </a:r>
+                    </a:p>
+                  </a:txBody>
+                  <a:tcPr anchor="ctr"/>
+                </a:tc>
+                <a:extLst>
+                  <a:ext uri="{0D108BD9-81ED-4DB2-BD59-A6C34878D82A}">
+                    <a16:rowId xmlns:a16="http://schemas.microsoft.com/office/drawing/2014/main" val="734343899"/>
+                  </a:ext>
+                </a:extLst>
+              </a:tr>
+              <a:tr h="370840">
+                <a:tc>
+                  <a:txBody>
+                    <a:bodyPr/>
+                    <a:lstStyle/>
+                    <a:p>
+                      <a:pPr algn="ctr"/>
+                      <a:r>
+                        <a:rPr lang="zh-TW" altLang="en-US" baseline="0" dirty="0">
+                          <a:latin typeface="Times New Roman" panose="02020603050405020304" pitchFamily="18" charset="0"/>
+                          <a:ea typeface="標楷體" panose="03000509000000000000" pitchFamily="65" charset="-120"/>
+                        </a:rPr>
+                        <a:t>未持有股票</a:t>
+                      </a:r>
+                    </a:p>
+                  </a:txBody>
+                  <a:tcPr anchor="ctr"/>
+                </a:tc>
+                <a:tc>
+                  <a:txBody>
+                    <a:bodyPr/>
+                    <a:lstStyle/>
+                    <a:p>
+                      <a:pPr algn="ctr"/>
+                      <a:r>
+                        <a:rPr lang="zh-TW" altLang="en-US" baseline="0" dirty="0">
+                          <a:latin typeface="Times New Roman" panose="02020603050405020304" pitchFamily="18" charset="0"/>
+                          <a:ea typeface="標楷體" panose="03000509000000000000" pitchFamily="65" charset="-120"/>
+                        </a:rPr>
+                        <a:t>買進股票</a:t>
+                      </a:r>
+                    </a:p>
+                  </a:txBody>
+                  <a:tcPr anchor="ctr"/>
+                </a:tc>
+                <a:tc>
+                  <a:txBody>
+                    <a:bodyPr/>
+                    <a:lstStyle/>
+                    <a:p>
+                      <a:pPr algn="ctr"/>
+                      <a:r>
+                        <a:rPr lang="zh-TW" altLang="en-US" baseline="0" dirty="0">
+                          <a:latin typeface="Times New Roman" panose="02020603050405020304" pitchFamily="18" charset="0"/>
+                          <a:ea typeface="標楷體" panose="03000509000000000000" pitchFamily="65" charset="-120"/>
+                        </a:rPr>
+                        <a:t>不做投資動作</a:t>
+                      </a:r>
+                    </a:p>
+                  </a:txBody>
+                  <a:tcPr anchor="ctr"/>
+                </a:tc>
+                <a:extLst>
+                  <a:ext uri="{0D108BD9-81ED-4DB2-BD59-A6C34878D82A}">
+                    <a16:rowId xmlns:a16="http://schemas.microsoft.com/office/drawing/2014/main" val="1873858361"/>
+                  </a:ext>
+                </a:extLst>
+              </a:tr>
+            </a:tbl>
+          </a:graphicData>
+        </a:graphic>
+      </p:graphicFrame>
+      <p:graphicFrame>
+        <p:nvGraphicFramePr>
+          <p:cNvPr id="8" name="表格 8">
+            <a:extLst>
+              <a:ext uri="{FF2B5EF4-FFF2-40B4-BE49-F238E27FC236}">
+                <a16:creationId xmlns:a16="http://schemas.microsoft.com/office/drawing/2014/main" id="{FDC7A0F7-D82A-3FAD-17E7-98D72662E275}"/>
+              </a:ext>
+            </a:extLst>
+          </p:cNvPr>
+          <p:cNvGraphicFramePr>
+            <a:graphicFrameLocks noGrp="1"/>
+          </p:cNvGraphicFramePr>
+          <p:nvPr>
+            <p:extLst>
+              <p:ext uri="{D42A27DB-BD31-4B8C-83A1-F6EECF244321}">
+                <p14:modId xmlns:p14="http://schemas.microsoft.com/office/powerpoint/2010/main" val="1862611930"/>
+              </p:ext>
+            </p:extLst>
+          </p:nvPr>
+        </p:nvGraphicFramePr>
+        <p:xfrm>
+          <a:off x="2031999" y="5065153"/>
+          <a:ext cx="8128000" cy="741680"/>
+        </p:xfrm>
+        <a:graphic>
+          <a:graphicData uri="http://schemas.openxmlformats.org/drawingml/2006/table">
+            <a:tbl>
+              <a:tblPr bandRow="1">
+                <a:tableStyleId>{5940675A-B579-460E-94D1-54222C63F5DA}</a:tableStyleId>
+              </a:tblPr>
+              <a:tblGrid>
+                <a:gridCol w="2032000">
+                  <a:extLst>
+                    <a:ext uri="{9D8B030D-6E8A-4147-A177-3AD203B41FA5}">
+                      <a16:colId xmlns:a16="http://schemas.microsoft.com/office/drawing/2014/main" val="1562509284"/>
+                    </a:ext>
+                  </a:extLst>
+                </a:gridCol>
+                <a:gridCol w="2032000">
+                  <a:extLst>
+                    <a:ext uri="{9D8B030D-6E8A-4147-A177-3AD203B41FA5}">
+                      <a16:colId xmlns:a16="http://schemas.microsoft.com/office/drawing/2014/main" val="3258985441"/>
+                    </a:ext>
+                  </a:extLst>
+                </a:gridCol>
+                <a:gridCol w="2032000">
+                  <a:extLst>
+                    <a:ext uri="{9D8B030D-6E8A-4147-A177-3AD203B41FA5}">
+                      <a16:colId xmlns:a16="http://schemas.microsoft.com/office/drawing/2014/main" val="1564210645"/>
+                    </a:ext>
+                  </a:extLst>
+                </a:gridCol>
+                <a:gridCol w="2032000">
+                  <a:extLst>
+                    <a:ext uri="{9D8B030D-6E8A-4147-A177-3AD203B41FA5}">
+                      <a16:colId xmlns:a16="http://schemas.microsoft.com/office/drawing/2014/main" val="3715075678"/>
+                    </a:ext>
+                  </a:extLst>
+                </a:gridCol>
+              </a:tblGrid>
+              <a:tr h="370840">
+                <a:tc>
+                  <a:txBody>
+                    <a:bodyPr/>
+                    <a:lstStyle/>
+                    <a:p>
+                      <a:pPr algn="ctr"/>
+                      <a:r>
+                        <a:rPr lang="zh-TW" altLang="en-US" baseline="0" dirty="0">
+                          <a:latin typeface="Times New Roman" panose="02020603050405020304" pitchFamily="18" charset="0"/>
+                          <a:ea typeface="標楷體" panose="03000509000000000000" pitchFamily="65" charset="-120"/>
+                        </a:rPr>
+                        <a:t>總損益</a:t>
+                      </a:r>
+                    </a:p>
+                  </a:txBody>
+                  <a:tcPr anchor="ctr"/>
+                </a:tc>
+                <a:tc>
+                  <a:txBody>
+                    <a:bodyPr/>
+                    <a:lstStyle/>
+                    <a:p>
+                      <a:pPr algn="ctr"/>
+                      <a:r>
+                        <a:rPr lang="zh-TW" altLang="en-US" baseline="0" dirty="0">
+                          <a:latin typeface="Times New Roman" panose="02020603050405020304" pitchFamily="18" charset="0"/>
+                          <a:ea typeface="標楷體" panose="03000509000000000000" pitchFamily="65" charset="-120"/>
+                        </a:rPr>
+                        <a:t>交易總次數</a:t>
+                      </a:r>
+                    </a:p>
+                  </a:txBody>
+                  <a:tcPr anchor="ctr"/>
+                </a:tc>
+                <a:tc>
+                  <a:txBody>
+                    <a:bodyPr/>
+                    <a:lstStyle/>
+                    <a:p>
+                      <a:pPr algn="ctr"/>
+                      <a:r>
+                        <a:rPr lang="zh-TW" altLang="en-US" baseline="0" dirty="0">
+                          <a:latin typeface="Times New Roman" panose="02020603050405020304" pitchFamily="18" charset="0"/>
+                          <a:ea typeface="標楷體" panose="03000509000000000000" pitchFamily="65" charset="-120"/>
+                        </a:rPr>
+                        <a:t>交易產生總費用</a:t>
+                      </a:r>
+                    </a:p>
+                  </a:txBody>
+                  <a:tcPr anchor="ctr"/>
+                </a:tc>
+                <a:tc>
+                  <a:txBody>
+                    <a:bodyPr/>
+                    <a:lstStyle/>
+                    <a:p>
+                      <a:pPr algn="ctr"/>
+                      <a:r>
+                        <a:rPr lang="zh-TW" altLang="en-US" baseline="0" dirty="0">
+                          <a:latin typeface="Times New Roman" panose="02020603050405020304" pitchFamily="18" charset="0"/>
+                          <a:ea typeface="標楷體" panose="03000509000000000000" pitchFamily="65" charset="-120"/>
+                        </a:rPr>
+                        <a:t>勝率</a:t>
+                      </a:r>
+                    </a:p>
+                  </a:txBody>
+                  <a:tcPr anchor="ctr"/>
+                </a:tc>
+                <a:extLst>
+                  <a:ext uri="{0D108BD9-81ED-4DB2-BD59-A6C34878D82A}">
+                    <a16:rowId xmlns:a16="http://schemas.microsoft.com/office/drawing/2014/main" val="858911662"/>
+                  </a:ext>
+                </a:extLst>
+              </a:tr>
+              <a:tr h="370840">
+                <a:tc>
+                  <a:txBody>
+                    <a:bodyPr/>
+                    <a:lstStyle/>
+                    <a:p>
+                      <a:pPr algn="ctr"/>
+                      <a:r>
+                        <a:rPr lang="zh-TW" altLang="en-US" baseline="0" dirty="0">
+                          <a:latin typeface="Times New Roman" panose="02020603050405020304" pitchFamily="18" charset="0"/>
+                          <a:ea typeface="標楷體" panose="03000509000000000000" pitchFamily="65" charset="-120"/>
+                        </a:rPr>
+                        <a:t>最大損失</a:t>
+                      </a:r>
+                    </a:p>
+                  </a:txBody>
+                  <a:tcPr anchor="ctr"/>
+                </a:tc>
+                <a:tc>
+                  <a:txBody>
+                    <a:bodyPr/>
+                    <a:lstStyle/>
+                    <a:p>
+                      <a:pPr algn="ctr"/>
+                      <a:r>
+                        <a:rPr lang="zh-TW" altLang="en-US" baseline="0" dirty="0">
+                          <a:latin typeface="Times New Roman" panose="02020603050405020304" pitchFamily="18" charset="0"/>
+                          <a:ea typeface="標楷體" panose="03000509000000000000" pitchFamily="65" charset="-120"/>
+                        </a:rPr>
+                        <a:t>最大獲利</a:t>
+                      </a:r>
+                    </a:p>
+                  </a:txBody>
+                  <a:tcPr anchor="ctr"/>
+                </a:tc>
+                <a:tc>
+                  <a:txBody>
+                    <a:bodyPr/>
+                    <a:lstStyle/>
+                    <a:p>
+                      <a:pPr algn="ctr"/>
+                      <a:r>
+                        <a:rPr lang="zh-TW" altLang="en-US" baseline="0" dirty="0">
+                          <a:latin typeface="Times New Roman" panose="02020603050405020304" pitchFamily="18" charset="0"/>
+                          <a:ea typeface="標楷體" panose="03000509000000000000" pitchFamily="65" charset="-120"/>
+                        </a:rPr>
+                        <a:t>投資報酬率</a:t>
+                      </a:r>
+                    </a:p>
+                  </a:txBody>
+                  <a:tcPr anchor="ctr"/>
+                </a:tc>
+                <a:tc>
+                  <a:txBody>
+                    <a:bodyPr/>
+                    <a:lstStyle/>
+                    <a:p>
+                      <a:pPr algn="ctr"/>
+                      <a:r>
+                        <a:rPr lang="zh-TW" altLang="en-US" baseline="0" dirty="0">
+                          <a:latin typeface="Times New Roman" panose="02020603050405020304" pitchFamily="18" charset="0"/>
+                          <a:ea typeface="標楷體" panose="03000509000000000000" pitchFamily="65" charset="-120"/>
+                        </a:rPr>
+                        <a:t>平均交易報酬率</a:t>
+                      </a:r>
+                    </a:p>
+                  </a:txBody>
+                  <a:tcPr anchor="ctr"/>
+                </a:tc>
+                <a:extLst>
+                  <a:ext uri="{0D108BD9-81ED-4DB2-BD59-A6C34878D82A}">
+                    <a16:rowId xmlns:a16="http://schemas.microsoft.com/office/drawing/2014/main" val="1807497618"/>
+                  </a:ext>
+                </a:extLst>
+              </a:tr>
+            </a:tbl>
+          </a:graphicData>
+        </a:graphic>
+      </p:graphicFrame>
+    </p:spTree>
+    <p:extLst>
+      <p:ext uri="{BB962C8B-B14F-4D97-AF65-F5344CB8AC3E}">
+        <p14:creationId xmlns:p14="http://schemas.microsoft.com/office/powerpoint/2010/main" val="1583277238"/>
       </p:ext>
     </p:extLst>
   </p:cSld>
@@ -33771,2527 +32987,6 @@
           <p:cNvPr id="2" name="標題 1">
             <a:extLst>
               <a:ext uri="{FF2B5EF4-FFF2-40B4-BE49-F238E27FC236}">
-                <a16:creationId xmlns:a16="http://schemas.microsoft.com/office/drawing/2014/main" id="{FE181840-184E-41DA-B5AC-1D0F4706F5B9}"/>
-              </a:ext>
-            </a:extLst>
-          </p:cNvPr>
-          <p:cNvSpPr>
-            <a:spLocks noGrp="1"/>
-          </p:cNvSpPr>
-          <p:nvPr>
-            <p:ph type="title"/>
-          </p:nvPr>
-        </p:nvSpPr>
-        <p:spPr/>
-        <p:txBody>
-          <a:bodyPr/>
-          <a:lstStyle/>
-          <a:p>
-            <a:r>
-              <a:rPr lang="en-US" altLang="zh-TW" dirty="0"/>
-              <a:t>Expected Results</a:t>
-            </a:r>
-            <a:r>
-              <a:rPr lang="zh-TW" altLang="en-US" dirty="0"/>
-              <a:t> </a:t>
-            </a:r>
-            <a:r>
-              <a:rPr lang="en-US" altLang="zh-TW" dirty="0"/>
-              <a:t>(1/1)</a:t>
-            </a:r>
-            <a:endParaRPr lang="zh-TW" altLang="en-US" dirty="0"/>
-          </a:p>
-        </p:txBody>
-      </p:sp>
-      <p:sp>
-        <p:nvSpPr>
-          <p:cNvPr id="3" name="內容版面配置區 2">
-            <a:extLst>
-              <a:ext uri="{FF2B5EF4-FFF2-40B4-BE49-F238E27FC236}">
-                <a16:creationId xmlns:a16="http://schemas.microsoft.com/office/drawing/2014/main" id="{BAE9E1F1-D9C5-4E63-B9B6-F6B2E8677332}"/>
-              </a:ext>
-            </a:extLst>
-          </p:cNvPr>
-          <p:cNvSpPr>
-            <a:spLocks noGrp="1"/>
-          </p:cNvSpPr>
-          <p:nvPr>
-            <p:ph idx="1"/>
-          </p:nvPr>
-        </p:nvSpPr>
-        <p:spPr/>
-        <p:txBody>
-          <a:bodyPr>
-            <a:normAutofit/>
-          </a:bodyPr>
-          <a:lstStyle/>
-          <a:p>
-            <a:r>
-              <a:rPr lang="zh-TW" altLang="en-US" sz="2400" dirty="0"/>
-              <a:t>研究目標</a:t>
-            </a:r>
-            <a:endParaRPr lang="en-US" altLang="zh-TW" sz="2400" dirty="0"/>
-          </a:p>
-          <a:p>
-            <a:pPr lvl="1"/>
-            <a:r>
-              <a:rPr lang="zh-TW" altLang="en-US" sz="2000" dirty="0"/>
-              <a:t>探討使用多元特徵輸入模型的預測股價方法是否合適</a:t>
-            </a:r>
-            <a:endParaRPr lang="en-US" altLang="zh-TW" sz="2000" dirty="0"/>
-          </a:p>
-          <a:p>
-            <a:pPr lvl="1"/>
-            <a:r>
-              <a:rPr lang="zh-TW" altLang="en-US" sz="2000" dirty="0"/>
-              <a:t>與以往使用歷史股價機器學習預測股價的研究比較差異性</a:t>
-            </a:r>
-            <a:endParaRPr lang="en-US" altLang="zh-TW" sz="2000" dirty="0"/>
-          </a:p>
-          <a:p>
-            <a:endParaRPr lang="en-US" altLang="zh-TW" sz="2400" dirty="0"/>
-          </a:p>
-          <a:p>
-            <a:r>
-              <a:rPr lang="zh-TW" altLang="en-US" sz="2400" dirty="0"/>
-              <a:t>比對論文：</a:t>
-            </a:r>
-            <a:r>
-              <a:rPr lang="en-US" altLang="zh-TW" sz="2400" dirty="0"/>
-              <a:t>Financial instability analysis using ANN and feature selection technique: Application to stock market price prediction</a:t>
-            </a:r>
-            <a:r>
-              <a:rPr lang="zh-TW" altLang="en-US" sz="2400" dirty="0"/>
-              <a:t> </a:t>
-            </a:r>
-            <a:r>
-              <a:rPr lang="en-US" altLang="zh-TW" sz="2400" dirty="0"/>
-              <a:t>(Rasel, 2016)</a:t>
-            </a:r>
-          </a:p>
-          <a:p>
-            <a:pPr lvl="1"/>
-            <a:r>
-              <a:rPr lang="zh-TW" altLang="en-US" sz="2000" dirty="0"/>
-              <a:t>預計能達成</a:t>
-            </a:r>
-            <a:r>
-              <a:rPr lang="en-US" altLang="zh-TW" sz="2000" dirty="0"/>
-              <a:t>RMSE</a:t>
-            </a:r>
-            <a:r>
-              <a:rPr lang="zh-TW" altLang="en-US" sz="2000" dirty="0"/>
-              <a:t> </a:t>
-            </a:r>
-            <a:r>
-              <a:rPr lang="en-US" altLang="zh-TW" sz="2000" dirty="0"/>
-              <a:t>0.6</a:t>
-            </a:r>
-            <a:r>
-              <a:rPr lang="zh-TW" altLang="en-US" sz="2000" dirty="0"/>
-              <a:t>以下的預測效果</a:t>
-            </a:r>
-          </a:p>
-        </p:txBody>
-      </p:sp>
-      <p:pic>
-        <p:nvPicPr>
-          <p:cNvPr id="5" name="圖片 4">
-            <a:extLst>
-              <a:ext uri="{FF2B5EF4-FFF2-40B4-BE49-F238E27FC236}">
-                <a16:creationId xmlns:a16="http://schemas.microsoft.com/office/drawing/2014/main" id="{45B8D938-79F7-4C3A-BD36-7D567EF41527}"/>
-              </a:ext>
-            </a:extLst>
-          </p:cNvPr>
-          <p:cNvPicPr>
-            <a:picLocks noChangeAspect="1"/>
-          </p:cNvPicPr>
-          <p:nvPr/>
-        </p:nvPicPr>
-        <p:blipFill>
-          <a:blip r:embed="rId3"/>
-          <a:stretch>
-            <a:fillRect/>
-          </a:stretch>
-        </p:blipFill>
-        <p:spPr>
-          <a:xfrm>
-            <a:off x="5097089" y="4531407"/>
-            <a:ext cx="6214462" cy="1965316"/>
-          </a:xfrm>
-          <a:prstGeom prst="rect">
-            <a:avLst/>
-          </a:prstGeom>
-        </p:spPr>
-      </p:pic>
-      <p:sp>
-        <p:nvSpPr>
-          <p:cNvPr id="4" name="投影片編號版面配置區 3">
-            <a:extLst>
-              <a:ext uri="{FF2B5EF4-FFF2-40B4-BE49-F238E27FC236}">
-                <a16:creationId xmlns:a16="http://schemas.microsoft.com/office/drawing/2014/main" id="{07E5498A-0413-4B9B-B7F5-07CEF1359BCF}"/>
-              </a:ext>
-            </a:extLst>
-          </p:cNvPr>
-          <p:cNvSpPr>
-            <a:spLocks noGrp="1"/>
-          </p:cNvSpPr>
-          <p:nvPr>
-            <p:ph type="sldNum" sz="quarter" idx="12"/>
-          </p:nvPr>
-        </p:nvSpPr>
-        <p:spPr/>
-        <p:txBody>
-          <a:bodyPr/>
-          <a:lstStyle/>
-          <a:p>
-            <a:fld id="{46B26A4B-3AD5-4556-810E-C20186AC774D}" type="slidenum">
-              <a:rPr lang="zh-TW" altLang="en-US" smtClean="0"/>
-              <a:t>6</a:t>
-            </a:fld>
-            <a:endParaRPr lang="zh-TW" altLang="en-US"/>
-          </a:p>
-        </p:txBody>
-      </p:sp>
-      <p:cxnSp>
-        <p:nvCxnSpPr>
-          <p:cNvPr id="9" name="直線接點 8">
-            <a:extLst>
-              <a:ext uri="{FF2B5EF4-FFF2-40B4-BE49-F238E27FC236}">
-                <a16:creationId xmlns:a16="http://schemas.microsoft.com/office/drawing/2014/main" id="{6ADD8BBD-462C-47A8-BF17-1A3A0101253C}"/>
-              </a:ext>
-            </a:extLst>
-          </p:cNvPr>
-          <p:cNvCxnSpPr/>
-          <p:nvPr/>
-        </p:nvCxnSpPr>
-        <p:spPr>
-          <a:xfrm>
-            <a:off x="1276767" y="5657759"/>
-            <a:ext cx="3581400" cy="0"/>
-          </a:xfrm>
-          <a:prstGeom prst="line">
-            <a:avLst/>
-          </a:prstGeom>
-          <a:ln w="28575">
-            <a:tailEnd type="triangle"/>
-          </a:ln>
-        </p:spPr>
-        <p:style>
-          <a:lnRef idx="1">
-            <a:schemeClr val="dk1"/>
-          </a:lnRef>
-          <a:fillRef idx="0">
-            <a:schemeClr val="dk1"/>
-          </a:fillRef>
-          <a:effectRef idx="0">
-            <a:schemeClr val="dk1"/>
-          </a:effectRef>
-          <a:fontRef idx="minor">
-            <a:schemeClr val="tx1"/>
-          </a:fontRef>
-        </p:style>
-      </p:cxnSp>
-      <p:cxnSp>
-        <p:nvCxnSpPr>
-          <p:cNvPr id="11" name="直線接點 10">
-            <a:extLst>
-              <a:ext uri="{FF2B5EF4-FFF2-40B4-BE49-F238E27FC236}">
-                <a16:creationId xmlns:a16="http://schemas.microsoft.com/office/drawing/2014/main" id="{D72BCCE2-8424-42C2-9A87-BA05F70ED241}"/>
-              </a:ext>
-            </a:extLst>
-          </p:cNvPr>
-          <p:cNvCxnSpPr/>
-          <p:nvPr/>
-        </p:nvCxnSpPr>
-        <p:spPr>
-          <a:xfrm>
-            <a:off x="3911902" y="5537974"/>
-            <a:ext cx="0" cy="230909"/>
-          </a:xfrm>
-          <a:prstGeom prst="line">
-            <a:avLst/>
-          </a:prstGeom>
-          <a:ln w="28575"/>
-        </p:spPr>
-        <p:style>
-          <a:lnRef idx="1">
-            <a:schemeClr val="dk1"/>
-          </a:lnRef>
-          <a:fillRef idx="0">
-            <a:schemeClr val="dk1"/>
-          </a:fillRef>
-          <a:effectRef idx="0">
-            <a:schemeClr val="dk1"/>
-          </a:effectRef>
-          <a:fontRef idx="minor">
-            <a:schemeClr val="tx1"/>
-          </a:fontRef>
-        </p:style>
-      </p:cxnSp>
-      <p:cxnSp>
-        <p:nvCxnSpPr>
-          <p:cNvPr id="12" name="直線接點 11">
-            <a:extLst>
-              <a:ext uri="{FF2B5EF4-FFF2-40B4-BE49-F238E27FC236}">
-                <a16:creationId xmlns:a16="http://schemas.microsoft.com/office/drawing/2014/main" id="{083860A0-F948-4447-9EE9-E4ED9580EF0C}"/>
-              </a:ext>
-            </a:extLst>
-          </p:cNvPr>
-          <p:cNvCxnSpPr/>
-          <p:nvPr/>
-        </p:nvCxnSpPr>
-        <p:spPr>
-          <a:xfrm>
-            <a:off x="3500883" y="5537973"/>
-            <a:ext cx="0" cy="230909"/>
-          </a:xfrm>
-          <a:prstGeom prst="line">
-            <a:avLst/>
-          </a:prstGeom>
-          <a:ln w="28575"/>
-        </p:spPr>
-        <p:style>
-          <a:lnRef idx="1">
-            <a:schemeClr val="dk1"/>
-          </a:lnRef>
-          <a:fillRef idx="0">
-            <a:schemeClr val="dk1"/>
-          </a:fillRef>
-          <a:effectRef idx="0">
-            <a:schemeClr val="dk1"/>
-          </a:effectRef>
-          <a:fontRef idx="minor">
-            <a:schemeClr val="tx1"/>
-          </a:fontRef>
-        </p:style>
-      </p:cxnSp>
-      <p:cxnSp>
-        <p:nvCxnSpPr>
-          <p:cNvPr id="13" name="直線接點 12">
-            <a:extLst>
-              <a:ext uri="{FF2B5EF4-FFF2-40B4-BE49-F238E27FC236}">
-                <a16:creationId xmlns:a16="http://schemas.microsoft.com/office/drawing/2014/main" id="{47E9EE8B-4F86-4789-B781-DF82A340E830}"/>
-              </a:ext>
-            </a:extLst>
-          </p:cNvPr>
-          <p:cNvCxnSpPr/>
-          <p:nvPr/>
-        </p:nvCxnSpPr>
-        <p:spPr>
-          <a:xfrm>
-            <a:off x="3079474" y="5547208"/>
-            <a:ext cx="0" cy="230909"/>
-          </a:xfrm>
-          <a:prstGeom prst="line">
-            <a:avLst/>
-          </a:prstGeom>
-          <a:ln w="28575"/>
-        </p:spPr>
-        <p:style>
-          <a:lnRef idx="1">
-            <a:schemeClr val="dk1"/>
-          </a:lnRef>
-          <a:fillRef idx="0">
-            <a:schemeClr val="dk1"/>
-          </a:fillRef>
-          <a:effectRef idx="0">
-            <a:schemeClr val="dk1"/>
-          </a:effectRef>
-          <a:fontRef idx="minor">
-            <a:schemeClr val="tx1"/>
-          </a:fontRef>
-        </p:style>
-      </p:cxnSp>
-      <p:cxnSp>
-        <p:nvCxnSpPr>
-          <p:cNvPr id="14" name="直線接點 13">
-            <a:extLst>
-              <a:ext uri="{FF2B5EF4-FFF2-40B4-BE49-F238E27FC236}">
-                <a16:creationId xmlns:a16="http://schemas.microsoft.com/office/drawing/2014/main" id="{BE67D860-8535-4218-A386-93005A374EDC}"/>
-              </a:ext>
-            </a:extLst>
-          </p:cNvPr>
-          <p:cNvCxnSpPr/>
-          <p:nvPr/>
-        </p:nvCxnSpPr>
-        <p:spPr>
-          <a:xfrm>
-            <a:off x="2688084" y="5547208"/>
-            <a:ext cx="0" cy="230909"/>
-          </a:xfrm>
-          <a:prstGeom prst="line">
-            <a:avLst/>
-          </a:prstGeom>
-          <a:ln w="28575"/>
-        </p:spPr>
-        <p:style>
-          <a:lnRef idx="1">
-            <a:schemeClr val="dk1"/>
-          </a:lnRef>
-          <a:fillRef idx="0">
-            <a:schemeClr val="dk1"/>
-          </a:fillRef>
-          <a:effectRef idx="0">
-            <a:schemeClr val="dk1"/>
-          </a:effectRef>
-          <a:fontRef idx="minor">
-            <a:schemeClr val="tx1"/>
-          </a:fontRef>
-        </p:style>
-      </p:cxnSp>
-      <p:cxnSp>
-        <p:nvCxnSpPr>
-          <p:cNvPr id="15" name="直線接點 14">
-            <a:extLst>
-              <a:ext uri="{FF2B5EF4-FFF2-40B4-BE49-F238E27FC236}">
-                <a16:creationId xmlns:a16="http://schemas.microsoft.com/office/drawing/2014/main" id="{CC2D026B-BD9C-495E-9726-7B5F8065DFFA}"/>
-              </a:ext>
-            </a:extLst>
-          </p:cNvPr>
-          <p:cNvCxnSpPr>
-            <a:cxnSpLocks/>
-          </p:cNvCxnSpPr>
-          <p:nvPr/>
-        </p:nvCxnSpPr>
-        <p:spPr>
-          <a:xfrm>
-            <a:off x="2290920" y="5547208"/>
-            <a:ext cx="0" cy="230909"/>
-          </a:xfrm>
-          <a:prstGeom prst="line">
-            <a:avLst/>
-          </a:prstGeom>
-          <a:ln w="28575"/>
-        </p:spPr>
-        <p:style>
-          <a:lnRef idx="1">
-            <a:schemeClr val="dk1"/>
-          </a:lnRef>
-          <a:fillRef idx="0">
-            <a:schemeClr val="dk1"/>
-          </a:fillRef>
-          <a:effectRef idx="0">
-            <a:schemeClr val="dk1"/>
-          </a:effectRef>
-          <a:fontRef idx="minor">
-            <a:schemeClr val="tx1"/>
-          </a:fontRef>
-        </p:style>
-      </p:cxnSp>
-      <p:cxnSp>
-        <p:nvCxnSpPr>
-          <p:cNvPr id="17" name="直線接點 16">
-            <a:extLst>
-              <a:ext uri="{FF2B5EF4-FFF2-40B4-BE49-F238E27FC236}">
-                <a16:creationId xmlns:a16="http://schemas.microsoft.com/office/drawing/2014/main" id="{D95F48DB-96A5-4BDA-A11A-D948B9DBBC84}"/>
-              </a:ext>
-            </a:extLst>
-          </p:cNvPr>
-          <p:cNvCxnSpPr/>
-          <p:nvPr/>
-        </p:nvCxnSpPr>
-        <p:spPr>
-          <a:xfrm>
-            <a:off x="1912229" y="5556444"/>
-            <a:ext cx="0" cy="230909"/>
-          </a:xfrm>
-          <a:prstGeom prst="line">
-            <a:avLst/>
-          </a:prstGeom>
-          <a:ln w="28575"/>
-        </p:spPr>
-        <p:style>
-          <a:lnRef idx="1">
-            <a:schemeClr val="dk1"/>
-          </a:lnRef>
-          <a:fillRef idx="0">
-            <a:schemeClr val="dk1"/>
-          </a:fillRef>
-          <a:effectRef idx="0">
-            <a:schemeClr val="dk1"/>
-          </a:effectRef>
-          <a:fontRef idx="minor">
-            <a:schemeClr val="tx1"/>
-          </a:fontRef>
-        </p:style>
-      </p:cxnSp>
-      <p:grpSp>
-        <p:nvGrpSpPr>
-          <p:cNvPr id="21" name="群組 20">
-            <a:extLst>
-              <a:ext uri="{FF2B5EF4-FFF2-40B4-BE49-F238E27FC236}">
-                <a16:creationId xmlns:a16="http://schemas.microsoft.com/office/drawing/2014/main" id="{09232EC6-5683-4D2C-A2C6-374C0DD046C4}"/>
-              </a:ext>
-            </a:extLst>
-          </p:cNvPr>
-          <p:cNvGrpSpPr/>
-          <p:nvPr/>
-        </p:nvGrpSpPr>
-        <p:grpSpPr>
-          <a:xfrm>
-            <a:off x="1798619" y="5452833"/>
-            <a:ext cx="1280854" cy="454594"/>
-            <a:chOff x="1219197" y="5392023"/>
-            <a:chExt cx="1280854" cy="454594"/>
-          </a:xfrm>
-        </p:grpSpPr>
-        <p:sp>
-          <p:nvSpPr>
-            <p:cNvPr id="18" name="矩形 17">
-              <a:extLst>
-                <a:ext uri="{FF2B5EF4-FFF2-40B4-BE49-F238E27FC236}">
-                  <a16:creationId xmlns:a16="http://schemas.microsoft.com/office/drawing/2014/main" id="{9A20506C-97B5-4F1E-A62A-71C5D368B0A7}"/>
-                </a:ext>
-              </a:extLst>
-            </p:cNvPr>
-            <p:cNvSpPr/>
-            <p:nvPr/>
-          </p:nvSpPr>
-          <p:spPr>
-            <a:xfrm>
-              <a:off x="1219197" y="5392023"/>
-              <a:ext cx="970280" cy="454594"/>
-            </a:xfrm>
-            <a:prstGeom prst="rect">
-              <a:avLst/>
-            </a:prstGeom>
-            <a:noFill/>
-            <a:ln w="19050">
-              <a:solidFill>
-                <a:srgbClr val="FF0000"/>
-              </a:solidFill>
-            </a:ln>
-          </p:spPr>
-          <p:style>
-            <a:lnRef idx="2">
-              <a:schemeClr val="accent1">
-                <a:shade val="50000"/>
-              </a:schemeClr>
-            </a:lnRef>
-            <a:fillRef idx="1">
-              <a:schemeClr val="accent1"/>
-            </a:fillRef>
-            <a:effectRef idx="0">
-              <a:schemeClr val="accent1"/>
-            </a:effectRef>
-            <a:fontRef idx="minor">
-              <a:schemeClr val="lt1"/>
-            </a:fontRef>
-          </p:style>
-          <p:txBody>
-            <a:bodyPr rtlCol="0" anchor="ctr"/>
-            <a:lstStyle/>
-            <a:p>
-              <a:pPr algn="ctr"/>
-              <a:endParaRPr lang="zh-TW" altLang="en-US"/>
-            </a:p>
-          </p:txBody>
-        </p:sp>
-        <p:cxnSp>
-          <p:nvCxnSpPr>
-            <p:cNvPr id="20" name="接點: 弧形 19">
-              <a:extLst>
-                <a:ext uri="{FF2B5EF4-FFF2-40B4-BE49-F238E27FC236}">
-                  <a16:creationId xmlns:a16="http://schemas.microsoft.com/office/drawing/2014/main" id="{045EC5A8-BBB6-47DE-9DEA-73AF97BD1808}"/>
-                </a:ext>
-              </a:extLst>
-            </p:cNvPr>
-            <p:cNvCxnSpPr>
-              <a:stCxn id="18" idx="0"/>
-            </p:cNvCxnSpPr>
-            <p:nvPr/>
-          </p:nvCxnSpPr>
-          <p:spPr>
-            <a:xfrm rot="16200000" flipH="1">
-              <a:off x="2036534" y="5059825"/>
-              <a:ext cx="131319" cy="795715"/>
-            </a:xfrm>
-            <a:prstGeom prst="curvedConnector4">
-              <a:avLst>
-                <a:gd name="adj1" fmla="val -174080"/>
-                <a:gd name="adj2" fmla="val 80484"/>
-              </a:avLst>
-            </a:prstGeom>
-            <a:ln w="12700">
-              <a:solidFill>
-                <a:srgbClr val="FF0000"/>
-              </a:solidFill>
-              <a:tailEnd type="triangle"/>
-            </a:ln>
-          </p:spPr>
-          <p:style>
-            <a:lnRef idx="1">
-              <a:schemeClr val="accent1"/>
-            </a:lnRef>
-            <a:fillRef idx="0">
-              <a:schemeClr val="accent1"/>
-            </a:fillRef>
-            <a:effectRef idx="0">
-              <a:schemeClr val="accent1"/>
-            </a:effectRef>
-            <a:fontRef idx="minor">
-              <a:schemeClr val="tx1"/>
-            </a:fontRef>
-          </p:style>
-        </p:cxnSp>
-      </p:grpSp>
-      <p:sp>
-        <p:nvSpPr>
-          <p:cNvPr id="28" name="文字方塊 27">
-            <a:extLst>
-              <a:ext uri="{FF2B5EF4-FFF2-40B4-BE49-F238E27FC236}">
-                <a16:creationId xmlns:a16="http://schemas.microsoft.com/office/drawing/2014/main" id="{3A9D6E73-763E-4499-985E-ADEDF018DCE4}"/>
-              </a:ext>
-            </a:extLst>
-          </p:cNvPr>
-          <p:cNvSpPr txBox="1"/>
-          <p:nvPr/>
-        </p:nvSpPr>
-        <p:spPr>
-          <a:xfrm>
-            <a:off x="1672420" y="5907138"/>
-            <a:ext cx="479618" cy="369332"/>
-          </a:xfrm>
-          <a:prstGeom prst="rect">
-            <a:avLst/>
-          </a:prstGeom>
-          <a:noFill/>
-        </p:spPr>
-        <p:txBody>
-          <a:bodyPr wrap="none" rtlCol="0">
-            <a:spAutoFit/>
-          </a:bodyPr>
-          <a:lstStyle/>
-          <a:p>
-            <a:r>
-              <a:rPr lang="en-US" altLang="zh-TW" dirty="0">
-                <a:latin typeface="Times New Roman" panose="02020603050405020304" pitchFamily="18" charset="0"/>
-                <a:ea typeface="標楷體" panose="03000509000000000000" pitchFamily="65" charset="-120"/>
-              </a:rPr>
-              <a:t>1/1</a:t>
-            </a:r>
-            <a:endParaRPr lang="zh-TW" altLang="en-US" dirty="0">
-              <a:latin typeface="Times New Roman" panose="02020603050405020304" pitchFamily="18" charset="0"/>
-              <a:ea typeface="標楷體" panose="03000509000000000000" pitchFamily="65" charset="-120"/>
-            </a:endParaRPr>
-          </a:p>
-        </p:txBody>
-      </p:sp>
-      <p:sp>
-        <p:nvSpPr>
-          <p:cNvPr id="30" name="文字方塊 29">
-            <a:extLst>
-              <a:ext uri="{FF2B5EF4-FFF2-40B4-BE49-F238E27FC236}">
-                <a16:creationId xmlns:a16="http://schemas.microsoft.com/office/drawing/2014/main" id="{F0403E1F-62A4-4749-917B-26E2FD1D98EA}"/>
-              </a:ext>
-            </a:extLst>
-          </p:cNvPr>
-          <p:cNvSpPr txBox="1"/>
-          <p:nvPr/>
-        </p:nvSpPr>
-        <p:spPr>
-          <a:xfrm>
-            <a:off x="2043949" y="5909651"/>
-            <a:ext cx="479618" cy="369332"/>
-          </a:xfrm>
-          <a:prstGeom prst="rect">
-            <a:avLst/>
-          </a:prstGeom>
-          <a:noFill/>
-        </p:spPr>
-        <p:txBody>
-          <a:bodyPr wrap="none" rtlCol="0">
-            <a:spAutoFit/>
-          </a:bodyPr>
-          <a:lstStyle/>
-          <a:p>
-            <a:r>
-              <a:rPr lang="en-US" altLang="zh-TW" dirty="0">
-                <a:latin typeface="Times New Roman" panose="02020603050405020304" pitchFamily="18" charset="0"/>
-                <a:ea typeface="標楷體" panose="03000509000000000000" pitchFamily="65" charset="-120"/>
-              </a:rPr>
-              <a:t>1/2</a:t>
-            </a:r>
-            <a:endParaRPr lang="zh-TW" altLang="en-US" dirty="0">
-              <a:latin typeface="Times New Roman" panose="02020603050405020304" pitchFamily="18" charset="0"/>
-              <a:ea typeface="標楷體" panose="03000509000000000000" pitchFamily="65" charset="-120"/>
-            </a:endParaRPr>
-          </a:p>
-        </p:txBody>
-      </p:sp>
-      <p:sp>
-        <p:nvSpPr>
-          <p:cNvPr id="31" name="文字方塊 30">
-            <a:extLst>
-              <a:ext uri="{FF2B5EF4-FFF2-40B4-BE49-F238E27FC236}">
-                <a16:creationId xmlns:a16="http://schemas.microsoft.com/office/drawing/2014/main" id="{047D9531-DB7E-4BDC-B126-250D895AF785}"/>
-              </a:ext>
-            </a:extLst>
-          </p:cNvPr>
-          <p:cNvSpPr txBox="1"/>
-          <p:nvPr/>
-        </p:nvSpPr>
-        <p:spPr>
-          <a:xfrm>
-            <a:off x="2441806" y="5907138"/>
-            <a:ext cx="479618" cy="369332"/>
-          </a:xfrm>
-          <a:prstGeom prst="rect">
-            <a:avLst/>
-          </a:prstGeom>
-          <a:noFill/>
-        </p:spPr>
-        <p:txBody>
-          <a:bodyPr wrap="none" rtlCol="0">
-            <a:spAutoFit/>
-          </a:bodyPr>
-          <a:lstStyle/>
-          <a:p>
-            <a:r>
-              <a:rPr lang="en-US" altLang="zh-TW" dirty="0">
-                <a:latin typeface="Times New Roman" panose="02020603050405020304" pitchFamily="18" charset="0"/>
-                <a:ea typeface="標楷體" panose="03000509000000000000" pitchFamily="65" charset="-120"/>
-              </a:rPr>
-              <a:t>1/3</a:t>
-            </a:r>
-            <a:endParaRPr lang="zh-TW" altLang="en-US" dirty="0">
-              <a:latin typeface="Times New Roman" panose="02020603050405020304" pitchFamily="18" charset="0"/>
-              <a:ea typeface="標楷體" panose="03000509000000000000" pitchFamily="65" charset="-120"/>
-            </a:endParaRPr>
-          </a:p>
-        </p:txBody>
-      </p:sp>
-      <p:sp>
-        <p:nvSpPr>
-          <p:cNvPr id="32" name="文字方塊 31">
-            <a:extLst>
-              <a:ext uri="{FF2B5EF4-FFF2-40B4-BE49-F238E27FC236}">
-                <a16:creationId xmlns:a16="http://schemas.microsoft.com/office/drawing/2014/main" id="{88DC5909-EC85-482A-8BBD-BF95DA995191}"/>
-              </a:ext>
-            </a:extLst>
-          </p:cNvPr>
-          <p:cNvSpPr txBox="1"/>
-          <p:nvPr/>
-        </p:nvSpPr>
-        <p:spPr>
-          <a:xfrm>
-            <a:off x="2839664" y="5904625"/>
-            <a:ext cx="479618" cy="369332"/>
-          </a:xfrm>
-          <a:prstGeom prst="rect">
-            <a:avLst/>
-          </a:prstGeom>
-          <a:noFill/>
-        </p:spPr>
-        <p:txBody>
-          <a:bodyPr wrap="none" rtlCol="0">
-            <a:spAutoFit/>
-          </a:bodyPr>
-          <a:lstStyle/>
-          <a:p>
-            <a:r>
-              <a:rPr lang="en-US" altLang="zh-TW" dirty="0">
-                <a:latin typeface="Times New Roman" panose="02020603050405020304" pitchFamily="18" charset="0"/>
-                <a:ea typeface="標楷體" panose="03000509000000000000" pitchFamily="65" charset="-120"/>
-              </a:rPr>
-              <a:t>1/4</a:t>
-            </a:r>
-            <a:endParaRPr lang="zh-TW" altLang="en-US" dirty="0">
-              <a:latin typeface="Times New Roman" panose="02020603050405020304" pitchFamily="18" charset="0"/>
-              <a:ea typeface="標楷體" panose="03000509000000000000" pitchFamily="65" charset="-120"/>
-            </a:endParaRPr>
-          </a:p>
-        </p:txBody>
-      </p:sp>
-      <p:sp>
-        <p:nvSpPr>
-          <p:cNvPr id="33" name="文字方塊 32">
-            <a:extLst>
-              <a:ext uri="{FF2B5EF4-FFF2-40B4-BE49-F238E27FC236}">
-                <a16:creationId xmlns:a16="http://schemas.microsoft.com/office/drawing/2014/main" id="{3759B892-7B20-4E6E-A1F4-6715B0543CB9}"/>
-              </a:ext>
-            </a:extLst>
-          </p:cNvPr>
-          <p:cNvSpPr txBox="1"/>
-          <p:nvPr/>
-        </p:nvSpPr>
-        <p:spPr>
-          <a:xfrm>
-            <a:off x="3266597" y="5909651"/>
-            <a:ext cx="479618" cy="369332"/>
-          </a:xfrm>
-          <a:prstGeom prst="rect">
-            <a:avLst/>
-          </a:prstGeom>
-          <a:noFill/>
-        </p:spPr>
-        <p:txBody>
-          <a:bodyPr wrap="none" rtlCol="0">
-            <a:spAutoFit/>
-          </a:bodyPr>
-          <a:lstStyle/>
-          <a:p>
-            <a:r>
-              <a:rPr lang="en-US" altLang="zh-TW" dirty="0">
-                <a:latin typeface="Times New Roman" panose="02020603050405020304" pitchFamily="18" charset="0"/>
-                <a:ea typeface="標楷體" panose="03000509000000000000" pitchFamily="65" charset="-120"/>
-              </a:rPr>
-              <a:t>1/5</a:t>
-            </a:r>
-            <a:endParaRPr lang="zh-TW" altLang="en-US" dirty="0">
-              <a:latin typeface="Times New Roman" panose="02020603050405020304" pitchFamily="18" charset="0"/>
-              <a:ea typeface="標楷體" panose="03000509000000000000" pitchFamily="65" charset="-120"/>
-            </a:endParaRPr>
-          </a:p>
-        </p:txBody>
-      </p:sp>
-      <p:sp>
-        <p:nvSpPr>
-          <p:cNvPr id="34" name="文字方塊 33">
-            <a:extLst>
-              <a:ext uri="{FF2B5EF4-FFF2-40B4-BE49-F238E27FC236}">
-                <a16:creationId xmlns:a16="http://schemas.microsoft.com/office/drawing/2014/main" id="{350F50D7-BD9C-4BD4-8E10-DF63E602C99E}"/>
-              </a:ext>
-            </a:extLst>
-          </p:cNvPr>
-          <p:cNvSpPr txBox="1"/>
-          <p:nvPr/>
-        </p:nvSpPr>
-        <p:spPr>
-          <a:xfrm>
-            <a:off x="3669593" y="5905441"/>
-            <a:ext cx="479618" cy="369332"/>
-          </a:xfrm>
-          <a:prstGeom prst="rect">
-            <a:avLst/>
-          </a:prstGeom>
-          <a:noFill/>
-        </p:spPr>
-        <p:txBody>
-          <a:bodyPr wrap="none" rtlCol="0">
-            <a:spAutoFit/>
-          </a:bodyPr>
-          <a:lstStyle/>
-          <a:p>
-            <a:r>
-              <a:rPr lang="en-US" altLang="zh-TW" dirty="0">
-                <a:latin typeface="Times New Roman" panose="02020603050405020304" pitchFamily="18" charset="0"/>
-                <a:ea typeface="標楷體" panose="03000509000000000000" pitchFamily="65" charset="-120"/>
-              </a:rPr>
-              <a:t>1/6</a:t>
-            </a:r>
-            <a:endParaRPr lang="zh-TW" altLang="en-US" dirty="0">
-              <a:latin typeface="Times New Roman" panose="02020603050405020304" pitchFamily="18" charset="0"/>
-              <a:ea typeface="標楷體" panose="03000509000000000000" pitchFamily="65" charset="-120"/>
-            </a:endParaRPr>
-          </a:p>
-        </p:txBody>
-      </p:sp>
-      <p:sp>
-        <p:nvSpPr>
-          <p:cNvPr id="35" name="文字方塊 34">
-            <a:extLst>
-              <a:ext uri="{FF2B5EF4-FFF2-40B4-BE49-F238E27FC236}">
-                <a16:creationId xmlns:a16="http://schemas.microsoft.com/office/drawing/2014/main" id="{B8444E46-2554-4A88-B8CC-83CCD9C908D8}"/>
-              </a:ext>
-            </a:extLst>
-          </p:cNvPr>
-          <p:cNvSpPr txBox="1"/>
-          <p:nvPr/>
-        </p:nvSpPr>
-        <p:spPr>
-          <a:xfrm>
-            <a:off x="1195007" y="4607593"/>
-            <a:ext cx="3343766" cy="369332"/>
-          </a:xfrm>
-          <a:prstGeom prst="rect">
-            <a:avLst/>
-          </a:prstGeom>
-          <a:noFill/>
-        </p:spPr>
-        <p:txBody>
-          <a:bodyPr wrap="square" rtlCol="0">
-            <a:spAutoFit/>
-          </a:bodyPr>
-          <a:lstStyle/>
-          <a:p>
-            <a:r>
-              <a:rPr lang="en-US" altLang="zh-TW" dirty="0">
-                <a:latin typeface="Times New Roman" panose="02020603050405020304" pitchFamily="18" charset="0"/>
-                <a:ea typeface="標楷體" panose="03000509000000000000" pitchFamily="65" charset="-120"/>
-              </a:rPr>
-              <a:t>Walmart</a:t>
-            </a:r>
-            <a:r>
-              <a:rPr lang="zh-TW" altLang="en-US" dirty="0">
-                <a:latin typeface="Times New Roman" panose="02020603050405020304" pitchFamily="18" charset="0"/>
-                <a:ea typeface="標楷體" panose="03000509000000000000" pitchFamily="65" charset="-120"/>
-              </a:rPr>
-              <a:t>研究使用</a:t>
-            </a:r>
-            <a:r>
-              <a:rPr lang="zh-TW" altLang="en-US" u="sng" dirty="0">
-                <a:latin typeface="Times New Roman" panose="02020603050405020304" pitchFamily="18" charset="0"/>
-                <a:ea typeface="標楷體" panose="03000509000000000000" pitchFamily="65" charset="-120"/>
-              </a:rPr>
-              <a:t>視窗操作法</a:t>
-            </a:r>
-          </a:p>
-        </p:txBody>
-      </p:sp>
-      <p:sp>
-        <p:nvSpPr>
-          <p:cNvPr id="36" name="文字方塊 35">
-            <a:extLst>
-              <a:ext uri="{FF2B5EF4-FFF2-40B4-BE49-F238E27FC236}">
-                <a16:creationId xmlns:a16="http://schemas.microsoft.com/office/drawing/2014/main" id="{CA5EC9D6-EE14-487C-A0D1-D3441F08EE96}"/>
-              </a:ext>
-            </a:extLst>
-          </p:cNvPr>
-          <p:cNvSpPr txBox="1"/>
-          <p:nvPr/>
-        </p:nvSpPr>
-        <p:spPr>
-          <a:xfrm>
-            <a:off x="2531574" y="6218929"/>
-            <a:ext cx="300082" cy="369332"/>
-          </a:xfrm>
-          <a:prstGeom prst="rect">
-            <a:avLst/>
-          </a:prstGeom>
-          <a:noFill/>
-        </p:spPr>
-        <p:txBody>
-          <a:bodyPr wrap="none" rtlCol="0">
-            <a:spAutoFit/>
-          </a:bodyPr>
-          <a:lstStyle/>
-          <a:p>
-            <a:r>
-              <a:rPr lang="en-US" altLang="zh-TW" dirty="0">
-                <a:solidFill>
-                  <a:srgbClr val="FF0000"/>
-                </a:solidFill>
-                <a:latin typeface="Times New Roman" panose="02020603050405020304" pitchFamily="18" charset="0"/>
-                <a:ea typeface="標楷體" panose="03000509000000000000" pitchFamily="65" charset="-120"/>
-              </a:rPr>
-              <a:t>0</a:t>
-            </a:r>
-            <a:endParaRPr lang="zh-TW" altLang="en-US" dirty="0">
-              <a:solidFill>
-                <a:srgbClr val="FF0000"/>
-              </a:solidFill>
-              <a:latin typeface="Times New Roman" panose="02020603050405020304" pitchFamily="18" charset="0"/>
-              <a:ea typeface="標楷體" panose="03000509000000000000" pitchFamily="65" charset="-120"/>
-            </a:endParaRPr>
-          </a:p>
-        </p:txBody>
-      </p:sp>
-      <p:sp>
-        <p:nvSpPr>
-          <p:cNvPr id="37" name="文字方塊 36">
-            <a:extLst>
-              <a:ext uri="{FF2B5EF4-FFF2-40B4-BE49-F238E27FC236}">
-                <a16:creationId xmlns:a16="http://schemas.microsoft.com/office/drawing/2014/main" id="{890D2840-A4CC-433A-AC4F-624A667C48FA}"/>
-              </a:ext>
-            </a:extLst>
-          </p:cNvPr>
-          <p:cNvSpPr txBox="1"/>
-          <p:nvPr/>
-        </p:nvSpPr>
-        <p:spPr>
-          <a:xfrm>
-            <a:off x="2025462" y="6210059"/>
-            <a:ext cx="530915" cy="369332"/>
-          </a:xfrm>
-          <a:prstGeom prst="rect">
-            <a:avLst/>
-          </a:prstGeom>
-          <a:noFill/>
-        </p:spPr>
-        <p:txBody>
-          <a:bodyPr wrap="none" rtlCol="0">
-            <a:spAutoFit/>
-          </a:bodyPr>
-          <a:lstStyle/>
-          <a:p>
-            <a:r>
-              <a:rPr lang="en-US" altLang="zh-TW" dirty="0">
-                <a:solidFill>
-                  <a:srgbClr val="FF0000"/>
-                </a:solidFill>
-                <a:latin typeface="Times New Roman" panose="02020603050405020304" pitchFamily="18" charset="0"/>
-                <a:ea typeface="標楷體" panose="03000509000000000000" pitchFamily="65" charset="-120"/>
-              </a:rPr>
-              <a:t>(-1)</a:t>
-            </a:r>
-            <a:endParaRPr lang="zh-TW" altLang="en-US" dirty="0">
-              <a:solidFill>
-                <a:srgbClr val="FF0000"/>
-              </a:solidFill>
-              <a:latin typeface="Times New Roman" panose="02020603050405020304" pitchFamily="18" charset="0"/>
-              <a:ea typeface="標楷體" panose="03000509000000000000" pitchFamily="65" charset="-120"/>
-            </a:endParaRPr>
-          </a:p>
-        </p:txBody>
-      </p:sp>
-      <p:sp>
-        <p:nvSpPr>
-          <p:cNvPr id="38" name="文字方塊 37">
-            <a:extLst>
-              <a:ext uri="{FF2B5EF4-FFF2-40B4-BE49-F238E27FC236}">
-                <a16:creationId xmlns:a16="http://schemas.microsoft.com/office/drawing/2014/main" id="{3EFA109D-B38C-4C45-8DC3-988E8955B24B}"/>
-              </a:ext>
-            </a:extLst>
-          </p:cNvPr>
-          <p:cNvSpPr txBox="1"/>
-          <p:nvPr/>
-        </p:nvSpPr>
-        <p:spPr>
-          <a:xfrm>
-            <a:off x="1641356" y="6209693"/>
-            <a:ext cx="530915" cy="369332"/>
-          </a:xfrm>
-          <a:prstGeom prst="rect">
-            <a:avLst/>
-          </a:prstGeom>
-          <a:noFill/>
-        </p:spPr>
-        <p:txBody>
-          <a:bodyPr wrap="none" rtlCol="0">
-            <a:spAutoFit/>
-          </a:bodyPr>
-          <a:lstStyle/>
-          <a:p>
-            <a:r>
-              <a:rPr lang="en-US" altLang="zh-TW" dirty="0">
-                <a:solidFill>
-                  <a:srgbClr val="FF0000"/>
-                </a:solidFill>
-                <a:latin typeface="Times New Roman" panose="02020603050405020304" pitchFamily="18" charset="0"/>
-                <a:ea typeface="標楷體" panose="03000509000000000000" pitchFamily="65" charset="-120"/>
-              </a:rPr>
-              <a:t>(-2)</a:t>
-            </a:r>
-            <a:endParaRPr lang="zh-TW" altLang="en-US" dirty="0">
-              <a:solidFill>
-                <a:srgbClr val="FF0000"/>
-              </a:solidFill>
-              <a:latin typeface="Times New Roman" panose="02020603050405020304" pitchFamily="18" charset="0"/>
-              <a:ea typeface="標楷體" panose="03000509000000000000" pitchFamily="65" charset="-120"/>
-            </a:endParaRPr>
-          </a:p>
-        </p:txBody>
-      </p:sp>
-      <p:sp>
-        <p:nvSpPr>
-          <p:cNvPr id="39" name="文字方塊 38">
-            <a:extLst>
-              <a:ext uri="{FF2B5EF4-FFF2-40B4-BE49-F238E27FC236}">
-                <a16:creationId xmlns:a16="http://schemas.microsoft.com/office/drawing/2014/main" id="{7D33A1C9-F12A-4704-90AC-EFC9FDE10BCD}"/>
-              </a:ext>
-            </a:extLst>
-          </p:cNvPr>
-          <p:cNvSpPr txBox="1"/>
-          <p:nvPr/>
-        </p:nvSpPr>
-        <p:spPr>
-          <a:xfrm>
-            <a:off x="2934570" y="6218929"/>
-            <a:ext cx="300082" cy="369332"/>
-          </a:xfrm>
-          <a:prstGeom prst="rect">
-            <a:avLst/>
-          </a:prstGeom>
-          <a:noFill/>
-        </p:spPr>
-        <p:txBody>
-          <a:bodyPr wrap="none" rtlCol="0">
-            <a:spAutoFit/>
-          </a:bodyPr>
-          <a:lstStyle/>
-          <a:p>
-            <a:r>
-              <a:rPr lang="en-US" altLang="zh-TW" dirty="0">
-                <a:solidFill>
-                  <a:srgbClr val="FF0000"/>
-                </a:solidFill>
-                <a:latin typeface="Times New Roman" panose="02020603050405020304" pitchFamily="18" charset="0"/>
-                <a:ea typeface="標楷體" panose="03000509000000000000" pitchFamily="65" charset="-120"/>
-              </a:rPr>
-              <a:t>1</a:t>
-            </a:r>
-            <a:endParaRPr lang="zh-TW" altLang="en-US" dirty="0">
-              <a:solidFill>
-                <a:srgbClr val="FF0000"/>
-              </a:solidFill>
-              <a:latin typeface="Times New Roman" panose="02020603050405020304" pitchFamily="18" charset="0"/>
-              <a:ea typeface="標楷體" panose="03000509000000000000" pitchFamily="65" charset="-120"/>
-            </a:endParaRPr>
-          </a:p>
-        </p:txBody>
-      </p:sp>
-      <p:grpSp>
-        <p:nvGrpSpPr>
-          <p:cNvPr id="43" name="群組 42">
-            <a:extLst>
-              <a:ext uri="{FF2B5EF4-FFF2-40B4-BE49-F238E27FC236}">
-                <a16:creationId xmlns:a16="http://schemas.microsoft.com/office/drawing/2014/main" id="{5D0E882E-24A0-429B-8E11-44BEA3A59A63}"/>
-              </a:ext>
-            </a:extLst>
-          </p:cNvPr>
-          <p:cNvGrpSpPr/>
-          <p:nvPr/>
-        </p:nvGrpSpPr>
-        <p:grpSpPr>
-          <a:xfrm>
-            <a:off x="2220029" y="5427135"/>
-            <a:ext cx="1280854" cy="454594"/>
-            <a:chOff x="1219197" y="5392023"/>
-            <a:chExt cx="1280854" cy="454594"/>
-          </a:xfrm>
-        </p:grpSpPr>
-        <p:sp>
-          <p:nvSpPr>
-            <p:cNvPr id="44" name="矩形 43">
-              <a:extLst>
-                <a:ext uri="{FF2B5EF4-FFF2-40B4-BE49-F238E27FC236}">
-                  <a16:creationId xmlns:a16="http://schemas.microsoft.com/office/drawing/2014/main" id="{D8251D05-3E6B-48C9-8A87-44E923ABDDB3}"/>
-                </a:ext>
-              </a:extLst>
-            </p:cNvPr>
-            <p:cNvSpPr/>
-            <p:nvPr/>
-          </p:nvSpPr>
-          <p:spPr>
-            <a:xfrm>
-              <a:off x="1219197" y="5392023"/>
-              <a:ext cx="970280" cy="454594"/>
-            </a:xfrm>
-            <a:prstGeom prst="rect">
-              <a:avLst/>
-            </a:prstGeom>
-            <a:noFill/>
-            <a:ln w="19050">
-              <a:solidFill>
-                <a:srgbClr val="0070C0"/>
-              </a:solidFill>
-            </a:ln>
-          </p:spPr>
-          <p:style>
-            <a:lnRef idx="2">
-              <a:schemeClr val="accent1">
-                <a:shade val="50000"/>
-              </a:schemeClr>
-            </a:lnRef>
-            <a:fillRef idx="1">
-              <a:schemeClr val="accent1"/>
-            </a:fillRef>
-            <a:effectRef idx="0">
-              <a:schemeClr val="accent1"/>
-            </a:effectRef>
-            <a:fontRef idx="minor">
-              <a:schemeClr val="lt1"/>
-            </a:fontRef>
-          </p:style>
-          <p:txBody>
-            <a:bodyPr rtlCol="0" anchor="ctr"/>
-            <a:lstStyle/>
-            <a:p>
-              <a:pPr algn="ctr"/>
-              <a:endParaRPr lang="zh-TW" altLang="en-US"/>
-            </a:p>
-          </p:txBody>
-        </p:sp>
-        <p:cxnSp>
-          <p:nvCxnSpPr>
-            <p:cNvPr id="45" name="接點: 弧形 44">
-              <a:extLst>
-                <a:ext uri="{FF2B5EF4-FFF2-40B4-BE49-F238E27FC236}">
-                  <a16:creationId xmlns:a16="http://schemas.microsoft.com/office/drawing/2014/main" id="{5AFB407D-3AA0-41C3-BC7B-8C771116F2BB}"/>
-                </a:ext>
-              </a:extLst>
-            </p:cNvPr>
-            <p:cNvCxnSpPr>
-              <a:stCxn id="44" idx="0"/>
-            </p:cNvCxnSpPr>
-            <p:nvPr/>
-          </p:nvCxnSpPr>
-          <p:spPr>
-            <a:xfrm rot="16200000" flipH="1">
-              <a:off x="2036534" y="5059825"/>
-              <a:ext cx="131319" cy="795715"/>
-            </a:xfrm>
-            <a:prstGeom prst="curvedConnector4">
-              <a:avLst>
-                <a:gd name="adj1" fmla="val -174080"/>
-                <a:gd name="adj2" fmla="val 80484"/>
-              </a:avLst>
-            </a:prstGeom>
-            <a:ln w="12700">
-              <a:solidFill>
-                <a:srgbClr val="0070C0"/>
-              </a:solidFill>
-              <a:tailEnd type="triangle"/>
-            </a:ln>
-          </p:spPr>
-          <p:style>
-            <a:lnRef idx="1">
-              <a:schemeClr val="accent1"/>
-            </a:lnRef>
-            <a:fillRef idx="0">
-              <a:schemeClr val="accent1"/>
-            </a:fillRef>
-            <a:effectRef idx="0">
-              <a:schemeClr val="accent1"/>
-            </a:effectRef>
-            <a:fontRef idx="minor">
-              <a:schemeClr val="tx1"/>
-            </a:fontRef>
-          </p:style>
-        </p:cxnSp>
-      </p:grpSp>
-      <p:grpSp>
-        <p:nvGrpSpPr>
-          <p:cNvPr id="46" name="群組 45">
-            <a:extLst>
-              <a:ext uri="{FF2B5EF4-FFF2-40B4-BE49-F238E27FC236}">
-                <a16:creationId xmlns:a16="http://schemas.microsoft.com/office/drawing/2014/main" id="{F89CB74D-92AA-416A-9199-D996944E6385}"/>
-              </a:ext>
-            </a:extLst>
-          </p:cNvPr>
-          <p:cNvGrpSpPr/>
-          <p:nvPr/>
-        </p:nvGrpSpPr>
-        <p:grpSpPr>
-          <a:xfrm>
-            <a:off x="2634280" y="5388181"/>
-            <a:ext cx="1280854" cy="454594"/>
-            <a:chOff x="1219197" y="5392023"/>
-            <a:chExt cx="1280854" cy="454594"/>
-          </a:xfrm>
-        </p:grpSpPr>
-        <p:sp>
-          <p:nvSpPr>
-            <p:cNvPr id="47" name="矩形 46">
-              <a:extLst>
-                <a:ext uri="{FF2B5EF4-FFF2-40B4-BE49-F238E27FC236}">
-                  <a16:creationId xmlns:a16="http://schemas.microsoft.com/office/drawing/2014/main" id="{EB823EB4-F512-43D1-92C4-6D3BEA0A1BF0}"/>
-                </a:ext>
-              </a:extLst>
-            </p:cNvPr>
-            <p:cNvSpPr/>
-            <p:nvPr/>
-          </p:nvSpPr>
-          <p:spPr>
-            <a:xfrm>
-              <a:off x="1219197" y="5392023"/>
-              <a:ext cx="970280" cy="454594"/>
-            </a:xfrm>
-            <a:prstGeom prst="rect">
-              <a:avLst/>
-            </a:prstGeom>
-            <a:noFill/>
-            <a:ln w="19050">
-              <a:solidFill>
-                <a:srgbClr val="00B050"/>
-              </a:solidFill>
-            </a:ln>
-          </p:spPr>
-          <p:style>
-            <a:lnRef idx="2">
-              <a:schemeClr val="accent1">
-                <a:shade val="50000"/>
-              </a:schemeClr>
-            </a:lnRef>
-            <a:fillRef idx="1">
-              <a:schemeClr val="accent1"/>
-            </a:fillRef>
-            <a:effectRef idx="0">
-              <a:schemeClr val="accent1"/>
-            </a:effectRef>
-            <a:fontRef idx="minor">
-              <a:schemeClr val="lt1"/>
-            </a:fontRef>
-          </p:style>
-          <p:txBody>
-            <a:bodyPr rtlCol="0" anchor="ctr"/>
-            <a:lstStyle/>
-            <a:p>
-              <a:pPr algn="ctr"/>
-              <a:endParaRPr lang="zh-TW" altLang="en-US"/>
-            </a:p>
-          </p:txBody>
-        </p:sp>
-        <p:cxnSp>
-          <p:nvCxnSpPr>
-            <p:cNvPr id="48" name="接點: 弧形 47">
-              <a:extLst>
-                <a:ext uri="{FF2B5EF4-FFF2-40B4-BE49-F238E27FC236}">
-                  <a16:creationId xmlns:a16="http://schemas.microsoft.com/office/drawing/2014/main" id="{033FC110-D8A5-41D1-81DD-528CB82E8A0B}"/>
-                </a:ext>
-              </a:extLst>
-            </p:cNvPr>
-            <p:cNvCxnSpPr>
-              <a:stCxn id="47" idx="0"/>
-            </p:cNvCxnSpPr>
-            <p:nvPr/>
-          </p:nvCxnSpPr>
-          <p:spPr>
-            <a:xfrm rot="16200000" flipH="1">
-              <a:off x="2036534" y="5059825"/>
-              <a:ext cx="131319" cy="795715"/>
-            </a:xfrm>
-            <a:prstGeom prst="curvedConnector4">
-              <a:avLst>
-                <a:gd name="adj1" fmla="val -174080"/>
-                <a:gd name="adj2" fmla="val 80484"/>
-              </a:avLst>
-            </a:prstGeom>
-            <a:ln w="12700">
-              <a:solidFill>
-                <a:srgbClr val="00B050"/>
-              </a:solidFill>
-              <a:tailEnd type="triangle"/>
-            </a:ln>
-          </p:spPr>
-          <p:style>
-            <a:lnRef idx="1">
-              <a:schemeClr val="accent1"/>
-            </a:lnRef>
-            <a:fillRef idx="0">
-              <a:schemeClr val="accent1"/>
-            </a:fillRef>
-            <a:effectRef idx="0">
-              <a:schemeClr val="accent1"/>
-            </a:effectRef>
-            <a:fontRef idx="minor">
-              <a:schemeClr val="tx1"/>
-            </a:fontRef>
-          </p:style>
-        </p:cxnSp>
-      </p:grpSp>
-    </p:spTree>
-    <p:extLst>
-      <p:ext uri="{BB962C8B-B14F-4D97-AF65-F5344CB8AC3E}">
-        <p14:creationId xmlns:p14="http://schemas.microsoft.com/office/powerpoint/2010/main" val="3521140034"/>
-      </p:ext>
-    </p:extLst>
-  </p:cSld>
-  <p:clrMapOvr>
-    <a:masterClrMapping/>
-  </p:clrMapOvr>
-  <p:timing>
-    <p:tnLst>
-      <p:par>
-        <p:cTn id="1" dur="indefinite" restart="never" nodeType="tmRoot">
-          <p:childTnLst>
-            <p:seq concurrent="1" nextAc="seek">
-              <p:cTn id="2" dur="indefinite" nodeType="mainSeq">
-                <p:childTnLst>
-                  <p:par>
-                    <p:cTn id="3" fill="hold">
-                      <p:stCondLst>
-                        <p:cond delay="indefinite"/>
-                      </p:stCondLst>
-                      <p:childTnLst>
-                        <p:par>
-                          <p:cTn id="4" fill="hold">
-                            <p:stCondLst>
-                              <p:cond delay="0"/>
-                            </p:stCondLst>
-                            <p:childTnLst>
-                              <p:par>
-                                <p:cTn id="5" presetID="42" presetClass="entr" presetSubtype="0" fill="hold" grpId="0" nodeType="clickEffect">
-                                  <p:stCondLst>
-                                    <p:cond delay="0"/>
-                                  </p:stCondLst>
-                                  <p:childTnLst>
-                                    <p:set>
-                                      <p:cBhvr>
-                                        <p:cTn id="6" dur="1" fill="hold">
-                                          <p:stCondLst>
-                                            <p:cond delay="0"/>
-                                          </p:stCondLst>
-                                        </p:cTn>
-                                        <p:tgtEl>
-                                          <p:spTgt spid="36"/>
-                                        </p:tgtEl>
-                                        <p:attrNameLst>
-                                          <p:attrName>style.visibility</p:attrName>
-                                        </p:attrNameLst>
-                                      </p:cBhvr>
-                                      <p:to>
-                                        <p:strVal val="visible"/>
-                                      </p:to>
-                                    </p:set>
-                                    <p:animEffect transition="in" filter="fade">
-                                      <p:cBhvr>
-                                        <p:cTn id="7" dur="1000"/>
-                                        <p:tgtEl>
-                                          <p:spTgt spid="36"/>
-                                        </p:tgtEl>
-                                      </p:cBhvr>
-                                    </p:animEffect>
-                                    <p:anim calcmode="lin" valueType="num">
-                                      <p:cBhvr>
-                                        <p:cTn id="8" dur="1000" fill="hold"/>
-                                        <p:tgtEl>
-                                          <p:spTgt spid="36"/>
-                                        </p:tgtEl>
-                                        <p:attrNameLst>
-                                          <p:attrName>ppt_x</p:attrName>
-                                        </p:attrNameLst>
-                                      </p:cBhvr>
-                                      <p:tavLst>
-                                        <p:tav tm="0">
-                                          <p:val>
-                                            <p:strVal val="#ppt_x"/>
-                                          </p:val>
-                                        </p:tav>
-                                        <p:tav tm="100000">
-                                          <p:val>
-                                            <p:strVal val="#ppt_x"/>
-                                          </p:val>
-                                        </p:tav>
-                                      </p:tavLst>
-                                    </p:anim>
-                                    <p:anim calcmode="lin" valueType="num">
-                                      <p:cBhvr>
-                                        <p:cTn id="9" dur="1000" fill="hold"/>
-                                        <p:tgtEl>
-                                          <p:spTgt spid="36"/>
-                                        </p:tgtEl>
-                                        <p:attrNameLst>
-                                          <p:attrName>ppt_y</p:attrName>
-                                        </p:attrNameLst>
-                                      </p:cBhvr>
-                                      <p:tavLst>
-                                        <p:tav tm="0">
-                                          <p:val>
-                                            <p:strVal val="#ppt_y+.1"/>
-                                          </p:val>
-                                        </p:tav>
-                                        <p:tav tm="100000">
-                                          <p:val>
-                                            <p:strVal val="#ppt_y"/>
-                                          </p:val>
-                                        </p:tav>
-                                      </p:tavLst>
-                                    </p:anim>
-                                  </p:childTnLst>
-                                </p:cTn>
-                              </p:par>
-                              <p:par>
-                                <p:cTn id="10" presetID="42" presetClass="entr" presetSubtype="0" fill="hold" grpId="0" nodeType="withEffect">
-                                  <p:stCondLst>
-                                    <p:cond delay="0"/>
-                                  </p:stCondLst>
-                                  <p:childTnLst>
-                                    <p:set>
-                                      <p:cBhvr>
-                                        <p:cTn id="11" dur="1" fill="hold">
-                                          <p:stCondLst>
-                                            <p:cond delay="0"/>
-                                          </p:stCondLst>
-                                        </p:cTn>
-                                        <p:tgtEl>
-                                          <p:spTgt spid="31"/>
-                                        </p:tgtEl>
-                                        <p:attrNameLst>
-                                          <p:attrName>style.visibility</p:attrName>
-                                        </p:attrNameLst>
-                                      </p:cBhvr>
-                                      <p:to>
-                                        <p:strVal val="visible"/>
-                                      </p:to>
-                                    </p:set>
-                                    <p:animEffect transition="in" filter="fade">
-                                      <p:cBhvr>
-                                        <p:cTn id="12" dur="1000"/>
-                                        <p:tgtEl>
-                                          <p:spTgt spid="31"/>
-                                        </p:tgtEl>
-                                      </p:cBhvr>
-                                    </p:animEffect>
-                                    <p:anim calcmode="lin" valueType="num">
-                                      <p:cBhvr>
-                                        <p:cTn id="13" dur="1000" fill="hold"/>
-                                        <p:tgtEl>
-                                          <p:spTgt spid="31"/>
-                                        </p:tgtEl>
-                                        <p:attrNameLst>
-                                          <p:attrName>ppt_x</p:attrName>
-                                        </p:attrNameLst>
-                                      </p:cBhvr>
-                                      <p:tavLst>
-                                        <p:tav tm="0">
-                                          <p:val>
-                                            <p:strVal val="#ppt_x"/>
-                                          </p:val>
-                                        </p:tav>
-                                        <p:tav tm="100000">
-                                          <p:val>
-                                            <p:strVal val="#ppt_x"/>
-                                          </p:val>
-                                        </p:tav>
-                                      </p:tavLst>
-                                    </p:anim>
-                                    <p:anim calcmode="lin" valueType="num">
-                                      <p:cBhvr>
-                                        <p:cTn id="14" dur="1000" fill="hold"/>
-                                        <p:tgtEl>
-                                          <p:spTgt spid="31"/>
-                                        </p:tgtEl>
-                                        <p:attrNameLst>
-                                          <p:attrName>ppt_y</p:attrName>
-                                        </p:attrNameLst>
-                                      </p:cBhvr>
-                                      <p:tavLst>
-                                        <p:tav tm="0">
-                                          <p:val>
-                                            <p:strVal val="#ppt_y+.1"/>
-                                          </p:val>
-                                        </p:tav>
-                                        <p:tav tm="100000">
-                                          <p:val>
-                                            <p:strVal val="#ppt_y"/>
-                                          </p:val>
-                                        </p:tav>
-                                      </p:tavLst>
-                                    </p:anim>
-                                  </p:childTnLst>
-                                </p:cTn>
-                              </p:par>
-                            </p:childTnLst>
-                          </p:cTn>
-                        </p:par>
-                      </p:childTnLst>
-                    </p:cTn>
-                  </p:par>
-                  <p:par>
-                    <p:cTn id="15" fill="hold">
-                      <p:stCondLst>
-                        <p:cond delay="indefinite"/>
-                      </p:stCondLst>
-                      <p:childTnLst>
-                        <p:par>
-                          <p:cTn id="16" fill="hold">
-                            <p:stCondLst>
-                              <p:cond delay="0"/>
-                            </p:stCondLst>
-                            <p:childTnLst>
-                              <p:par>
-                                <p:cTn id="17" presetID="42" presetClass="entr" presetSubtype="0" fill="hold" grpId="0" nodeType="clickEffect">
-                                  <p:stCondLst>
-                                    <p:cond delay="0"/>
-                                  </p:stCondLst>
-                                  <p:childTnLst>
-                                    <p:set>
-                                      <p:cBhvr>
-                                        <p:cTn id="18" dur="1" fill="hold">
-                                          <p:stCondLst>
-                                            <p:cond delay="0"/>
-                                          </p:stCondLst>
-                                        </p:cTn>
-                                        <p:tgtEl>
-                                          <p:spTgt spid="32"/>
-                                        </p:tgtEl>
-                                        <p:attrNameLst>
-                                          <p:attrName>style.visibility</p:attrName>
-                                        </p:attrNameLst>
-                                      </p:cBhvr>
-                                      <p:to>
-                                        <p:strVal val="visible"/>
-                                      </p:to>
-                                    </p:set>
-                                    <p:animEffect transition="in" filter="fade">
-                                      <p:cBhvr>
-                                        <p:cTn id="19" dur="1000"/>
-                                        <p:tgtEl>
-                                          <p:spTgt spid="32"/>
-                                        </p:tgtEl>
-                                      </p:cBhvr>
-                                    </p:animEffect>
-                                    <p:anim calcmode="lin" valueType="num">
-                                      <p:cBhvr>
-                                        <p:cTn id="20" dur="1000" fill="hold"/>
-                                        <p:tgtEl>
-                                          <p:spTgt spid="32"/>
-                                        </p:tgtEl>
-                                        <p:attrNameLst>
-                                          <p:attrName>ppt_x</p:attrName>
-                                        </p:attrNameLst>
-                                      </p:cBhvr>
-                                      <p:tavLst>
-                                        <p:tav tm="0">
-                                          <p:val>
-                                            <p:strVal val="#ppt_x"/>
-                                          </p:val>
-                                        </p:tav>
-                                        <p:tav tm="100000">
-                                          <p:val>
-                                            <p:strVal val="#ppt_x"/>
-                                          </p:val>
-                                        </p:tav>
-                                      </p:tavLst>
-                                    </p:anim>
-                                    <p:anim calcmode="lin" valueType="num">
-                                      <p:cBhvr>
-                                        <p:cTn id="21" dur="1000" fill="hold"/>
-                                        <p:tgtEl>
-                                          <p:spTgt spid="32"/>
-                                        </p:tgtEl>
-                                        <p:attrNameLst>
-                                          <p:attrName>ppt_y</p:attrName>
-                                        </p:attrNameLst>
-                                      </p:cBhvr>
-                                      <p:tavLst>
-                                        <p:tav tm="0">
-                                          <p:val>
-                                            <p:strVal val="#ppt_y+.1"/>
-                                          </p:val>
-                                        </p:tav>
-                                        <p:tav tm="100000">
-                                          <p:val>
-                                            <p:strVal val="#ppt_y"/>
-                                          </p:val>
-                                        </p:tav>
-                                      </p:tavLst>
-                                    </p:anim>
-                                  </p:childTnLst>
-                                </p:cTn>
-                              </p:par>
-                              <p:par>
-                                <p:cTn id="22" presetID="42" presetClass="entr" presetSubtype="0" fill="hold" grpId="0" nodeType="withEffect">
-                                  <p:stCondLst>
-                                    <p:cond delay="0"/>
-                                  </p:stCondLst>
-                                  <p:childTnLst>
-                                    <p:set>
-                                      <p:cBhvr>
-                                        <p:cTn id="23" dur="1" fill="hold">
-                                          <p:stCondLst>
-                                            <p:cond delay="0"/>
-                                          </p:stCondLst>
-                                        </p:cTn>
-                                        <p:tgtEl>
-                                          <p:spTgt spid="39"/>
-                                        </p:tgtEl>
-                                        <p:attrNameLst>
-                                          <p:attrName>style.visibility</p:attrName>
-                                        </p:attrNameLst>
-                                      </p:cBhvr>
-                                      <p:to>
-                                        <p:strVal val="visible"/>
-                                      </p:to>
-                                    </p:set>
-                                    <p:animEffect transition="in" filter="fade">
-                                      <p:cBhvr>
-                                        <p:cTn id="24" dur="1000"/>
-                                        <p:tgtEl>
-                                          <p:spTgt spid="39"/>
-                                        </p:tgtEl>
-                                      </p:cBhvr>
-                                    </p:animEffect>
-                                    <p:anim calcmode="lin" valueType="num">
-                                      <p:cBhvr>
-                                        <p:cTn id="25" dur="1000" fill="hold"/>
-                                        <p:tgtEl>
-                                          <p:spTgt spid="39"/>
-                                        </p:tgtEl>
-                                        <p:attrNameLst>
-                                          <p:attrName>ppt_x</p:attrName>
-                                        </p:attrNameLst>
-                                      </p:cBhvr>
-                                      <p:tavLst>
-                                        <p:tav tm="0">
-                                          <p:val>
-                                            <p:strVal val="#ppt_x"/>
-                                          </p:val>
-                                        </p:tav>
-                                        <p:tav tm="100000">
-                                          <p:val>
-                                            <p:strVal val="#ppt_x"/>
-                                          </p:val>
-                                        </p:tav>
-                                      </p:tavLst>
-                                    </p:anim>
-                                    <p:anim calcmode="lin" valueType="num">
-                                      <p:cBhvr>
-                                        <p:cTn id="26" dur="1000" fill="hold"/>
-                                        <p:tgtEl>
-                                          <p:spTgt spid="39"/>
-                                        </p:tgtEl>
-                                        <p:attrNameLst>
-                                          <p:attrName>ppt_y</p:attrName>
-                                        </p:attrNameLst>
-                                      </p:cBhvr>
-                                      <p:tavLst>
-                                        <p:tav tm="0">
-                                          <p:val>
-                                            <p:strVal val="#ppt_y+.1"/>
-                                          </p:val>
-                                        </p:tav>
-                                        <p:tav tm="100000">
-                                          <p:val>
-                                            <p:strVal val="#ppt_y"/>
-                                          </p:val>
-                                        </p:tav>
-                                      </p:tavLst>
-                                    </p:anim>
-                                  </p:childTnLst>
-                                </p:cTn>
-                              </p:par>
-                            </p:childTnLst>
-                          </p:cTn>
-                        </p:par>
-                      </p:childTnLst>
-                    </p:cTn>
-                  </p:par>
-                  <p:par>
-                    <p:cTn id="27" fill="hold">
-                      <p:stCondLst>
-                        <p:cond delay="indefinite"/>
-                      </p:stCondLst>
-                      <p:childTnLst>
-                        <p:par>
-                          <p:cTn id="28" fill="hold">
-                            <p:stCondLst>
-                              <p:cond delay="0"/>
-                            </p:stCondLst>
-                            <p:childTnLst>
-                              <p:par>
-                                <p:cTn id="29" presetID="42" presetClass="entr" presetSubtype="0" fill="hold" nodeType="clickEffect">
-                                  <p:stCondLst>
-                                    <p:cond delay="0"/>
-                                  </p:stCondLst>
-                                  <p:childTnLst>
-                                    <p:set>
-                                      <p:cBhvr>
-                                        <p:cTn id="30" dur="1" fill="hold">
-                                          <p:stCondLst>
-                                            <p:cond delay="0"/>
-                                          </p:stCondLst>
-                                        </p:cTn>
-                                        <p:tgtEl>
-                                          <p:spTgt spid="21"/>
-                                        </p:tgtEl>
-                                        <p:attrNameLst>
-                                          <p:attrName>style.visibility</p:attrName>
-                                        </p:attrNameLst>
-                                      </p:cBhvr>
-                                      <p:to>
-                                        <p:strVal val="visible"/>
-                                      </p:to>
-                                    </p:set>
-                                    <p:animEffect transition="in" filter="fade">
-                                      <p:cBhvr>
-                                        <p:cTn id="31" dur="1000"/>
-                                        <p:tgtEl>
-                                          <p:spTgt spid="21"/>
-                                        </p:tgtEl>
-                                      </p:cBhvr>
-                                    </p:animEffect>
-                                    <p:anim calcmode="lin" valueType="num">
-                                      <p:cBhvr>
-                                        <p:cTn id="32" dur="1000" fill="hold"/>
-                                        <p:tgtEl>
-                                          <p:spTgt spid="21"/>
-                                        </p:tgtEl>
-                                        <p:attrNameLst>
-                                          <p:attrName>ppt_x</p:attrName>
-                                        </p:attrNameLst>
-                                      </p:cBhvr>
-                                      <p:tavLst>
-                                        <p:tav tm="0">
-                                          <p:val>
-                                            <p:strVal val="#ppt_x"/>
-                                          </p:val>
-                                        </p:tav>
-                                        <p:tav tm="100000">
-                                          <p:val>
-                                            <p:strVal val="#ppt_x"/>
-                                          </p:val>
-                                        </p:tav>
-                                      </p:tavLst>
-                                    </p:anim>
-                                    <p:anim calcmode="lin" valueType="num">
-                                      <p:cBhvr>
-                                        <p:cTn id="33" dur="1000" fill="hold"/>
-                                        <p:tgtEl>
-                                          <p:spTgt spid="21"/>
-                                        </p:tgtEl>
-                                        <p:attrNameLst>
-                                          <p:attrName>ppt_y</p:attrName>
-                                        </p:attrNameLst>
-                                      </p:cBhvr>
-                                      <p:tavLst>
-                                        <p:tav tm="0">
-                                          <p:val>
-                                            <p:strVal val="#ppt_y+.1"/>
-                                          </p:val>
-                                        </p:tav>
-                                        <p:tav tm="100000">
-                                          <p:val>
-                                            <p:strVal val="#ppt_y"/>
-                                          </p:val>
-                                        </p:tav>
-                                      </p:tavLst>
-                                    </p:anim>
-                                  </p:childTnLst>
-                                </p:cTn>
-                              </p:par>
-                              <p:par>
-                                <p:cTn id="34" presetID="42" presetClass="entr" presetSubtype="0" fill="hold" grpId="0" nodeType="withEffect">
-                                  <p:stCondLst>
-                                    <p:cond delay="0"/>
-                                  </p:stCondLst>
-                                  <p:childTnLst>
-                                    <p:set>
-                                      <p:cBhvr>
-                                        <p:cTn id="35" dur="1" fill="hold">
-                                          <p:stCondLst>
-                                            <p:cond delay="0"/>
-                                          </p:stCondLst>
-                                        </p:cTn>
-                                        <p:tgtEl>
-                                          <p:spTgt spid="38"/>
-                                        </p:tgtEl>
-                                        <p:attrNameLst>
-                                          <p:attrName>style.visibility</p:attrName>
-                                        </p:attrNameLst>
-                                      </p:cBhvr>
-                                      <p:to>
-                                        <p:strVal val="visible"/>
-                                      </p:to>
-                                    </p:set>
-                                    <p:animEffect transition="in" filter="fade">
-                                      <p:cBhvr>
-                                        <p:cTn id="36" dur="1000"/>
-                                        <p:tgtEl>
-                                          <p:spTgt spid="38"/>
-                                        </p:tgtEl>
-                                      </p:cBhvr>
-                                    </p:animEffect>
-                                    <p:anim calcmode="lin" valueType="num">
-                                      <p:cBhvr>
-                                        <p:cTn id="37" dur="1000" fill="hold"/>
-                                        <p:tgtEl>
-                                          <p:spTgt spid="38"/>
-                                        </p:tgtEl>
-                                        <p:attrNameLst>
-                                          <p:attrName>ppt_x</p:attrName>
-                                        </p:attrNameLst>
-                                      </p:cBhvr>
-                                      <p:tavLst>
-                                        <p:tav tm="0">
-                                          <p:val>
-                                            <p:strVal val="#ppt_x"/>
-                                          </p:val>
-                                        </p:tav>
-                                        <p:tav tm="100000">
-                                          <p:val>
-                                            <p:strVal val="#ppt_x"/>
-                                          </p:val>
-                                        </p:tav>
-                                      </p:tavLst>
-                                    </p:anim>
-                                    <p:anim calcmode="lin" valueType="num">
-                                      <p:cBhvr>
-                                        <p:cTn id="38" dur="1000" fill="hold"/>
-                                        <p:tgtEl>
-                                          <p:spTgt spid="38"/>
-                                        </p:tgtEl>
-                                        <p:attrNameLst>
-                                          <p:attrName>ppt_y</p:attrName>
-                                        </p:attrNameLst>
-                                      </p:cBhvr>
-                                      <p:tavLst>
-                                        <p:tav tm="0">
-                                          <p:val>
-                                            <p:strVal val="#ppt_y+.1"/>
-                                          </p:val>
-                                        </p:tav>
-                                        <p:tav tm="100000">
-                                          <p:val>
-                                            <p:strVal val="#ppt_y"/>
-                                          </p:val>
-                                        </p:tav>
-                                      </p:tavLst>
-                                    </p:anim>
-                                  </p:childTnLst>
-                                </p:cTn>
-                              </p:par>
-                              <p:par>
-                                <p:cTn id="39" presetID="42" presetClass="entr" presetSubtype="0" fill="hold" grpId="0" nodeType="withEffect">
-                                  <p:stCondLst>
-                                    <p:cond delay="0"/>
-                                  </p:stCondLst>
-                                  <p:childTnLst>
-                                    <p:set>
-                                      <p:cBhvr>
-                                        <p:cTn id="40" dur="1" fill="hold">
-                                          <p:stCondLst>
-                                            <p:cond delay="0"/>
-                                          </p:stCondLst>
-                                        </p:cTn>
-                                        <p:tgtEl>
-                                          <p:spTgt spid="37"/>
-                                        </p:tgtEl>
-                                        <p:attrNameLst>
-                                          <p:attrName>style.visibility</p:attrName>
-                                        </p:attrNameLst>
-                                      </p:cBhvr>
-                                      <p:to>
-                                        <p:strVal val="visible"/>
-                                      </p:to>
-                                    </p:set>
-                                    <p:animEffect transition="in" filter="fade">
-                                      <p:cBhvr>
-                                        <p:cTn id="41" dur="1000"/>
-                                        <p:tgtEl>
-                                          <p:spTgt spid="37"/>
-                                        </p:tgtEl>
-                                      </p:cBhvr>
-                                    </p:animEffect>
-                                    <p:anim calcmode="lin" valueType="num">
-                                      <p:cBhvr>
-                                        <p:cTn id="42" dur="1000" fill="hold"/>
-                                        <p:tgtEl>
-                                          <p:spTgt spid="37"/>
-                                        </p:tgtEl>
-                                        <p:attrNameLst>
-                                          <p:attrName>ppt_x</p:attrName>
-                                        </p:attrNameLst>
-                                      </p:cBhvr>
-                                      <p:tavLst>
-                                        <p:tav tm="0">
-                                          <p:val>
-                                            <p:strVal val="#ppt_x"/>
-                                          </p:val>
-                                        </p:tav>
-                                        <p:tav tm="100000">
-                                          <p:val>
-                                            <p:strVal val="#ppt_x"/>
-                                          </p:val>
-                                        </p:tav>
-                                      </p:tavLst>
-                                    </p:anim>
-                                    <p:anim calcmode="lin" valueType="num">
-                                      <p:cBhvr>
-                                        <p:cTn id="43" dur="1000" fill="hold"/>
-                                        <p:tgtEl>
-                                          <p:spTgt spid="37"/>
-                                        </p:tgtEl>
-                                        <p:attrNameLst>
-                                          <p:attrName>ppt_y</p:attrName>
-                                        </p:attrNameLst>
-                                      </p:cBhvr>
-                                      <p:tavLst>
-                                        <p:tav tm="0">
-                                          <p:val>
-                                            <p:strVal val="#ppt_y+.1"/>
-                                          </p:val>
-                                        </p:tav>
-                                        <p:tav tm="100000">
-                                          <p:val>
-                                            <p:strVal val="#ppt_y"/>
-                                          </p:val>
-                                        </p:tav>
-                                      </p:tavLst>
-                                    </p:anim>
-                                  </p:childTnLst>
-                                </p:cTn>
-                              </p:par>
-                              <p:par>
-                                <p:cTn id="44" presetID="42" presetClass="entr" presetSubtype="0" fill="hold" grpId="0" nodeType="withEffect">
-                                  <p:stCondLst>
-                                    <p:cond delay="0"/>
-                                  </p:stCondLst>
-                                  <p:childTnLst>
-                                    <p:set>
-                                      <p:cBhvr>
-                                        <p:cTn id="45" dur="1" fill="hold">
-                                          <p:stCondLst>
-                                            <p:cond delay="0"/>
-                                          </p:stCondLst>
-                                        </p:cTn>
-                                        <p:tgtEl>
-                                          <p:spTgt spid="28"/>
-                                        </p:tgtEl>
-                                        <p:attrNameLst>
-                                          <p:attrName>style.visibility</p:attrName>
-                                        </p:attrNameLst>
-                                      </p:cBhvr>
-                                      <p:to>
-                                        <p:strVal val="visible"/>
-                                      </p:to>
-                                    </p:set>
-                                    <p:animEffect transition="in" filter="fade">
-                                      <p:cBhvr>
-                                        <p:cTn id="46" dur="1000"/>
-                                        <p:tgtEl>
-                                          <p:spTgt spid="28"/>
-                                        </p:tgtEl>
-                                      </p:cBhvr>
-                                    </p:animEffect>
-                                    <p:anim calcmode="lin" valueType="num">
-                                      <p:cBhvr>
-                                        <p:cTn id="47" dur="1000" fill="hold"/>
-                                        <p:tgtEl>
-                                          <p:spTgt spid="28"/>
-                                        </p:tgtEl>
-                                        <p:attrNameLst>
-                                          <p:attrName>ppt_x</p:attrName>
-                                        </p:attrNameLst>
-                                      </p:cBhvr>
-                                      <p:tavLst>
-                                        <p:tav tm="0">
-                                          <p:val>
-                                            <p:strVal val="#ppt_x"/>
-                                          </p:val>
-                                        </p:tav>
-                                        <p:tav tm="100000">
-                                          <p:val>
-                                            <p:strVal val="#ppt_x"/>
-                                          </p:val>
-                                        </p:tav>
-                                      </p:tavLst>
-                                    </p:anim>
-                                    <p:anim calcmode="lin" valueType="num">
-                                      <p:cBhvr>
-                                        <p:cTn id="48" dur="1000" fill="hold"/>
-                                        <p:tgtEl>
-                                          <p:spTgt spid="28"/>
-                                        </p:tgtEl>
-                                        <p:attrNameLst>
-                                          <p:attrName>ppt_y</p:attrName>
-                                        </p:attrNameLst>
-                                      </p:cBhvr>
-                                      <p:tavLst>
-                                        <p:tav tm="0">
-                                          <p:val>
-                                            <p:strVal val="#ppt_y+.1"/>
-                                          </p:val>
-                                        </p:tav>
-                                        <p:tav tm="100000">
-                                          <p:val>
-                                            <p:strVal val="#ppt_y"/>
-                                          </p:val>
-                                        </p:tav>
-                                      </p:tavLst>
-                                    </p:anim>
-                                  </p:childTnLst>
-                                </p:cTn>
-                              </p:par>
-                              <p:par>
-                                <p:cTn id="49" presetID="42" presetClass="entr" presetSubtype="0" fill="hold" grpId="0" nodeType="withEffect">
-                                  <p:stCondLst>
-                                    <p:cond delay="0"/>
-                                  </p:stCondLst>
-                                  <p:childTnLst>
-                                    <p:set>
-                                      <p:cBhvr>
-                                        <p:cTn id="50" dur="1" fill="hold">
-                                          <p:stCondLst>
-                                            <p:cond delay="0"/>
-                                          </p:stCondLst>
-                                        </p:cTn>
-                                        <p:tgtEl>
-                                          <p:spTgt spid="30"/>
-                                        </p:tgtEl>
-                                        <p:attrNameLst>
-                                          <p:attrName>style.visibility</p:attrName>
-                                        </p:attrNameLst>
-                                      </p:cBhvr>
-                                      <p:to>
-                                        <p:strVal val="visible"/>
-                                      </p:to>
-                                    </p:set>
-                                    <p:animEffect transition="in" filter="fade">
-                                      <p:cBhvr>
-                                        <p:cTn id="51" dur="1000"/>
-                                        <p:tgtEl>
-                                          <p:spTgt spid="30"/>
-                                        </p:tgtEl>
-                                      </p:cBhvr>
-                                    </p:animEffect>
-                                    <p:anim calcmode="lin" valueType="num">
-                                      <p:cBhvr>
-                                        <p:cTn id="52" dur="1000" fill="hold"/>
-                                        <p:tgtEl>
-                                          <p:spTgt spid="30"/>
-                                        </p:tgtEl>
-                                        <p:attrNameLst>
-                                          <p:attrName>ppt_x</p:attrName>
-                                        </p:attrNameLst>
-                                      </p:cBhvr>
-                                      <p:tavLst>
-                                        <p:tav tm="0">
-                                          <p:val>
-                                            <p:strVal val="#ppt_x"/>
-                                          </p:val>
-                                        </p:tav>
-                                        <p:tav tm="100000">
-                                          <p:val>
-                                            <p:strVal val="#ppt_x"/>
-                                          </p:val>
-                                        </p:tav>
-                                      </p:tavLst>
-                                    </p:anim>
-                                    <p:anim calcmode="lin" valueType="num">
-                                      <p:cBhvr>
-                                        <p:cTn id="53" dur="1000" fill="hold"/>
-                                        <p:tgtEl>
-                                          <p:spTgt spid="30"/>
-                                        </p:tgtEl>
-                                        <p:attrNameLst>
-                                          <p:attrName>ppt_y</p:attrName>
-                                        </p:attrNameLst>
-                                      </p:cBhvr>
-                                      <p:tavLst>
-                                        <p:tav tm="0">
-                                          <p:val>
-                                            <p:strVal val="#ppt_y+.1"/>
-                                          </p:val>
-                                        </p:tav>
-                                        <p:tav tm="100000">
-                                          <p:val>
-                                            <p:strVal val="#ppt_y"/>
-                                          </p:val>
-                                        </p:tav>
-                                      </p:tavLst>
-                                    </p:anim>
-                                  </p:childTnLst>
-                                </p:cTn>
-                              </p:par>
-                            </p:childTnLst>
-                          </p:cTn>
-                        </p:par>
-                      </p:childTnLst>
-                    </p:cTn>
-                  </p:par>
-                  <p:par>
-                    <p:cTn id="54" fill="hold">
-                      <p:stCondLst>
-                        <p:cond delay="indefinite"/>
-                      </p:stCondLst>
-                      <p:childTnLst>
-                        <p:par>
-                          <p:cTn id="55" fill="hold">
-                            <p:stCondLst>
-                              <p:cond delay="0"/>
-                            </p:stCondLst>
-                            <p:childTnLst>
-                              <p:par>
-                                <p:cTn id="56" presetID="42" presetClass="entr" presetSubtype="0" fill="hold" nodeType="clickEffect">
-                                  <p:stCondLst>
-                                    <p:cond delay="0"/>
-                                  </p:stCondLst>
-                                  <p:childTnLst>
-                                    <p:set>
-                                      <p:cBhvr>
-                                        <p:cTn id="57" dur="1" fill="hold">
-                                          <p:stCondLst>
-                                            <p:cond delay="0"/>
-                                          </p:stCondLst>
-                                        </p:cTn>
-                                        <p:tgtEl>
-                                          <p:spTgt spid="43"/>
-                                        </p:tgtEl>
-                                        <p:attrNameLst>
-                                          <p:attrName>style.visibility</p:attrName>
-                                        </p:attrNameLst>
-                                      </p:cBhvr>
-                                      <p:to>
-                                        <p:strVal val="visible"/>
-                                      </p:to>
-                                    </p:set>
-                                    <p:animEffect transition="in" filter="fade">
-                                      <p:cBhvr>
-                                        <p:cTn id="58" dur="1000"/>
-                                        <p:tgtEl>
-                                          <p:spTgt spid="43"/>
-                                        </p:tgtEl>
-                                      </p:cBhvr>
-                                    </p:animEffect>
-                                    <p:anim calcmode="lin" valueType="num">
-                                      <p:cBhvr>
-                                        <p:cTn id="59" dur="1000" fill="hold"/>
-                                        <p:tgtEl>
-                                          <p:spTgt spid="43"/>
-                                        </p:tgtEl>
-                                        <p:attrNameLst>
-                                          <p:attrName>ppt_x</p:attrName>
-                                        </p:attrNameLst>
-                                      </p:cBhvr>
-                                      <p:tavLst>
-                                        <p:tav tm="0">
-                                          <p:val>
-                                            <p:strVal val="#ppt_x"/>
-                                          </p:val>
-                                        </p:tav>
-                                        <p:tav tm="100000">
-                                          <p:val>
-                                            <p:strVal val="#ppt_x"/>
-                                          </p:val>
-                                        </p:tav>
-                                      </p:tavLst>
-                                    </p:anim>
-                                    <p:anim calcmode="lin" valueType="num">
-                                      <p:cBhvr>
-                                        <p:cTn id="60" dur="1000" fill="hold"/>
-                                        <p:tgtEl>
-                                          <p:spTgt spid="43"/>
-                                        </p:tgtEl>
-                                        <p:attrNameLst>
-                                          <p:attrName>ppt_y</p:attrName>
-                                        </p:attrNameLst>
-                                      </p:cBhvr>
-                                      <p:tavLst>
-                                        <p:tav tm="0">
-                                          <p:val>
-                                            <p:strVal val="#ppt_y+.1"/>
-                                          </p:val>
-                                        </p:tav>
-                                        <p:tav tm="100000">
-                                          <p:val>
-                                            <p:strVal val="#ppt_y"/>
-                                          </p:val>
-                                        </p:tav>
-                                      </p:tavLst>
-                                    </p:anim>
-                                  </p:childTnLst>
-                                </p:cTn>
-                              </p:par>
-                            </p:childTnLst>
-                          </p:cTn>
-                        </p:par>
-                      </p:childTnLst>
-                    </p:cTn>
-                  </p:par>
-                  <p:par>
-                    <p:cTn id="61" fill="hold">
-                      <p:stCondLst>
-                        <p:cond delay="indefinite"/>
-                      </p:stCondLst>
-                      <p:childTnLst>
-                        <p:par>
-                          <p:cTn id="62" fill="hold">
-                            <p:stCondLst>
-                              <p:cond delay="0"/>
-                            </p:stCondLst>
-                            <p:childTnLst>
-                              <p:par>
-                                <p:cTn id="63" presetID="42" presetClass="entr" presetSubtype="0" fill="hold" nodeType="clickEffect">
-                                  <p:stCondLst>
-                                    <p:cond delay="0"/>
-                                  </p:stCondLst>
-                                  <p:childTnLst>
-                                    <p:set>
-                                      <p:cBhvr>
-                                        <p:cTn id="64" dur="1" fill="hold">
-                                          <p:stCondLst>
-                                            <p:cond delay="0"/>
-                                          </p:stCondLst>
-                                        </p:cTn>
-                                        <p:tgtEl>
-                                          <p:spTgt spid="46"/>
-                                        </p:tgtEl>
-                                        <p:attrNameLst>
-                                          <p:attrName>style.visibility</p:attrName>
-                                        </p:attrNameLst>
-                                      </p:cBhvr>
-                                      <p:to>
-                                        <p:strVal val="visible"/>
-                                      </p:to>
-                                    </p:set>
-                                    <p:animEffect transition="in" filter="fade">
-                                      <p:cBhvr>
-                                        <p:cTn id="65" dur="1000"/>
-                                        <p:tgtEl>
-                                          <p:spTgt spid="46"/>
-                                        </p:tgtEl>
-                                      </p:cBhvr>
-                                    </p:animEffect>
-                                    <p:anim calcmode="lin" valueType="num">
-                                      <p:cBhvr>
-                                        <p:cTn id="66" dur="1000" fill="hold"/>
-                                        <p:tgtEl>
-                                          <p:spTgt spid="46"/>
-                                        </p:tgtEl>
-                                        <p:attrNameLst>
-                                          <p:attrName>ppt_x</p:attrName>
-                                        </p:attrNameLst>
-                                      </p:cBhvr>
-                                      <p:tavLst>
-                                        <p:tav tm="0">
-                                          <p:val>
-                                            <p:strVal val="#ppt_x"/>
-                                          </p:val>
-                                        </p:tav>
-                                        <p:tav tm="100000">
-                                          <p:val>
-                                            <p:strVal val="#ppt_x"/>
-                                          </p:val>
-                                        </p:tav>
-                                      </p:tavLst>
-                                    </p:anim>
-                                    <p:anim calcmode="lin" valueType="num">
-                                      <p:cBhvr>
-                                        <p:cTn id="67" dur="1000" fill="hold"/>
-                                        <p:tgtEl>
-                                          <p:spTgt spid="46"/>
-                                        </p:tgtEl>
-                                        <p:attrNameLst>
-                                          <p:attrName>ppt_y</p:attrName>
-                                        </p:attrNameLst>
-                                      </p:cBhvr>
-                                      <p:tavLst>
-                                        <p:tav tm="0">
-                                          <p:val>
-                                            <p:strVal val="#ppt_y+.1"/>
-                                          </p:val>
-                                        </p:tav>
-                                        <p:tav tm="100000">
-                                          <p:val>
-                                            <p:strVal val="#ppt_y"/>
-                                          </p:val>
-                                        </p:tav>
-                                      </p:tavLst>
-                                    </p:anim>
-                                  </p:childTnLst>
-                                </p:cTn>
-                              </p:par>
-                              <p:par>
-                                <p:cTn id="68" presetID="42" presetClass="entr" presetSubtype="0" fill="hold" grpId="0" nodeType="withEffect">
-                                  <p:stCondLst>
-                                    <p:cond delay="0"/>
-                                  </p:stCondLst>
-                                  <p:childTnLst>
-                                    <p:set>
-                                      <p:cBhvr>
-                                        <p:cTn id="69" dur="1" fill="hold">
-                                          <p:stCondLst>
-                                            <p:cond delay="0"/>
-                                          </p:stCondLst>
-                                        </p:cTn>
-                                        <p:tgtEl>
-                                          <p:spTgt spid="33"/>
-                                        </p:tgtEl>
-                                        <p:attrNameLst>
-                                          <p:attrName>style.visibility</p:attrName>
-                                        </p:attrNameLst>
-                                      </p:cBhvr>
-                                      <p:to>
-                                        <p:strVal val="visible"/>
-                                      </p:to>
-                                    </p:set>
-                                    <p:animEffect transition="in" filter="fade">
-                                      <p:cBhvr>
-                                        <p:cTn id="70" dur="1000"/>
-                                        <p:tgtEl>
-                                          <p:spTgt spid="33"/>
-                                        </p:tgtEl>
-                                      </p:cBhvr>
-                                    </p:animEffect>
-                                    <p:anim calcmode="lin" valueType="num">
-                                      <p:cBhvr>
-                                        <p:cTn id="71" dur="1000" fill="hold"/>
-                                        <p:tgtEl>
-                                          <p:spTgt spid="33"/>
-                                        </p:tgtEl>
-                                        <p:attrNameLst>
-                                          <p:attrName>ppt_x</p:attrName>
-                                        </p:attrNameLst>
-                                      </p:cBhvr>
-                                      <p:tavLst>
-                                        <p:tav tm="0">
-                                          <p:val>
-                                            <p:strVal val="#ppt_x"/>
-                                          </p:val>
-                                        </p:tav>
-                                        <p:tav tm="100000">
-                                          <p:val>
-                                            <p:strVal val="#ppt_x"/>
-                                          </p:val>
-                                        </p:tav>
-                                      </p:tavLst>
-                                    </p:anim>
-                                    <p:anim calcmode="lin" valueType="num">
-                                      <p:cBhvr>
-                                        <p:cTn id="72" dur="1000" fill="hold"/>
-                                        <p:tgtEl>
-                                          <p:spTgt spid="33"/>
-                                        </p:tgtEl>
-                                        <p:attrNameLst>
-                                          <p:attrName>ppt_y</p:attrName>
-                                        </p:attrNameLst>
-                                      </p:cBhvr>
-                                      <p:tavLst>
-                                        <p:tav tm="0">
-                                          <p:val>
-                                            <p:strVal val="#ppt_y+.1"/>
-                                          </p:val>
-                                        </p:tav>
-                                        <p:tav tm="100000">
-                                          <p:val>
-                                            <p:strVal val="#ppt_y"/>
-                                          </p:val>
-                                        </p:tav>
-                                      </p:tavLst>
-                                    </p:anim>
-                                  </p:childTnLst>
-                                </p:cTn>
-                              </p:par>
-                              <p:par>
-                                <p:cTn id="73" presetID="42" presetClass="entr" presetSubtype="0" fill="hold" grpId="0" nodeType="withEffect">
-                                  <p:stCondLst>
-                                    <p:cond delay="0"/>
-                                  </p:stCondLst>
-                                  <p:childTnLst>
-                                    <p:set>
-                                      <p:cBhvr>
-                                        <p:cTn id="74" dur="1" fill="hold">
-                                          <p:stCondLst>
-                                            <p:cond delay="0"/>
-                                          </p:stCondLst>
-                                        </p:cTn>
-                                        <p:tgtEl>
-                                          <p:spTgt spid="34"/>
-                                        </p:tgtEl>
-                                        <p:attrNameLst>
-                                          <p:attrName>style.visibility</p:attrName>
-                                        </p:attrNameLst>
-                                      </p:cBhvr>
-                                      <p:to>
-                                        <p:strVal val="visible"/>
-                                      </p:to>
-                                    </p:set>
-                                    <p:animEffect transition="in" filter="fade">
-                                      <p:cBhvr>
-                                        <p:cTn id="75" dur="1000"/>
-                                        <p:tgtEl>
-                                          <p:spTgt spid="34"/>
-                                        </p:tgtEl>
-                                      </p:cBhvr>
-                                    </p:animEffect>
-                                    <p:anim calcmode="lin" valueType="num">
-                                      <p:cBhvr>
-                                        <p:cTn id="76" dur="1000" fill="hold"/>
-                                        <p:tgtEl>
-                                          <p:spTgt spid="34"/>
-                                        </p:tgtEl>
-                                        <p:attrNameLst>
-                                          <p:attrName>ppt_x</p:attrName>
-                                        </p:attrNameLst>
-                                      </p:cBhvr>
-                                      <p:tavLst>
-                                        <p:tav tm="0">
-                                          <p:val>
-                                            <p:strVal val="#ppt_x"/>
-                                          </p:val>
-                                        </p:tav>
-                                        <p:tav tm="100000">
-                                          <p:val>
-                                            <p:strVal val="#ppt_x"/>
-                                          </p:val>
-                                        </p:tav>
-                                      </p:tavLst>
-                                    </p:anim>
-                                    <p:anim calcmode="lin" valueType="num">
-                                      <p:cBhvr>
-                                        <p:cTn id="77" dur="1000" fill="hold"/>
-                                        <p:tgtEl>
-                                          <p:spTgt spid="34"/>
-                                        </p:tgtEl>
-                                        <p:attrNameLst>
-                                          <p:attrName>ppt_y</p:attrName>
-                                        </p:attrNameLst>
-                                      </p:cBhvr>
-                                      <p:tavLst>
-                                        <p:tav tm="0">
-                                          <p:val>
-                                            <p:strVal val="#ppt_y+.1"/>
-                                          </p:val>
-                                        </p:tav>
-                                        <p:tav tm="100000">
-                                          <p:val>
-                                            <p:strVal val="#ppt_y"/>
-                                          </p:val>
-                                        </p:tav>
-                                      </p:tavLst>
-                                    </p:anim>
-                                  </p:childTnLst>
-                                </p:cTn>
-                              </p:par>
-                            </p:childTnLst>
-                          </p:cTn>
-                        </p:par>
-                      </p:childTnLst>
-                    </p:cTn>
-                  </p:par>
-                </p:childTnLst>
-              </p:cTn>
-              <p:prevCondLst>
-                <p:cond evt="onPrev" delay="0">
-                  <p:tgtEl>
-                    <p:sldTgt/>
-                  </p:tgtEl>
-                </p:cond>
-              </p:prevCondLst>
-              <p:nextCondLst>
-                <p:cond evt="onNext" delay="0">
-                  <p:tgtEl>
-                    <p:sldTgt/>
-                  </p:tgtEl>
-                </p:cond>
-              </p:nextCondLst>
-            </p:seq>
-          </p:childTnLst>
-        </p:cTn>
-      </p:par>
-    </p:tnLst>
-    <p:bldLst>
-      <p:bldP spid="28" grpId="0"/>
-      <p:bldP spid="30" grpId="0"/>
-      <p:bldP spid="31" grpId="0"/>
-      <p:bldP spid="32" grpId="0"/>
-      <p:bldP spid="33" grpId="0"/>
-      <p:bldP spid="34" grpId="0"/>
-      <p:bldP spid="36" grpId="0"/>
-      <p:bldP spid="37" grpId="0"/>
-      <p:bldP spid="38" grpId="0"/>
-      <p:bldP spid="39" grpId="0"/>
-    </p:bldLst>
-  </p:timing>
-</p:sld>
-</file>
-
-<file path=ppt/slides/slide7.xml><?xml version="1.0" encoding="utf-8"?>
-<p:sld xmlns:a="http://schemas.openxmlformats.org/drawingml/2006/main" xmlns:r="http://schemas.openxmlformats.org/officeDocument/2006/relationships" xmlns:p="http://schemas.openxmlformats.org/presentationml/2006/main">
-  <p:cSld>
-    <p:spTree>
-      <p:nvGrpSpPr>
-        <p:cNvPr id="1" name=""/>
-        <p:cNvGrpSpPr/>
-        <p:nvPr/>
-      </p:nvGrpSpPr>
-      <p:grpSpPr>
-        <a:xfrm>
-          <a:off x="0" y="0"/>
-          <a:ext cx="0" cy="0"/>
-          <a:chOff x="0" y="0"/>
-          <a:chExt cx="0" cy="0"/>
-        </a:xfrm>
-      </p:grpSpPr>
-      <p:sp>
-        <p:nvSpPr>
-          <p:cNvPr id="2" name="標題 1">
-            <a:extLst>
-              <a:ext uri="{FF2B5EF4-FFF2-40B4-BE49-F238E27FC236}">
                 <a16:creationId xmlns:a16="http://schemas.microsoft.com/office/drawing/2014/main" id="{87527CCE-72FF-44F2-915C-ADD5CA29B59D}"/>
               </a:ext>
             </a:extLst>
@@ -37064,7 +33759,7 @@
           <a:p>
             <a:fld id="{46B26A4B-3AD5-4556-810E-C20186AC774D}" type="slidenum">
               <a:rPr lang="zh-TW" altLang="en-US" smtClean="0"/>
-              <a:t>7</a:t>
+              <a:t>6</a:t>
             </a:fld>
             <a:endParaRPr lang="zh-TW" altLang="en-US"/>
           </a:p>
@@ -37083,7 +33778,7 @@
 </p:sld>
 </file>
 
-<file path=ppt/slides/slide8.xml><?xml version="1.0" encoding="utf-8"?>
+<file path=ppt/slides/slide7.xml><?xml version="1.0" encoding="utf-8"?>
 <p:sld xmlns:a="http://schemas.openxmlformats.org/drawingml/2006/main" xmlns:r="http://schemas.openxmlformats.org/officeDocument/2006/relationships" xmlns:p="http://schemas.openxmlformats.org/presentationml/2006/main">
   <p:cSld>
     <p:spTree>
@@ -37210,7 +33905,7 @@
           <a:p>
             <a:fld id="{46B26A4B-3AD5-4556-810E-C20186AC774D}" type="slidenum">
               <a:rPr lang="zh-TW" altLang="en-US" smtClean="0"/>
-              <a:t>8</a:t>
+              <a:t>7</a:t>
             </a:fld>
             <a:endParaRPr lang="zh-TW" altLang="en-US"/>
           </a:p>
@@ -37229,7 +33924,7 @@
 </p:sld>
 </file>
 
-<file path=ppt/slides/slide9.xml><?xml version="1.0" encoding="utf-8"?>
+<file path=ppt/slides/slide8.xml><?xml version="1.0" encoding="utf-8"?>
 <p:sld xmlns:a="http://schemas.openxmlformats.org/drawingml/2006/main" xmlns:r="http://schemas.openxmlformats.org/officeDocument/2006/relationships" xmlns:p="http://schemas.openxmlformats.org/presentationml/2006/main">
   <p:cSld>
     <p:spTree>
@@ -37349,7 +34044,7 @@
           <a:p>
             <a:fld id="{46B26A4B-3AD5-4556-810E-C20186AC774D}" type="slidenum">
               <a:rPr lang="zh-TW" altLang="en-US" smtClean="0"/>
-              <a:t>9</a:t>
+              <a:t>8</a:t>
             </a:fld>
             <a:endParaRPr lang="zh-TW" altLang="en-US"/>
           </a:p>
@@ -37607,6 +34302,1331 @@
     <p:bldLst>
       <p:bldP spid="5" grpId="0" animBg="1"/>
       <p:bldP spid="7" grpId="0" animBg="1"/>
+    </p:bldLst>
+  </p:timing>
+</p:sld>
+</file>
+
+<file path=ppt/slides/slide9.xml><?xml version="1.0" encoding="utf-8"?>
+<p:sld xmlns:a="http://schemas.openxmlformats.org/drawingml/2006/main" xmlns:r="http://schemas.openxmlformats.org/officeDocument/2006/relationships" xmlns:p="http://schemas.openxmlformats.org/presentationml/2006/main">
+  <p:cSld>
+    <p:spTree>
+      <p:nvGrpSpPr>
+        <p:cNvPr id="1" name=""/>
+        <p:cNvGrpSpPr/>
+        <p:nvPr/>
+      </p:nvGrpSpPr>
+      <p:grpSpPr>
+        <a:xfrm>
+          <a:off x="0" y="0"/>
+          <a:ext cx="0" cy="0"/>
+          <a:chOff x="0" y="0"/>
+          <a:chExt cx="0" cy="0"/>
+        </a:xfrm>
+      </p:grpSpPr>
+      <p:sp>
+        <p:nvSpPr>
+          <p:cNvPr id="2" name="標題 1">
+            <a:extLst>
+              <a:ext uri="{FF2B5EF4-FFF2-40B4-BE49-F238E27FC236}">
+                <a16:creationId xmlns:a16="http://schemas.microsoft.com/office/drawing/2014/main" id="{30B5659A-36FA-4442-8258-90086709D616}"/>
+              </a:ext>
+            </a:extLst>
+          </p:cNvPr>
+          <p:cNvSpPr>
+            <a:spLocks noGrp="1"/>
+          </p:cNvSpPr>
+          <p:nvPr>
+            <p:ph type="title"/>
+          </p:nvPr>
+        </p:nvSpPr>
+        <p:spPr>
+          <a:xfrm>
+            <a:off x="838200" y="376414"/>
+            <a:ext cx="10515600" cy="1325563"/>
+          </a:xfrm>
+        </p:spPr>
+        <p:txBody>
+          <a:bodyPr/>
+          <a:lstStyle/>
+          <a:p>
+            <a:r>
+              <a:rPr lang="en-US" altLang="zh-TW" dirty="0">
+                <a:latin typeface="Times New Roman" panose="02020603050405020304" pitchFamily="18" charset="0"/>
+                <a:cs typeface="Times New Roman" panose="02020603050405020304" pitchFamily="18" charset="0"/>
+              </a:rPr>
+              <a:t>Architecture</a:t>
+            </a:r>
+            <a:r>
+              <a:rPr lang="en-US" altLang="zh-TW" dirty="0"/>
+              <a:t> (2/13)</a:t>
+            </a:r>
+            <a:br>
+              <a:rPr lang="zh-TW" altLang="en-US" dirty="0"/>
+            </a:br>
+            <a:r>
+              <a:rPr lang="zh-TW" altLang="en-US" sz="3200" dirty="0"/>
+              <a:t>資料蒐集</a:t>
+            </a:r>
+            <a:r>
+              <a:rPr lang="en-US" altLang="zh-TW" sz="3200" dirty="0"/>
+              <a:t>—</a:t>
+            </a:r>
+            <a:r>
+              <a:rPr lang="zh-TW" altLang="en-US" sz="3200" dirty="0"/>
+              <a:t>股市新聞</a:t>
+            </a:r>
+          </a:p>
+        </p:txBody>
+      </p:sp>
+      <p:grpSp>
+        <p:nvGrpSpPr>
+          <p:cNvPr id="11" name="群組 10">
+            <a:extLst>
+              <a:ext uri="{FF2B5EF4-FFF2-40B4-BE49-F238E27FC236}">
+                <a16:creationId xmlns:a16="http://schemas.microsoft.com/office/drawing/2014/main" id="{6D0424EA-3E7E-41C5-AEF7-FC6203CBA727}"/>
+              </a:ext>
+            </a:extLst>
+          </p:cNvPr>
+          <p:cNvGrpSpPr/>
+          <p:nvPr/>
+        </p:nvGrpSpPr>
+        <p:grpSpPr>
+          <a:xfrm>
+            <a:off x="7846822" y="2024891"/>
+            <a:ext cx="1447832" cy="1286042"/>
+            <a:chOff x="7611431" y="1846549"/>
+            <a:chExt cx="1447832" cy="1286042"/>
+          </a:xfrm>
+        </p:grpSpPr>
+        <p:pic>
+          <p:nvPicPr>
+            <p:cNvPr id="7" name="內容版面配置區 4" descr="文件 外框">
+              <a:extLst>
+                <a:ext uri="{FF2B5EF4-FFF2-40B4-BE49-F238E27FC236}">
+                  <a16:creationId xmlns:a16="http://schemas.microsoft.com/office/drawing/2014/main" id="{8F3CB3AA-AD35-418F-89D2-5788A197A5D1}"/>
+                </a:ext>
+              </a:extLst>
+            </p:cNvPr>
+            <p:cNvPicPr>
+              <a:picLocks noChangeAspect="1"/>
+            </p:cNvPicPr>
+            <p:nvPr/>
+          </p:nvPicPr>
+          <p:blipFill>
+            <a:blip r:embed="rId2">
+              <a:extLst>
+                <a:ext uri="{28A0092B-C50C-407E-A947-70E740481C1C}">
+                  <a14:useLocalDpi xmlns:a14="http://schemas.microsoft.com/office/drawing/2010/main" val="0"/>
+                </a:ext>
+                <a:ext uri="{96DAC541-7B7A-43D3-8B79-37D633B846F1}">
+                  <asvg:svgBlip xmlns:asvg="http://schemas.microsoft.com/office/drawing/2016/SVG/main" r:embed="rId3"/>
+                </a:ext>
+              </a:extLst>
+            </a:blip>
+            <a:stretch>
+              <a:fillRect/>
+            </a:stretch>
+          </p:blipFill>
+          <p:spPr>
+            <a:xfrm>
+              <a:off x="7878147" y="2218191"/>
+              <a:ext cx="914400" cy="914400"/>
+            </a:xfrm>
+            <a:prstGeom prst="rect">
+              <a:avLst/>
+            </a:prstGeom>
+          </p:spPr>
+        </p:pic>
+        <p:sp>
+          <p:nvSpPr>
+            <p:cNvPr id="6" name="文字方塊 5">
+              <a:extLst>
+                <a:ext uri="{FF2B5EF4-FFF2-40B4-BE49-F238E27FC236}">
+                  <a16:creationId xmlns:a16="http://schemas.microsoft.com/office/drawing/2014/main" id="{60FDD00A-32EA-4EC3-B0CC-289E6B9EBDB1}"/>
+                </a:ext>
+              </a:extLst>
+            </p:cNvPr>
+            <p:cNvSpPr txBox="1"/>
+            <p:nvPr/>
+          </p:nvSpPr>
+          <p:spPr>
+            <a:xfrm>
+              <a:off x="7611431" y="1846549"/>
+              <a:ext cx="1447832" cy="369332"/>
+            </a:xfrm>
+            <a:prstGeom prst="rect">
+              <a:avLst/>
+            </a:prstGeom>
+            <a:noFill/>
+          </p:spPr>
+          <p:txBody>
+            <a:bodyPr wrap="none" rtlCol="0">
+              <a:spAutoFit/>
+            </a:bodyPr>
+            <a:lstStyle/>
+            <a:p>
+              <a:r>
+                <a:rPr lang="en-US" altLang="zh-TW" dirty="0">
+                  <a:latin typeface="Times New Roman" panose="02020603050405020304" pitchFamily="18" charset="0"/>
+                  <a:ea typeface="標楷體" panose="03000509000000000000" pitchFamily="65" charset="-120"/>
+                </a:rPr>
+                <a:t>Python</a:t>
+              </a:r>
+              <a:r>
+                <a:rPr lang="zh-TW" altLang="en-US" dirty="0">
+                  <a:latin typeface="Times New Roman" panose="02020603050405020304" pitchFamily="18" charset="0"/>
+                  <a:ea typeface="標楷體" panose="03000509000000000000" pitchFamily="65" charset="-120"/>
+                </a:rPr>
+                <a:t> </a:t>
+              </a:r>
+              <a:r>
+                <a:rPr lang="en-US" altLang="zh-TW" dirty="0">
+                  <a:latin typeface="Times New Roman" panose="02020603050405020304" pitchFamily="18" charset="0"/>
+                  <a:ea typeface="標楷體" panose="03000509000000000000" pitchFamily="65" charset="-120"/>
+                </a:rPr>
+                <a:t>Script</a:t>
+              </a:r>
+              <a:endParaRPr lang="zh-TW" altLang="en-US" dirty="0">
+                <a:latin typeface="Times New Roman" panose="02020603050405020304" pitchFamily="18" charset="0"/>
+                <a:ea typeface="標楷體" panose="03000509000000000000" pitchFamily="65" charset="-120"/>
+              </a:endParaRPr>
+            </a:p>
+          </p:txBody>
+        </p:sp>
+      </p:grpSp>
+      <p:grpSp>
+        <p:nvGrpSpPr>
+          <p:cNvPr id="9" name="群組 8">
+            <a:extLst>
+              <a:ext uri="{FF2B5EF4-FFF2-40B4-BE49-F238E27FC236}">
+                <a16:creationId xmlns:a16="http://schemas.microsoft.com/office/drawing/2014/main" id="{6EBD9C35-F987-44FB-BC72-CBB96CC49FBD}"/>
+              </a:ext>
+            </a:extLst>
+          </p:cNvPr>
+          <p:cNvGrpSpPr/>
+          <p:nvPr/>
+        </p:nvGrpSpPr>
+        <p:grpSpPr>
+          <a:xfrm>
+            <a:off x="1448555" y="2143186"/>
+            <a:ext cx="2649048" cy="1167747"/>
+            <a:chOff x="2480650" y="1964843"/>
+            <a:chExt cx="2649048" cy="1167747"/>
+          </a:xfrm>
+        </p:grpSpPr>
+        <p:pic>
+          <p:nvPicPr>
+            <p:cNvPr id="2050" name="Picture 2" descr="富果評價好嗎？《市場先生評測玉山富果帳戶》 - Mr.Market市場先生">
+              <a:extLst>
+                <a:ext uri="{FF2B5EF4-FFF2-40B4-BE49-F238E27FC236}">
+                  <a16:creationId xmlns:a16="http://schemas.microsoft.com/office/drawing/2014/main" id="{4D2564F3-7C94-48F4-8417-C9A548B41C01}"/>
+                </a:ext>
+              </a:extLst>
+            </p:cNvPr>
+            <p:cNvPicPr>
+              <a:picLocks noChangeAspect="1" noChangeArrowheads="1"/>
+            </p:cNvPicPr>
+            <p:nvPr/>
+          </p:nvPicPr>
+          <p:blipFill>
+            <a:blip r:embed="rId4">
+              <a:extLst>
+                <a:ext uri="{28A0092B-C50C-407E-A947-70E740481C1C}">
+                  <a14:useLocalDpi xmlns:a14="http://schemas.microsoft.com/office/drawing/2010/main" val="0"/>
+                </a:ext>
+              </a:extLst>
+            </a:blip>
+            <a:srcRect/>
+            <a:stretch>
+              <a:fillRect/>
+            </a:stretch>
+          </p:blipFill>
+          <p:spPr bwMode="auto">
+            <a:xfrm>
+              <a:off x="2480650" y="2334175"/>
+              <a:ext cx="2649048" cy="798415"/>
+            </a:xfrm>
+            <a:prstGeom prst="rect">
+              <a:avLst/>
+            </a:prstGeom>
+            <a:noFill/>
+            <a:extLst>
+              <a:ext uri="{909E8E84-426E-40DD-AFC4-6F175D3DCCD1}">
+                <a14:hiddenFill xmlns:a14="http://schemas.microsoft.com/office/drawing/2010/main">
+                  <a:solidFill>
+                    <a:srgbClr val="FFFFFF"/>
+                  </a:solidFill>
+                </a14:hiddenFill>
+              </a:ext>
+            </a:extLst>
+          </p:spPr>
+        </p:pic>
+        <p:sp>
+          <p:nvSpPr>
+            <p:cNvPr id="10" name="文字方塊 9">
+              <a:extLst>
+                <a:ext uri="{FF2B5EF4-FFF2-40B4-BE49-F238E27FC236}">
+                  <a16:creationId xmlns:a16="http://schemas.microsoft.com/office/drawing/2014/main" id="{026814E2-F978-4902-B245-8C141D2F3C8C}"/>
+                </a:ext>
+              </a:extLst>
+            </p:cNvPr>
+            <p:cNvSpPr txBox="1"/>
+            <p:nvPr/>
+          </p:nvSpPr>
+          <p:spPr>
+            <a:xfrm>
+              <a:off x="3264000" y="1964843"/>
+              <a:ext cx="1082348" cy="369332"/>
+            </a:xfrm>
+            <a:prstGeom prst="rect">
+              <a:avLst/>
+            </a:prstGeom>
+            <a:noFill/>
+          </p:spPr>
+          <p:txBody>
+            <a:bodyPr wrap="none" rtlCol="0">
+              <a:spAutoFit/>
+            </a:bodyPr>
+            <a:lstStyle/>
+            <a:p>
+              <a:r>
+                <a:rPr lang="en-US" altLang="zh-TW" dirty="0">
+                  <a:latin typeface="Times New Roman" panose="02020603050405020304" pitchFamily="18" charset="0"/>
+                  <a:ea typeface="標楷體" panose="03000509000000000000" pitchFamily="65" charset="-120"/>
+                </a:rPr>
+                <a:t>FugleAPI</a:t>
+              </a:r>
+              <a:endParaRPr lang="zh-TW" altLang="en-US" dirty="0">
+                <a:latin typeface="Times New Roman" panose="02020603050405020304" pitchFamily="18" charset="0"/>
+                <a:ea typeface="標楷體" panose="03000509000000000000" pitchFamily="65" charset="-120"/>
+              </a:endParaRPr>
+            </a:p>
+          </p:txBody>
+        </p:sp>
+      </p:grpSp>
+      <p:sp>
+        <p:nvSpPr>
+          <p:cNvPr id="17" name="箭號: 向左 16">
+            <a:extLst>
+              <a:ext uri="{FF2B5EF4-FFF2-40B4-BE49-F238E27FC236}">
+                <a16:creationId xmlns:a16="http://schemas.microsoft.com/office/drawing/2014/main" id="{D1453FF8-2E7E-417E-BB2C-DD7795A35FF0}"/>
+              </a:ext>
+            </a:extLst>
+          </p:cNvPr>
+          <p:cNvSpPr/>
+          <p:nvPr/>
+        </p:nvSpPr>
+        <p:spPr>
+          <a:xfrm>
+            <a:off x="4585131" y="2394223"/>
+            <a:ext cx="2263366" cy="251037"/>
+          </a:xfrm>
+          <a:prstGeom prst="leftArrow">
+            <a:avLst/>
+          </a:prstGeom>
+        </p:spPr>
+        <p:style>
+          <a:lnRef idx="2">
+            <a:schemeClr val="accent1">
+              <a:shade val="50000"/>
+            </a:schemeClr>
+          </a:lnRef>
+          <a:fillRef idx="1">
+            <a:schemeClr val="accent1"/>
+          </a:fillRef>
+          <a:effectRef idx="0">
+            <a:schemeClr val="accent1"/>
+          </a:effectRef>
+          <a:fontRef idx="minor">
+            <a:schemeClr val="lt1"/>
+          </a:fontRef>
+        </p:style>
+        <p:txBody>
+          <a:bodyPr rtlCol="0" anchor="ctr"/>
+          <a:lstStyle/>
+          <a:p>
+            <a:pPr algn="ctr"/>
+            <a:endParaRPr lang="zh-TW" altLang="en-US"/>
+          </a:p>
+        </p:txBody>
+      </p:sp>
+      <p:sp>
+        <p:nvSpPr>
+          <p:cNvPr id="19" name="文字方塊 18">
+            <a:extLst>
+              <a:ext uri="{FF2B5EF4-FFF2-40B4-BE49-F238E27FC236}">
+                <a16:creationId xmlns:a16="http://schemas.microsoft.com/office/drawing/2014/main" id="{65E873E2-6CFD-4976-AE7C-D497F899DE97}"/>
+              </a:ext>
+            </a:extLst>
+          </p:cNvPr>
+          <p:cNvSpPr txBox="1"/>
+          <p:nvPr/>
+        </p:nvSpPr>
+        <p:spPr>
+          <a:xfrm>
+            <a:off x="4816567" y="1737759"/>
+            <a:ext cx="1800493" cy="646331"/>
+          </a:xfrm>
+          <a:prstGeom prst="rect">
+            <a:avLst/>
+          </a:prstGeom>
+          <a:noFill/>
+        </p:spPr>
+        <p:txBody>
+          <a:bodyPr wrap="none" rtlCol="0">
+            <a:spAutoFit/>
+          </a:bodyPr>
+          <a:lstStyle/>
+          <a:p>
+            <a:r>
+              <a:rPr lang="en-US" altLang="zh-TW" dirty="0">
+                <a:latin typeface="Times New Roman" panose="02020603050405020304" pitchFamily="18" charset="0"/>
+                <a:ea typeface="標楷體" panose="03000509000000000000" pitchFamily="65" charset="-120"/>
+              </a:rPr>
+              <a:t>GET method:</a:t>
+            </a:r>
+          </a:p>
+          <a:p>
+            <a:r>
+              <a:rPr lang="zh-TW" altLang="en-US" dirty="0">
+                <a:latin typeface="Times New Roman" panose="02020603050405020304" pitchFamily="18" charset="0"/>
+                <a:ea typeface="標楷體" panose="03000509000000000000" pitchFamily="65" charset="-120"/>
+              </a:rPr>
+              <a:t>日期、股票代號</a:t>
+            </a:r>
+          </a:p>
+        </p:txBody>
+      </p:sp>
+      <p:sp>
+        <p:nvSpPr>
+          <p:cNvPr id="22" name="箭號: 向左 21">
+            <a:extLst>
+              <a:ext uri="{FF2B5EF4-FFF2-40B4-BE49-F238E27FC236}">
+                <a16:creationId xmlns:a16="http://schemas.microsoft.com/office/drawing/2014/main" id="{AF20622D-E672-4CB5-88EC-8274540B41E5}"/>
+              </a:ext>
+            </a:extLst>
+          </p:cNvPr>
+          <p:cNvSpPr/>
+          <p:nvPr/>
+        </p:nvSpPr>
+        <p:spPr>
+          <a:xfrm flipH="1">
+            <a:off x="4585130" y="2812285"/>
+            <a:ext cx="2263366" cy="251037"/>
+          </a:xfrm>
+          <a:prstGeom prst="leftArrow">
+            <a:avLst/>
+          </a:prstGeom>
+        </p:spPr>
+        <p:style>
+          <a:lnRef idx="2">
+            <a:schemeClr val="accent1">
+              <a:shade val="50000"/>
+            </a:schemeClr>
+          </a:lnRef>
+          <a:fillRef idx="1">
+            <a:schemeClr val="accent1"/>
+          </a:fillRef>
+          <a:effectRef idx="0">
+            <a:schemeClr val="accent1"/>
+          </a:effectRef>
+          <a:fontRef idx="minor">
+            <a:schemeClr val="lt1"/>
+          </a:fontRef>
+        </p:style>
+        <p:txBody>
+          <a:bodyPr rtlCol="0" anchor="ctr"/>
+          <a:lstStyle/>
+          <a:p>
+            <a:pPr algn="ctr"/>
+            <a:endParaRPr lang="zh-TW" altLang="en-US"/>
+          </a:p>
+        </p:txBody>
+      </p:sp>
+      <p:sp>
+        <p:nvSpPr>
+          <p:cNvPr id="23" name="文字方塊 22">
+            <a:extLst>
+              <a:ext uri="{FF2B5EF4-FFF2-40B4-BE49-F238E27FC236}">
+                <a16:creationId xmlns:a16="http://schemas.microsoft.com/office/drawing/2014/main" id="{1A797446-CA0E-47DE-B264-3AF7D21D531F}"/>
+              </a:ext>
+            </a:extLst>
+          </p:cNvPr>
+          <p:cNvSpPr txBox="1"/>
+          <p:nvPr/>
+        </p:nvSpPr>
+        <p:spPr>
+          <a:xfrm>
+            <a:off x="4787329" y="3126267"/>
+            <a:ext cx="2262158" cy="369332"/>
+          </a:xfrm>
+          <a:prstGeom prst="rect">
+            <a:avLst/>
+          </a:prstGeom>
+          <a:noFill/>
+        </p:spPr>
+        <p:txBody>
+          <a:bodyPr wrap="none" rtlCol="0">
+            <a:spAutoFit/>
+          </a:bodyPr>
+          <a:lstStyle/>
+          <a:p>
+            <a:r>
+              <a:rPr lang="zh-TW" altLang="en-US" dirty="0">
+                <a:latin typeface="Times New Roman" panose="02020603050405020304" pitchFamily="18" charset="0"/>
+                <a:ea typeface="標楷體" panose="03000509000000000000" pitchFamily="65" charset="-120"/>
+              </a:rPr>
+              <a:t>日期當天的新聞內容</a:t>
+            </a:r>
+          </a:p>
+        </p:txBody>
+      </p:sp>
+      <p:graphicFrame>
+        <p:nvGraphicFramePr>
+          <p:cNvPr id="24" name="表格 23">
+            <a:extLst>
+              <a:ext uri="{FF2B5EF4-FFF2-40B4-BE49-F238E27FC236}">
+                <a16:creationId xmlns:a16="http://schemas.microsoft.com/office/drawing/2014/main" id="{9BE4F70F-981C-4918-ABE2-3689F2399B21}"/>
+              </a:ext>
+            </a:extLst>
+          </p:cNvPr>
+          <p:cNvGraphicFramePr>
+            <a:graphicFrameLocks noGrp="1"/>
+          </p:cNvGraphicFramePr>
+          <p:nvPr>
+            <p:extLst>
+              <p:ext uri="{D42A27DB-BD31-4B8C-83A1-F6EECF244321}">
+                <p14:modId xmlns:p14="http://schemas.microsoft.com/office/powerpoint/2010/main" val="1424364729"/>
+              </p:ext>
+            </p:extLst>
+          </p:nvPr>
+        </p:nvGraphicFramePr>
+        <p:xfrm>
+          <a:off x="4350121" y="3654886"/>
+          <a:ext cx="3136574" cy="1594229"/>
+        </p:xfrm>
+        <a:graphic>
+          <a:graphicData uri="http://schemas.openxmlformats.org/drawingml/2006/table">
+            <a:tbl>
+              <a:tblPr firstRow="1" firstCol="1" bandRow="1">
+                <a:tableStyleId>{5C22544A-7EE6-4342-B048-85BDC9FD1C3A}</a:tableStyleId>
+              </a:tblPr>
+              <a:tblGrid>
+                <a:gridCol w="1568287">
+                  <a:extLst>
+                    <a:ext uri="{9D8B030D-6E8A-4147-A177-3AD203B41FA5}">
+                      <a16:colId xmlns:a16="http://schemas.microsoft.com/office/drawing/2014/main" val="3001273113"/>
+                    </a:ext>
+                  </a:extLst>
+                </a:gridCol>
+                <a:gridCol w="1568287">
+                  <a:extLst>
+                    <a:ext uri="{9D8B030D-6E8A-4147-A177-3AD203B41FA5}">
+                      <a16:colId xmlns:a16="http://schemas.microsoft.com/office/drawing/2014/main" val="4193152667"/>
+                    </a:ext>
+                  </a:extLst>
+                </a:gridCol>
+              </a:tblGrid>
+              <a:tr h="227747">
+                <a:tc>
+                  <a:txBody>
+                    <a:bodyPr/>
+                    <a:lstStyle/>
+                    <a:p>
+                      <a:pPr algn="ctr">
+                        <a:spcBef>
+                          <a:spcPts val="600"/>
+                        </a:spcBef>
+                        <a:spcAft>
+                          <a:spcPts val="600"/>
+                        </a:spcAft>
+                      </a:pPr>
+                      <a:r>
+                        <a:rPr lang="zh-TW" sz="1400" baseline="0" dirty="0">
+                          <a:effectLst/>
+                          <a:latin typeface="Times New Roman" panose="02020603050405020304" pitchFamily="18" charset="0"/>
+                          <a:ea typeface="標楷體" panose="03000509000000000000" pitchFamily="65" charset="-120"/>
+                        </a:rPr>
+                        <a:t>欄位</a:t>
+                      </a:r>
+                      <a:endParaRPr lang="zh-TW" sz="1400" baseline="0" dirty="0">
+                        <a:effectLst/>
+                        <a:latin typeface="Times New Roman" panose="02020603050405020304" pitchFamily="18" charset="0"/>
+                        <a:ea typeface="標楷體" panose="03000509000000000000" pitchFamily="65" charset="-120"/>
+                        <a:cs typeface="新細明體" panose="02020500000000000000" pitchFamily="18" charset="-120"/>
+                      </a:endParaRPr>
+                    </a:p>
+                  </a:txBody>
+                  <a:tcPr marL="68580" marR="68580" marT="0" marB="0"/>
+                </a:tc>
+                <a:tc>
+                  <a:txBody>
+                    <a:bodyPr/>
+                    <a:lstStyle/>
+                    <a:p>
+                      <a:pPr algn="ctr">
+                        <a:spcBef>
+                          <a:spcPts val="600"/>
+                        </a:spcBef>
+                        <a:spcAft>
+                          <a:spcPts val="600"/>
+                        </a:spcAft>
+                      </a:pPr>
+                      <a:r>
+                        <a:rPr lang="zh-TW" sz="1400" baseline="0" dirty="0">
+                          <a:effectLst/>
+                          <a:latin typeface="Times New Roman" panose="02020603050405020304" pitchFamily="18" charset="0"/>
+                          <a:ea typeface="標楷體" panose="03000509000000000000" pitchFamily="65" charset="-120"/>
+                        </a:rPr>
+                        <a:t>欄位敘述</a:t>
+                      </a:r>
+                      <a:endParaRPr lang="zh-TW" sz="1400" baseline="0" dirty="0">
+                        <a:effectLst/>
+                        <a:latin typeface="Times New Roman" panose="02020603050405020304" pitchFamily="18" charset="0"/>
+                        <a:ea typeface="標楷體" panose="03000509000000000000" pitchFamily="65" charset="-120"/>
+                        <a:cs typeface="新細明體" panose="02020500000000000000" pitchFamily="18" charset="-120"/>
+                      </a:endParaRPr>
+                    </a:p>
+                  </a:txBody>
+                  <a:tcPr marL="68580" marR="68580" marT="0" marB="0"/>
+                </a:tc>
+                <a:extLst>
+                  <a:ext uri="{0D108BD9-81ED-4DB2-BD59-A6C34878D82A}">
+                    <a16:rowId xmlns:a16="http://schemas.microsoft.com/office/drawing/2014/main" val="1671333131"/>
+                  </a:ext>
+                </a:extLst>
+              </a:tr>
+              <a:tr h="227747">
+                <a:tc>
+                  <a:txBody>
+                    <a:bodyPr/>
+                    <a:lstStyle/>
+                    <a:p>
+                      <a:pPr algn="ctr">
+                        <a:spcBef>
+                          <a:spcPts val="600"/>
+                        </a:spcBef>
+                        <a:spcAft>
+                          <a:spcPts val="600"/>
+                        </a:spcAft>
+                      </a:pPr>
+                      <a:r>
+                        <a:rPr lang="en-US" sz="1400" baseline="0" dirty="0">
+                          <a:effectLst/>
+                          <a:latin typeface="Times New Roman" panose="02020603050405020304" pitchFamily="18" charset="0"/>
+                          <a:ea typeface="標楷體" panose="03000509000000000000" pitchFamily="65" charset="-120"/>
+                        </a:rPr>
+                        <a:t>_id</a:t>
+                      </a:r>
+                      <a:endParaRPr lang="zh-TW" sz="1400" baseline="0" dirty="0">
+                        <a:effectLst/>
+                        <a:latin typeface="Times New Roman" panose="02020603050405020304" pitchFamily="18" charset="0"/>
+                        <a:ea typeface="標楷體" panose="03000509000000000000" pitchFamily="65" charset="-120"/>
+                        <a:cs typeface="新細明體" panose="02020500000000000000" pitchFamily="18" charset="-120"/>
+                      </a:endParaRPr>
+                    </a:p>
+                  </a:txBody>
+                  <a:tcPr marL="68580" marR="68580" marT="0" marB="0"/>
+                </a:tc>
+                <a:tc>
+                  <a:txBody>
+                    <a:bodyPr/>
+                    <a:lstStyle/>
+                    <a:p>
+                      <a:pPr algn="ctr">
+                        <a:spcBef>
+                          <a:spcPts val="600"/>
+                        </a:spcBef>
+                        <a:spcAft>
+                          <a:spcPts val="600"/>
+                        </a:spcAft>
+                      </a:pPr>
+                      <a:r>
+                        <a:rPr lang="zh-TW" sz="1400" baseline="0" dirty="0">
+                          <a:effectLst/>
+                          <a:latin typeface="Times New Roman" panose="02020603050405020304" pitchFamily="18" charset="0"/>
+                          <a:ea typeface="標楷體" panose="03000509000000000000" pitchFamily="65" charset="-120"/>
+                        </a:rPr>
+                        <a:t>新聞</a:t>
+                      </a:r>
+                      <a:r>
+                        <a:rPr lang="en-US" sz="1400" baseline="0" dirty="0">
+                          <a:effectLst/>
+                          <a:latin typeface="Times New Roman" panose="02020603050405020304" pitchFamily="18" charset="0"/>
+                          <a:ea typeface="標楷體" panose="03000509000000000000" pitchFamily="65" charset="-120"/>
+                        </a:rPr>
+                        <a:t>ID</a:t>
+                      </a:r>
+                      <a:endParaRPr lang="zh-TW" sz="1400" baseline="0" dirty="0">
+                        <a:effectLst/>
+                        <a:latin typeface="Times New Roman" panose="02020603050405020304" pitchFamily="18" charset="0"/>
+                        <a:ea typeface="標楷體" panose="03000509000000000000" pitchFamily="65" charset="-120"/>
+                        <a:cs typeface="新細明體" panose="02020500000000000000" pitchFamily="18" charset="-120"/>
+                      </a:endParaRPr>
+                    </a:p>
+                  </a:txBody>
+                  <a:tcPr marL="68580" marR="68580" marT="0" marB="0"/>
+                </a:tc>
+                <a:extLst>
+                  <a:ext uri="{0D108BD9-81ED-4DB2-BD59-A6C34878D82A}">
+                    <a16:rowId xmlns:a16="http://schemas.microsoft.com/office/drawing/2014/main" val="561764986"/>
+                  </a:ext>
+                </a:extLst>
+              </a:tr>
+              <a:tr h="227747">
+                <a:tc>
+                  <a:txBody>
+                    <a:bodyPr/>
+                    <a:lstStyle/>
+                    <a:p>
+                      <a:pPr algn="ctr">
+                        <a:spcBef>
+                          <a:spcPts val="600"/>
+                        </a:spcBef>
+                        <a:spcAft>
+                          <a:spcPts val="600"/>
+                        </a:spcAft>
+                      </a:pPr>
+                      <a:r>
+                        <a:rPr lang="en-US" sz="1400" baseline="0">
+                          <a:effectLst/>
+                          <a:latin typeface="Times New Roman" panose="02020603050405020304" pitchFamily="18" charset="0"/>
+                          <a:ea typeface="標楷體" panose="03000509000000000000" pitchFamily="65" charset="-120"/>
+                        </a:rPr>
+                        <a:t>title</a:t>
+                      </a:r>
+                      <a:endParaRPr lang="zh-TW" sz="1400" baseline="0">
+                        <a:effectLst/>
+                        <a:latin typeface="Times New Roman" panose="02020603050405020304" pitchFamily="18" charset="0"/>
+                        <a:ea typeface="標楷體" panose="03000509000000000000" pitchFamily="65" charset="-120"/>
+                        <a:cs typeface="新細明體" panose="02020500000000000000" pitchFamily="18" charset="-120"/>
+                      </a:endParaRPr>
+                    </a:p>
+                  </a:txBody>
+                  <a:tcPr marL="68580" marR="68580" marT="0" marB="0"/>
+                </a:tc>
+                <a:tc>
+                  <a:txBody>
+                    <a:bodyPr/>
+                    <a:lstStyle/>
+                    <a:p>
+                      <a:pPr algn="ctr">
+                        <a:spcBef>
+                          <a:spcPts val="600"/>
+                        </a:spcBef>
+                        <a:spcAft>
+                          <a:spcPts val="600"/>
+                        </a:spcAft>
+                      </a:pPr>
+                      <a:r>
+                        <a:rPr lang="zh-TW" sz="1400" baseline="0" dirty="0">
+                          <a:effectLst/>
+                          <a:latin typeface="Times New Roman" panose="02020603050405020304" pitchFamily="18" charset="0"/>
+                          <a:ea typeface="標楷體" panose="03000509000000000000" pitchFamily="65" charset="-120"/>
+                        </a:rPr>
+                        <a:t>新聞標題</a:t>
+                      </a:r>
+                      <a:endParaRPr lang="zh-TW" sz="1400" baseline="0" dirty="0">
+                        <a:effectLst/>
+                        <a:latin typeface="Times New Roman" panose="02020603050405020304" pitchFamily="18" charset="0"/>
+                        <a:ea typeface="標楷體" panose="03000509000000000000" pitchFamily="65" charset="-120"/>
+                        <a:cs typeface="新細明體" panose="02020500000000000000" pitchFamily="18" charset="-120"/>
+                      </a:endParaRPr>
+                    </a:p>
+                  </a:txBody>
+                  <a:tcPr marL="68580" marR="68580" marT="0" marB="0"/>
+                </a:tc>
+                <a:extLst>
+                  <a:ext uri="{0D108BD9-81ED-4DB2-BD59-A6C34878D82A}">
+                    <a16:rowId xmlns:a16="http://schemas.microsoft.com/office/drawing/2014/main" val="3005859253"/>
+                  </a:ext>
+                </a:extLst>
+              </a:tr>
+              <a:tr h="227747">
+                <a:tc>
+                  <a:txBody>
+                    <a:bodyPr/>
+                    <a:lstStyle/>
+                    <a:p>
+                      <a:pPr algn="ctr">
+                        <a:spcBef>
+                          <a:spcPts val="600"/>
+                        </a:spcBef>
+                        <a:spcAft>
+                          <a:spcPts val="600"/>
+                        </a:spcAft>
+                      </a:pPr>
+                      <a:r>
+                        <a:rPr lang="en-US" sz="1400" baseline="0" dirty="0">
+                          <a:effectLst/>
+                          <a:latin typeface="Times New Roman" panose="02020603050405020304" pitchFamily="18" charset="0"/>
+                          <a:ea typeface="標楷體" panose="03000509000000000000" pitchFamily="65" charset="-120"/>
+                        </a:rPr>
+                        <a:t>content</a:t>
+                      </a:r>
+                      <a:endParaRPr lang="zh-TW" sz="1400" baseline="0" dirty="0">
+                        <a:effectLst/>
+                        <a:latin typeface="Times New Roman" panose="02020603050405020304" pitchFamily="18" charset="0"/>
+                        <a:ea typeface="標楷體" panose="03000509000000000000" pitchFamily="65" charset="-120"/>
+                        <a:cs typeface="新細明體" panose="02020500000000000000" pitchFamily="18" charset="-120"/>
+                      </a:endParaRPr>
+                    </a:p>
+                  </a:txBody>
+                  <a:tcPr marL="68580" marR="68580" marT="0" marB="0"/>
+                </a:tc>
+                <a:tc>
+                  <a:txBody>
+                    <a:bodyPr/>
+                    <a:lstStyle/>
+                    <a:p>
+                      <a:pPr algn="ctr">
+                        <a:spcBef>
+                          <a:spcPts val="600"/>
+                        </a:spcBef>
+                        <a:spcAft>
+                          <a:spcPts val="600"/>
+                        </a:spcAft>
+                      </a:pPr>
+                      <a:r>
+                        <a:rPr lang="zh-TW" sz="1400" baseline="0">
+                          <a:effectLst/>
+                          <a:latin typeface="Times New Roman" panose="02020603050405020304" pitchFamily="18" charset="0"/>
+                          <a:ea typeface="標楷體" panose="03000509000000000000" pitchFamily="65" charset="-120"/>
+                        </a:rPr>
+                        <a:t>新聞內容</a:t>
+                      </a:r>
+                      <a:endParaRPr lang="zh-TW" sz="1400" baseline="0">
+                        <a:effectLst/>
+                        <a:latin typeface="Times New Roman" panose="02020603050405020304" pitchFamily="18" charset="0"/>
+                        <a:ea typeface="標楷體" panose="03000509000000000000" pitchFamily="65" charset="-120"/>
+                        <a:cs typeface="新細明體" panose="02020500000000000000" pitchFamily="18" charset="-120"/>
+                      </a:endParaRPr>
+                    </a:p>
+                  </a:txBody>
+                  <a:tcPr marL="68580" marR="68580" marT="0" marB="0"/>
+                </a:tc>
+                <a:extLst>
+                  <a:ext uri="{0D108BD9-81ED-4DB2-BD59-A6C34878D82A}">
+                    <a16:rowId xmlns:a16="http://schemas.microsoft.com/office/drawing/2014/main" val="246962393"/>
+                  </a:ext>
+                </a:extLst>
+              </a:tr>
+              <a:tr h="227747">
+                <a:tc>
+                  <a:txBody>
+                    <a:bodyPr/>
+                    <a:lstStyle/>
+                    <a:p>
+                      <a:pPr algn="ctr">
+                        <a:spcBef>
+                          <a:spcPts val="600"/>
+                        </a:spcBef>
+                        <a:spcAft>
+                          <a:spcPts val="600"/>
+                        </a:spcAft>
+                      </a:pPr>
+                      <a:r>
+                        <a:rPr lang="en-US" sz="1400" baseline="0">
+                          <a:effectLst/>
+                          <a:latin typeface="Times New Roman" panose="02020603050405020304" pitchFamily="18" charset="0"/>
+                          <a:ea typeface="標楷體" panose="03000509000000000000" pitchFamily="65" charset="-120"/>
+                        </a:rPr>
+                        <a:t>source</a:t>
+                      </a:r>
+                      <a:endParaRPr lang="zh-TW" sz="1400" baseline="0">
+                        <a:effectLst/>
+                        <a:latin typeface="Times New Roman" panose="02020603050405020304" pitchFamily="18" charset="0"/>
+                        <a:ea typeface="標楷體" panose="03000509000000000000" pitchFamily="65" charset="-120"/>
+                        <a:cs typeface="新細明體" panose="02020500000000000000" pitchFamily="18" charset="-120"/>
+                      </a:endParaRPr>
+                    </a:p>
+                  </a:txBody>
+                  <a:tcPr marL="68580" marR="68580" marT="0" marB="0"/>
+                </a:tc>
+                <a:tc>
+                  <a:txBody>
+                    <a:bodyPr/>
+                    <a:lstStyle/>
+                    <a:p>
+                      <a:pPr algn="ctr">
+                        <a:spcBef>
+                          <a:spcPts val="600"/>
+                        </a:spcBef>
+                        <a:spcAft>
+                          <a:spcPts val="600"/>
+                        </a:spcAft>
+                      </a:pPr>
+                      <a:r>
+                        <a:rPr lang="zh-TW" sz="1400" baseline="0" dirty="0">
+                          <a:effectLst/>
+                          <a:latin typeface="Times New Roman" panose="02020603050405020304" pitchFamily="18" charset="0"/>
+                          <a:ea typeface="標楷體" panose="03000509000000000000" pitchFamily="65" charset="-120"/>
+                        </a:rPr>
+                        <a:t>出版新聞報社</a:t>
+                      </a:r>
+                      <a:endParaRPr lang="zh-TW" sz="1400" baseline="0" dirty="0">
+                        <a:effectLst/>
+                        <a:latin typeface="Times New Roman" panose="02020603050405020304" pitchFamily="18" charset="0"/>
+                        <a:ea typeface="標楷體" panose="03000509000000000000" pitchFamily="65" charset="-120"/>
+                        <a:cs typeface="新細明體" panose="02020500000000000000" pitchFamily="18" charset="-120"/>
+                      </a:endParaRPr>
+                    </a:p>
+                  </a:txBody>
+                  <a:tcPr marL="68580" marR="68580" marT="0" marB="0"/>
+                </a:tc>
+                <a:extLst>
+                  <a:ext uri="{0D108BD9-81ED-4DB2-BD59-A6C34878D82A}">
+                    <a16:rowId xmlns:a16="http://schemas.microsoft.com/office/drawing/2014/main" val="999224936"/>
+                  </a:ext>
+                </a:extLst>
+              </a:tr>
+              <a:tr h="227747">
+                <a:tc>
+                  <a:txBody>
+                    <a:bodyPr/>
+                    <a:lstStyle/>
+                    <a:p>
+                      <a:pPr algn="ctr">
+                        <a:spcBef>
+                          <a:spcPts val="600"/>
+                        </a:spcBef>
+                        <a:spcAft>
+                          <a:spcPts val="600"/>
+                        </a:spcAft>
+                      </a:pPr>
+                      <a:r>
+                        <a:rPr lang="en-US" sz="1400" baseline="0">
+                          <a:effectLst/>
+                          <a:latin typeface="Times New Roman" panose="02020603050405020304" pitchFamily="18" charset="0"/>
+                          <a:ea typeface="標楷體" panose="03000509000000000000" pitchFamily="65" charset="-120"/>
+                        </a:rPr>
+                        <a:t>timestamp</a:t>
+                      </a:r>
+                      <a:endParaRPr lang="zh-TW" sz="1400" baseline="0">
+                        <a:effectLst/>
+                        <a:latin typeface="Times New Roman" panose="02020603050405020304" pitchFamily="18" charset="0"/>
+                        <a:ea typeface="標楷體" panose="03000509000000000000" pitchFamily="65" charset="-120"/>
+                        <a:cs typeface="新細明體" panose="02020500000000000000" pitchFamily="18" charset="-120"/>
+                      </a:endParaRPr>
+                    </a:p>
+                  </a:txBody>
+                  <a:tcPr marL="68580" marR="68580" marT="0" marB="0"/>
+                </a:tc>
+                <a:tc>
+                  <a:txBody>
+                    <a:bodyPr/>
+                    <a:lstStyle/>
+                    <a:p>
+                      <a:pPr algn="ctr">
+                        <a:spcBef>
+                          <a:spcPts val="600"/>
+                        </a:spcBef>
+                        <a:spcAft>
+                          <a:spcPts val="600"/>
+                        </a:spcAft>
+                      </a:pPr>
+                      <a:r>
+                        <a:rPr lang="zh-TW" sz="1400" baseline="0">
+                          <a:effectLst/>
+                          <a:latin typeface="Times New Roman" panose="02020603050405020304" pitchFamily="18" charset="0"/>
+                          <a:ea typeface="標楷體" panose="03000509000000000000" pitchFamily="65" charset="-120"/>
+                        </a:rPr>
+                        <a:t>新聞發布時間戳</a:t>
+                      </a:r>
+                      <a:endParaRPr lang="zh-TW" sz="1400" baseline="0">
+                        <a:effectLst/>
+                        <a:latin typeface="Times New Roman" panose="02020603050405020304" pitchFamily="18" charset="0"/>
+                        <a:ea typeface="標楷體" panose="03000509000000000000" pitchFamily="65" charset="-120"/>
+                        <a:cs typeface="新細明體" panose="02020500000000000000" pitchFamily="18" charset="-120"/>
+                      </a:endParaRPr>
+                    </a:p>
+                  </a:txBody>
+                  <a:tcPr marL="68580" marR="68580" marT="0" marB="0"/>
+                </a:tc>
+                <a:extLst>
+                  <a:ext uri="{0D108BD9-81ED-4DB2-BD59-A6C34878D82A}">
+                    <a16:rowId xmlns:a16="http://schemas.microsoft.com/office/drawing/2014/main" val="1274452234"/>
+                  </a:ext>
+                </a:extLst>
+              </a:tr>
+              <a:tr h="227747">
+                <a:tc>
+                  <a:txBody>
+                    <a:bodyPr/>
+                    <a:lstStyle/>
+                    <a:p>
+                      <a:pPr algn="ctr">
+                        <a:spcBef>
+                          <a:spcPts val="600"/>
+                        </a:spcBef>
+                        <a:spcAft>
+                          <a:spcPts val="600"/>
+                        </a:spcAft>
+                      </a:pPr>
+                      <a:r>
+                        <a:rPr lang="en-US" sz="1400" baseline="0">
+                          <a:effectLst/>
+                          <a:latin typeface="Times New Roman" panose="02020603050405020304" pitchFamily="18" charset="0"/>
+                          <a:ea typeface="標楷體" panose="03000509000000000000" pitchFamily="65" charset="-120"/>
+                        </a:rPr>
+                        <a:t>url</a:t>
+                      </a:r>
+                      <a:endParaRPr lang="zh-TW" sz="1400" baseline="0">
+                        <a:effectLst/>
+                        <a:latin typeface="Times New Roman" panose="02020603050405020304" pitchFamily="18" charset="0"/>
+                        <a:ea typeface="標楷體" panose="03000509000000000000" pitchFamily="65" charset="-120"/>
+                        <a:cs typeface="新細明體" panose="02020500000000000000" pitchFamily="18" charset="-120"/>
+                      </a:endParaRPr>
+                    </a:p>
+                  </a:txBody>
+                  <a:tcPr marL="68580" marR="68580" marT="0" marB="0"/>
+                </a:tc>
+                <a:tc>
+                  <a:txBody>
+                    <a:bodyPr/>
+                    <a:lstStyle/>
+                    <a:p>
+                      <a:pPr algn="ctr">
+                        <a:spcBef>
+                          <a:spcPts val="600"/>
+                        </a:spcBef>
+                        <a:spcAft>
+                          <a:spcPts val="600"/>
+                        </a:spcAft>
+                      </a:pPr>
+                      <a:r>
+                        <a:rPr lang="zh-TW" sz="1400" baseline="0" dirty="0">
+                          <a:effectLst/>
+                          <a:latin typeface="Times New Roman" panose="02020603050405020304" pitchFamily="18" charset="0"/>
+                          <a:ea typeface="標楷體" panose="03000509000000000000" pitchFamily="65" charset="-120"/>
+                        </a:rPr>
+                        <a:t>新聞</a:t>
+                      </a:r>
+                      <a:r>
+                        <a:rPr lang="en-US" sz="1400" baseline="0" dirty="0">
+                          <a:effectLst/>
+                          <a:latin typeface="Times New Roman" panose="02020603050405020304" pitchFamily="18" charset="0"/>
+                          <a:ea typeface="標楷體" panose="03000509000000000000" pitchFamily="65" charset="-120"/>
+                        </a:rPr>
+                        <a:t>URL</a:t>
+                      </a:r>
+                      <a:endParaRPr lang="zh-TW" sz="1400" baseline="0" dirty="0">
+                        <a:effectLst/>
+                        <a:latin typeface="Times New Roman" panose="02020603050405020304" pitchFamily="18" charset="0"/>
+                        <a:ea typeface="標楷體" panose="03000509000000000000" pitchFamily="65" charset="-120"/>
+                        <a:cs typeface="新細明體" panose="02020500000000000000" pitchFamily="18" charset="-120"/>
+                      </a:endParaRPr>
+                    </a:p>
+                  </a:txBody>
+                  <a:tcPr marL="68580" marR="68580" marT="0" marB="0"/>
+                </a:tc>
+                <a:extLst>
+                  <a:ext uri="{0D108BD9-81ED-4DB2-BD59-A6C34878D82A}">
+                    <a16:rowId xmlns:a16="http://schemas.microsoft.com/office/drawing/2014/main" val="2785183241"/>
+                  </a:ext>
+                </a:extLst>
+              </a:tr>
+            </a:tbl>
+          </a:graphicData>
+        </a:graphic>
+      </p:graphicFrame>
+      <p:sp>
+        <p:nvSpPr>
+          <p:cNvPr id="27" name="內容版面配置區 2">
+            <a:extLst>
+              <a:ext uri="{FF2B5EF4-FFF2-40B4-BE49-F238E27FC236}">
+                <a16:creationId xmlns:a16="http://schemas.microsoft.com/office/drawing/2014/main" id="{CC5BBC44-FF86-4350-AFC3-A12269F419C3}"/>
+              </a:ext>
+            </a:extLst>
+          </p:cNvPr>
+          <p:cNvSpPr>
+            <a:spLocks noGrp="1"/>
+          </p:cNvSpPr>
+          <p:nvPr>
+            <p:ph idx="1"/>
+          </p:nvPr>
+        </p:nvSpPr>
+        <p:spPr>
+          <a:xfrm>
+            <a:off x="838200" y="5973846"/>
+            <a:ext cx="10515600" cy="1038058"/>
+          </a:xfrm>
+        </p:spPr>
+        <p:txBody>
+          <a:bodyPr>
+            <a:normAutofit/>
+          </a:bodyPr>
+          <a:lstStyle/>
+          <a:p>
+            <a:r>
+              <a:rPr lang="zh-TW" altLang="en-US" sz="2400" dirty="0"/>
+              <a:t>重複爬取並濾除重複新聞，擷取</a:t>
+            </a:r>
+            <a:r>
+              <a:rPr lang="en-US" altLang="zh-TW" sz="2400" dirty="0"/>
+              <a:t>2017</a:t>
+            </a:r>
+            <a:r>
+              <a:rPr lang="zh-TW" altLang="en-US" sz="2400" dirty="0"/>
+              <a:t>年</a:t>
+            </a:r>
+            <a:r>
+              <a:rPr lang="en-US" altLang="zh-TW" sz="2400" dirty="0"/>
+              <a:t>1</a:t>
+            </a:r>
+            <a:r>
+              <a:rPr lang="zh-TW" altLang="en-US" sz="2400" dirty="0"/>
+              <a:t>月</a:t>
+            </a:r>
+            <a:r>
+              <a:rPr lang="en-US" altLang="zh-TW" sz="2400" dirty="0"/>
+              <a:t>1</a:t>
+            </a:r>
+            <a:r>
+              <a:rPr lang="zh-TW" altLang="en-US" sz="2400" dirty="0"/>
+              <a:t>日至</a:t>
+            </a:r>
+            <a:r>
+              <a:rPr lang="en-US" altLang="zh-TW" sz="2400" dirty="0"/>
+              <a:t>2021</a:t>
+            </a:r>
+            <a:r>
+              <a:rPr lang="zh-TW" altLang="en-US" sz="2400" dirty="0"/>
+              <a:t>年</a:t>
+            </a:r>
+            <a:r>
+              <a:rPr lang="en-US" altLang="zh-TW" sz="2400" dirty="0"/>
+              <a:t>12</a:t>
+            </a:r>
+            <a:r>
+              <a:rPr lang="zh-TW" altLang="en-US" sz="2400" dirty="0"/>
+              <a:t>月</a:t>
+            </a:r>
+            <a:r>
+              <a:rPr lang="en-US" altLang="zh-TW" sz="2400" dirty="0"/>
+              <a:t>31</a:t>
+            </a:r>
+            <a:r>
+              <a:rPr lang="zh-TW" altLang="en-US" sz="2400" dirty="0"/>
+              <a:t>日的新聞資料</a:t>
+            </a:r>
+          </a:p>
+        </p:txBody>
+      </p:sp>
+      <p:sp>
+        <p:nvSpPr>
+          <p:cNvPr id="28" name="文字方塊 27">
+            <a:extLst>
+              <a:ext uri="{FF2B5EF4-FFF2-40B4-BE49-F238E27FC236}">
+                <a16:creationId xmlns:a16="http://schemas.microsoft.com/office/drawing/2014/main" id="{0CFCA68B-72E8-4CE3-9980-B490CD640062}"/>
+              </a:ext>
+            </a:extLst>
+          </p:cNvPr>
+          <p:cNvSpPr txBox="1"/>
+          <p:nvPr/>
+        </p:nvSpPr>
+        <p:spPr>
+          <a:xfrm>
+            <a:off x="5422118" y="5269902"/>
+            <a:ext cx="992579" cy="276999"/>
+          </a:xfrm>
+          <a:prstGeom prst="rect">
+            <a:avLst/>
+          </a:prstGeom>
+          <a:noFill/>
+        </p:spPr>
+        <p:txBody>
+          <a:bodyPr wrap="none" rtlCol="0">
+            <a:spAutoFit/>
+          </a:bodyPr>
+          <a:lstStyle/>
+          <a:p>
+            <a:r>
+              <a:rPr lang="zh-TW" altLang="en-US" sz="1200" dirty="0">
+                <a:latin typeface="Times New Roman" panose="02020603050405020304" pitchFamily="18" charset="0"/>
+                <a:ea typeface="標楷體" panose="03000509000000000000" pitchFamily="65" charset="-120"/>
+              </a:rPr>
+              <a:t>表 新聞欄位</a:t>
+            </a:r>
+          </a:p>
+        </p:txBody>
+      </p:sp>
+      <p:sp>
+        <p:nvSpPr>
+          <p:cNvPr id="3" name="投影片編號版面配置區 2">
+            <a:extLst>
+              <a:ext uri="{FF2B5EF4-FFF2-40B4-BE49-F238E27FC236}">
+                <a16:creationId xmlns:a16="http://schemas.microsoft.com/office/drawing/2014/main" id="{32C3C666-C4A2-43FE-AD62-F42F7B3C764F}"/>
+              </a:ext>
+            </a:extLst>
+          </p:cNvPr>
+          <p:cNvSpPr>
+            <a:spLocks noGrp="1"/>
+          </p:cNvSpPr>
+          <p:nvPr>
+            <p:ph type="sldNum" sz="quarter" idx="12"/>
+          </p:nvPr>
+        </p:nvSpPr>
+        <p:spPr/>
+        <p:txBody>
+          <a:bodyPr/>
+          <a:lstStyle/>
+          <a:p>
+            <a:fld id="{46B26A4B-3AD5-4556-810E-C20186AC774D}" type="slidenum">
+              <a:rPr lang="zh-TW" altLang="en-US" smtClean="0"/>
+              <a:t>9</a:t>
+            </a:fld>
+            <a:endParaRPr lang="zh-TW" altLang="en-US"/>
+          </a:p>
+        </p:txBody>
+      </p:sp>
+      <p:sp>
+        <p:nvSpPr>
+          <p:cNvPr id="18" name="矩形 17">
+            <a:extLst>
+              <a:ext uri="{FF2B5EF4-FFF2-40B4-BE49-F238E27FC236}">
+                <a16:creationId xmlns:a16="http://schemas.microsoft.com/office/drawing/2014/main" id="{5C705C30-FE21-40C3-BFD8-86E6EA2A9A4A}"/>
+              </a:ext>
+            </a:extLst>
+          </p:cNvPr>
+          <p:cNvSpPr/>
+          <p:nvPr/>
+        </p:nvSpPr>
+        <p:spPr>
+          <a:xfrm>
+            <a:off x="4350119" y="4296880"/>
+            <a:ext cx="3136575" cy="301289"/>
+          </a:xfrm>
+          <a:prstGeom prst="rect">
+            <a:avLst/>
+          </a:prstGeom>
+          <a:noFill/>
+          <a:ln w="28575">
+            <a:solidFill>
+              <a:srgbClr val="FF0000"/>
+            </a:solidFill>
+          </a:ln>
+        </p:spPr>
+        <p:style>
+          <a:lnRef idx="2">
+            <a:schemeClr val="accent1">
+              <a:shade val="50000"/>
+            </a:schemeClr>
+          </a:lnRef>
+          <a:fillRef idx="1">
+            <a:schemeClr val="accent1"/>
+          </a:fillRef>
+          <a:effectRef idx="0">
+            <a:schemeClr val="accent1"/>
+          </a:effectRef>
+          <a:fontRef idx="minor">
+            <a:schemeClr val="lt1"/>
+          </a:fontRef>
+        </p:style>
+        <p:txBody>
+          <a:bodyPr rtlCol="0" anchor="ctr"/>
+          <a:lstStyle/>
+          <a:p>
+            <a:pPr algn="ctr"/>
+            <a:endParaRPr lang="zh-TW" altLang="en-US"/>
+          </a:p>
+        </p:txBody>
+      </p:sp>
+    </p:spTree>
+    <p:extLst>
+      <p:ext uri="{BB962C8B-B14F-4D97-AF65-F5344CB8AC3E}">
+        <p14:creationId xmlns:p14="http://schemas.microsoft.com/office/powerpoint/2010/main" val="3519382156"/>
+      </p:ext>
+    </p:extLst>
+  </p:cSld>
+  <p:clrMapOvr>
+    <a:masterClrMapping/>
+  </p:clrMapOvr>
+  <p:timing>
+    <p:tnLst>
+      <p:par>
+        <p:cTn id="1" dur="indefinite" restart="never" nodeType="tmRoot">
+          <p:childTnLst>
+            <p:seq concurrent="1" nextAc="seek">
+              <p:cTn id="2" dur="indefinite" nodeType="mainSeq">
+                <p:childTnLst>
+                  <p:par>
+                    <p:cTn id="3" fill="hold">
+                      <p:stCondLst>
+                        <p:cond delay="indefinite"/>
+                      </p:stCondLst>
+                      <p:childTnLst>
+                        <p:par>
+                          <p:cTn id="4" fill="hold">
+                            <p:stCondLst>
+                              <p:cond delay="0"/>
+                            </p:stCondLst>
+                            <p:childTnLst>
+                              <p:par>
+                                <p:cTn id="5" presetID="22" presetClass="entr" presetSubtype="8" fill="hold" grpId="0" nodeType="clickEffect">
+                                  <p:stCondLst>
+                                    <p:cond delay="0"/>
+                                  </p:stCondLst>
+                                  <p:childTnLst>
+                                    <p:set>
+                                      <p:cBhvr>
+                                        <p:cTn id="6" dur="1" fill="hold">
+                                          <p:stCondLst>
+                                            <p:cond delay="0"/>
+                                          </p:stCondLst>
+                                        </p:cTn>
+                                        <p:tgtEl>
+                                          <p:spTgt spid="18"/>
+                                        </p:tgtEl>
+                                        <p:attrNameLst>
+                                          <p:attrName>style.visibility</p:attrName>
+                                        </p:attrNameLst>
+                                      </p:cBhvr>
+                                      <p:to>
+                                        <p:strVal val="visible"/>
+                                      </p:to>
+                                    </p:set>
+                                    <p:animEffect transition="in" filter="wipe(left)">
+                                      <p:cBhvr>
+                                        <p:cTn id="7" dur="500"/>
+                                        <p:tgtEl>
+                                          <p:spTgt spid="18"/>
+                                        </p:tgtEl>
+                                      </p:cBhvr>
+                                    </p:animEffect>
+                                  </p:childTnLst>
+                                </p:cTn>
+                              </p:par>
+                            </p:childTnLst>
+                          </p:cTn>
+                        </p:par>
+                      </p:childTnLst>
+                    </p:cTn>
+                  </p:par>
+                </p:childTnLst>
+              </p:cTn>
+              <p:prevCondLst>
+                <p:cond evt="onPrev" delay="0">
+                  <p:tgtEl>
+                    <p:sldTgt/>
+                  </p:tgtEl>
+                </p:cond>
+              </p:prevCondLst>
+              <p:nextCondLst>
+                <p:cond evt="onNext" delay="0">
+                  <p:tgtEl>
+                    <p:sldTgt/>
+                  </p:tgtEl>
+                </p:cond>
+              </p:nextCondLst>
+            </p:seq>
+          </p:childTnLst>
+        </p:cTn>
+      </p:par>
+    </p:tnLst>
+    <p:bldLst>
+      <p:bldP spid="18" grpId="0" animBg="1"/>
     </p:bldLst>
   </p:timing>
 </p:sld>

--- a/document/基於財經字典與分析指標的神經網路預測股價趨勢.pptx
+++ b/document/基於財經字典與分析指標的神經網路預測股價趨勢.pptx
@@ -5,7 +5,7 @@
     <p:sldMasterId id="2147483648" r:id="rId1"/>
   </p:sldMasterIdLst>
   <p:notesMasterIdLst>
-    <p:notesMasterId r:id="rId35"/>
+    <p:notesMasterId r:id="rId37"/>
   </p:notesMasterIdLst>
   <p:sldIdLst>
     <p:sldId id="256" r:id="rId2"/>
@@ -29,18 +29,20 @@
     <p:sldId id="350" r:id="rId20"/>
     <p:sldId id="351" r:id="rId21"/>
     <p:sldId id="335" r:id="rId22"/>
-    <p:sldId id="349" r:id="rId23"/>
-    <p:sldId id="352" r:id="rId24"/>
-    <p:sldId id="339" r:id="rId25"/>
-    <p:sldId id="340" r:id="rId26"/>
-    <p:sldId id="354" r:id="rId27"/>
-    <p:sldId id="355" r:id="rId28"/>
-    <p:sldId id="356" r:id="rId29"/>
-    <p:sldId id="357" r:id="rId30"/>
-    <p:sldId id="341" r:id="rId31"/>
-    <p:sldId id="337" r:id="rId32"/>
-    <p:sldId id="338" r:id="rId33"/>
-    <p:sldId id="353" r:id="rId34"/>
+    <p:sldId id="358" r:id="rId23"/>
+    <p:sldId id="349" r:id="rId24"/>
+    <p:sldId id="352" r:id="rId25"/>
+    <p:sldId id="339" r:id="rId26"/>
+    <p:sldId id="359" r:id="rId27"/>
+    <p:sldId id="340" r:id="rId28"/>
+    <p:sldId id="354" r:id="rId29"/>
+    <p:sldId id="355" r:id="rId30"/>
+    <p:sldId id="356" r:id="rId31"/>
+    <p:sldId id="357" r:id="rId32"/>
+    <p:sldId id="341" r:id="rId33"/>
+    <p:sldId id="337" r:id="rId34"/>
+    <p:sldId id="338" r:id="rId35"/>
+    <p:sldId id="353" r:id="rId36"/>
   </p:sldIdLst>
   <p:sldSz cx="12192000" cy="6858000"/>
   <p:notesSz cx="6858000" cy="9144000"/>
@@ -169,9 +171,11 @@
             <p14:sldId id="350"/>
             <p14:sldId id="351"/>
             <p14:sldId id="335"/>
+            <p14:sldId id="358"/>
             <p14:sldId id="349"/>
             <p14:sldId id="352"/>
             <p14:sldId id="339"/>
+            <p14:sldId id="359"/>
             <p14:sldId id="340"/>
             <p14:sldId id="354"/>
             <p14:sldId id="355"/>
@@ -278,7 +282,7 @@
           <a:p>
             <a:fld id="{65EA3490-4363-4295-AD42-91872658A025}" type="datetimeFigureOut">
               <a:rPr lang="zh-TW" altLang="en-US" smtClean="0"/>
-              <a:t>2022/7/3</a:t>
+              <a:t>2022/7/4</a:t>
             </a:fld>
             <a:endParaRPr lang="zh-TW" altLang="en-US"/>
           </a:p>
@@ -1048,7 +1052,7 @@
           <a:p>
             <a:fld id="{4E5CB9D8-5690-495B-B731-214319CDC83B}" type="slidenum">
               <a:rPr lang="zh-TW" altLang="en-US" smtClean="0"/>
-              <a:t>31</a:t>
+              <a:t>33</a:t>
             </a:fld>
             <a:endParaRPr lang="zh-TW" altLang="en-US"/>
           </a:p>
@@ -1214,7 +1218,7 @@
           <a:p>
             <a:fld id="{60D366E2-F274-4D12-A619-2624D3AF2C59}" type="datetime1">
               <a:rPr lang="zh-TW" altLang="en-US" smtClean="0"/>
-              <a:t>2022/7/3</a:t>
+              <a:t>2022/7/4</a:t>
             </a:fld>
             <a:endParaRPr lang="zh-TW" altLang="en-US"/>
           </a:p>
@@ -1412,7 +1416,7 @@
           <a:p>
             <a:fld id="{FD284057-205F-4BD3-8BCA-46512D72934E}" type="datetime1">
               <a:rPr lang="zh-TW" altLang="en-US" smtClean="0"/>
-              <a:t>2022/7/3</a:t>
+              <a:t>2022/7/4</a:t>
             </a:fld>
             <a:endParaRPr lang="zh-TW" altLang="en-US"/>
           </a:p>
@@ -1620,7 +1624,7 @@
           <a:p>
             <a:fld id="{222F7F1F-CC56-45F0-8CED-145FD218908C}" type="datetime1">
               <a:rPr lang="zh-TW" altLang="en-US" smtClean="0"/>
-              <a:t>2022/7/3</a:t>
+              <a:t>2022/7/4</a:t>
             </a:fld>
             <a:endParaRPr lang="zh-TW" altLang="en-US"/>
           </a:p>
@@ -1821,7 +1825,7 @@
           <a:p>
             <a:fld id="{A17A1014-BFDD-41C4-910F-4961178F1808}" type="datetime1">
               <a:rPr lang="zh-TW" altLang="en-US" smtClean="0"/>
-              <a:t>2022/7/3</a:t>
+              <a:t>2022/7/4</a:t>
             </a:fld>
             <a:endParaRPr lang="zh-TW" altLang="en-US"/>
           </a:p>
@@ -2169,7 +2173,7 @@
           <a:p>
             <a:fld id="{7FC36EC9-7E1F-41EE-8D57-50DF76DDDD92}" type="datetime1">
               <a:rPr lang="zh-TW" altLang="en-US" smtClean="0"/>
-              <a:t>2022/7/3</a:t>
+              <a:t>2022/7/4</a:t>
             </a:fld>
             <a:endParaRPr lang="zh-TW" altLang="en-US"/>
           </a:p>
@@ -2434,7 +2438,7 @@
           <a:p>
             <a:fld id="{351931AC-CDA4-40CC-89D6-15D83A3E4204}" type="datetime1">
               <a:rPr lang="zh-TW" altLang="en-US" smtClean="0"/>
-              <a:t>2022/7/3</a:t>
+              <a:t>2022/7/4</a:t>
             </a:fld>
             <a:endParaRPr lang="zh-TW" altLang="en-US"/>
           </a:p>
@@ -2846,7 +2850,7 @@
           <a:p>
             <a:fld id="{8073E5D9-47F0-4EA7-901F-3D9D5E4358B2}" type="datetime1">
               <a:rPr lang="zh-TW" altLang="en-US" smtClean="0"/>
-              <a:t>2022/7/3</a:t>
+              <a:t>2022/7/4</a:t>
             </a:fld>
             <a:endParaRPr lang="zh-TW" altLang="en-US"/>
           </a:p>
@@ -2987,7 +2991,7 @@
           <a:p>
             <a:fld id="{32115004-8D0C-4E1C-A4E4-25EC459F908A}" type="datetime1">
               <a:rPr lang="zh-TW" altLang="en-US" smtClean="0"/>
-              <a:t>2022/7/3</a:t>
+              <a:t>2022/7/4</a:t>
             </a:fld>
             <a:endParaRPr lang="zh-TW" altLang="en-US"/>
           </a:p>
@@ -3100,7 +3104,7 @@
           <a:p>
             <a:fld id="{DB66AE4F-B398-451E-8963-9D62B4D0D094}" type="datetime1">
               <a:rPr lang="zh-TW" altLang="en-US" smtClean="0"/>
-              <a:t>2022/7/3</a:t>
+              <a:t>2022/7/4</a:t>
             </a:fld>
             <a:endParaRPr lang="zh-TW" altLang="en-US"/>
           </a:p>
@@ -3411,7 +3415,7 @@
           <a:p>
             <a:fld id="{8544C73D-0545-4321-A576-7482D623D31F}" type="datetime1">
               <a:rPr lang="zh-TW" altLang="en-US" smtClean="0"/>
-              <a:t>2022/7/3</a:t>
+              <a:t>2022/7/4</a:t>
             </a:fld>
             <a:endParaRPr lang="zh-TW" altLang="en-US"/>
           </a:p>
@@ -3699,7 +3703,7 @@
           <a:p>
             <a:fld id="{9391CDBC-FBDD-4C72-9496-71B1FB1C640A}" type="datetime1">
               <a:rPr lang="zh-TW" altLang="en-US" smtClean="0"/>
-              <a:t>2022/7/3</a:t>
+              <a:t>2022/7/4</a:t>
             </a:fld>
             <a:endParaRPr lang="zh-TW" altLang="en-US"/>
           </a:p>
@@ -3940,7 +3944,7 @@
           <a:p>
             <a:fld id="{4A4B1C5B-364C-48A5-8903-C3E4C2A70C45}" type="datetime1">
               <a:rPr lang="zh-TW" altLang="en-US" smtClean="0"/>
-              <a:t>2022/7/3</a:t>
+              <a:t>2022/7/4</a:t>
             </a:fld>
             <a:endParaRPr lang="zh-TW" altLang="en-US"/>
           </a:p>
@@ -11409,7 +11413,7 @@
         <p:spPr>
           <a:xfrm>
             <a:off x="7573434" y="5466890"/>
-            <a:ext cx="1454244" cy="276999"/>
+            <a:ext cx="1146468" cy="276999"/>
           </a:xfrm>
           <a:prstGeom prst="rect">
             <a:avLst/>
@@ -11427,7 +11431,7 @@
                 <a:latin typeface="Times New Roman" panose="02020603050405020304" pitchFamily="18" charset="0"/>
                 <a:ea typeface="標楷體" panose="03000509000000000000" pitchFamily="65" charset="-120"/>
               </a:rPr>
-              <a:t>表 自建字典詞數量</a:t>
+              <a:t>表 字典詞數量</a:t>
             </a:r>
           </a:p>
         </p:txBody>
@@ -11621,7 +11625,7 @@
           <p:nvPr>
             <p:extLst>
               <p:ext uri="{D42A27DB-BD31-4B8C-83A1-F6EECF244321}">
-                <p14:modId xmlns:p14="http://schemas.microsoft.com/office/powerpoint/2010/main" val="2375632002"/>
+                <p14:modId xmlns:p14="http://schemas.microsoft.com/office/powerpoint/2010/main" val="2267890447"/>
               </p:ext>
             </p:extLst>
           </p:nvPr>
@@ -13356,7 +13360,23 @@
                           <a:latin typeface="Times New Roman" panose="02020603050405020304" pitchFamily="18" charset="0"/>
                           <a:ea typeface="標楷體" panose="03000509000000000000" pitchFamily="65" charset="-120"/>
                         </a:rPr>
-                        <a:t>0  1  0  0  1  0  0  0  0  0  0  1   0   0  </a:t>
+                        <a:t>0  </a:t>
+                      </a:r>
+                      <a:r>
+                        <a:rPr lang="en-US" altLang="zh-TW" sz="1400" baseline="0" dirty="0">
+                          <a:effectLst/>
+                          <a:latin typeface="Times New Roman" panose="02020603050405020304" pitchFamily="18" charset="0"/>
+                          <a:ea typeface="標楷體" panose="03000509000000000000" pitchFamily="65" charset="-120"/>
+                        </a:rPr>
+                        <a:t>-</a:t>
+                      </a:r>
+                      <a:r>
+                        <a:rPr lang="en-US" sz="1400" baseline="0" dirty="0">
+                          <a:effectLst/>
+                          <a:latin typeface="Times New Roman" panose="02020603050405020304" pitchFamily="18" charset="0"/>
+                          <a:ea typeface="標楷體" panose="03000509000000000000" pitchFamily="65" charset="-120"/>
+                        </a:rPr>
+                        <a:t>1  0  0  1  0  0  0  0  0  0  1   0   0  </a:t>
                       </a:r>
                       <a:r>
                         <a:rPr lang="en-US" altLang="zh-TW" sz="1400" baseline="0" dirty="0">
@@ -13477,12 +13497,13 @@
                         </a:spcAft>
                       </a:pPr>
                       <a:r>
-                        <a:rPr lang="en-US" sz="1400" baseline="0" dirty="0">
-                          <a:effectLst/>
-                          <a:latin typeface="Times New Roman" panose="02020603050405020304" pitchFamily="18" charset="0"/>
-                          <a:ea typeface="標楷體" panose="03000509000000000000" pitchFamily="65" charset="-120"/>
-                        </a:rPr>
-                        <a:t>5</a:t>
+                        <a:rPr lang="en-US" altLang="zh-TW" sz="1400" baseline="0" dirty="0">
+                          <a:effectLst/>
+                          <a:latin typeface="Times New Roman" panose="02020603050405020304" pitchFamily="18" charset="0"/>
+                          <a:ea typeface="標楷體" panose="03000509000000000000" pitchFamily="65" charset="-120"/>
+                          <a:cs typeface="新細明體" panose="02020500000000000000" pitchFamily="18" charset="-120"/>
+                        </a:rPr>
+                        <a:t>4</a:t>
                       </a:r>
                       <a:endParaRPr lang="zh-TW" sz="1400" baseline="0" dirty="0">
                         <a:effectLst/>
@@ -15048,6 +15069,44 @@
           </a:p>
         </p:txBody>
       </p:sp>
+      <p:sp>
+        <p:nvSpPr>
+          <p:cNvPr id="25" name="文字方塊 24">
+            <a:extLst>
+              <a:ext uri="{FF2B5EF4-FFF2-40B4-BE49-F238E27FC236}">
+                <a16:creationId xmlns:a16="http://schemas.microsoft.com/office/drawing/2014/main" id="{4AB18AFD-8359-0CE6-2BF8-4D4748460ED4}"/>
+              </a:ext>
+            </a:extLst>
+          </p:cNvPr>
+          <p:cNvSpPr txBox="1"/>
+          <p:nvPr/>
+        </p:nvSpPr>
+        <p:spPr>
+          <a:xfrm>
+            <a:off x="8262211" y="6457474"/>
+            <a:ext cx="1146468" cy="276999"/>
+          </a:xfrm>
+          <a:prstGeom prst="rect">
+            <a:avLst/>
+          </a:prstGeom>
+          <a:noFill/>
+        </p:spPr>
+        <p:txBody>
+          <a:bodyPr wrap="none" rtlCol="0">
+            <a:spAutoFit/>
+          </a:bodyPr>
+          <a:lstStyle/>
+          <a:p>
+            <a:r>
+              <a:rPr lang="zh-TW" altLang="en-US" sz="1200" dirty="0">
+                <a:latin typeface="Times New Roman" panose="02020603050405020304" pitchFamily="18" charset="0"/>
+                <a:ea typeface="標楷體" panose="03000509000000000000" pitchFamily="65" charset="-120"/>
+              </a:rPr>
+              <a:t>圖 資料集內容</a:t>
+            </a:r>
+          </a:p>
+        </p:txBody>
+      </p:sp>
     </p:spTree>
     <p:extLst>
       <p:ext uri="{BB962C8B-B14F-4D97-AF65-F5344CB8AC3E}">
@@ -16296,6 +16355,120 @@
           </a:graphicData>
         </a:graphic>
       </p:graphicFrame>
+      <p:sp>
+        <p:nvSpPr>
+          <p:cNvPr id="15" name="文字方塊 14">
+            <a:extLst>
+              <a:ext uri="{FF2B5EF4-FFF2-40B4-BE49-F238E27FC236}">
+                <a16:creationId xmlns:a16="http://schemas.microsoft.com/office/drawing/2014/main" id="{53E7880F-4A02-823D-75DD-0B7A9284CACA}"/>
+              </a:ext>
+            </a:extLst>
+          </p:cNvPr>
+          <p:cNvSpPr txBox="1"/>
+          <p:nvPr/>
+        </p:nvSpPr>
+        <p:spPr>
+          <a:xfrm>
+            <a:off x="1749882" y="6079351"/>
+            <a:ext cx="1762021" cy="276999"/>
+          </a:xfrm>
+          <a:prstGeom prst="rect">
+            <a:avLst/>
+          </a:prstGeom>
+          <a:noFill/>
+        </p:spPr>
+        <p:txBody>
+          <a:bodyPr wrap="none" rtlCol="0">
+            <a:spAutoFit/>
+          </a:bodyPr>
+          <a:lstStyle/>
+          <a:p>
+            <a:r>
+              <a:rPr lang="zh-TW" altLang="en-US" sz="1200" dirty="0">
+                <a:latin typeface="Times New Roman" panose="02020603050405020304" pitchFamily="18" charset="0"/>
+                <a:ea typeface="標楷體" panose="03000509000000000000" pitchFamily="65" charset="-120"/>
+              </a:rPr>
+              <a:t>圖 傳統切割資料集方法</a:t>
+            </a:r>
+          </a:p>
+        </p:txBody>
+      </p:sp>
+      <p:sp>
+        <p:nvSpPr>
+          <p:cNvPr id="16" name="文字方塊 15">
+            <a:extLst>
+              <a:ext uri="{FF2B5EF4-FFF2-40B4-BE49-F238E27FC236}">
+                <a16:creationId xmlns:a16="http://schemas.microsoft.com/office/drawing/2014/main" id="{D89713BF-A781-3961-7787-64952F0460E5}"/>
+              </a:ext>
+            </a:extLst>
+          </p:cNvPr>
+          <p:cNvSpPr txBox="1"/>
+          <p:nvPr/>
+        </p:nvSpPr>
+        <p:spPr>
+          <a:xfrm>
+            <a:off x="10604682" y="3024375"/>
+            <a:ext cx="838691" cy="276999"/>
+          </a:xfrm>
+          <a:prstGeom prst="rect">
+            <a:avLst/>
+          </a:prstGeom>
+          <a:noFill/>
+        </p:spPr>
+        <p:txBody>
+          <a:bodyPr wrap="none" rtlCol="0">
+            <a:spAutoFit/>
+          </a:bodyPr>
+          <a:lstStyle/>
+          <a:p>
+            <a:r>
+              <a:rPr lang="zh-TW" altLang="en-US" sz="1200" dirty="0">
+                <a:latin typeface="Times New Roman" panose="02020603050405020304" pitchFamily="18" charset="0"/>
+                <a:ea typeface="標楷體" panose="03000509000000000000" pitchFamily="65" charset="-120"/>
+              </a:rPr>
+              <a:t>圖 概念圖</a:t>
+            </a:r>
+          </a:p>
+        </p:txBody>
+      </p:sp>
+      <p:sp>
+        <p:nvSpPr>
+          <p:cNvPr id="17" name="文字方塊 16">
+            <a:extLst>
+              <a:ext uri="{FF2B5EF4-FFF2-40B4-BE49-F238E27FC236}">
+                <a16:creationId xmlns:a16="http://schemas.microsoft.com/office/drawing/2014/main" id="{C87CA4AA-A8D5-D33A-04B6-7B216632E189}"/>
+              </a:ext>
+            </a:extLst>
+          </p:cNvPr>
+          <p:cNvSpPr txBox="1"/>
+          <p:nvPr/>
+        </p:nvSpPr>
+        <p:spPr>
+          <a:xfrm>
+            <a:off x="7013076" y="6148123"/>
+            <a:ext cx="2069797" cy="276999"/>
+          </a:xfrm>
+          <a:prstGeom prst="rect">
+            <a:avLst/>
+          </a:prstGeom>
+          <a:noFill/>
+        </p:spPr>
+        <p:txBody>
+          <a:bodyPr wrap="none" rtlCol="0">
+            <a:spAutoFit/>
+          </a:bodyPr>
+          <a:lstStyle/>
+          <a:p>
+            <a:r>
+              <a:rPr lang="zh-TW" altLang="en-US" sz="1200" dirty="0">
+                <a:latin typeface="Times New Roman" panose="02020603050405020304" pitchFamily="18" charset="0"/>
+                <a:ea typeface="標楷體" panose="03000509000000000000" pitchFamily="65" charset="-120"/>
+              </a:rPr>
+              <a:t>表 滑動視窗切割資料集方法</a:t>
+            </a:r>
+          </a:p>
+        </p:txBody>
+      </p:sp>
     </p:spTree>
     <p:extLst>
       <p:ext uri="{BB962C8B-B14F-4D97-AF65-F5344CB8AC3E}">
@@ -16985,6 +17158,44 @@
           </a:graphicData>
         </a:graphic>
       </p:graphicFrame>
+      <p:sp>
+        <p:nvSpPr>
+          <p:cNvPr id="6" name="文字方塊 5">
+            <a:extLst>
+              <a:ext uri="{FF2B5EF4-FFF2-40B4-BE49-F238E27FC236}">
+                <a16:creationId xmlns:a16="http://schemas.microsoft.com/office/drawing/2014/main" id="{C8C0899C-C48E-5106-11E6-3E3CA4CFD328}"/>
+              </a:ext>
+            </a:extLst>
+          </p:cNvPr>
+          <p:cNvSpPr txBox="1"/>
+          <p:nvPr/>
+        </p:nvSpPr>
+        <p:spPr>
+          <a:xfrm>
+            <a:off x="5445822" y="4829972"/>
+            <a:ext cx="1300356" cy="276999"/>
+          </a:xfrm>
+          <a:prstGeom prst="rect">
+            <a:avLst/>
+          </a:prstGeom>
+          <a:noFill/>
+        </p:spPr>
+        <p:txBody>
+          <a:bodyPr wrap="none" rtlCol="0">
+            <a:spAutoFit/>
+          </a:bodyPr>
+          <a:lstStyle/>
+          <a:p>
+            <a:r>
+              <a:rPr lang="zh-TW" altLang="en-US" sz="1200" dirty="0">
+                <a:latin typeface="Times New Roman" panose="02020603050405020304" pitchFamily="18" charset="0"/>
+                <a:ea typeface="標楷體" panose="03000509000000000000" pitchFamily="65" charset="-120"/>
+              </a:rPr>
+              <a:t>表 研究模型統整</a:t>
+            </a:r>
+          </a:p>
+        </p:txBody>
+      </p:sp>
     </p:spTree>
     <p:extLst>
       <p:ext uri="{BB962C8B-B14F-4D97-AF65-F5344CB8AC3E}">
@@ -17015,8 +17226,722 @@
           <a:chExt cx="0" cy="0"/>
         </a:xfrm>
       </p:grpSpPr>
-      <mc:AlternateContent xmlns:mc="http://schemas.openxmlformats.org/markup-compatibility/2006" xmlns:a14="http://schemas.microsoft.com/office/drawing/2010/main">
-        <mc:Choice Requires="a14">
+      <p:sp>
+        <p:nvSpPr>
+          <p:cNvPr id="3" name="內容版面配置區 2">
+            <a:extLst>
+              <a:ext uri="{FF2B5EF4-FFF2-40B4-BE49-F238E27FC236}">
+                <a16:creationId xmlns:a16="http://schemas.microsoft.com/office/drawing/2014/main" id="{7C4F8CE3-0E55-4F8A-B5AB-2FCB7C70AB29}"/>
+              </a:ext>
+            </a:extLst>
+          </p:cNvPr>
+          <p:cNvSpPr>
+            <a:spLocks noGrp="1"/>
+          </p:cNvSpPr>
+          <p:nvPr>
+            <p:ph idx="1"/>
+          </p:nvPr>
+        </p:nvSpPr>
+        <p:spPr/>
+        <p:txBody>
+          <a:bodyPr/>
+          <a:lstStyle/>
+          <a:p>
+            <a:r>
+              <a:rPr lang="zh-TW" altLang="en-US" sz="2400" dirty="0"/>
+              <a:t>使用準確率、精確率、召回率、</a:t>
+            </a:r>
+            <a:r>
+              <a:rPr lang="en-US" altLang="zh-TW" sz="2400" dirty="0"/>
+              <a:t>F1</a:t>
+            </a:r>
+            <a:r>
+              <a:rPr lang="zh-TW" altLang="en-US" sz="2400" dirty="0"/>
+              <a:t>作為模型評估指標</a:t>
+            </a:r>
+          </a:p>
+        </p:txBody>
+      </p:sp>
+      <p:sp>
+        <p:nvSpPr>
+          <p:cNvPr id="4" name="標題 1">
+            <a:extLst>
+              <a:ext uri="{FF2B5EF4-FFF2-40B4-BE49-F238E27FC236}">
+                <a16:creationId xmlns:a16="http://schemas.microsoft.com/office/drawing/2014/main" id="{0816CD88-80A1-4A07-8806-11EAFED22E03}"/>
+              </a:ext>
+            </a:extLst>
+          </p:cNvPr>
+          <p:cNvSpPr>
+            <a:spLocks noGrp="1"/>
+          </p:cNvSpPr>
+          <p:nvPr>
+            <p:ph type="title"/>
+          </p:nvPr>
+        </p:nvSpPr>
+        <p:spPr>
+          <a:xfrm>
+            <a:off x="838200" y="365125"/>
+            <a:ext cx="10515600" cy="1325563"/>
+          </a:xfrm>
+        </p:spPr>
+        <p:txBody>
+          <a:bodyPr/>
+          <a:lstStyle/>
+          <a:p>
+            <a:r>
+              <a:rPr lang="en-US" altLang="zh-TW" dirty="0">
+                <a:latin typeface="Times New Roman" panose="02020603050405020304" pitchFamily="18" charset="0"/>
+                <a:cs typeface="Times New Roman" panose="02020603050405020304" pitchFamily="18" charset="0"/>
+              </a:rPr>
+              <a:t>Architecture</a:t>
+            </a:r>
+            <a:r>
+              <a:rPr lang="en-US" altLang="zh-TW" dirty="0"/>
+              <a:t> (14/15)</a:t>
+            </a:r>
+            <a:br>
+              <a:rPr lang="zh-TW" altLang="en-US" dirty="0"/>
+            </a:br>
+            <a:r>
+              <a:rPr lang="zh-TW" altLang="en-US" sz="3200" dirty="0"/>
+              <a:t>成果評估方法</a:t>
+            </a:r>
+            <a:r>
+              <a:rPr lang="en-US" altLang="zh-TW" sz="3200" dirty="0"/>
+              <a:t>— </a:t>
+            </a:r>
+            <a:r>
+              <a:rPr lang="zh-TW" altLang="en-US" sz="3200" dirty="0"/>
+              <a:t>評估指標</a:t>
+            </a:r>
+          </a:p>
+        </p:txBody>
+      </p:sp>
+      <p:sp>
+        <p:nvSpPr>
+          <p:cNvPr id="2" name="投影片編號版面配置區 1">
+            <a:extLst>
+              <a:ext uri="{FF2B5EF4-FFF2-40B4-BE49-F238E27FC236}">
+                <a16:creationId xmlns:a16="http://schemas.microsoft.com/office/drawing/2014/main" id="{48E85D15-0F2D-485A-BDCA-0D1A83D5A812}"/>
+              </a:ext>
+            </a:extLst>
+          </p:cNvPr>
+          <p:cNvSpPr>
+            <a:spLocks noGrp="1"/>
+          </p:cNvSpPr>
+          <p:nvPr>
+            <p:ph type="sldNum" sz="quarter" idx="12"/>
+          </p:nvPr>
+        </p:nvSpPr>
+        <p:spPr/>
+        <p:txBody>
+          <a:bodyPr/>
+          <a:lstStyle/>
+          <a:p>
+            <a:fld id="{46B26A4B-3AD5-4556-810E-C20186AC774D}" type="slidenum">
+              <a:rPr lang="zh-TW" altLang="en-US" smtClean="0"/>
+              <a:t>21</a:t>
+            </a:fld>
+            <a:endParaRPr lang="zh-TW" altLang="en-US"/>
+          </a:p>
+        </p:txBody>
+      </p:sp>
+      <p:graphicFrame>
+        <p:nvGraphicFramePr>
+          <p:cNvPr id="7" name="表格 6">
+            <a:extLst>
+              <a:ext uri="{FF2B5EF4-FFF2-40B4-BE49-F238E27FC236}">
+                <a16:creationId xmlns:a16="http://schemas.microsoft.com/office/drawing/2014/main" id="{64CAE0E6-4A3E-B79E-9BE4-53C808732A32}"/>
+              </a:ext>
+            </a:extLst>
+          </p:cNvPr>
+          <p:cNvGraphicFramePr>
+            <a:graphicFrameLocks noGrp="1"/>
+          </p:cNvGraphicFramePr>
+          <p:nvPr>
+            <p:extLst>
+              <p:ext uri="{D42A27DB-BD31-4B8C-83A1-F6EECF244321}">
+                <p14:modId xmlns:p14="http://schemas.microsoft.com/office/powerpoint/2010/main" val="2528049132"/>
+              </p:ext>
+            </p:extLst>
+          </p:nvPr>
+        </p:nvGraphicFramePr>
+        <p:xfrm>
+          <a:off x="2032000" y="2691729"/>
+          <a:ext cx="8127999" cy="1112520"/>
+        </p:xfrm>
+        <a:graphic>
+          <a:graphicData uri="http://schemas.openxmlformats.org/drawingml/2006/table">
+            <a:tbl>
+              <a:tblPr firstRow="1" firstCol="1" bandRow="1">
+                <a:tableStyleId>{5C22544A-7EE6-4342-B048-85BDC9FD1C3A}</a:tableStyleId>
+              </a:tblPr>
+              <a:tblGrid>
+                <a:gridCol w="2709333">
+                  <a:extLst>
+                    <a:ext uri="{9D8B030D-6E8A-4147-A177-3AD203B41FA5}">
+                      <a16:colId xmlns:a16="http://schemas.microsoft.com/office/drawing/2014/main" val="1408331754"/>
+                    </a:ext>
+                  </a:extLst>
+                </a:gridCol>
+                <a:gridCol w="2709333">
+                  <a:extLst>
+                    <a:ext uri="{9D8B030D-6E8A-4147-A177-3AD203B41FA5}">
+                      <a16:colId xmlns:a16="http://schemas.microsoft.com/office/drawing/2014/main" val="34614023"/>
+                    </a:ext>
+                  </a:extLst>
+                </a:gridCol>
+                <a:gridCol w="2709333">
+                  <a:extLst>
+                    <a:ext uri="{9D8B030D-6E8A-4147-A177-3AD203B41FA5}">
+                      <a16:colId xmlns:a16="http://schemas.microsoft.com/office/drawing/2014/main" val="3787296763"/>
+                    </a:ext>
+                  </a:extLst>
+                </a:gridCol>
+              </a:tblGrid>
+              <a:tr h="370840">
+                <a:tc>
+                  <a:txBody>
+                    <a:bodyPr/>
+                    <a:lstStyle/>
+                    <a:p>
+                      <a:pPr algn="ctr"/>
+                      <a:endParaRPr lang="zh-TW" altLang="en-US" baseline="0" dirty="0">
+                        <a:latin typeface="Times New Roman" panose="02020603050405020304" pitchFamily="18" charset="0"/>
+                        <a:ea typeface="標楷體" panose="03000509000000000000" pitchFamily="65" charset="-120"/>
+                      </a:endParaRPr>
+                    </a:p>
+                  </a:txBody>
+                  <a:tcPr anchor="ctr"/>
+                </a:tc>
+                <a:tc>
+                  <a:txBody>
+                    <a:bodyPr/>
+                    <a:lstStyle/>
+                    <a:p>
+                      <a:pPr algn="ctr"/>
+                      <a:r>
+                        <a:rPr lang="zh-TW" altLang="en-US" baseline="0" dirty="0">
+                          <a:latin typeface="Times New Roman" panose="02020603050405020304" pitchFamily="18" charset="0"/>
+                          <a:ea typeface="標楷體" panose="03000509000000000000" pitchFamily="65" charset="-120"/>
+                        </a:rPr>
+                        <a:t>隔天股價上漲</a:t>
+                      </a:r>
+                    </a:p>
+                  </a:txBody>
+                  <a:tcPr anchor="ctr"/>
+                </a:tc>
+                <a:tc>
+                  <a:txBody>
+                    <a:bodyPr/>
+                    <a:lstStyle/>
+                    <a:p>
+                      <a:pPr algn="ctr"/>
+                      <a:r>
+                        <a:rPr lang="zh-TW" altLang="en-US" baseline="0" dirty="0">
+                          <a:latin typeface="Times New Roman" panose="02020603050405020304" pitchFamily="18" charset="0"/>
+                          <a:ea typeface="標楷體" panose="03000509000000000000" pitchFamily="65" charset="-120"/>
+                        </a:rPr>
+                        <a:t>隔天股價下跌</a:t>
+                      </a:r>
+                    </a:p>
+                  </a:txBody>
+                  <a:tcPr anchor="ctr"/>
+                </a:tc>
+                <a:extLst>
+                  <a:ext uri="{0D108BD9-81ED-4DB2-BD59-A6C34878D82A}">
+                    <a16:rowId xmlns:a16="http://schemas.microsoft.com/office/drawing/2014/main" val="604472981"/>
+                  </a:ext>
+                </a:extLst>
+              </a:tr>
+              <a:tr h="370840">
+                <a:tc>
+                  <a:txBody>
+                    <a:bodyPr/>
+                    <a:lstStyle/>
+                    <a:p>
+                      <a:pPr algn="ctr"/>
+                      <a:r>
+                        <a:rPr lang="zh-TW" altLang="en-US" baseline="0" dirty="0">
+                          <a:latin typeface="Times New Roman" panose="02020603050405020304" pitchFamily="18" charset="0"/>
+                          <a:ea typeface="標楷體" panose="03000509000000000000" pitchFamily="65" charset="-120"/>
+                        </a:rPr>
+                        <a:t>情感分數為正數</a:t>
+                      </a:r>
+                    </a:p>
+                  </a:txBody>
+                  <a:tcPr anchor="ctr"/>
+                </a:tc>
+                <a:tc>
+                  <a:txBody>
+                    <a:bodyPr/>
+                    <a:lstStyle/>
+                    <a:p>
+                      <a:pPr algn="ctr"/>
+                      <a:r>
+                        <a:rPr lang="en-US" altLang="zh-TW" baseline="0" dirty="0">
+                          <a:latin typeface="Times New Roman" panose="02020603050405020304" pitchFamily="18" charset="0"/>
+                          <a:ea typeface="標楷體" panose="03000509000000000000" pitchFamily="65" charset="-120"/>
+                        </a:rPr>
+                        <a:t>TP</a:t>
+                      </a:r>
+                      <a:endParaRPr lang="zh-TW" altLang="en-US" baseline="0" dirty="0">
+                        <a:latin typeface="Times New Roman" panose="02020603050405020304" pitchFamily="18" charset="0"/>
+                        <a:ea typeface="標楷體" panose="03000509000000000000" pitchFamily="65" charset="-120"/>
+                      </a:endParaRPr>
+                    </a:p>
+                  </a:txBody>
+                  <a:tcPr anchor="ctr"/>
+                </a:tc>
+                <a:tc>
+                  <a:txBody>
+                    <a:bodyPr/>
+                    <a:lstStyle/>
+                    <a:p>
+                      <a:pPr algn="ctr"/>
+                      <a:r>
+                        <a:rPr lang="en-US" altLang="zh-TW" baseline="0" dirty="0">
+                          <a:latin typeface="Times New Roman" panose="02020603050405020304" pitchFamily="18" charset="0"/>
+                          <a:ea typeface="標楷體" panose="03000509000000000000" pitchFamily="65" charset="-120"/>
+                        </a:rPr>
+                        <a:t>FP</a:t>
+                      </a:r>
+                      <a:endParaRPr lang="zh-TW" altLang="en-US" baseline="0" dirty="0">
+                        <a:latin typeface="Times New Roman" panose="02020603050405020304" pitchFamily="18" charset="0"/>
+                        <a:ea typeface="標楷體" panose="03000509000000000000" pitchFamily="65" charset="-120"/>
+                      </a:endParaRPr>
+                    </a:p>
+                  </a:txBody>
+                  <a:tcPr anchor="ctr"/>
+                </a:tc>
+                <a:extLst>
+                  <a:ext uri="{0D108BD9-81ED-4DB2-BD59-A6C34878D82A}">
+                    <a16:rowId xmlns:a16="http://schemas.microsoft.com/office/drawing/2014/main" val="734343899"/>
+                  </a:ext>
+                </a:extLst>
+              </a:tr>
+              <a:tr h="370840">
+                <a:tc>
+                  <a:txBody>
+                    <a:bodyPr/>
+                    <a:lstStyle/>
+                    <a:p>
+                      <a:pPr algn="ctr"/>
+                      <a:r>
+                        <a:rPr lang="zh-TW" altLang="en-US" baseline="0" dirty="0">
+                          <a:latin typeface="Times New Roman" panose="02020603050405020304" pitchFamily="18" charset="0"/>
+                          <a:ea typeface="標楷體" panose="03000509000000000000" pitchFamily="65" charset="-120"/>
+                        </a:rPr>
+                        <a:t>情感分數為負數</a:t>
+                      </a:r>
+                    </a:p>
+                  </a:txBody>
+                  <a:tcPr anchor="ctr"/>
+                </a:tc>
+                <a:tc>
+                  <a:txBody>
+                    <a:bodyPr/>
+                    <a:lstStyle/>
+                    <a:p>
+                      <a:pPr algn="ctr"/>
+                      <a:r>
+                        <a:rPr lang="en-US" altLang="zh-TW" baseline="0" dirty="0">
+                          <a:latin typeface="Times New Roman" panose="02020603050405020304" pitchFamily="18" charset="0"/>
+                          <a:ea typeface="標楷體" panose="03000509000000000000" pitchFamily="65" charset="-120"/>
+                        </a:rPr>
+                        <a:t>FN</a:t>
+                      </a:r>
+                      <a:endParaRPr lang="zh-TW" altLang="en-US" baseline="0" dirty="0">
+                        <a:latin typeface="Times New Roman" panose="02020603050405020304" pitchFamily="18" charset="0"/>
+                        <a:ea typeface="標楷體" panose="03000509000000000000" pitchFamily="65" charset="-120"/>
+                      </a:endParaRPr>
+                    </a:p>
+                  </a:txBody>
+                  <a:tcPr anchor="ctr"/>
+                </a:tc>
+                <a:tc>
+                  <a:txBody>
+                    <a:bodyPr/>
+                    <a:lstStyle/>
+                    <a:p>
+                      <a:pPr algn="ctr"/>
+                      <a:r>
+                        <a:rPr lang="en-US" altLang="zh-TW" baseline="0" dirty="0">
+                          <a:latin typeface="Times New Roman" panose="02020603050405020304" pitchFamily="18" charset="0"/>
+                          <a:ea typeface="標楷體" panose="03000509000000000000" pitchFamily="65" charset="-120"/>
+                        </a:rPr>
+                        <a:t>TN</a:t>
+                      </a:r>
+                      <a:endParaRPr lang="zh-TW" altLang="en-US" baseline="0" dirty="0">
+                        <a:latin typeface="Times New Roman" panose="02020603050405020304" pitchFamily="18" charset="0"/>
+                        <a:ea typeface="標楷體" panose="03000509000000000000" pitchFamily="65" charset="-120"/>
+                      </a:endParaRPr>
+                    </a:p>
+                  </a:txBody>
+                  <a:tcPr anchor="ctr"/>
+                </a:tc>
+                <a:extLst>
+                  <a:ext uri="{0D108BD9-81ED-4DB2-BD59-A6C34878D82A}">
+                    <a16:rowId xmlns:a16="http://schemas.microsoft.com/office/drawing/2014/main" val="1873858361"/>
+                  </a:ext>
+                </a:extLst>
+              </a:tr>
+            </a:tbl>
+          </a:graphicData>
+        </a:graphic>
+      </p:graphicFrame>
+      <p:graphicFrame>
+        <p:nvGraphicFramePr>
+          <p:cNvPr id="8" name="表格 7">
+            <a:extLst>
+              <a:ext uri="{FF2B5EF4-FFF2-40B4-BE49-F238E27FC236}">
+                <a16:creationId xmlns:a16="http://schemas.microsoft.com/office/drawing/2014/main" id="{6CF0605F-A6EC-AE8E-603D-2541E074B030}"/>
+              </a:ext>
+            </a:extLst>
+          </p:cNvPr>
+          <p:cNvGraphicFramePr>
+            <a:graphicFrameLocks noGrp="1"/>
+          </p:cNvGraphicFramePr>
+          <p:nvPr>
+            <p:extLst>
+              <p:ext uri="{D42A27DB-BD31-4B8C-83A1-F6EECF244321}">
+                <p14:modId xmlns:p14="http://schemas.microsoft.com/office/powerpoint/2010/main" val="1779741591"/>
+              </p:ext>
+            </p:extLst>
+          </p:nvPr>
+        </p:nvGraphicFramePr>
+        <p:xfrm>
+          <a:off x="2031999" y="4819115"/>
+          <a:ext cx="8127999" cy="1112520"/>
+        </p:xfrm>
+        <a:graphic>
+          <a:graphicData uri="http://schemas.openxmlformats.org/drawingml/2006/table">
+            <a:tbl>
+              <a:tblPr firstRow="1" firstCol="1" bandRow="1">
+                <a:tableStyleId>{5C22544A-7EE6-4342-B048-85BDC9FD1C3A}</a:tableStyleId>
+              </a:tblPr>
+              <a:tblGrid>
+                <a:gridCol w="2709333">
+                  <a:extLst>
+                    <a:ext uri="{9D8B030D-6E8A-4147-A177-3AD203B41FA5}">
+                      <a16:colId xmlns:a16="http://schemas.microsoft.com/office/drawing/2014/main" val="1408331754"/>
+                    </a:ext>
+                  </a:extLst>
+                </a:gridCol>
+                <a:gridCol w="2709333">
+                  <a:extLst>
+                    <a:ext uri="{9D8B030D-6E8A-4147-A177-3AD203B41FA5}">
+                      <a16:colId xmlns:a16="http://schemas.microsoft.com/office/drawing/2014/main" val="34614023"/>
+                    </a:ext>
+                  </a:extLst>
+                </a:gridCol>
+                <a:gridCol w="2709333">
+                  <a:extLst>
+                    <a:ext uri="{9D8B030D-6E8A-4147-A177-3AD203B41FA5}">
+                      <a16:colId xmlns:a16="http://schemas.microsoft.com/office/drawing/2014/main" val="3787296763"/>
+                    </a:ext>
+                  </a:extLst>
+                </a:gridCol>
+              </a:tblGrid>
+              <a:tr h="370840">
+                <a:tc>
+                  <a:txBody>
+                    <a:bodyPr/>
+                    <a:lstStyle/>
+                    <a:p>
+                      <a:pPr algn="ctr"/>
+                      <a:endParaRPr lang="zh-TW" altLang="en-US" baseline="0" dirty="0">
+                        <a:latin typeface="Times New Roman" panose="02020603050405020304" pitchFamily="18" charset="0"/>
+                        <a:ea typeface="標楷體" panose="03000509000000000000" pitchFamily="65" charset="-120"/>
+                      </a:endParaRPr>
+                    </a:p>
+                  </a:txBody>
+                  <a:tcPr anchor="ctr"/>
+                </a:tc>
+                <a:tc>
+                  <a:txBody>
+                    <a:bodyPr/>
+                    <a:lstStyle/>
+                    <a:p>
+                      <a:pPr algn="ctr"/>
+                      <a:r>
+                        <a:rPr lang="zh-TW" altLang="en-US" baseline="0" dirty="0">
+                          <a:latin typeface="Times New Roman" panose="02020603050405020304" pitchFamily="18" charset="0"/>
+                          <a:ea typeface="標楷體" panose="03000509000000000000" pitchFamily="65" charset="-120"/>
+                        </a:rPr>
+                        <a:t>隔天股價上漲</a:t>
+                      </a:r>
+                    </a:p>
+                  </a:txBody>
+                  <a:tcPr anchor="ctr"/>
+                </a:tc>
+                <a:tc>
+                  <a:txBody>
+                    <a:bodyPr/>
+                    <a:lstStyle/>
+                    <a:p>
+                      <a:pPr algn="ctr"/>
+                      <a:r>
+                        <a:rPr lang="zh-TW" altLang="en-US" baseline="0" dirty="0">
+                          <a:latin typeface="Times New Roman" panose="02020603050405020304" pitchFamily="18" charset="0"/>
+                          <a:ea typeface="標楷體" panose="03000509000000000000" pitchFamily="65" charset="-120"/>
+                        </a:rPr>
+                        <a:t>隔天股價下跌</a:t>
+                      </a:r>
+                    </a:p>
+                  </a:txBody>
+                  <a:tcPr anchor="ctr"/>
+                </a:tc>
+                <a:extLst>
+                  <a:ext uri="{0D108BD9-81ED-4DB2-BD59-A6C34878D82A}">
+                    <a16:rowId xmlns:a16="http://schemas.microsoft.com/office/drawing/2014/main" val="604472981"/>
+                  </a:ext>
+                </a:extLst>
+              </a:tr>
+              <a:tr h="370840">
+                <a:tc>
+                  <a:txBody>
+                    <a:bodyPr/>
+                    <a:lstStyle/>
+                    <a:p>
+                      <a:pPr algn="ctr"/>
+                      <a:r>
+                        <a:rPr lang="zh-TW" altLang="en-US" baseline="0" dirty="0">
+                          <a:latin typeface="Times New Roman" panose="02020603050405020304" pitchFamily="18" charset="0"/>
+                          <a:ea typeface="標楷體" panose="03000509000000000000" pitchFamily="65" charset="-120"/>
+                        </a:rPr>
+                        <a:t>模型預測為正數</a:t>
+                      </a:r>
+                    </a:p>
+                  </a:txBody>
+                  <a:tcPr anchor="ctr"/>
+                </a:tc>
+                <a:tc>
+                  <a:txBody>
+                    <a:bodyPr/>
+                    <a:lstStyle/>
+                    <a:p>
+                      <a:pPr algn="ctr"/>
+                      <a:r>
+                        <a:rPr lang="en-US" altLang="zh-TW" baseline="0" dirty="0">
+                          <a:latin typeface="Times New Roman" panose="02020603050405020304" pitchFamily="18" charset="0"/>
+                          <a:ea typeface="標楷體" panose="03000509000000000000" pitchFamily="65" charset="-120"/>
+                        </a:rPr>
+                        <a:t>TP</a:t>
+                      </a:r>
+                      <a:endParaRPr lang="zh-TW" altLang="en-US" baseline="0" dirty="0">
+                        <a:latin typeface="Times New Roman" panose="02020603050405020304" pitchFamily="18" charset="0"/>
+                        <a:ea typeface="標楷體" panose="03000509000000000000" pitchFamily="65" charset="-120"/>
+                      </a:endParaRPr>
+                    </a:p>
+                  </a:txBody>
+                  <a:tcPr anchor="ctr"/>
+                </a:tc>
+                <a:tc>
+                  <a:txBody>
+                    <a:bodyPr/>
+                    <a:lstStyle/>
+                    <a:p>
+                      <a:pPr algn="ctr"/>
+                      <a:r>
+                        <a:rPr lang="en-US" altLang="zh-TW" baseline="0" dirty="0">
+                          <a:latin typeface="Times New Roman" panose="02020603050405020304" pitchFamily="18" charset="0"/>
+                          <a:ea typeface="標楷體" panose="03000509000000000000" pitchFamily="65" charset="-120"/>
+                        </a:rPr>
+                        <a:t>FP</a:t>
+                      </a:r>
+                      <a:endParaRPr lang="zh-TW" altLang="en-US" baseline="0" dirty="0">
+                        <a:latin typeface="Times New Roman" panose="02020603050405020304" pitchFamily="18" charset="0"/>
+                        <a:ea typeface="標楷體" panose="03000509000000000000" pitchFamily="65" charset="-120"/>
+                      </a:endParaRPr>
+                    </a:p>
+                  </a:txBody>
+                  <a:tcPr anchor="ctr"/>
+                </a:tc>
+                <a:extLst>
+                  <a:ext uri="{0D108BD9-81ED-4DB2-BD59-A6C34878D82A}">
+                    <a16:rowId xmlns:a16="http://schemas.microsoft.com/office/drawing/2014/main" val="734343899"/>
+                  </a:ext>
+                </a:extLst>
+              </a:tr>
+              <a:tr h="370840">
+                <a:tc>
+                  <a:txBody>
+                    <a:bodyPr/>
+                    <a:lstStyle/>
+                    <a:p>
+                      <a:pPr algn="ctr"/>
+                      <a:r>
+                        <a:rPr lang="zh-TW" altLang="en-US" baseline="0" dirty="0">
+                          <a:latin typeface="Times New Roman" panose="02020603050405020304" pitchFamily="18" charset="0"/>
+                          <a:ea typeface="標楷體" panose="03000509000000000000" pitchFamily="65" charset="-120"/>
+                        </a:rPr>
+                        <a:t>模型預測為負數</a:t>
+                      </a:r>
+                    </a:p>
+                  </a:txBody>
+                  <a:tcPr anchor="ctr"/>
+                </a:tc>
+                <a:tc>
+                  <a:txBody>
+                    <a:bodyPr/>
+                    <a:lstStyle/>
+                    <a:p>
+                      <a:pPr algn="ctr"/>
+                      <a:r>
+                        <a:rPr lang="en-US" altLang="zh-TW" baseline="0" dirty="0">
+                          <a:latin typeface="Times New Roman" panose="02020603050405020304" pitchFamily="18" charset="0"/>
+                          <a:ea typeface="標楷體" panose="03000509000000000000" pitchFamily="65" charset="-120"/>
+                        </a:rPr>
+                        <a:t>FN</a:t>
+                      </a:r>
+                      <a:endParaRPr lang="zh-TW" altLang="en-US" baseline="0" dirty="0">
+                        <a:latin typeface="Times New Roman" panose="02020603050405020304" pitchFamily="18" charset="0"/>
+                        <a:ea typeface="標楷體" panose="03000509000000000000" pitchFamily="65" charset="-120"/>
+                      </a:endParaRPr>
+                    </a:p>
+                  </a:txBody>
+                  <a:tcPr anchor="ctr"/>
+                </a:tc>
+                <a:tc>
+                  <a:txBody>
+                    <a:bodyPr/>
+                    <a:lstStyle/>
+                    <a:p>
+                      <a:pPr algn="ctr"/>
+                      <a:r>
+                        <a:rPr lang="en-US" altLang="zh-TW" baseline="0" dirty="0">
+                          <a:latin typeface="Times New Roman" panose="02020603050405020304" pitchFamily="18" charset="0"/>
+                          <a:ea typeface="標楷體" panose="03000509000000000000" pitchFamily="65" charset="-120"/>
+                        </a:rPr>
+                        <a:t>TN</a:t>
+                      </a:r>
+                      <a:endParaRPr lang="zh-TW" altLang="en-US" baseline="0" dirty="0">
+                        <a:latin typeface="Times New Roman" panose="02020603050405020304" pitchFamily="18" charset="0"/>
+                        <a:ea typeface="標楷體" panose="03000509000000000000" pitchFamily="65" charset="-120"/>
+                      </a:endParaRPr>
+                    </a:p>
+                  </a:txBody>
+                  <a:tcPr anchor="ctr"/>
+                </a:tc>
+                <a:extLst>
+                  <a:ext uri="{0D108BD9-81ED-4DB2-BD59-A6C34878D82A}">
+                    <a16:rowId xmlns:a16="http://schemas.microsoft.com/office/drawing/2014/main" val="1873858361"/>
+                  </a:ext>
+                </a:extLst>
+              </a:tr>
+            </a:tbl>
+          </a:graphicData>
+        </a:graphic>
+      </p:graphicFrame>
+      <p:sp>
+        <p:nvSpPr>
+          <p:cNvPr id="9" name="文字方塊 8">
+            <a:extLst>
+              <a:ext uri="{FF2B5EF4-FFF2-40B4-BE49-F238E27FC236}">
+                <a16:creationId xmlns:a16="http://schemas.microsoft.com/office/drawing/2014/main" id="{D2FE58B7-94EB-117E-0F11-45049E7FC56D}"/>
+              </a:ext>
+            </a:extLst>
+          </p:cNvPr>
+          <p:cNvSpPr txBox="1"/>
+          <p:nvPr/>
+        </p:nvSpPr>
+        <p:spPr>
+          <a:xfrm>
+            <a:off x="5214987" y="2414730"/>
+            <a:ext cx="1608133" cy="276999"/>
+          </a:xfrm>
+          <a:prstGeom prst="rect">
+            <a:avLst/>
+          </a:prstGeom>
+          <a:noFill/>
+        </p:spPr>
+        <p:txBody>
+          <a:bodyPr wrap="none" rtlCol="0">
+            <a:spAutoFit/>
+          </a:bodyPr>
+          <a:lstStyle/>
+          <a:p>
+            <a:r>
+              <a:rPr lang="zh-TW" altLang="en-US" sz="1200" dirty="0">
+                <a:latin typeface="Times New Roman" panose="02020603050405020304" pitchFamily="18" charset="0"/>
+                <a:ea typeface="標楷體" panose="03000509000000000000" pitchFamily="65" charset="-120"/>
+              </a:rPr>
+              <a:t>表 情感分數混淆矩陣</a:t>
+            </a:r>
+          </a:p>
+        </p:txBody>
+      </p:sp>
+      <p:sp>
+        <p:nvSpPr>
+          <p:cNvPr id="10" name="文字方塊 9">
+            <a:extLst>
+              <a:ext uri="{FF2B5EF4-FFF2-40B4-BE49-F238E27FC236}">
+                <a16:creationId xmlns:a16="http://schemas.microsoft.com/office/drawing/2014/main" id="{340C88DA-947E-3684-1D3E-36F1B8E727D2}"/>
+              </a:ext>
+            </a:extLst>
+          </p:cNvPr>
+          <p:cNvSpPr txBox="1"/>
+          <p:nvPr/>
+        </p:nvSpPr>
+        <p:spPr>
+          <a:xfrm>
+            <a:off x="5214987" y="4540772"/>
+            <a:ext cx="1608133" cy="276999"/>
+          </a:xfrm>
+          <a:prstGeom prst="rect">
+            <a:avLst/>
+          </a:prstGeom>
+          <a:noFill/>
+        </p:spPr>
+        <p:txBody>
+          <a:bodyPr wrap="none" rtlCol="0">
+            <a:spAutoFit/>
+          </a:bodyPr>
+          <a:lstStyle/>
+          <a:p>
+            <a:r>
+              <a:rPr lang="zh-TW" altLang="en-US" sz="1200" dirty="0">
+                <a:latin typeface="Times New Roman" panose="02020603050405020304" pitchFamily="18" charset="0"/>
+                <a:ea typeface="標楷體" panose="03000509000000000000" pitchFamily="65" charset="-120"/>
+              </a:rPr>
+              <a:t>表 模型預測混淆矩陣</a:t>
+            </a:r>
+          </a:p>
+        </p:txBody>
+      </p:sp>
+    </p:spTree>
+    <p:extLst>
+      <p:ext uri="{BB962C8B-B14F-4D97-AF65-F5344CB8AC3E}">
+        <p14:creationId xmlns:p14="http://schemas.microsoft.com/office/powerpoint/2010/main" val="4106744976"/>
+      </p:ext>
+    </p:extLst>
+  </p:cSld>
+  <p:clrMapOvr>
+    <a:masterClrMapping/>
+  </p:clrMapOvr>
+</p:sld>
+</file>
+
+<file path=ppt/slides/slide22.xml><?xml version="1.0" encoding="utf-8"?>
+<p:sld xmlns:a="http://schemas.openxmlformats.org/drawingml/2006/main" xmlns:r="http://schemas.openxmlformats.org/officeDocument/2006/relationships" xmlns:p="http://schemas.openxmlformats.org/presentationml/2006/main">
+  <p:cSld>
+    <p:spTree>
+      <p:nvGrpSpPr>
+        <p:cNvPr id="1" name=""/>
+        <p:cNvGrpSpPr/>
+        <p:nvPr/>
+      </p:nvGrpSpPr>
+      <p:grpSpPr>
+        <a:xfrm>
+          <a:off x="0" y="0"/>
+          <a:ext cx="0" cy="0"/>
+          <a:chOff x="0" y="0"/>
+          <a:chExt cx="0" cy="0"/>
+        </a:xfrm>
+      </p:grpSpPr>
+      <mc:AlternateContent xmlns:mc="http://schemas.openxmlformats.org/markup-compatibility/2006">
+        <mc:Choice xmlns:a14="http://schemas.microsoft.com/office/drawing/2010/main" Requires="a14">
           <p:sp>
             <p:nvSpPr>
               <p:cNvPr id="3" name="內容版面配置區 2">
@@ -17239,7 +18164,7 @@
             </p:txBody>
           </p:sp>
         </mc:Choice>
-        <mc:Fallback xmlns="">
+        <mc:Fallback>
           <p:sp>
             <p:nvSpPr>
               <p:cNvPr id="3" name="內容版面配置區 2">
@@ -17334,8 +18259,8 @@
           </a:p>
         </p:txBody>
       </p:sp>
-      <mc:AlternateContent xmlns:mc="http://schemas.openxmlformats.org/markup-compatibility/2006" xmlns:a14="http://schemas.microsoft.com/office/drawing/2010/main">
-        <mc:Choice Requires="a14">
+      <mc:AlternateContent xmlns:mc="http://schemas.openxmlformats.org/markup-compatibility/2006">
+        <mc:Choice xmlns:a14="http://schemas.microsoft.com/office/drawing/2010/main" Requires="a14">
           <p:sp>
             <p:nvSpPr>
               <p:cNvPr id="6" name="文字方塊 5">
@@ -17581,7 +18506,7 @@
             </p:txBody>
           </p:sp>
         </mc:Choice>
-        <mc:Fallback xmlns="">
+        <mc:Fallback>
           <p:sp>
             <p:nvSpPr>
               <p:cNvPr id="6" name="文字方塊 5">
@@ -17649,7 +18574,7 @@
           <a:p>
             <a:fld id="{46B26A4B-3AD5-4556-810E-C20186AC774D}" type="slidenum">
               <a:rPr lang="zh-TW" altLang="en-US" smtClean="0"/>
-              <a:t>21</a:t>
+              <a:t>22</a:t>
             </a:fld>
             <a:endParaRPr lang="zh-TW" altLang="en-US"/>
           </a:p>
@@ -17658,7 +18583,7 @@
     </p:spTree>
     <p:extLst>
       <p:ext uri="{BB962C8B-B14F-4D97-AF65-F5344CB8AC3E}">
-        <p14:creationId xmlns:p14="http://schemas.microsoft.com/office/powerpoint/2010/main" val="4106744976"/>
+        <p14:creationId xmlns:p14="http://schemas.microsoft.com/office/powerpoint/2010/main" val="1642574905"/>
       </p:ext>
     </p:extLst>
   </p:cSld>
@@ -17668,7 +18593,7 @@
 </p:sld>
 </file>
 
-<file path=ppt/slides/slide22.xml><?xml version="1.0" encoding="utf-8"?>
+<file path=ppt/slides/slide23.xml><?xml version="1.0" encoding="utf-8"?>
 <p:sld xmlns:a="http://schemas.openxmlformats.org/drawingml/2006/main" xmlns:r="http://schemas.openxmlformats.org/officeDocument/2006/relationships" xmlns:p="http://schemas.openxmlformats.org/presentationml/2006/main">
   <p:cSld>
     <p:spTree>
@@ -17832,7 +18757,7 @@
           <a:p>
             <a:fld id="{46B26A4B-3AD5-4556-810E-C20186AC774D}" type="slidenum">
               <a:rPr lang="zh-TW" altLang="en-US" smtClean="0"/>
-              <a:t>22</a:t>
+              <a:t>23</a:t>
             </a:fld>
             <a:endParaRPr lang="zh-TW" altLang="en-US"/>
           </a:p>
@@ -18293,7 +19218,7 @@
 </p:sld>
 </file>
 
-<file path=ppt/slides/slide23.xml><?xml version="1.0" encoding="utf-8"?>
+<file path=ppt/slides/slide24.xml><?xml version="1.0" encoding="utf-8"?>
 <p:sld xmlns:a="http://schemas.openxmlformats.org/drawingml/2006/main" xmlns:r="http://schemas.openxmlformats.org/officeDocument/2006/relationships" xmlns:p="http://schemas.openxmlformats.org/presentationml/2006/main">
   <p:cSld>
     <p:spTree>
@@ -18416,7 +19341,7 @@
           <a:p>
             <a:fld id="{46B26A4B-3AD5-4556-810E-C20186AC774D}" type="slidenum">
               <a:rPr lang="zh-TW" altLang="en-US" smtClean="0"/>
-              <a:t>23</a:t>
+              <a:t>24</a:t>
             </a:fld>
             <a:endParaRPr lang="zh-TW" altLang="en-US"/>
           </a:p>
@@ -21805,7 +22730,7 @@
 </p:sld>
 </file>
 
-<file path=ppt/slides/slide24.xml><?xml version="1.0" encoding="utf-8"?>
+<file path=ppt/slides/slide25.xml><?xml version="1.0" encoding="utf-8"?>
 <p:sld xmlns:a="http://schemas.openxmlformats.org/drawingml/2006/main" xmlns:r="http://schemas.openxmlformats.org/officeDocument/2006/relationships" xmlns:p="http://schemas.openxmlformats.org/presentationml/2006/main">
   <p:cSld>
     <p:spTree>
@@ -21889,7 +22814,7 @@
           <a:p>
             <a:fld id="{46B26A4B-3AD5-4556-810E-C20186AC774D}" type="slidenum">
               <a:rPr lang="zh-TW" altLang="en-US" smtClean="0"/>
-              <a:t>24</a:t>
+              <a:t>25</a:t>
             </a:fld>
             <a:endParaRPr lang="zh-TW" altLang="en-US"/>
           </a:p>
@@ -23230,7 +24155,936 @@
 </p:sld>
 </file>
 
-<file path=ppt/slides/slide25.xml><?xml version="1.0" encoding="utf-8"?>
+<file path=ppt/slides/slide26.xml><?xml version="1.0" encoding="utf-8"?>
+<p:sld xmlns:a="http://schemas.openxmlformats.org/drawingml/2006/main" xmlns:r="http://schemas.openxmlformats.org/officeDocument/2006/relationships" xmlns:p="http://schemas.openxmlformats.org/presentationml/2006/main">
+  <p:cSld>
+    <p:spTree>
+      <p:nvGrpSpPr>
+        <p:cNvPr id="1" name=""/>
+        <p:cNvGrpSpPr/>
+        <p:nvPr/>
+      </p:nvGrpSpPr>
+      <p:grpSpPr>
+        <a:xfrm>
+          <a:off x="0" y="0"/>
+          <a:ext cx="0" cy="0"/>
+          <a:chOff x="0" y="0"/>
+          <a:chExt cx="0" cy="0"/>
+        </a:xfrm>
+      </p:grpSpPr>
+      <p:sp>
+        <p:nvSpPr>
+          <p:cNvPr id="4" name="投影片編號版面配置區 3">
+            <a:extLst>
+              <a:ext uri="{FF2B5EF4-FFF2-40B4-BE49-F238E27FC236}">
+                <a16:creationId xmlns:a16="http://schemas.microsoft.com/office/drawing/2014/main" id="{F2068736-DAB6-4D19-B905-E40AD14D5AB6}"/>
+              </a:ext>
+            </a:extLst>
+          </p:cNvPr>
+          <p:cNvSpPr>
+            <a:spLocks noGrp="1"/>
+          </p:cNvSpPr>
+          <p:nvPr>
+            <p:ph type="sldNum" sz="quarter" idx="12"/>
+          </p:nvPr>
+        </p:nvSpPr>
+        <p:spPr/>
+        <p:txBody>
+          <a:bodyPr/>
+          <a:lstStyle/>
+          <a:p>
+            <a:fld id="{46B26A4B-3AD5-4556-810E-C20186AC774D}" type="slidenum">
+              <a:rPr lang="zh-TW" altLang="en-US" smtClean="0"/>
+              <a:t>26</a:t>
+            </a:fld>
+            <a:endParaRPr lang="zh-TW" altLang="en-US"/>
+          </a:p>
+        </p:txBody>
+      </p:sp>
+      <p:sp>
+        <p:nvSpPr>
+          <p:cNvPr id="2" name="標題 1">
+            <a:extLst>
+              <a:ext uri="{FF2B5EF4-FFF2-40B4-BE49-F238E27FC236}">
+                <a16:creationId xmlns:a16="http://schemas.microsoft.com/office/drawing/2014/main" id="{38F8F707-F750-4ADD-9D05-0EC38811161B}"/>
+              </a:ext>
+            </a:extLst>
+          </p:cNvPr>
+          <p:cNvSpPr>
+            <a:spLocks noGrp="1"/>
+          </p:cNvSpPr>
+          <p:nvPr>
+            <p:ph type="title"/>
+          </p:nvPr>
+        </p:nvSpPr>
+        <p:spPr/>
+        <p:txBody>
+          <a:bodyPr/>
+          <a:lstStyle/>
+          <a:p>
+            <a:r>
+              <a:rPr lang="en-US" altLang="zh-TW" dirty="0"/>
+              <a:t>Experiment Results (2/6)</a:t>
+            </a:r>
+            <a:br>
+              <a:rPr lang="en-US" altLang="zh-TW" dirty="0"/>
+            </a:br>
+            <a:r>
+              <a:rPr lang="zh-TW" altLang="en-US" sz="3200" dirty="0"/>
+              <a:t>傳統法</a:t>
+            </a:r>
+            <a:r>
+              <a:rPr lang="en-US" altLang="zh-TW" sz="3200" dirty="0"/>
+              <a:t>-MLR</a:t>
+            </a:r>
+            <a:endParaRPr lang="zh-TW" altLang="en-US" dirty="0"/>
+          </a:p>
+        </p:txBody>
+      </p:sp>
+      <p:graphicFrame>
+        <p:nvGraphicFramePr>
+          <p:cNvPr id="10" name="表格 6">
+            <a:extLst>
+              <a:ext uri="{FF2B5EF4-FFF2-40B4-BE49-F238E27FC236}">
+                <a16:creationId xmlns:a16="http://schemas.microsoft.com/office/drawing/2014/main" id="{DA272713-AB95-4540-6B0E-B33BDCC3438D}"/>
+              </a:ext>
+            </a:extLst>
+          </p:cNvPr>
+          <p:cNvGraphicFramePr>
+            <a:graphicFrameLocks noGrp="1"/>
+          </p:cNvGraphicFramePr>
+          <p:nvPr>
+            <p:extLst>
+              <p:ext uri="{D42A27DB-BD31-4B8C-83A1-F6EECF244321}">
+                <p14:modId xmlns:p14="http://schemas.microsoft.com/office/powerpoint/2010/main" val="2665093854"/>
+              </p:ext>
+            </p:extLst>
+          </p:nvPr>
+        </p:nvGraphicFramePr>
+        <p:xfrm>
+          <a:off x="2390618" y="2169319"/>
+          <a:ext cx="4743622" cy="1854200"/>
+        </p:xfrm>
+        <a:graphic>
+          <a:graphicData uri="http://schemas.openxmlformats.org/drawingml/2006/table">
+            <a:tbl>
+              <a:tblPr firstRow="1" bandRow="1">
+                <a:tableStyleId>{5C22544A-7EE6-4342-B048-85BDC9FD1C3A}</a:tableStyleId>
+              </a:tblPr>
+              <a:tblGrid>
+                <a:gridCol w="2076481">
+                  <a:extLst>
+                    <a:ext uri="{9D8B030D-6E8A-4147-A177-3AD203B41FA5}">
+                      <a16:colId xmlns:a16="http://schemas.microsoft.com/office/drawing/2014/main" val="1189634700"/>
+                    </a:ext>
+                  </a:extLst>
+                </a:gridCol>
+                <a:gridCol w="2667141">
+                  <a:extLst>
+                    <a:ext uri="{9D8B030D-6E8A-4147-A177-3AD203B41FA5}">
+                      <a16:colId xmlns:a16="http://schemas.microsoft.com/office/drawing/2014/main" val="2508660496"/>
+                    </a:ext>
+                  </a:extLst>
+                </a:gridCol>
+              </a:tblGrid>
+              <a:tr h="370840">
+                <a:tc>
+                  <a:txBody>
+                    <a:bodyPr/>
+                    <a:lstStyle/>
+                    <a:p>
+                      <a:pPr algn="ctr"/>
+                      <a:endParaRPr lang="zh-TW" altLang="en-US" baseline="0" dirty="0">
+                        <a:solidFill>
+                          <a:schemeClr val="tx1"/>
+                        </a:solidFill>
+                        <a:latin typeface="Times New Roman" panose="02020603050405020304" pitchFamily="18" charset="0"/>
+                        <a:ea typeface="標楷體" panose="03000509000000000000" pitchFamily="65" charset="-120"/>
+                      </a:endParaRPr>
+                    </a:p>
+                  </a:txBody>
+                  <a:tcPr anchor="ctr">
+                    <a:lnL w="12700" cap="flat" cmpd="sng" algn="ctr">
+                      <a:solidFill>
+                        <a:schemeClr val="accent6">
+                          <a:lumMod val="75000"/>
+                        </a:schemeClr>
+                      </a:solidFill>
+                      <a:prstDash val="solid"/>
+                      <a:round/>
+                      <a:headEnd type="none" w="med" len="med"/>
+                      <a:tailEnd type="none" w="med" len="med"/>
+                    </a:lnL>
+                    <a:lnR w="12700" cap="flat" cmpd="sng" algn="ctr">
+                      <a:solidFill>
+                        <a:schemeClr val="accent6">
+                          <a:lumMod val="75000"/>
+                        </a:schemeClr>
+                      </a:solidFill>
+                      <a:prstDash val="solid"/>
+                      <a:round/>
+                      <a:headEnd type="none" w="med" len="med"/>
+                      <a:tailEnd type="none" w="med" len="med"/>
+                    </a:lnR>
+                    <a:lnT w="12700" cap="flat" cmpd="sng" algn="ctr">
+                      <a:solidFill>
+                        <a:schemeClr val="accent6">
+                          <a:lumMod val="75000"/>
+                        </a:schemeClr>
+                      </a:solidFill>
+                      <a:prstDash val="solid"/>
+                      <a:round/>
+                      <a:headEnd type="none" w="med" len="med"/>
+                      <a:tailEnd type="none" w="med" len="med"/>
+                    </a:lnT>
+                    <a:lnB w="12700" cap="flat" cmpd="sng" algn="ctr">
+                      <a:solidFill>
+                        <a:schemeClr val="accent6">
+                          <a:lumMod val="75000"/>
+                        </a:schemeClr>
+                      </a:solidFill>
+                      <a:prstDash val="solid"/>
+                      <a:round/>
+                      <a:headEnd type="none" w="med" len="med"/>
+                      <a:tailEnd type="none" w="med" len="med"/>
+                    </a:lnB>
+                    <a:solidFill>
+                      <a:srgbClr val="B2D3A4"/>
+                    </a:solidFill>
+                  </a:tcPr>
+                </a:tc>
+                <a:tc>
+                  <a:txBody>
+                    <a:bodyPr/>
+                    <a:lstStyle/>
+                    <a:p>
+                      <a:pPr algn="ctr"/>
+                      <a:r>
+                        <a:rPr lang="zh-TW" altLang="en-US" baseline="0" dirty="0">
+                          <a:solidFill>
+                            <a:schemeClr val="tx1"/>
+                          </a:solidFill>
+                          <a:latin typeface="Times New Roman" panose="02020603050405020304" pitchFamily="18" charset="0"/>
+                          <a:ea typeface="標楷體" panose="03000509000000000000" pitchFamily="65" charset="-120"/>
+                        </a:rPr>
+                        <a:t>參數</a:t>
+                      </a:r>
+                    </a:p>
+                  </a:txBody>
+                  <a:tcPr anchor="ctr">
+                    <a:lnL w="12700" cap="flat" cmpd="sng" algn="ctr">
+                      <a:solidFill>
+                        <a:schemeClr val="accent6">
+                          <a:lumMod val="75000"/>
+                        </a:schemeClr>
+                      </a:solidFill>
+                      <a:prstDash val="solid"/>
+                      <a:round/>
+                      <a:headEnd type="none" w="med" len="med"/>
+                      <a:tailEnd type="none" w="med" len="med"/>
+                    </a:lnL>
+                    <a:lnR w="12700" cap="flat" cmpd="sng" algn="ctr">
+                      <a:solidFill>
+                        <a:schemeClr val="accent6">
+                          <a:lumMod val="75000"/>
+                        </a:schemeClr>
+                      </a:solidFill>
+                      <a:prstDash val="solid"/>
+                      <a:round/>
+                      <a:headEnd type="none" w="med" len="med"/>
+                      <a:tailEnd type="none" w="med" len="med"/>
+                    </a:lnR>
+                    <a:lnT w="12700" cap="flat" cmpd="sng" algn="ctr">
+                      <a:solidFill>
+                        <a:schemeClr val="accent6">
+                          <a:lumMod val="75000"/>
+                        </a:schemeClr>
+                      </a:solidFill>
+                      <a:prstDash val="solid"/>
+                      <a:round/>
+                      <a:headEnd type="none" w="med" len="med"/>
+                      <a:tailEnd type="none" w="med" len="med"/>
+                    </a:lnT>
+                    <a:lnB w="12700" cap="flat" cmpd="sng" algn="ctr">
+                      <a:solidFill>
+                        <a:schemeClr val="accent6">
+                          <a:lumMod val="75000"/>
+                        </a:schemeClr>
+                      </a:solidFill>
+                      <a:prstDash val="solid"/>
+                      <a:round/>
+                      <a:headEnd type="none" w="med" len="med"/>
+                      <a:tailEnd type="none" w="med" len="med"/>
+                    </a:lnB>
+                    <a:solidFill>
+                      <a:srgbClr val="B2D3A4"/>
+                    </a:solidFill>
+                  </a:tcPr>
+                </a:tc>
+                <a:extLst>
+                  <a:ext uri="{0D108BD9-81ED-4DB2-BD59-A6C34878D82A}">
+                    <a16:rowId xmlns:a16="http://schemas.microsoft.com/office/drawing/2014/main" val="2086984352"/>
+                  </a:ext>
+                </a:extLst>
+              </a:tr>
+              <a:tr h="370840">
+                <a:tc>
+                  <a:txBody>
+                    <a:bodyPr/>
+                    <a:lstStyle/>
+                    <a:p>
+                      <a:pPr algn="ctr"/>
+                      <a:r>
+                        <a:rPr lang="en-US" altLang="zh-TW" baseline="0" dirty="0" err="1">
+                          <a:solidFill>
+                            <a:schemeClr val="tx1"/>
+                          </a:solidFill>
+                          <a:latin typeface="Times New Roman" panose="02020603050405020304" pitchFamily="18" charset="0"/>
+                          <a:ea typeface="標楷體" panose="03000509000000000000" pitchFamily="65" charset="-120"/>
+                        </a:rPr>
+                        <a:t>copy_X</a:t>
+                      </a:r>
+                      <a:endParaRPr lang="zh-TW" altLang="en-US" baseline="0" dirty="0">
+                        <a:solidFill>
+                          <a:schemeClr val="tx1"/>
+                        </a:solidFill>
+                        <a:latin typeface="Times New Roman" panose="02020603050405020304" pitchFamily="18" charset="0"/>
+                        <a:ea typeface="標楷體" panose="03000509000000000000" pitchFamily="65" charset="-120"/>
+                      </a:endParaRPr>
+                    </a:p>
+                  </a:txBody>
+                  <a:tcPr anchor="ctr">
+                    <a:lnL w="12700" cap="flat" cmpd="sng" algn="ctr">
+                      <a:solidFill>
+                        <a:schemeClr val="accent6">
+                          <a:lumMod val="75000"/>
+                        </a:schemeClr>
+                      </a:solidFill>
+                      <a:prstDash val="solid"/>
+                      <a:round/>
+                      <a:headEnd type="none" w="med" len="med"/>
+                      <a:tailEnd type="none" w="med" len="med"/>
+                    </a:lnL>
+                    <a:lnR w="12700" cap="flat" cmpd="sng" algn="ctr">
+                      <a:solidFill>
+                        <a:schemeClr val="accent6">
+                          <a:lumMod val="75000"/>
+                        </a:schemeClr>
+                      </a:solidFill>
+                      <a:prstDash val="solid"/>
+                      <a:round/>
+                      <a:headEnd type="none" w="med" len="med"/>
+                      <a:tailEnd type="none" w="med" len="med"/>
+                    </a:lnR>
+                    <a:lnT w="12700" cap="flat" cmpd="sng" algn="ctr">
+                      <a:solidFill>
+                        <a:schemeClr val="accent6">
+                          <a:lumMod val="75000"/>
+                        </a:schemeClr>
+                      </a:solidFill>
+                      <a:prstDash val="solid"/>
+                      <a:round/>
+                      <a:headEnd type="none" w="med" len="med"/>
+                      <a:tailEnd type="none" w="med" len="med"/>
+                    </a:lnT>
+                    <a:lnB w="12700" cap="flat" cmpd="sng" algn="ctr">
+                      <a:solidFill>
+                        <a:schemeClr val="accent6">
+                          <a:lumMod val="75000"/>
+                        </a:schemeClr>
+                      </a:solidFill>
+                      <a:prstDash val="solid"/>
+                      <a:round/>
+                      <a:headEnd type="none" w="med" len="med"/>
+                      <a:tailEnd type="none" w="med" len="med"/>
+                    </a:lnB>
+                    <a:solidFill>
+                      <a:srgbClr val="B2D3A4"/>
+                    </a:solidFill>
+                  </a:tcPr>
+                </a:tc>
+                <a:tc>
+                  <a:txBody>
+                    <a:bodyPr/>
+                    <a:lstStyle/>
+                    <a:p>
+                      <a:pPr algn="ctr"/>
+                      <a:r>
+                        <a:rPr lang="en-US" altLang="zh-TW" baseline="0" dirty="0">
+                          <a:solidFill>
+                            <a:schemeClr val="tx1"/>
+                          </a:solidFill>
+                          <a:latin typeface="Times New Roman" panose="02020603050405020304" pitchFamily="18" charset="0"/>
+                          <a:ea typeface="標楷體" panose="03000509000000000000" pitchFamily="65" charset="-120"/>
+                        </a:rPr>
+                        <a:t>True</a:t>
+                      </a:r>
+                      <a:endParaRPr lang="zh-TW" altLang="en-US" baseline="0" dirty="0">
+                        <a:solidFill>
+                          <a:schemeClr val="tx1"/>
+                        </a:solidFill>
+                        <a:latin typeface="Times New Roman" panose="02020603050405020304" pitchFamily="18" charset="0"/>
+                        <a:ea typeface="標楷體" panose="03000509000000000000" pitchFamily="65" charset="-120"/>
+                      </a:endParaRPr>
+                    </a:p>
+                  </a:txBody>
+                  <a:tcPr anchor="ctr">
+                    <a:lnL w="12700" cap="flat" cmpd="sng" algn="ctr">
+                      <a:solidFill>
+                        <a:schemeClr val="accent6">
+                          <a:lumMod val="75000"/>
+                        </a:schemeClr>
+                      </a:solidFill>
+                      <a:prstDash val="solid"/>
+                      <a:round/>
+                      <a:headEnd type="none" w="med" len="med"/>
+                      <a:tailEnd type="none" w="med" len="med"/>
+                    </a:lnL>
+                    <a:lnR w="12700" cap="flat" cmpd="sng" algn="ctr">
+                      <a:solidFill>
+                        <a:schemeClr val="accent6">
+                          <a:lumMod val="75000"/>
+                        </a:schemeClr>
+                      </a:solidFill>
+                      <a:prstDash val="solid"/>
+                      <a:round/>
+                      <a:headEnd type="none" w="med" len="med"/>
+                      <a:tailEnd type="none" w="med" len="med"/>
+                    </a:lnR>
+                    <a:lnT w="12700" cap="flat" cmpd="sng" algn="ctr">
+                      <a:solidFill>
+                        <a:schemeClr val="accent6">
+                          <a:lumMod val="75000"/>
+                        </a:schemeClr>
+                      </a:solidFill>
+                      <a:prstDash val="solid"/>
+                      <a:round/>
+                      <a:headEnd type="none" w="med" len="med"/>
+                      <a:tailEnd type="none" w="med" len="med"/>
+                    </a:lnT>
+                    <a:lnB w="12700" cap="flat" cmpd="sng" algn="ctr">
+                      <a:solidFill>
+                        <a:schemeClr val="accent6">
+                          <a:lumMod val="75000"/>
+                        </a:schemeClr>
+                      </a:solidFill>
+                      <a:prstDash val="solid"/>
+                      <a:round/>
+                      <a:headEnd type="none" w="med" len="med"/>
+                      <a:tailEnd type="none" w="med" len="med"/>
+                    </a:lnB>
+                    <a:solidFill>
+                      <a:schemeClr val="accent6">
+                        <a:lumMod val="20000"/>
+                        <a:lumOff val="80000"/>
+                      </a:schemeClr>
+                    </a:solidFill>
+                  </a:tcPr>
+                </a:tc>
+                <a:extLst>
+                  <a:ext uri="{0D108BD9-81ED-4DB2-BD59-A6C34878D82A}">
+                    <a16:rowId xmlns:a16="http://schemas.microsoft.com/office/drawing/2014/main" val="1141096105"/>
+                  </a:ext>
+                </a:extLst>
+              </a:tr>
+              <a:tr h="370840">
+                <a:tc>
+                  <a:txBody>
+                    <a:bodyPr/>
+                    <a:lstStyle/>
+                    <a:p>
+                      <a:pPr algn="ctr"/>
+                      <a:r>
+                        <a:rPr lang="en-US" altLang="zh-TW" baseline="0" dirty="0" err="1">
+                          <a:solidFill>
+                            <a:schemeClr val="tx1"/>
+                          </a:solidFill>
+                          <a:latin typeface="Times New Roman" panose="02020603050405020304" pitchFamily="18" charset="0"/>
+                          <a:ea typeface="標楷體" panose="03000509000000000000" pitchFamily="65" charset="-120"/>
+                        </a:rPr>
+                        <a:t>fit_intercept</a:t>
+                      </a:r>
+                      <a:endParaRPr lang="zh-TW" altLang="en-US" baseline="0" dirty="0">
+                        <a:solidFill>
+                          <a:schemeClr val="tx1"/>
+                        </a:solidFill>
+                        <a:latin typeface="Times New Roman" panose="02020603050405020304" pitchFamily="18" charset="0"/>
+                        <a:ea typeface="標楷體" panose="03000509000000000000" pitchFamily="65" charset="-120"/>
+                      </a:endParaRPr>
+                    </a:p>
+                  </a:txBody>
+                  <a:tcPr anchor="ctr">
+                    <a:lnL w="12700" cap="flat" cmpd="sng" algn="ctr">
+                      <a:solidFill>
+                        <a:schemeClr val="accent6">
+                          <a:lumMod val="75000"/>
+                        </a:schemeClr>
+                      </a:solidFill>
+                      <a:prstDash val="solid"/>
+                      <a:round/>
+                      <a:headEnd type="none" w="med" len="med"/>
+                      <a:tailEnd type="none" w="med" len="med"/>
+                    </a:lnL>
+                    <a:lnR w="12700" cap="flat" cmpd="sng" algn="ctr">
+                      <a:solidFill>
+                        <a:schemeClr val="accent6">
+                          <a:lumMod val="75000"/>
+                        </a:schemeClr>
+                      </a:solidFill>
+                      <a:prstDash val="solid"/>
+                      <a:round/>
+                      <a:headEnd type="none" w="med" len="med"/>
+                      <a:tailEnd type="none" w="med" len="med"/>
+                    </a:lnR>
+                    <a:lnT w="12700" cap="flat" cmpd="sng" algn="ctr">
+                      <a:solidFill>
+                        <a:schemeClr val="accent6">
+                          <a:lumMod val="75000"/>
+                        </a:schemeClr>
+                      </a:solidFill>
+                      <a:prstDash val="solid"/>
+                      <a:round/>
+                      <a:headEnd type="none" w="med" len="med"/>
+                      <a:tailEnd type="none" w="med" len="med"/>
+                    </a:lnT>
+                    <a:lnB w="12700" cap="flat" cmpd="sng" algn="ctr">
+                      <a:solidFill>
+                        <a:schemeClr val="accent6">
+                          <a:lumMod val="75000"/>
+                        </a:schemeClr>
+                      </a:solidFill>
+                      <a:prstDash val="solid"/>
+                      <a:round/>
+                      <a:headEnd type="none" w="med" len="med"/>
+                      <a:tailEnd type="none" w="med" len="med"/>
+                    </a:lnB>
+                    <a:solidFill>
+                      <a:srgbClr val="B2D3A4"/>
+                    </a:solidFill>
+                  </a:tcPr>
+                </a:tc>
+                <a:tc>
+                  <a:txBody>
+                    <a:bodyPr/>
+                    <a:lstStyle/>
+                    <a:p>
+                      <a:pPr algn="ctr"/>
+                      <a:r>
+                        <a:rPr lang="en-US" altLang="zh-TW" baseline="0" dirty="0">
+                          <a:solidFill>
+                            <a:schemeClr val="tx1"/>
+                          </a:solidFill>
+                          <a:latin typeface="Times New Roman" panose="02020603050405020304" pitchFamily="18" charset="0"/>
+                          <a:ea typeface="標楷體" panose="03000509000000000000" pitchFamily="65" charset="-120"/>
+                        </a:rPr>
+                        <a:t>True</a:t>
+                      </a:r>
+                      <a:endParaRPr lang="zh-TW" altLang="en-US" baseline="0" dirty="0">
+                        <a:solidFill>
+                          <a:schemeClr val="tx1"/>
+                        </a:solidFill>
+                        <a:latin typeface="Times New Roman" panose="02020603050405020304" pitchFamily="18" charset="0"/>
+                        <a:ea typeface="標楷體" panose="03000509000000000000" pitchFamily="65" charset="-120"/>
+                      </a:endParaRPr>
+                    </a:p>
+                  </a:txBody>
+                  <a:tcPr anchor="ctr">
+                    <a:lnL w="12700" cap="flat" cmpd="sng" algn="ctr">
+                      <a:solidFill>
+                        <a:schemeClr val="accent6">
+                          <a:lumMod val="75000"/>
+                        </a:schemeClr>
+                      </a:solidFill>
+                      <a:prstDash val="solid"/>
+                      <a:round/>
+                      <a:headEnd type="none" w="med" len="med"/>
+                      <a:tailEnd type="none" w="med" len="med"/>
+                    </a:lnL>
+                    <a:lnR w="12700" cap="flat" cmpd="sng" algn="ctr">
+                      <a:solidFill>
+                        <a:schemeClr val="accent6">
+                          <a:lumMod val="75000"/>
+                        </a:schemeClr>
+                      </a:solidFill>
+                      <a:prstDash val="solid"/>
+                      <a:round/>
+                      <a:headEnd type="none" w="med" len="med"/>
+                      <a:tailEnd type="none" w="med" len="med"/>
+                    </a:lnR>
+                    <a:lnT w="12700" cap="flat" cmpd="sng" algn="ctr">
+                      <a:solidFill>
+                        <a:schemeClr val="accent6">
+                          <a:lumMod val="75000"/>
+                        </a:schemeClr>
+                      </a:solidFill>
+                      <a:prstDash val="solid"/>
+                      <a:round/>
+                      <a:headEnd type="none" w="med" len="med"/>
+                      <a:tailEnd type="none" w="med" len="med"/>
+                    </a:lnT>
+                    <a:lnB w="12700" cap="flat" cmpd="sng" algn="ctr">
+                      <a:solidFill>
+                        <a:schemeClr val="accent6">
+                          <a:lumMod val="75000"/>
+                        </a:schemeClr>
+                      </a:solidFill>
+                      <a:prstDash val="solid"/>
+                      <a:round/>
+                      <a:headEnd type="none" w="med" len="med"/>
+                      <a:tailEnd type="none" w="med" len="med"/>
+                    </a:lnB>
+                    <a:solidFill>
+                      <a:schemeClr val="accent6">
+                        <a:lumMod val="20000"/>
+                        <a:lumOff val="80000"/>
+                      </a:schemeClr>
+                    </a:solidFill>
+                  </a:tcPr>
+                </a:tc>
+                <a:extLst>
+                  <a:ext uri="{0D108BD9-81ED-4DB2-BD59-A6C34878D82A}">
+                    <a16:rowId xmlns:a16="http://schemas.microsoft.com/office/drawing/2014/main" val="83040936"/>
+                  </a:ext>
+                </a:extLst>
+              </a:tr>
+              <a:tr h="370840">
+                <a:tc>
+                  <a:txBody>
+                    <a:bodyPr/>
+                    <a:lstStyle/>
+                    <a:p>
+                      <a:pPr algn="ctr"/>
+                      <a:r>
+                        <a:rPr lang="en-US" altLang="zh-TW" baseline="0" dirty="0" err="1">
+                          <a:solidFill>
+                            <a:schemeClr val="tx1"/>
+                          </a:solidFill>
+                          <a:latin typeface="Times New Roman" panose="02020603050405020304" pitchFamily="18" charset="0"/>
+                          <a:ea typeface="標楷體" panose="03000509000000000000" pitchFamily="65" charset="-120"/>
+                        </a:rPr>
+                        <a:t>n_jobs</a:t>
+                      </a:r>
+                      <a:endParaRPr lang="zh-TW" altLang="en-US" baseline="0" dirty="0">
+                        <a:solidFill>
+                          <a:schemeClr val="tx1"/>
+                        </a:solidFill>
+                        <a:latin typeface="Times New Roman" panose="02020603050405020304" pitchFamily="18" charset="0"/>
+                        <a:ea typeface="標楷體" panose="03000509000000000000" pitchFamily="65" charset="-120"/>
+                      </a:endParaRPr>
+                    </a:p>
+                  </a:txBody>
+                  <a:tcPr anchor="ctr">
+                    <a:lnL w="12700" cap="flat" cmpd="sng" algn="ctr">
+                      <a:solidFill>
+                        <a:schemeClr val="accent6">
+                          <a:lumMod val="75000"/>
+                        </a:schemeClr>
+                      </a:solidFill>
+                      <a:prstDash val="solid"/>
+                      <a:round/>
+                      <a:headEnd type="none" w="med" len="med"/>
+                      <a:tailEnd type="none" w="med" len="med"/>
+                    </a:lnL>
+                    <a:lnR w="12700" cap="flat" cmpd="sng" algn="ctr">
+                      <a:solidFill>
+                        <a:schemeClr val="accent6">
+                          <a:lumMod val="75000"/>
+                        </a:schemeClr>
+                      </a:solidFill>
+                      <a:prstDash val="solid"/>
+                      <a:round/>
+                      <a:headEnd type="none" w="med" len="med"/>
+                      <a:tailEnd type="none" w="med" len="med"/>
+                    </a:lnR>
+                    <a:lnT w="12700" cap="flat" cmpd="sng" algn="ctr">
+                      <a:solidFill>
+                        <a:schemeClr val="accent6">
+                          <a:lumMod val="75000"/>
+                        </a:schemeClr>
+                      </a:solidFill>
+                      <a:prstDash val="solid"/>
+                      <a:round/>
+                      <a:headEnd type="none" w="med" len="med"/>
+                      <a:tailEnd type="none" w="med" len="med"/>
+                    </a:lnT>
+                    <a:lnB w="12700" cap="flat" cmpd="sng" algn="ctr">
+                      <a:solidFill>
+                        <a:schemeClr val="accent6">
+                          <a:lumMod val="75000"/>
+                        </a:schemeClr>
+                      </a:solidFill>
+                      <a:prstDash val="solid"/>
+                      <a:round/>
+                      <a:headEnd type="none" w="med" len="med"/>
+                      <a:tailEnd type="none" w="med" len="med"/>
+                    </a:lnB>
+                    <a:solidFill>
+                      <a:srgbClr val="B2D3A4"/>
+                    </a:solidFill>
+                  </a:tcPr>
+                </a:tc>
+                <a:tc>
+                  <a:txBody>
+                    <a:bodyPr/>
+                    <a:lstStyle/>
+                    <a:p>
+                      <a:pPr algn="ctr"/>
+                      <a:r>
+                        <a:rPr lang="en-US" altLang="zh-TW" baseline="0" dirty="0">
+                          <a:solidFill>
+                            <a:schemeClr val="tx1"/>
+                          </a:solidFill>
+                          <a:latin typeface="Times New Roman" panose="02020603050405020304" pitchFamily="18" charset="0"/>
+                          <a:ea typeface="標楷體" panose="03000509000000000000" pitchFamily="65" charset="-120"/>
+                        </a:rPr>
+                        <a:t>None</a:t>
+                      </a:r>
+                      <a:endParaRPr lang="zh-TW" altLang="en-US" baseline="0" dirty="0">
+                        <a:solidFill>
+                          <a:schemeClr val="tx1"/>
+                        </a:solidFill>
+                        <a:latin typeface="Times New Roman" panose="02020603050405020304" pitchFamily="18" charset="0"/>
+                        <a:ea typeface="標楷體" panose="03000509000000000000" pitchFamily="65" charset="-120"/>
+                      </a:endParaRPr>
+                    </a:p>
+                  </a:txBody>
+                  <a:tcPr anchor="ctr">
+                    <a:lnL w="12700" cap="flat" cmpd="sng" algn="ctr">
+                      <a:solidFill>
+                        <a:schemeClr val="accent6">
+                          <a:lumMod val="75000"/>
+                        </a:schemeClr>
+                      </a:solidFill>
+                      <a:prstDash val="solid"/>
+                      <a:round/>
+                      <a:headEnd type="none" w="med" len="med"/>
+                      <a:tailEnd type="none" w="med" len="med"/>
+                    </a:lnL>
+                    <a:lnR w="12700" cap="flat" cmpd="sng" algn="ctr">
+                      <a:solidFill>
+                        <a:schemeClr val="accent6">
+                          <a:lumMod val="75000"/>
+                        </a:schemeClr>
+                      </a:solidFill>
+                      <a:prstDash val="solid"/>
+                      <a:round/>
+                      <a:headEnd type="none" w="med" len="med"/>
+                      <a:tailEnd type="none" w="med" len="med"/>
+                    </a:lnR>
+                    <a:lnT w="12700" cap="flat" cmpd="sng" algn="ctr">
+                      <a:solidFill>
+                        <a:schemeClr val="accent6">
+                          <a:lumMod val="75000"/>
+                        </a:schemeClr>
+                      </a:solidFill>
+                      <a:prstDash val="solid"/>
+                      <a:round/>
+                      <a:headEnd type="none" w="med" len="med"/>
+                      <a:tailEnd type="none" w="med" len="med"/>
+                    </a:lnT>
+                    <a:lnB w="12700" cap="flat" cmpd="sng" algn="ctr">
+                      <a:solidFill>
+                        <a:schemeClr val="accent6">
+                          <a:lumMod val="75000"/>
+                        </a:schemeClr>
+                      </a:solidFill>
+                      <a:prstDash val="solid"/>
+                      <a:round/>
+                      <a:headEnd type="none" w="med" len="med"/>
+                      <a:tailEnd type="none" w="med" len="med"/>
+                    </a:lnB>
+                    <a:solidFill>
+                      <a:schemeClr val="accent6">
+                        <a:lumMod val="20000"/>
+                        <a:lumOff val="80000"/>
+                      </a:schemeClr>
+                    </a:solidFill>
+                  </a:tcPr>
+                </a:tc>
+                <a:extLst>
+                  <a:ext uri="{0D108BD9-81ED-4DB2-BD59-A6C34878D82A}">
+                    <a16:rowId xmlns:a16="http://schemas.microsoft.com/office/drawing/2014/main" val="3364515437"/>
+                  </a:ext>
+                </a:extLst>
+              </a:tr>
+              <a:tr h="370840">
+                <a:tc>
+                  <a:txBody>
+                    <a:bodyPr/>
+                    <a:lstStyle/>
+                    <a:p>
+                      <a:pPr algn="ctr"/>
+                      <a:r>
+                        <a:rPr lang="en-US" altLang="zh-TW" baseline="0" dirty="0">
+                          <a:solidFill>
+                            <a:schemeClr val="tx1"/>
+                          </a:solidFill>
+                          <a:latin typeface="Times New Roman" panose="02020603050405020304" pitchFamily="18" charset="0"/>
+                          <a:ea typeface="標楷體" panose="03000509000000000000" pitchFamily="65" charset="-120"/>
+                        </a:rPr>
+                        <a:t>normalize</a:t>
+                      </a:r>
+                      <a:endParaRPr lang="zh-TW" altLang="en-US" baseline="0" dirty="0">
+                        <a:solidFill>
+                          <a:schemeClr val="tx1"/>
+                        </a:solidFill>
+                        <a:latin typeface="Times New Roman" panose="02020603050405020304" pitchFamily="18" charset="0"/>
+                        <a:ea typeface="標楷體" panose="03000509000000000000" pitchFamily="65" charset="-120"/>
+                      </a:endParaRPr>
+                    </a:p>
+                  </a:txBody>
+                  <a:tcPr anchor="ctr">
+                    <a:lnL w="12700" cap="flat" cmpd="sng" algn="ctr">
+                      <a:solidFill>
+                        <a:schemeClr val="accent6">
+                          <a:lumMod val="75000"/>
+                        </a:schemeClr>
+                      </a:solidFill>
+                      <a:prstDash val="solid"/>
+                      <a:round/>
+                      <a:headEnd type="none" w="med" len="med"/>
+                      <a:tailEnd type="none" w="med" len="med"/>
+                    </a:lnL>
+                    <a:lnR w="12700" cap="flat" cmpd="sng" algn="ctr">
+                      <a:solidFill>
+                        <a:schemeClr val="accent6">
+                          <a:lumMod val="75000"/>
+                        </a:schemeClr>
+                      </a:solidFill>
+                      <a:prstDash val="solid"/>
+                      <a:round/>
+                      <a:headEnd type="none" w="med" len="med"/>
+                      <a:tailEnd type="none" w="med" len="med"/>
+                    </a:lnR>
+                    <a:lnT w="12700" cap="flat" cmpd="sng" algn="ctr">
+                      <a:solidFill>
+                        <a:schemeClr val="accent6">
+                          <a:lumMod val="75000"/>
+                        </a:schemeClr>
+                      </a:solidFill>
+                      <a:prstDash val="solid"/>
+                      <a:round/>
+                      <a:headEnd type="none" w="med" len="med"/>
+                      <a:tailEnd type="none" w="med" len="med"/>
+                    </a:lnT>
+                    <a:lnB w="12700" cap="flat" cmpd="sng" algn="ctr">
+                      <a:solidFill>
+                        <a:schemeClr val="accent6">
+                          <a:lumMod val="75000"/>
+                        </a:schemeClr>
+                      </a:solidFill>
+                      <a:prstDash val="solid"/>
+                      <a:round/>
+                      <a:headEnd type="none" w="med" len="med"/>
+                      <a:tailEnd type="none" w="med" len="med"/>
+                    </a:lnB>
+                    <a:solidFill>
+                      <a:srgbClr val="B2D3A4"/>
+                    </a:solidFill>
+                  </a:tcPr>
+                </a:tc>
+                <a:tc>
+                  <a:txBody>
+                    <a:bodyPr/>
+                    <a:lstStyle/>
+                    <a:p>
+                      <a:pPr algn="ctr"/>
+                      <a:r>
+                        <a:rPr lang="en-US" altLang="zh-TW" baseline="0" dirty="0">
+                          <a:solidFill>
+                            <a:schemeClr val="tx1"/>
+                          </a:solidFill>
+                          <a:latin typeface="Times New Roman" panose="02020603050405020304" pitchFamily="18" charset="0"/>
+                          <a:ea typeface="標楷體" panose="03000509000000000000" pitchFamily="65" charset="-120"/>
+                        </a:rPr>
+                        <a:t>False</a:t>
+                      </a:r>
+                      <a:endParaRPr lang="zh-TW" altLang="en-US" baseline="0" dirty="0">
+                        <a:solidFill>
+                          <a:schemeClr val="tx1"/>
+                        </a:solidFill>
+                        <a:latin typeface="Times New Roman" panose="02020603050405020304" pitchFamily="18" charset="0"/>
+                        <a:ea typeface="標楷體" panose="03000509000000000000" pitchFamily="65" charset="-120"/>
+                      </a:endParaRPr>
+                    </a:p>
+                  </a:txBody>
+                  <a:tcPr anchor="ctr">
+                    <a:lnL w="12700" cap="flat" cmpd="sng" algn="ctr">
+                      <a:solidFill>
+                        <a:schemeClr val="accent6">
+                          <a:lumMod val="75000"/>
+                        </a:schemeClr>
+                      </a:solidFill>
+                      <a:prstDash val="solid"/>
+                      <a:round/>
+                      <a:headEnd type="none" w="med" len="med"/>
+                      <a:tailEnd type="none" w="med" len="med"/>
+                    </a:lnL>
+                    <a:lnR w="12700" cap="flat" cmpd="sng" algn="ctr">
+                      <a:solidFill>
+                        <a:schemeClr val="accent6">
+                          <a:lumMod val="75000"/>
+                        </a:schemeClr>
+                      </a:solidFill>
+                      <a:prstDash val="solid"/>
+                      <a:round/>
+                      <a:headEnd type="none" w="med" len="med"/>
+                      <a:tailEnd type="none" w="med" len="med"/>
+                    </a:lnR>
+                    <a:lnT w="12700" cap="flat" cmpd="sng" algn="ctr">
+                      <a:solidFill>
+                        <a:schemeClr val="accent6">
+                          <a:lumMod val="75000"/>
+                        </a:schemeClr>
+                      </a:solidFill>
+                      <a:prstDash val="solid"/>
+                      <a:round/>
+                      <a:headEnd type="none" w="med" len="med"/>
+                      <a:tailEnd type="none" w="med" len="med"/>
+                    </a:lnT>
+                    <a:lnB w="12700" cap="flat" cmpd="sng" algn="ctr">
+                      <a:solidFill>
+                        <a:schemeClr val="accent6">
+                          <a:lumMod val="75000"/>
+                        </a:schemeClr>
+                      </a:solidFill>
+                      <a:prstDash val="solid"/>
+                      <a:round/>
+                      <a:headEnd type="none" w="med" len="med"/>
+                      <a:tailEnd type="none" w="med" len="med"/>
+                    </a:lnB>
+                    <a:solidFill>
+                      <a:schemeClr val="accent6">
+                        <a:lumMod val="20000"/>
+                        <a:lumOff val="80000"/>
+                      </a:schemeClr>
+                    </a:solidFill>
+                  </a:tcPr>
+                </a:tc>
+                <a:extLst>
+                  <a:ext uri="{0D108BD9-81ED-4DB2-BD59-A6C34878D82A}">
+                    <a16:rowId xmlns:a16="http://schemas.microsoft.com/office/drawing/2014/main" val="2159728735"/>
+                  </a:ext>
+                </a:extLst>
+              </a:tr>
+            </a:tbl>
+          </a:graphicData>
+        </a:graphic>
+      </p:graphicFrame>
+    </p:spTree>
+    <p:extLst>
+      <p:ext uri="{BB962C8B-B14F-4D97-AF65-F5344CB8AC3E}">
+        <p14:creationId xmlns:p14="http://schemas.microsoft.com/office/powerpoint/2010/main" val="2847998647"/>
+      </p:ext>
+    </p:extLst>
+  </p:cSld>
+  <p:clrMapOvr>
+    <a:masterClrMapping/>
+  </p:clrMapOvr>
+</p:sld>
+</file>
+
+<file path=ppt/slides/slide27.xml><?xml version="1.0" encoding="utf-8"?>
 <p:sld xmlns:a="http://schemas.openxmlformats.org/drawingml/2006/main" xmlns:r="http://schemas.openxmlformats.org/officeDocument/2006/relationships" xmlns:p="http://schemas.openxmlformats.org/presentationml/2006/main">
   <p:cSld>
     <p:spTree>
@@ -23270,7 +25124,7 @@
           <a:p>
             <a:fld id="{46B26A4B-3AD5-4556-810E-C20186AC774D}" type="slidenum">
               <a:rPr lang="zh-TW" altLang="en-US" smtClean="0"/>
-              <a:t>25</a:t>
+              <a:t>27</a:t>
             </a:fld>
             <a:endParaRPr lang="zh-TW" altLang="en-US"/>
           </a:p>
@@ -24648,7 +26502,7 @@
 </p:sld>
 </file>
 
-<file path=ppt/slides/slide26.xml><?xml version="1.0" encoding="utf-8"?>
+<file path=ppt/slides/slide28.xml><?xml version="1.0" encoding="utf-8"?>
 <p:sld xmlns:a="http://schemas.openxmlformats.org/drawingml/2006/main" xmlns:r="http://schemas.openxmlformats.org/officeDocument/2006/relationships" xmlns:p="http://schemas.openxmlformats.org/presentationml/2006/main">
   <p:cSld>
     <p:spTree>
@@ -24688,7 +26542,7 @@
           <a:p>
             <a:fld id="{46B26A4B-3AD5-4556-810E-C20186AC774D}" type="slidenum">
               <a:rPr lang="zh-TW" altLang="en-US" smtClean="0"/>
-              <a:t>26</a:t>
+              <a:t>28</a:t>
             </a:fld>
             <a:endParaRPr lang="zh-TW" altLang="en-US"/>
           </a:p>
@@ -27135,7 +28989,7 @@
 </p:sld>
 </file>
 
-<file path=ppt/slides/slide27.xml><?xml version="1.0" encoding="utf-8"?>
+<file path=ppt/slides/slide29.xml><?xml version="1.0" encoding="utf-8"?>
 <p:sld xmlns:a="http://schemas.openxmlformats.org/drawingml/2006/main" xmlns:r="http://schemas.openxmlformats.org/officeDocument/2006/relationships" xmlns:p="http://schemas.openxmlformats.org/presentationml/2006/main">
   <p:cSld>
     <p:spTree>
@@ -27212,7 +29066,7 @@
           <a:p>
             <a:fld id="{46B26A4B-3AD5-4556-810E-C20186AC774D}" type="slidenum">
               <a:rPr lang="zh-TW" altLang="en-US" smtClean="0"/>
-              <a:t>27</a:t>
+              <a:t>29</a:t>
             </a:fld>
             <a:endParaRPr lang="zh-TW" altLang="en-US"/>
           </a:p>
@@ -28550,2694 +30404,6 @@
       <p:bldP spid="11" grpId="0" animBg="1"/>
     </p:bldLst>
   </p:timing>
-</p:sld>
-</file>
-
-<file path=ppt/slides/slide28.xml><?xml version="1.0" encoding="utf-8"?>
-<p:sld xmlns:a="http://schemas.openxmlformats.org/drawingml/2006/main" xmlns:r="http://schemas.openxmlformats.org/officeDocument/2006/relationships" xmlns:p="http://schemas.openxmlformats.org/presentationml/2006/main">
-  <p:cSld>
-    <p:spTree>
-      <p:nvGrpSpPr>
-        <p:cNvPr id="1" name=""/>
-        <p:cNvGrpSpPr/>
-        <p:nvPr/>
-      </p:nvGrpSpPr>
-      <p:grpSpPr>
-        <a:xfrm>
-          <a:off x="0" y="0"/>
-          <a:ext cx="0" cy="0"/>
-          <a:chOff x="0" y="0"/>
-          <a:chExt cx="0" cy="0"/>
-        </a:xfrm>
-      </p:grpSpPr>
-      <p:sp>
-        <p:nvSpPr>
-          <p:cNvPr id="4" name="投影片編號版面配置區 3">
-            <a:extLst>
-              <a:ext uri="{FF2B5EF4-FFF2-40B4-BE49-F238E27FC236}">
-                <a16:creationId xmlns:a16="http://schemas.microsoft.com/office/drawing/2014/main" id="{BEB3655D-4AD3-4A42-8822-BC2FBDEC195C}"/>
-              </a:ext>
-            </a:extLst>
-          </p:cNvPr>
-          <p:cNvSpPr>
-            <a:spLocks noGrp="1"/>
-          </p:cNvSpPr>
-          <p:nvPr>
-            <p:ph type="sldNum" sz="quarter" idx="12"/>
-          </p:nvPr>
-        </p:nvSpPr>
-        <p:spPr/>
-        <p:txBody>
-          <a:bodyPr/>
-          <a:lstStyle/>
-          <a:p>
-            <a:fld id="{46B26A4B-3AD5-4556-810E-C20186AC774D}" type="slidenum">
-              <a:rPr lang="zh-TW" altLang="en-US" smtClean="0"/>
-              <a:t>28</a:t>
-            </a:fld>
-            <a:endParaRPr lang="zh-TW" altLang="en-US"/>
-          </a:p>
-        </p:txBody>
-      </p:sp>
-      <p:sp>
-        <p:nvSpPr>
-          <p:cNvPr id="2" name="標題 1">
-            <a:extLst>
-              <a:ext uri="{FF2B5EF4-FFF2-40B4-BE49-F238E27FC236}">
-                <a16:creationId xmlns:a16="http://schemas.microsoft.com/office/drawing/2014/main" id="{B1E36E2A-D00F-4875-96FF-273E9C80874E}"/>
-              </a:ext>
-            </a:extLst>
-          </p:cNvPr>
-          <p:cNvSpPr>
-            <a:spLocks noGrp="1"/>
-          </p:cNvSpPr>
-          <p:nvPr>
-            <p:ph type="title"/>
-          </p:nvPr>
-        </p:nvSpPr>
-        <p:spPr/>
-        <p:txBody>
-          <a:bodyPr/>
-          <a:lstStyle/>
-          <a:p>
-            <a:r>
-              <a:rPr lang="en-US" altLang="zh-TW" dirty="0"/>
-              <a:t>Experiment Results (6/6)</a:t>
-            </a:r>
-            <a:br>
-              <a:rPr lang="en-US" altLang="zh-TW" dirty="0"/>
-            </a:br>
-            <a:r>
-              <a:rPr lang="zh-TW" altLang="en-US" sz="3200" dirty="0"/>
-              <a:t>滑動視窗法</a:t>
-            </a:r>
-            <a:r>
-              <a:rPr lang="en-US" altLang="zh-TW" sz="3200" dirty="0"/>
-              <a:t>-</a:t>
-            </a:r>
-            <a:r>
-              <a:rPr lang="zh-TW" altLang="en-US" sz="3200" dirty="0"/>
-              <a:t>模擬投資</a:t>
-            </a:r>
-            <a:endParaRPr lang="zh-TW" altLang="en-US" dirty="0"/>
-          </a:p>
-        </p:txBody>
-      </p:sp>
-      <p:graphicFrame>
-        <p:nvGraphicFramePr>
-          <p:cNvPr id="5" name="表格 6">
-            <a:extLst>
-              <a:ext uri="{FF2B5EF4-FFF2-40B4-BE49-F238E27FC236}">
-                <a16:creationId xmlns:a16="http://schemas.microsoft.com/office/drawing/2014/main" id="{41E81AF6-6DFD-5B40-067A-3954A26956DB}"/>
-              </a:ext>
-            </a:extLst>
-          </p:cNvPr>
-          <p:cNvGraphicFramePr>
-            <a:graphicFrameLocks noGrp="1"/>
-          </p:cNvGraphicFramePr>
-          <p:nvPr>
-            <p:extLst>
-              <p:ext uri="{D42A27DB-BD31-4B8C-83A1-F6EECF244321}">
-                <p14:modId xmlns:p14="http://schemas.microsoft.com/office/powerpoint/2010/main" val="1315406738"/>
-              </p:ext>
-            </p:extLst>
-          </p:nvPr>
-        </p:nvGraphicFramePr>
-        <p:xfrm>
-          <a:off x="2390618" y="2169319"/>
-          <a:ext cx="7410763" cy="3708400"/>
-        </p:xfrm>
-        <a:graphic>
-          <a:graphicData uri="http://schemas.openxmlformats.org/drawingml/2006/table">
-            <a:tbl>
-              <a:tblPr firstRow="1" bandRow="1">
-                <a:tableStyleId>{5C22544A-7EE6-4342-B048-85BDC9FD1C3A}</a:tableStyleId>
-              </a:tblPr>
-              <a:tblGrid>
-                <a:gridCol w="2076481">
-                  <a:extLst>
-                    <a:ext uri="{9D8B030D-6E8A-4147-A177-3AD203B41FA5}">
-                      <a16:colId xmlns:a16="http://schemas.microsoft.com/office/drawing/2014/main" val="1189634700"/>
-                    </a:ext>
-                  </a:extLst>
-                </a:gridCol>
-                <a:gridCol w="2667141">
-                  <a:extLst>
-                    <a:ext uri="{9D8B030D-6E8A-4147-A177-3AD203B41FA5}">
-                      <a16:colId xmlns:a16="http://schemas.microsoft.com/office/drawing/2014/main" val="2508660496"/>
-                    </a:ext>
-                  </a:extLst>
-                </a:gridCol>
-                <a:gridCol w="2667141">
-                  <a:extLst>
-                    <a:ext uri="{9D8B030D-6E8A-4147-A177-3AD203B41FA5}">
-                      <a16:colId xmlns:a16="http://schemas.microsoft.com/office/drawing/2014/main" val="2939191180"/>
-                    </a:ext>
-                  </a:extLst>
-                </a:gridCol>
-              </a:tblGrid>
-              <a:tr h="370840">
-                <a:tc>
-                  <a:txBody>
-                    <a:bodyPr/>
-                    <a:lstStyle/>
-                    <a:p>
-                      <a:pPr algn="ctr"/>
-                      <a:endParaRPr lang="zh-TW" altLang="en-US" baseline="0" dirty="0">
-                        <a:solidFill>
-                          <a:schemeClr val="tx1"/>
-                        </a:solidFill>
-                        <a:latin typeface="Times New Roman" panose="02020603050405020304" pitchFamily="18" charset="0"/>
-                        <a:ea typeface="標楷體" panose="03000509000000000000" pitchFamily="65" charset="-120"/>
-                      </a:endParaRPr>
-                    </a:p>
-                  </a:txBody>
-                  <a:tcPr anchor="ctr">
-                    <a:lnL w="12700" cap="flat" cmpd="sng" algn="ctr">
-                      <a:solidFill>
-                        <a:schemeClr val="accent6">
-                          <a:lumMod val="75000"/>
-                        </a:schemeClr>
-                      </a:solidFill>
-                      <a:prstDash val="solid"/>
-                      <a:round/>
-                      <a:headEnd type="none" w="med" len="med"/>
-                      <a:tailEnd type="none" w="med" len="med"/>
-                    </a:lnL>
-                    <a:lnR w="12700" cap="flat" cmpd="sng" algn="ctr">
-                      <a:solidFill>
-                        <a:schemeClr val="accent6">
-                          <a:lumMod val="75000"/>
-                        </a:schemeClr>
-                      </a:solidFill>
-                      <a:prstDash val="solid"/>
-                      <a:round/>
-                      <a:headEnd type="none" w="med" len="med"/>
-                      <a:tailEnd type="none" w="med" len="med"/>
-                    </a:lnR>
-                    <a:lnT w="12700" cap="flat" cmpd="sng" algn="ctr">
-                      <a:solidFill>
-                        <a:schemeClr val="accent6">
-                          <a:lumMod val="75000"/>
-                        </a:schemeClr>
-                      </a:solidFill>
-                      <a:prstDash val="solid"/>
-                      <a:round/>
-                      <a:headEnd type="none" w="med" len="med"/>
-                      <a:tailEnd type="none" w="med" len="med"/>
-                    </a:lnT>
-                    <a:lnB w="12700" cap="flat" cmpd="sng" algn="ctr">
-                      <a:solidFill>
-                        <a:schemeClr val="accent6">
-                          <a:lumMod val="75000"/>
-                        </a:schemeClr>
-                      </a:solidFill>
-                      <a:prstDash val="solid"/>
-                      <a:round/>
-                      <a:headEnd type="none" w="med" len="med"/>
-                      <a:tailEnd type="none" w="med" len="med"/>
-                    </a:lnB>
-                    <a:solidFill>
-                      <a:srgbClr val="B2D3A4"/>
-                    </a:solidFill>
-                  </a:tcPr>
-                </a:tc>
-                <a:tc>
-                  <a:txBody>
-                    <a:bodyPr/>
-                    <a:lstStyle/>
-                    <a:p>
-                      <a:pPr algn="ctr"/>
-                      <a:r>
-                        <a:rPr lang="zh-TW" altLang="en-US" baseline="0" dirty="0">
-                          <a:solidFill>
-                            <a:schemeClr val="tx1"/>
-                          </a:solidFill>
-                          <a:latin typeface="Times New Roman" panose="02020603050405020304" pitchFamily="18" charset="0"/>
-                          <a:ea typeface="標楷體" panose="03000509000000000000" pitchFamily="65" charset="-120"/>
-                        </a:rPr>
-                        <a:t>滑動視窗法</a:t>
-                      </a:r>
-                      <a:r>
-                        <a:rPr lang="en-US" altLang="zh-TW" baseline="0" dirty="0">
-                          <a:solidFill>
-                            <a:schemeClr val="tx1"/>
-                          </a:solidFill>
-                          <a:latin typeface="Times New Roman" panose="02020603050405020304" pitchFamily="18" charset="0"/>
-                          <a:ea typeface="標楷體" panose="03000509000000000000" pitchFamily="65" charset="-120"/>
-                        </a:rPr>
-                        <a:t>-ANN</a:t>
-                      </a:r>
-                      <a:endParaRPr lang="zh-TW" altLang="en-US" baseline="0" dirty="0">
-                        <a:solidFill>
-                          <a:schemeClr val="tx1"/>
-                        </a:solidFill>
-                        <a:latin typeface="Times New Roman" panose="02020603050405020304" pitchFamily="18" charset="0"/>
-                        <a:ea typeface="標楷體" panose="03000509000000000000" pitchFamily="65" charset="-120"/>
-                      </a:endParaRPr>
-                    </a:p>
-                  </a:txBody>
-                  <a:tcPr anchor="ctr">
-                    <a:lnL w="12700" cap="flat" cmpd="sng" algn="ctr">
-                      <a:solidFill>
-                        <a:schemeClr val="accent6">
-                          <a:lumMod val="75000"/>
-                        </a:schemeClr>
-                      </a:solidFill>
-                      <a:prstDash val="solid"/>
-                      <a:round/>
-                      <a:headEnd type="none" w="med" len="med"/>
-                      <a:tailEnd type="none" w="med" len="med"/>
-                    </a:lnL>
-                    <a:lnR w="12700" cap="flat" cmpd="sng" algn="ctr">
-                      <a:solidFill>
-                        <a:schemeClr val="accent6">
-                          <a:lumMod val="75000"/>
-                        </a:schemeClr>
-                      </a:solidFill>
-                      <a:prstDash val="solid"/>
-                      <a:round/>
-                      <a:headEnd type="none" w="med" len="med"/>
-                      <a:tailEnd type="none" w="med" len="med"/>
-                    </a:lnR>
-                    <a:lnT w="12700" cap="flat" cmpd="sng" algn="ctr">
-                      <a:solidFill>
-                        <a:schemeClr val="accent6">
-                          <a:lumMod val="75000"/>
-                        </a:schemeClr>
-                      </a:solidFill>
-                      <a:prstDash val="solid"/>
-                      <a:round/>
-                      <a:headEnd type="none" w="med" len="med"/>
-                      <a:tailEnd type="none" w="med" len="med"/>
-                    </a:lnT>
-                    <a:lnB w="12700" cap="flat" cmpd="sng" algn="ctr">
-                      <a:solidFill>
-                        <a:schemeClr val="accent6">
-                          <a:lumMod val="75000"/>
-                        </a:schemeClr>
-                      </a:solidFill>
-                      <a:prstDash val="solid"/>
-                      <a:round/>
-                      <a:headEnd type="none" w="med" len="med"/>
-                      <a:tailEnd type="none" w="med" len="med"/>
-                    </a:lnB>
-                    <a:solidFill>
-                      <a:srgbClr val="B2D3A4"/>
-                    </a:solidFill>
-                  </a:tcPr>
-                </a:tc>
-                <a:tc>
-                  <a:txBody>
-                    <a:bodyPr/>
-                    <a:lstStyle/>
-                    <a:p>
-                      <a:pPr algn="ctr"/>
-                      <a:r>
-                        <a:rPr lang="zh-TW" altLang="en-US" baseline="0" dirty="0">
-                          <a:solidFill>
-                            <a:schemeClr val="tx1"/>
-                          </a:solidFill>
-                          <a:latin typeface="Times New Roman" panose="02020603050405020304" pitchFamily="18" charset="0"/>
-                          <a:ea typeface="標楷體" panose="03000509000000000000" pitchFamily="65" charset="-120"/>
-                        </a:rPr>
-                        <a:t>傳統法</a:t>
-                      </a:r>
-                      <a:r>
-                        <a:rPr lang="en-US" altLang="zh-TW" baseline="0" dirty="0">
-                          <a:solidFill>
-                            <a:schemeClr val="tx1"/>
-                          </a:solidFill>
-                          <a:latin typeface="Times New Roman" panose="02020603050405020304" pitchFamily="18" charset="0"/>
-                          <a:ea typeface="標楷體" panose="03000509000000000000" pitchFamily="65" charset="-120"/>
-                        </a:rPr>
-                        <a:t>-ANN</a:t>
-                      </a:r>
-                      <a:endParaRPr lang="zh-TW" altLang="en-US" baseline="0" dirty="0">
-                        <a:solidFill>
-                          <a:schemeClr val="tx1"/>
-                        </a:solidFill>
-                        <a:latin typeface="Times New Roman" panose="02020603050405020304" pitchFamily="18" charset="0"/>
-                        <a:ea typeface="標楷體" panose="03000509000000000000" pitchFamily="65" charset="-120"/>
-                      </a:endParaRPr>
-                    </a:p>
-                  </a:txBody>
-                  <a:tcPr anchor="ctr">
-                    <a:lnL w="12700" cap="flat" cmpd="sng" algn="ctr">
-                      <a:solidFill>
-                        <a:schemeClr val="accent6">
-                          <a:lumMod val="75000"/>
-                        </a:schemeClr>
-                      </a:solidFill>
-                      <a:prstDash val="solid"/>
-                      <a:round/>
-                      <a:headEnd type="none" w="med" len="med"/>
-                      <a:tailEnd type="none" w="med" len="med"/>
-                    </a:lnL>
-                    <a:lnR w="12700" cap="flat" cmpd="sng" algn="ctr">
-                      <a:solidFill>
-                        <a:schemeClr val="accent6">
-                          <a:lumMod val="75000"/>
-                        </a:schemeClr>
-                      </a:solidFill>
-                      <a:prstDash val="solid"/>
-                      <a:round/>
-                      <a:headEnd type="none" w="med" len="med"/>
-                      <a:tailEnd type="none" w="med" len="med"/>
-                    </a:lnR>
-                    <a:lnT w="12700" cap="flat" cmpd="sng" algn="ctr">
-                      <a:solidFill>
-                        <a:schemeClr val="accent6">
-                          <a:lumMod val="75000"/>
-                        </a:schemeClr>
-                      </a:solidFill>
-                      <a:prstDash val="solid"/>
-                      <a:round/>
-                      <a:headEnd type="none" w="med" len="med"/>
-                      <a:tailEnd type="none" w="med" len="med"/>
-                    </a:lnT>
-                    <a:lnB w="12700" cap="flat" cmpd="sng" algn="ctr">
-                      <a:solidFill>
-                        <a:schemeClr val="accent6">
-                          <a:lumMod val="75000"/>
-                        </a:schemeClr>
-                      </a:solidFill>
-                      <a:prstDash val="solid"/>
-                      <a:round/>
-                      <a:headEnd type="none" w="med" len="med"/>
-                      <a:tailEnd type="none" w="med" len="med"/>
-                    </a:lnB>
-                    <a:solidFill>
-                      <a:srgbClr val="B2D3A4"/>
-                    </a:solidFill>
-                  </a:tcPr>
-                </a:tc>
-                <a:extLst>
-                  <a:ext uri="{0D108BD9-81ED-4DB2-BD59-A6C34878D82A}">
-                    <a16:rowId xmlns:a16="http://schemas.microsoft.com/office/drawing/2014/main" val="2086984352"/>
-                  </a:ext>
-                </a:extLst>
-              </a:tr>
-              <a:tr h="370840">
-                <a:tc>
-                  <a:txBody>
-                    <a:bodyPr/>
-                    <a:lstStyle/>
-                    <a:p>
-                      <a:pPr algn="ctr"/>
-                      <a:r>
-                        <a:rPr lang="zh-TW" altLang="en-US" baseline="0" dirty="0">
-                          <a:solidFill>
-                            <a:schemeClr val="tx1"/>
-                          </a:solidFill>
-                          <a:latin typeface="Times New Roman" panose="02020603050405020304" pitchFamily="18" charset="0"/>
-                          <a:ea typeface="標楷體" panose="03000509000000000000" pitchFamily="65" charset="-120"/>
-                        </a:rPr>
-                        <a:t>年份</a:t>
-                      </a:r>
-                    </a:p>
-                  </a:txBody>
-                  <a:tcPr anchor="ctr">
-                    <a:lnL w="12700" cap="flat" cmpd="sng" algn="ctr">
-                      <a:solidFill>
-                        <a:schemeClr val="accent6">
-                          <a:lumMod val="75000"/>
-                        </a:schemeClr>
-                      </a:solidFill>
-                      <a:prstDash val="solid"/>
-                      <a:round/>
-                      <a:headEnd type="none" w="med" len="med"/>
-                      <a:tailEnd type="none" w="med" len="med"/>
-                    </a:lnL>
-                    <a:lnR w="12700" cap="flat" cmpd="sng" algn="ctr">
-                      <a:solidFill>
-                        <a:schemeClr val="accent6">
-                          <a:lumMod val="75000"/>
-                        </a:schemeClr>
-                      </a:solidFill>
-                      <a:prstDash val="solid"/>
-                      <a:round/>
-                      <a:headEnd type="none" w="med" len="med"/>
-                      <a:tailEnd type="none" w="med" len="med"/>
-                    </a:lnR>
-                    <a:lnT w="12700" cap="flat" cmpd="sng" algn="ctr">
-                      <a:solidFill>
-                        <a:schemeClr val="accent6">
-                          <a:lumMod val="75000"/>
-                        </a:schemeClr>
-                      </a:solidFill>
-                      <a:prstDash val="solid"/>
-                      <a:round/>
-                      <a:headEnd type="none" w="med" len="med"/>
-                      <a:tailEnd type="none" w="med" len="med"/>
-                    </a:lnT>
-                    <a:lnB w="12700" cap="flat" cmpd="sng" algn="ctr">
-                      <a:solidFill>
-                        <a:schemeClr val="accent6">
-                          <a:lumMod val="75000"/>
-                        </a:schemeClr>
-                      </a:solidFill>
-                      <a:prstDash val="solid"/>
-                      <a:round/>
-                      <a:headEnd type="none" w="med" len="med"/>
-                      <a:tailEnd type="none" w="med" len="med"/>
-                    </a:lnB>
-                    <a:solidFill>
-                      <a:srgbClr val="B2D3A4"/>
-                    </a:solidFill>
-                  </a:tcPr>
-                </a:tc>
-                <a:tc>
-                  <a:txBody>
-                    <a:bodyPr/>
-                    <a:lstStyle/>
-                    <a:p>
-                      <a:pPr algn="ctr"/>
-                      <a:r>
-                        <a:rPr lang="en-US" altLang="zh-TW" baseline="0" dirty="0">
-                          <a:solidFill>
-                            <a:schemeClr val="tx1"/>
-                          </a:solidFill>
-                          <a:latin typeface="Times New Roman" panose="02020603050405020304" pitchFamily="18" charset="0"/>
-                          <a:ea typeface="標楷體" panose="03000509000000000000" pitchFamily="65" charset="-120"/>
-                        </a:rPr>
-                        <a:t>2021</a:t>
-                      </a:r>
-                      <a:r>
-                        <a:rPr lang="zh-TW" altLang="en-US" baseline="0" dirty="0">
-                          <a:solidFill>
-                            <a:schemeClr val="tx1"/>
-                          </a:solidFill>
-                          <a:latin typeface="Times New Roman" panose="02020603050405020304" pitchFamily="18" charset="0"/>
-                          <a:ea typeface="標楷體" panose="03000509000000000000" pitchFamily="65" charset="-120"/>
-                        </a:rPr>
-                        <a:t>年</a:t>
-                      </a:r>
-                    </a:p>
-                  </a:txBody>
-                  <a:tcPr anchor="ctr">
-                    <a:lnL w="12700" cap="flat" cmpd="sng" algn="ctr">
-                      <a:solidFill>
-                        <a:schemeClr val="accent6">
-                          <a:lumMod val="75000"/>
-                        </a:schemeClr>
-                      </a:solidFill>
-                      <a:prstDash val="solid"/>
-                      <a:round/>
-                      <a:headEnd type="none" w="med" len="med"/>
-                      <a:tailEnd type="none" w="med" len="med"/>
-                    </a:lnL>
-                    <a:lnR w="12700" cap="flat" cmpd="sng" algn="ctr">
-                      <a:solidFill>
-                        <a:schemeClr val="accent6">
-                          <a:lumMod val="75000"/>
-                        </a:schemeClr>
-                      </a:solidFill>
-                      <a:prstDash val="solid"/>
-                      <a:round/>
-                      <a:headEnd type="none" w="med" len="med"/>
-                      <a:tailEnd type="none" w="med" len="med"/>
-                    </a:lnR>
-                    <a:lnT w="12700" cap="flat" cmpd="sng" algn="ctr">
-                      <a:solidFill>
-                        <a:schemeClr val="accent6">
-                          <a:lumMod val="75000"/>
-                        </a:schemeClr>
-                      </a:solidFill>
-                      <a:prstDash val="solid"/>
-                      <a:round/>
-                      <a:headEnd type="none" w="med" len="med"/>
-                      <a:tailEnd type="none" w="med" len="med"/>
-                    </a:lnT>
-                    <a:lnB w="12700" cap="flat" cmpd="sng" algn="ctr">
-                      <a:solidFill>
-                        <a:schemeClr val="accent6">
-                          <a:lumMod val="75000"/>
-                        </a:schemeClr>
-                      </a:solidFill>
-                      <a:prstDash val="solid"/>
-                      <a:round/>
-                      <a:headEnd type="none" w="med" len="med"/>
-                      <a:tailEnd type="none" w="med" len="med"/>
-                    </a:lnB>
-                    <a:solidFill>
-                      <a:schemeClr val="accent6">
-                        <a:lumMod val="20000"/>
-                        <a:lumOff val="80000"/>
-                      </a:schemeClr>
-                    </a:solidFill>
-                  </a:tcPr>
-                </a:tc>
-                <a:tc>
-                  <a:txBody>
-                    <a:bodyPr/>
-                    <a:lstStyle/>
-                    <a:p>
-                      <a:pPr algn="ctr"/>
-                      <a:r>
-                        <a:rPr lang="en-US" altLang="zh-TW" baseline="0" dirty="0">
-                          <a:solidFill>
-                            <a:schemeClr val="tx1"/>
-                          </a:solidFill>
-                          <a:latin typeface="Times New Roman" panose="02020603050405020304" pitchFamily="18" charset="0"/>
-                          <a:ea typeface="標楷體" panose="03000509000000000000" pitchFamily="65" charset="-120"/>
-                        </a:rPr>
-                        <a:t>2021</a:t>
-                      </a:r>
-                      <a:r>
-                        <a:rPr lang="zh-TW" altLang="en-US" baseline="0" dirty="0">
-                          <a:solidFill>
-                            <a:schemeClr val="tx1"/>
-                          </a:solidFill>
-                          <a:latin typeface="Times New Roman" panose="02020603050405020304" pitchFamily="18" charset="0"/>
-                          <a:ea typeface="標楷體" panose="03000509000000000000" pitchFamily="65" charset="-120"/>
-                        </a:rPr>
-                        <a:t>年</a:t>
-                      </a:r>
-                    </a:p>
-                  </a:txBody>
-                  <a:tcPr anchor="ctr">
-                    <a:lnL w="12700" cap="flat" cmpd="sng" algn="ctr">
-                      <a:solidFill>
-                        <a:schemeClr val="accent6">
-                          <a:lumMod val="75000"/>
-                        </a:schemeClr>
-                      </a:solidFill>
-                      <a:prstDash val="solid"/>
-                      <a:round/>
-                      <a:headEnd type="none" w="med" len="med"/>
-                      <a:tailEnd type="none" w="med" len="med"/>
-                    </a:lnL>
-                    <a:lnR w="12700" cap="flat" cmpd="sng" algn="ctr">
-                      <a:solidFill>
-                        <a:schemeClr val="accent6">
-                          <a:lumMod val="75000"/>
-                        </a:schemeClr>
-                      </a:solidFill>
-                      <a:prstDash val="solid"/>
-                      <a:round/>
-                      <a:headEnd type="none" w="med" len="med"/>
-                      <a:tailEnd type="none" w="med" len="med"/>
-                    </a:lnR>
-                    <a:lnT w="12700" cap="flat" cmpd="sng" algn="ctr">
-                      <a:solidFill>
-                        <a:schemeClr val="accent6">
-                          <a:lumMod val="75000"/>
-                        </a:schemeClr>
-                      </a:solidFill>
-                      <a:prstDash val="solid"/>
-                      <a:round/>
-                      <a:headEnd type="none" w="med" len="med"/>
-                      <a:tailEnd type="none" w="med" len="med"/>
-                    </a:lnT>
-                    <a:lnB w="12700" cap="flat" cmpd="sng" algn="ctr">
-                      <a:solidFill>
-                        <a:schemeClr val="accent6">
-                          <a:lumMod val="75000"/>
-                        </a:schemeClr>
-                      </a:solidFill>
-                      <a:prstDash val="solid"/>
-                      <a:round/>
-                      <a:headEnd type="none" w="med" len="med"/>
-                      <a:tailEnd type="none" w="med" len="med"/>
-                    </a:lnB>
-                    <a:solidFill>
-                      <a:schemeClr val="accent6">
-                        <a:lumMod val="20000"/>
-                        <a:lumOff val="80000"/>
-                      </a:schemeClr>
-                    </a:solidFill>
-                  </a:tcPr>
-                </a:tc>
-                <a:extLst>
-                  <a:ext uri="{0D108BD9-81ED-4DB2-BD59-A6C34878D82A}">
-                    <a16:rowId xmlns:a16="http://schemas.microsoft.com/office/drawing/2014/main" val="1141096105"/>
-                  </a:ext>
-                </a:extLst>
-              </a:tr>
-              <a:tr h="370840">
-                <a:tc>
-                  <a:txBody>
-                    <a:bodyPr/>
-                    <a:lstStyle/>
-                    <a:p>
-                      <a:pPr algn="ctr"/>
-                      <a:r>
-                        <a:rPr lang="zh-TW" altLang="en-US" baseline="0" dirty="0">
-                          <a:solidFill>
-                            <a:schemeClr val="tx1"/>
-                          </a:solidFill>
-                          <a:latin typeface="Times New Roman" panose="02020603050405020304" pitchFamily="18" charset="0"/>
-                          <a:ea typeface="標楷體" panose="03000509000000000000" pitchFamily="65" charset="-120"/>
-                        </a:rPr>
-                        <a:t>總損益</a:t>
-                      </a:r>
-                    </a:p>
-                  </a:txBody>
-                  <a:tcPr anchor="ctr">
-                    <a:lnL w="12700" cap="flat" cmpd="sng" algn="ctr">
-                      <a:solidFill>
-                        <a:schemeClr val="accent6">
-                          <a:lumMod val="75000"/>
-                        </a:schemeClr>
-                      </a:solidFill>
-                      <a:prstDash val="solid"/>
-                      <a:round/>
-                      <a:headEnd type="none" w="med" len="med"/>
-                      <a:tailEnd type="none" w="med" len="med"/>
-                    </a:lnL>
-                    <a:lnR w="12700" cap="flat" cmpd="sng" algn="ctr">
-                      <a:solidFill>
-                        <a:schemeClr val="accent6">
-                          <a:lumMod val="75000"/>
-                        </a:schemeClr>
-                      </a:solidFill>
-                      <a:prstDash val="solid"/>
-                      <a:round/>
-                      <a:headEnd type="none" w="med" len="med"/>
-                      <a:tailEnd type="none" w="med" len="med"/>
-                    </a:lnR>
-                    <a:lnT w="12700" cap="flat" cmpd="sng" algn="ctr">
-                      <a:solidFill>
-                        <a:schemeClr val="accent6">
-                          <a:lumMod val="75000"/>
-                        </a:schemeClr>
-                      </a:solidFill>
-                      <a:prstDash val="solid"/>
-                      <a:round/>
-                      <a:headEnd type="none" w="med" len="med"/>
-                      <a:tailEnd type="none" w="med" len="med"/>
-                    </a:lnT>
-                    <a:lnB w="12700" cap="flat" cmpd="sng" algn="ctr">
-                      <a:solidFill>
-                        <a:schemeClr val="accent6">
-                          <a:lumMod val="75000"/>
-                        </a:schemeClr>
-                      </a:solidFill>
-                      <a:prstDash val="solid"/>
-                      <a:round/>
-                      <a:headEnd type="none" w="med" len="med"/>
-                      <a:tailEnd type="none" w="med" len="med"/>
-                    </a:lnB>
-                    <a:solidFill>
-                      <a:srgbClr val="B2D3A4"/>
-                    </a:solidFill>
-                  </a:tcPr>
-                </a:tc>
-                <a:tc>
-                  <a:txBody>
-                    <a:bodyPr/>
-                    <a:lstStyle/>
-                    <a:p>
-                      <a:pPr algn="ctr"/>
-                      <a:r>
-                        <a:rPr lang="en-US" altLang="zh-TW" baseline="0" dirty="0">
-                          <a:solidFill>
-                            <a:schemeClr val="tx1"/>
-                          </a:solidFill>
-                          <a:latin typeface="Times New Roman" panose="02020603050405020304" pitchFamily="18" charset="0"/>
-                          <a:ea typeface="標楷體" panose="03000509000000000000" pitchFamily="65" charset="-120"/>
-                        </a:rPr>
-                        <a:t>(-339,651)</a:t>
-                      </a:r>
-                      <a:endParaRPr lang="zh-TW" altLang="en-US" baseline="0" dirty="0">
-                        <a:solidFill>
-                          <a:schemeClr val="tx1"/>
-                        </a:solidFill>
-                        <a:latin typeface="Times New Roman" panose="02020603050405020304" pitchFamily="18" charset="0"/>
-                        <a:ea typeface="標楷體" panose="03000509000000000000" pitchFamily="65" charset="-120"/>
-                      </a:endParaRPr>
-                    </a:p>
-                  </a:txBody>
-                  <a:tcPr anchor="ctr">
-                    <a:lnL w="12700" cap="flat" cmpd="sng" algn="ctr">
-                      <a:solidFill>
-                        <a:schemeClr val="accent6">
-                          <a:lumMod val="75000"/>
-                        </a:schemeClr>
-                      </a:solidFill>
-                      <a:prstDash val="solid"/>
-                      <a:round/>
-                      <a:headEnd type="none" w="med" len="med"/>
-                      <a:tailEnd type="none" w="med" len="med"/>
-                    </a:lnL>
-                    <a:lnR w="12700" cap="flat" cmpd="sng" algn="ctr">
-                      <a:solidFill>
-                        <a:schemeClr val="accent6">
-                          <a:lumMod val="75000"/>
-                        </a:schemeClr>
-                      </a:solidFill>
-                      <a:prstDash val="solid"/>
-                      <a:round/>
-                      <a:headEnd type="none" w="med" len="med"/>
-                      <a:tailEnd type="none" w="med" len="med"/>
-                    </a:lnR>
-                    <a:lnT w="12700" cap="flat" cmpd="sng" algn="ctr">
-                      <a:solidFill>
-                        <a:schemeClr val="accent6">
-                          <a:lumMod val="75000"/>
-                        </a:schemeClr>
-                      </a:solidFill>
-                      <a:prstDash val="solid"/>
-                      <a:round/>
-                      <a:headEnd type="none" w="med" len="med"/>
-                      <a:tailEnd type="none" w="med" len="med"/>
-                    </a:lnT>
-                    <a:lnB w="12700" cap="flat" cmpd="sng" algn="ctr">
-                      <a:solidFill>
-                        <a:schemeClr val="accent6">
-                          <a:lumMod val="75000"/>
-                        </a:schemeClr>
-                      </a:solidFill>
-                      <a:prstDash val="solid"/>
-                      <a:round/>
-                      <a:headEnd type="none" w="med" len="med"/>
-                      <a:tailEnd type="none" w="med" len="med"/>
-                    </a:lnB>
-                    <a:solidFill>
-                      <a:schemeClr val="accent6">
-                        <a:lumMod val="20000"/>
-                        <a:lumOff val="80000"/>
-                      </a:schemeClr>
-                    </a:solidFill>
-                  </a:tcPr>
-                </a:tc>
-                <a:tc>
-                  <a:txBody>
-                    <a:bodyPr/>
-                    <a:lstStyle/>
-                    <a:p>
-                      <a:pPr algn="ctr"/>
-                      <a:r>
-                        <a:rPr lang="en-US" altLang="zh-TW" baseline="0" dirty="0">
-                          <a:solidFill>
-                            <a:schemeClr val="tx1"/>
-                          </a:solidFill>
-                          <a:latin typeface="Times New Roman" panose="02020603050405020304" pitchFamily="18" charset="0"/>
-                          <a:ea typeface="標楷體" panose="03000509000000000000" pitchFamily="65" charset="-120"/>
-                        </a:rPr>
-                        <a:t>(-103,851)</a:t>
-                      </a:r>
-                      <a:endParaRPr lang="zh-TW" altLang="en-US" baseline="0" dirty="0">
-                        <a:solidFill>
-                          <a:schemeClr val="tx1"/>
-                        </a:solidFill>
-                        <a:latin typeface="Times New Roman" panose="02020603050405020304" pitchFamily="18" charset="0"/>
-                        <a:ea typeface="標楷體" panose="03000509000000000000" pitchFamily="65" charset="-120"/>
-                      </a:endParaRPr>
-                    </a:p>
-                  </a:txBody>
-                  <a:tcPr anchor="ctr">
-                    <a:lnL w="12700" cap="flat" cmpd="sng" algn="ctr">
-                      <a:solidFill>
-                        <a:schemeClr val="accent6">
-                          <a:lumMod val="75000"/>
-                        </a:schemeClr>
-                      </a:solidFill>
-                      <a:prstDash val="solid"/>
-                      <a:round/>
-                      <a:headEnd type="none" w="med" len="med"/>
-                      <a:tailEnd type="none" w="med" len="med"/>
-                    </a:lnL>
-                    <a:lnR w="12700" cap="flat" cmpd="sng" algn="ctr">
-                      <a:solidFill>
-                        <a:schemeClr val="accent6">
-                          <a:lumMod val="75000"/>
-                        </a:schemeClr>
-                      </a:solidFill>
-                      <a:prstDash val="solid"/>
-                      <a:round/>
-                      <a:headEnd type="none" w="med" len="med"/>
-                      <a:tailEnd type="none" w="med" len="med"/>
-                    </a:lnR>
-                    <a:lnT w="12700" cap="flat" cmpd="sng" algn="ctr">
-                      <a:solidFill>
-                        <a:schemeClr val="accent6">
-                          <a:lumMod val="75000"/>
-                        </a:schemeClr>
-                      </a:solidFill>
-                      <a:prstDash val="solid"/>
-                      <a:round/>
-                      <a:headEnd type="none" w="med" len="med"/>
-                      <a:tailEnd type="none" w="med" len="med"/>
-                    </a:lnT>
-                    <a:lnB w="12700" cap="flat" cmpd="sng" algn="ctr">
-                      <a:solidFill>
-                        <a:schemeClr val="accent6">
-                          <a:lumMod val="75000"/>
-                        </a:schemeClr>
-                      </a:solidFill>
-                      <a:prstDash val="solid"/>
-                      <a:round/>
-                      <a:headEnd type="none" w="med" len="med"/>
-                      <a:tailEnd type="none" w="med" len="med"/>
-                    </a:lnB>
-                    <a:solidFill>
-                      <a:schemeClr val="accent6">
-                        <a:lumMod val="20000"/>
-                        <a:lumOff val="80000"/>
-                      </a:schemeClr>
-                    </a:solidFill>
-                  </a:tcPr>
-                </a:tc>
-                <a:extLst>
-                  <a:ext uri="{0D108BD9-81ED-4DB2-BD59-A6C34878D82A}">
-                    <a16:rowId xmlns:a16="http://schemas.microsoft.com/office/drawing/2014/main" val="83040936"/>
-                  </a:ext>
-                </a:extLst>
-              </a:tr>
-              <a:tr h="370840">
-                <a:tc>
-                  <a:txBody>
-                    <a:bodyPr/>
-                    <a:lstStyle/>
-                    <a:p>
-                      <a:pPr algn="ctr"/>
-                      <a:r>
-                        <a:rPr lang="zh-TW" altLang="en-US" baseline="0" dirty="0">
-                          <a:solidFill>
-                            <a:schemeClr val="tx1"/>
-                          </a:solidFill>
-                          <a:latin typeface="Times New Roman" panose="02020603050405020304" pitchFamily="18" charset="0"/>
-                          <a:ea typeface="標楷體" panose="03000509000000000000" pitchFamily="65" charset="-120"/>
-                        </a:rPr>
-                        <a:t>交易總次數</a:t>
-                      </a:r>
-                    </a:p>
-                  </a:txBody>
-                  <a:tcPr anchor="ctr">
-                    <a:lnL w="12700" cap="flat" cmpd="sng" algn="ctr">
-                      <a:solidFill>
-                        <a:schemeClr val="accent6">
-                          <a:lumMod val="75000"/>
-                        </a:schemeClr>
-                      </a:solidFill>
-                      <a:prstDash val="solid"/>
-                      <a:round/>
-                      <a:headEnd type="none" w="med" len="med"/>
-                      <a:tailEnd type="none" w="med" len="med"/>
-                    </a:lnL>
-                    <a:lnR w="12700" cap="flat" cmpd="sng" algn="ctr">
-                      <a:solidFill>
-                        <a:schemeClr val="accent6">
-                          <a:lumMod val="75000"/>
-                        </a:schemeClr>
-                      </a:solidFill>
-                      <a:prstDash val="solid"/>
-                      <a:round/>
-                      <a:headEnd type="none" w="med" len="med"/>
-                      <a:tailEnd type="none" w="med" len="med"/>
-                    </a:lnR>
-                    <a:lnT w="12700" cap="flat" cmpd="sng" algn="ctr">
-                      <a:solidFill>
-                        <a:schemeClr val="accent6">
-                          <a:lumMod val="75000"/>
-                        </a:schemeClr>
-                      </a:solidFill>
-                      <a:prstDash val="solid"/>
-                      <a:round/>
-                      <a:headEnd type="none" w="med" len="med"/>
-                      <a:tailEnd type="none" w="med" len="med"/>
-                    </a:lnT>
-                    <a:lnB w="12700" cap="flat" cmpd="sng" algn="ctr">
-                      <a:solidFill>
-                        <a:schemeClr val="accent6">
-                          <a:lumMod val="75000"/>
-                        </a:schemeClr>
-                      </a:solidFill>
-                      <a:prstDash val="solid"/>
-                      <a:round/>
-                      <a:headEnd type="none" w="med" len="med"/>
-                      <a:tailEnd type="none" w="med" len="med"/>
-                    </a:lnB>
-                    <a:solidFill>
-                      <a:srgbClr val="B2D3A4"/>
-                    </a:solidFill>
-                  </a:tcPr>
-                </a:tc>
-                <a:tc>
-                  <a:txBody>
-                    <a:bodyPr/>
-                    <a:lstStyle/>
-                    <a:p>
-                      <a:pPr algn="ctr"/>
-                      <a:r>
-                        <a:rPr lang="en-US" altLang="zh-TW" baseline="0" dirty="0">
-                          <a:solidFill>
-                            <a:schemeClr val="tx1"/>
-                          </a:solidFill>
-                          <a:latin typeface="Times New Roman" panose="02020603050405020304" pitchFamily="18" charset="0"/>
-                          <a:ea typeface="標楷體" panose="03000509000000000000" pitchFamily="65" charset="-120"/>
-                        </a:rPr>
-                        <a:t>53</a:t>
-                      </a:r>
-                      <a:endParaRPr lang="zh-TW" altLang="en-US" baseline="0" dirty="0">
-                        <a:solidFill>
-                          <a:schemeClr val="tx1"/>
-                        </a:solidFill>
-                        <a:latin typeface="Times New Roman" panose="02020603050405020304" pitchFamily="18" charset="0"/>
-                        <a:ea typeface="標楷體" panose="03000509000000000000" pitchFamily="65" charset="-120"/>
-                      </a:endParaRPr>
-                    </a:p>
-                  </a:txBody>
-                  <a:tcPr anchor="ctr">
-                    <a:lnL w="12700" cap="flat" cmpd="sng" algn="ctr">
-                      <a:solidFill>
-                        <a:schemeClr val="accent6">
-                          <a:lumMod val="75000"/>
-                        </a:schemeClr>
-                      </a:solidFill>
-                      <a:prstDash val="solid"/>
-                      <a:round/>
-                      <a:headEnd type="none" w="med" len="med"/>
-                      <a:tailEnd type="none" w="med" len="med"/>
-                    </a:lnL>
-                    <a:lnR w="12700" cap="flat" cmpd="sng" algn="ctr">
-                      <a:solidFill>
-                        <a:schemeClr val="accent6">
-                          <a:lumMod val="75000"/>
-                        </a:schemeClr>
-                      </a:solidFill>
-                      <a:prstDash val="solid"/>
-                      <a:round/>
-                      <a:headEnd type="none" w="med" len="med"/>
-                      <a:tailEnd type="none" w="med" len="med"/>
-                    </a:lnR>
-                    <a:lnT w="12700" cap="flat" cmpd="sng" algn="ctr">
-                      <a:solidFill>
-                        <a:schemeClr val="accent6">
-                          <a:lumMod val="75000"/>
-                        </a:schemeClr>
-                      </a:solidFill>
-                      <a:prstDash val="solid"/>
-                      <a:round/>
-                      <a:headEnd type="none" w="med" len="med"/>
-                      <a:tailEnd type="none" w="med" len="med"/>
-                    </a:lnT>
-                    <a:lnB w="12700" cap="flat" cmpd="sng" algn="ctr">
-                      <a:solidFill>
-                        <a:schemeClr val="accent6">
-                          <a:lumMod val="75000"/>
-                        </a:schemeClr>
-                      </a:solidFill>
-                      <a:prstDash val="solid"/>
-                      <a:round/>
-                      <a:headEnd type="none" w="med" len="med"/>
-                      <a:tailEnd type="none" w="med" len="med"/>
-                    </a:lnB>
-                    <a:solidFill>
-                      <a:schemeClr val="accent6">
-                        <a:lumMod val="20000"/>
-                        <a:lumOff val="80000"/>
-                      </a:schemeClr>
-                    </a:solidFill>
-                  </a:tcPr>
-                </a:tc>
-                <a:tc>
-                  <a:txBody>
-                    <a:bodyPr/>
-                    <a:lstStyle/>
-                    <a:p>
-                      <a:pPr algn="ctr"/>
-                      <a:r>
-                        <a:rPr lang="en-US" altLang="zh-TW" baseline="0" dirty="0">
-                          <a:solidFill>
-                            <a:schemeClr val="tx1"/>
-                          </a:solidFill>
-                          <a:latin typeface="Times New Roman" panose="02020603050405020304" pitchFamily="18" charset="0"/>
-                          <a:ea typeface="標楷體" panose="03000509000000000000" pitchFamily="65" charset="-120"/>
-                        </a:rPr>
-                        <a:t>19</a:t>
-                      </a:r>
-                      <a:endParaRPr lang="zh-TW" altLang="en-US" baseline="0" dirty="0">
-                        <a:solidFill>
-                          <a:schemeClr val="tx1"/>
-                        </a:solidFill>
-                        <a:latin typeface="Times New Roman" panose="02020603050405020304" pitchFamily="18" charset="0"/>
-                        <a:ea typeface="標楷體" panose="03000509000000000000" pitchFamily="65" charset="-120"/>
-                      </a:endParaRPr>
-                    </a:p>
-                  </a:txBody>
-                  <a:tcPr anchor="ctr">
-                    <a:lnL w="12700" cap="flat" cmpd="sng" algn="ctr">
-                      <a:solidFill>
-                        <a:schemeClr val="accent6">
-                          <a:lumMod val="75000"/>
-                        </a:schemeClr>
-                      </a:solidFill>
-                      <a:prstDash val="solid"/>
-                      <a:round/>
-                      <a:headEnd type="none" w="med" len="med"/>
-                      <a:tailEnd type="none" w="med" len="med"/>
-                    </a:lnL>
-                    <a:lnR w="12700" cap="flat" cmpd="sng" algn="ctr">
-                      <a:solidFill>
-                        <a:schemeClr val="accent6">
-                          <a:lumMod val="75000"/>
-                        </a:schemeClr>
-                      </a:solidFill>
-                      <a:prstDash val="solid"/>
-                      <a:round/>
-                      <a:headEnd type="none" w="med" len="med"/>
-                      <a:tailEnd type="none" w="med" len="med"/>
-                    </a:lnR>
-                    <a:lnT w="12700" cap="flat" cmpd="sng" algn="ctr">
-                      <a:solidFill>
-                        <a:schemeClr val="accent6">
-                          <a:lumMod val="75000"/>
-                        </a:schemeClr>
-                      </a:solidFill>
-                      <a:prstDash val="solid"/>
-                      <a:round/>
-                      <a:headEnd type="none" w="med" len="med"/>
-                      <a:tailEnd type="none" w="med" len="med"/>
-                    </a:lnT>
-                    <a:lnB w="12700" cap="flat" cmpd="sng" algn="ctr">
-                      <a:solidFill>
-                        <a:schemeClr val="accent6">
-                          <a:lumMod val="75000"/>
-                        </a:schemeClr>
-                      </a:solidFill>
-                      <a:prstDash val="solid"/>
-                      <a:round/>
-                      <a:headEnd type="none" w="med" len="med"/>
-                      <a:tailEnd type="none" w="med" len="med"/>
-                    </a:lnB>
-                    <a:solidFill>
-                      <a:schemeClr val="accent6">
-                        <a:lumMod val="20000"/>
-                        <a:lumOff val="80000"/>
-                      </a:schemeClr>
-                    </a:solidFill>
-                  </a:tcPr>
-                </a:tc>
-                <a:extLst>
-                  <a:ext uri="{0D108BD9-81ED-4DB2-BD59-A6C34878D82A}">
-                    <a16:rowId xmlns:a16="http://schemas.microsoft.com/office/drawing/2014/main" val="3364515437"/>
-                  </a:ext>
-                </a:extLst>
-              </a:tr>
-              <a:tr h="370840">
-                <a:tc>
-                  <a:txBody>
-                    <a:bodyPr/>
-                    <a:lstStyle/>
-                    <a:p>
-                      <a:pPr algn="ctr"/>
-                      <a:r>
-                        <a:rPr lang="zh-TW" altLang="en-US" baseline="0" dirty="0">
-                          <a:solidFill>
-                            <a:schemeClr val="tx1"/>
-                          </a:solidFill>
-                          <a:latin typeface="Times New Roman" panose="02020603050405020304" pitchFamily="18" charset="0"/>
-                          <a:ea typeface="標楷體" panose="03000509000000000000" pitchFamily="65" charset="-120"/>
-                        </a:rPr>
-                        <a:t>交易產生總費用</a:t>
-                      </a:r>
-                    </a:p>
-                  </a:txBody>
-                  <a:tcPr anchor="ctr">
-                    <a:lnL w="12700" cap="flat" cmpd="sng" algn="ctr">
-                      <a:solidFill>
-                        <a:schemeClr val="accent6">
-                          <a:lumMod val="75000"/>
-                        </a:schemeClr>
-                      </a:solidFill>
-                      <a:prstDash val="solid"/>
-                      <a:round/>
-                      <a:headEnd type="none" w="med" len="med"/>
-                      <a:tailEnd type="none" w="med" len="med"/>
-                    </a:lnL>
-                    <a:lnR w="12700" cap="flat" cmpd="sng" algn="ctr">
-                      <a:solidFill>
-                        <a:schemeClr val="accent6">
-                          <a:lumMod val="75000"/>
-                        </a:schemeClr>
-                      </a:solidFill>
-                      <a:prstDash val="solid"/>
-                      <a:round/>
-                      <a:headEnd type="none" w="med" len="med"/>
-                      <a:tailEnd type="none" w="med" len="med"/>
-                    </a:lnR>
-                    <a:lnT w="12700" cap="flat" cmpd="sng" algn="ctr">
-                      <a:solidFill>
-                        <a:schemeClr val="accent6">
-                          <a:lumMod val="75000"/>
-                        </a:schemeClr>
-                      </a:solidFill>
-                      <a:prstDash val="solid"/>
-                      <a:round/>
-                      <a:headEnd type="none" w="med" len="med"/>
-                      <a:tailEnd type="none" w="med" len="med"/>
-                    </a:lnT>
-                    <a:lnB w="12700" cap="flat" cmpd="sng" algn="ctr">
-                      <a:solidFill>
-                        <a:schemeClr val="accent6">
-                          <a:lumMod val="75000"/>
-                        </a:schemeClr>
-                      </a:solidFill>
-                      <a:prstDash val="solid"/>
-                      <a:round/>
-                      <a:headEnd type="none" w="med" len="med"/>
-                      <a:tailEnd type="none" w="med" len="med"/>
-                    </a:lnB>
-                    <a:solidFill>
-                      <a:srgbClr val="B2D3A4"/>
-                    </a:solidFill>
-                  </a:tcPr>
-                </a:tc>
-                <a:tc>
-                  <a:txBody>
-                    <a:bodyPr/>
-                    <a:lstStyle/>
-                    <a:p>
-                      <a:pPr algn="ctr"/>
-                      <a:r>
-                        <a:rPr lang="en-US" altLang="zh-TW" baseline="0" dirty="0">
-                          <a:solidFill>
-                            <a:schemeClr val="tx1"/>
-                          </a:solidFill>
-                          <a:latin typeface="Times New Roman" panose="02020603050405020304" pitchFamily="18" charset="0"/>
-                          <a:ea typeface="標楷體" panose="03000509000000000000" pitchFamily="65" charset="-120"/>
-                        </a:rPr>
-                        <a:t>(-89,355)</a:t>
-                      </a:r>
-                      <a:endParaRPr lang="zh-TW" altLang="en-US" baseline="0" dirty="0">
-                        <a:solidFill>
-                          <a:schemeClr val="tx1"/>
-                        </a:solidFill>
-                        <a:latin typeface="Times New Roman" panose="02020603050405020304" pitchFamily="18" charset="0"/>
-                        <a:ea typeface="標楷體" panose="03000509000000000000" pitchFamily="65" charset="-120"/>
-                      </a:endParaRPr>
-                    </a:p>
-                  </a:txBody>
-                  <a:tcPr anchor="ctr">
-                    <a:lnL w="12700" cap="flat" cmpd="sng" algn="ctr">
-                      <a:solidFill>
-                        <a:schemeClr val="accent6">
-                          <a:lumMod val="75000"/>
-                        </a:schemeClr>
-                      </a:solidFill>
-                      <a:prstDash val="solid"/>
-                      <a:round/>
-                      <a:headEnd type="none" w="med" len="med"/>
-                      <a:tailEnd type="none" w="med" len="med"/>
-                    </a:lnL>
-                    <a:lnR w="12700" cap="flat" cmpd="sng" algn="ctr">
-                      <a:solidFill>
-                        <a:schemeClr val="accent6">
-                          <a:lumMod val="75000"/>
-                        </a:schemeClr>
-                      </a:solidFill>
-                      <a:prstDash val="solid"/>
-                      <a:round/>
-                      <a:headEnd type="none" w="med" len="med"/>
-                      <a:tailEnd type="none" w="med" len="med"/>
-                    </a:lnR>
-                    <a:lnT w="12700" cap="flat" cmpd="sng" algn="ctr">
-                      <a:solidFill>
-                        <a:schemeClr val="accent6">
-                          <a:lumMod val="75000"/>
-                        </a:schemeClr>
-                      </a:solidFill>
-                      <a:prstDash val="solid"/>
-                      <a:round/>
-                      <a:headEnd type="none" w="med" len="med"/>
-                      <a:tailEnd type="none" w="med" len="med"/>
-                    </a:lnT>
-                    <a:lnB w="12700" cap="flat" cmpd="sng" algn="ctr">
-                      <a:solidFill>
-                        <a:schemeClr val="accent6">
-                          <a:lumMod val="75000"/>
-                        </a:schemeClr>
-                      </a:solidFill>
-                      <a:prstDash val="solid"/>
-                      <a:round/>
-                      <a:headEnd type="none" w="med" len="med"/>
-                      <a:tailEnd type="none" w="med" len="med"/>
-                    </a:lnB>
-                    <a:solidFill>
-                      <a:schemeClr val="accent6">
-                        <a:lumMod val="20000"/>
-                        <a:lumOff val="80000"/>
-                      </a:schemeClr>
-                    </a:solidFill>
-                  </a:tcPr>
-                </a:tc>
-                <a:tc>
-                  <a:txBody>
-                    <a:bodyPr/>
-                    <a:lstStyle/>
-                    <a:p>
-                      <a:pPr algn="ctr"/>
-                      <a:r>
-                        <a:rPr lang="en-US" altLang="zh-TW" baseline="0" dirty="0">
-                          <a:solidFill>
-                            <a:schemeClr val="tx1"/>
-                          </a:solidFill>
-                          <a:latin typeface="Times New Roman" panose="02020603050405020304" pitchFamily="18" charset="0"/>
-                          <a:ea typeface="標楷體" panose="03000509000000000000" pitchFamily="65" charset="-120"/>
-                        </a:rPr>
-                        <a:t>(-32,329)</a:t>
-                      </a:r>
-                      <a:endParaRPr lang="zh-TW" altLang="en-US" baseline="0" dirty="0">
-                        <a:solidFill>
-                          <a:schemeClr val="tx1"/>
-                        </a:solidFill>
-                        <a:latin typeface="Times New Roman" panose="02020603050405020304" pitchFamily="18" charset="0"/>
-                        <a:ea typeface="標楷體" panose="03000509000000000000" pitchFamily="65" charset="-120"/>
-                      </a:endParaRPr>
-                    </a:p>
-                  </a:txBody>
-                  <a:tcPr anchor="ctr">
-                    <a:lnL w="12700" cap="flat" cmpd="sng" algn="ctr">
-                      <a:solidFill>
-                        <a:schemeClr val="accent6">
-                          <a:lumMod val="75000"/>
-                        </a:schemeClr>
-                      </a:solidFill>
-                      <a:prstDash val="solid"/>
-                      <a:round/>
-                      <a:headEnd type="none" w="med" len="med"/>
-                      <a:tailEnd type="none" w="med" len="med"/>
-                    </a:lnL>
-                    <a:lnR w="12700" cap="flat" cmpd="sng" algn="ctr">
-                      <a:solidFill>
-                        <a:schemeClr val="accent6">
-                          <a:lumMod val="75000"/>
-                        </a:schemeClr>
-                      </a:solidFill>
-                      <a:prstDash val="solid"/>
-                      <a:round/>
-                      <a:headEnd type="none" w="med" len="med"/>
-                      <a:tailEnd type="none" w="med" len="med"/>
-                    </a:lnR>
-                    <a:lnT w="12700" cap="flat" cmpd="sng" algn="ctr">
-                      <a:solidFill>
-                        <a:schemeClr val="accent6">
-                          <a:lumMod val="75000"/>
-                        </a:schemeClr>
-                      </a:solidFill>
-                      <a:prstDash val="solid"/>
-                      <a:round/>
-                      <a:headEnd type="none" w="med" len="med"/>
-                      <a:tailEnd type="none" w="med" len="med"/>
-                    </a:lnT>
-                    <a:lnB w="12700" cap="flat" cmpd="sng" algn="ctr">
-                      <a:solidFill>
-                        <a:schemeClr val="accent6">
-                          <a:lumMod val="75000"/>
-                        </a:schemeClr>
-                      </a:solidFill>
-                      <a:prstDash val="solid"/>
-                      <a:round/>
-                      <a:headEnd type="none" w="med" len="med"/>
-                      <a:tailEnd type="none" w="med" len="med"/>
-                    </a:lnB>
-                    <a:solidFill>
-                      <a:schemeClr val="accent6">
-                        <a:lumMod val="20000"/>
-                        <a:lumOff val="80000"/>
-                      </a:schemeClr>
-                    </a:solidFill>
-                  </a:tcPr>
-                </a:tc>
-                <a:extLst>
-                  <a:ext uri="{0D108BD9-81ED-4DB2-BD59-A6C34878D82A}">
-                    <a16:rowId xmlns:a16="http://schemas.microsoft.com/office/drawing/2014/main" val="2159728735"/>
-                  </a:ext>
-                </a:extLst>
-              </a:tr>
-              <a:tr h="370840">
-                <a:tc>
-                  <a:txBody>
-                    <a:bodyPr/>
-                    <a:lstStyle/>
-                    <a:p>
-                      <a:pPr algn="ctr"/>
-                      <a:r>
-                        <a:rPr lang="zh-TW" altLang="en-US" baseline="0" dirty="0">
-                          <a:solidFill>
-                            <a:schemeClr val="tx1"/>
-                          </a:solidFill>
-                          <a:latin typeface="Times New Roman" panose="02020603050405020304" pitchFamily="18" charset="0"/>
-                          <a:ea typeface="標楷體" panose="03000509000000000000" pitchFamily="65" charset="-120"/>
-                        </a:rPr>
-                        <a:t>勝率</a:t>
-                      </a:r>
-                    </a:p>
-                  </a:txBody>
-                  <a:tcPr anchor="ctr">
-                    <a:lnL w="12700" cap="flat" cmpd="sng" algn="ctr">
-                      <a:solidFill>
-                        <a:schemeClr val="accent6">
-                          <a:lumMod val="75000"/>
-                        </a:schemeClr>
-                      </a:solidFill>
-                      <a:prstDash val="solid"/>
-                      <a:round/>
-                      <a:headEnd type="none" w="med" len="med"/>
-                      <a:tailEnd type="none" w="med" len="med"/>
-                    </a:lnL>
-                    <a:lnR w="12700" cap="flat" cmpd="sng" algn="ctr">
-                      <a:solidFill>
-                        <a:schemeClr val="accent6">
-                          <a:lumMod val="75000"/>
-                        </a:schemeClr>
-                      </a:solidFill>
-                      <a:prstDash val="solid"/>
-                      <a:round/>
-                      <a:headEnd type="none" w="med" len="med"/>
-                      <a:tailEnd type="none" w="med" len="med"/>
-                    </a:lnR>
-                    <a:lnT w="12700" cap="flat" cmpd="sng" algn="ctr">
-                      <a:solidFill>
-                        <a:schemeClr val="accent6">
-                          <a:lumMod val="75000"/>
-                        </a:schemeClr>
-                      </a:solidFill>
-                      <a:prstDash val="solid"/>
-                      <a:round/>
-                      <a:headEnd type="none" w="med" len="med"/>
-                      <a:tailEnd type="none" w="med" len="med"/>
-                    </a:lnT>
-                    <a:lnB w="12700" cap="flat" cmpd="sng" algn="ctr">
-                      <a:solidFill>
-                        <a:schemeClr val="accent6">
-                          <a:lumMod val="75000"/>
-                        </a:schemeClr>
-                      </a:solidFill>
-                      <a:prstDash val="solid"/>
-                      <a:round/>
-                      <a:headEnd type="none" w="med" len="med"/>
-                      <a:tailEnd type="none" w="med" len="med"/>
-                    </a:lnB>
-                    <a:solidFill>
-                      <a:srgbClr val="B2D3A4"/>
-                    </a:solidFill>
-                  </a:tcPr>
-                </a:tc>
-                <a:tc>
-                  <a:txBody>
-                    <a:bodyPr/>
-                    <a:lstStyle/>
-                    <a:p>
-                      <a:pPr algn="ctr"/>
-                      <a:r>
-                        <a:rPr lang="en-US" altLang="zh-TW" baseline="0" dirty="0">
-                          <a:solidFill>
-                            <a:schemeClr val="tx1"/>
-                          </a:solidFill>
-                          <a:latin typeface="Times New Roman" panose="02020603050405020304" pitchFamily="18" charset="0"/>
-                          <a:ea typeface="標楷體" panose="03000509000000000000" pitchFamily="65" charset="-120"/>
-                        </a:rPr>
-                        <a:t>20.75%</a:t>
-                      </a:r>
-                      <a:endParaRPr lang="zh-TW" altLang="en-US" baseline="0" dirty="0">
-                        <a:solidFill>
-                          <a:schemeClr val="tx1"/>
-                        </a:solidFill>
-                        <a:latin typeface="Times New Roman" panose="02020603050405020304" pitchFamily="18" charset="0"/>
-                        <a:ea typeface="標楷體" panose="03000509000000000000" pitchFamily="65" charset="-120"/>
-                      </a:endParaRPr>
-                    </a:p>
-                  </a:txBody>
-                  <a:tcPr anchor="ctr">
-                    <a:lnL w="12700" cap="flat" cmpd="sng" algn="ctr">
-                      <a:solidFill>
-                        <a:schemeClr val="accent6">
-                          <a:lumMod val="75000"/>
-                        </a:schemeClr>
-                      </a:solidFill>
-                      <a:prstDash val="solid"/>
-                      <a:round/>
-                      <a:headEnd type="none" w="med" len="med"/>
-                      <a:tailEnd type="none" w="med" len="med"/>
-                    </a:lnL>
-                    <a:lnR w="12700" cap="flat" cmpd="sng" algn="ctr">
-                      <a:solidFill>
-                        <a:schemeClr val="accent6">
-                          <a:lumMod val="75000"/>
-                        </a:schemeClr>
-                      </a:solidFill>
-                      <a:prstDash val="solid"/>
-                      <a:round/>
-                      <a:headEnd type="none" w="med" len="med"/>
-                      <a:tailEnd type="none" w="med" len="med"/>
-                    </a:lnR>
-                    <a:lnT w="12700" cap="flat" cmpd="sng" algn="ctr">
-                      <a:solidFill>
-                        <a:schemeClr val="accent6">
-                          <a:lumMod val="75000"/>
-                        </a:schemeClr>
-                      </a:solidFill>
-                      <a:prstDash val="solid"/>
-                      <a:round/>
-                      <a:headEnd type="none" w="med" len="med"/>
-                      <a:tailEnd type="none" w="med" len="med"/>
-                    </a:lnT>
-                    <a:lnB w="12700" cap="flat" cmpd="sng" algn="ctr">
-                      <a:solidFill>
-                        <a:schemeClr val="accent6">
-                          <a:lumMod val="75000"/>
-                        </a:schemeClr>
-                      </a:solidFill>
-                      <a:prstDash val="solid"/>
-                      <a:round/>
-                      <a:headEnd type="none" w="med" len="med"/>
-                      <a:tailEnd type="none" w="med" len="med"/>
-                    </a:lnB>
-                    <a:solidFill>
-                      <a:schemeClr val="accent6">
-                        <a:lumMod val="20000"/>
-                        <a:lumOff val="80000"/>
-                      </a:schemeClr>
-                    </a:solidFill>
-                  </a:tcPr>
-                </a:tc>
-                <a:tc>
-                  <a:txBody>
-                    <a:bodyPr/>
-                    <a:lstStyle/>
-                    <a:p>
-                      <a:pPr algn="ctr"/>
-                      <a:r>
-                        <a:rPr lang="en-US" altLang="zh-TW" baseline="0" dirty="0">
-                          <a:solidFill>
-                            <a:schemeClr val="tx1"/>
-                          </a:solidFill>
-                          <a:latin typeface="Times New Roman" panose="02020603050405020304" pitchFamily="18" charset="0"/>
-                          <a:ea typeface="標楷體" panose="03000509000000000000" pitchFamily="65" charset="-120"/>
-                        </a:rPr>
-                        <a:t>26.32%</a:t>
-                      </a:r>
-                      <a:endParaRPr lang="zh-TW" altLang="en-US" baseline="0" dirty="0">
-                        <a:solidFill>
-                          <a:schemeClr val="tx1"/>
-                        </a:solidFill>
-                        <a:latin typeface="Times New Roman" panose="02020603050405020304" pitchFamily="18" charset="0"/>
-                        <a:ea typeface="標楷體" panose="03000509000000000000" pitchFamily="65" charset="-120"/>
-                      </a:endParaRPr>
-                    </a:p>
-                  </a:txBody>
-                  <a:tcPr anchor="ctr">
-                    <a:lnL w="12700" cap="flat" cmpd="sng" algn="ctr">
-                      <a:solidFill>
-                        <a:schemeClr val="accent6">
-                          <a:lumMod val="75000"/>
-                        </a:schemeClr>
-                      </a:solidFill>
-                      <a:prstDash val="solid"/>
-                      <a:round/>
-                      <a:headEnd type="none" w="med" len="med"/>
-                      <a:tailEnd type="none" w="med" len="med"/>
-                    </a:lnL>
-                    <a:lnR w="12700" cap="flat" cmpd="sng" algn="ctr">
-                      <a:solidFill>
-                        <a:schemeClr val="accent6">
-                          <a:lumMod val="75000"/>
-                        </a:schemeClr>
-                      </a:solidFill>
-                      <a:prstDash val="solid"/>
-                      <a:round/>
-                      <a:headEnd type="none" w="med" len="med"/>
-                      <a:tailEnd type="none" w="med" len="med"/>
-                    </a:lnR>
-                    <a:lnT w="12700" cap="flat" cmpd="sng" algn="ctr">
-                      <a:solidFill>
-                        <a:schemeClr val="accent6">
-                          <a:lumMod val="75000"/>
-                        </a:schemeClr>
-                      </a:solidFill>
-                      <a:prstDash val="solid"/>
-                      <a:round/>
-                      <a:headEnd type="none" w="med" len="med"/>
-                      <a:tailEnd type="none" w="med" len="med"/>
-                    </a:lnT>
-                    <a:lnB w="12700" cap="flat" cmpd="sng" algn="ctr">
-                      <a:solidFill>
-                        <a:schemeClr val="accent6">
-                          <a:lumMod val="75000"/>
-                        </a:schemeClr>
-                      </a:solidFill>
-                      <a:prstDash val="solid"/>
-                      <a:round/>
-                      <a:headEnd type="none" w="med" len="med"/>
-                      <a:tailEnd type="none" w="med" len="med"/>
-                    </a:lnB>
-                    <a:solidFill>
-                      <a:schemeClr val="accent6">
-                        <a:lumMod val="20000"/>
-                        <a:lumOff val="80000"/>
-                      </a:schemeClr>
-                    </a:solidFill>
-                  </a:tcPr>
-                </a:tc>
-                <a:extLst>
-                  <a:ext uri="{0D108BD9-81ED-4DB2-BD59-A6C34878D82A}">
-                    <a16:rowId xmlns:a16="http://schemas.microsoft.com/office/drawing/2014/main" val="2854323263"/>
-                  </a:ext>
-                </a:extLst>
-              </a:tr>
-              <a:tr h="370840">
-                <a:tc>
-                  <a:txBody>
-                    <a:bodyPr/>
-                    <a:lstStyle/>
-                    <a:p>
-                      <a:pPr algn="ctr"/>
-                      <a:r>
-                        <a:rPr lang="zh-TW" altLang="en-US" baseline="0" dirty="0">
-                          <a:solidFill>
-                            <a:schemeClr val="tx1"/>
-                          </a:solidFill>
-                          <a:latin typeface="Times New Roman" panose="02020603050405020304" pitchFamily="18" charset="0"/>
-                          <a:ea typeface="標楷體" panose="03000509000000000000" pitchFamily="65" charset="-120"/>
-                        </a:rPr>
-                        <a:t>最大損失</a:t>
-                      </a:r>
-                    </a:p>
-                  </a:txBody>
-                  <a:tcPr anchor="ctr">
-                    <a:lnL w="12700" cap="flat" cmpd="sng" algn="ctr">
-                      <a:solidFill>
-                        <a:schemeClr val="accent6">
-                          <a:lumMod val="75000"/>
-                        </a:schemeClr>
-                      </a:solidFill>
-                      <a:prstDash val="solid"/>
-                      <a:round/>
-                      <a:headEnd type="none" w="med" len="med"/>
-                      <a:tailEnd type="none" w="med" len="med"/>
-                    </a:lnL>
-                    <a:lnR w="12700" cap="flat" cmpd="sng" algn="ctr">
-                      <a:solidFill>
-                        <a:schemeClr val="accent6">
-                          <a:lumMod val="75000"/>
-                        </a:schemeClr>
-                      </a:solidFill>
-                      <a:prstDash val="solid"/>
-                      <a:round/>
-                      <a:headEnd type="none" w="med" len="med"/>
-                      <a:tailEnd type="none" w="med" len="med"/>
-                    </a:lnR>
-                    <a:lnT w="12700" cap="flat" cmpd="sng" algn="ctr">
-                      <a:solidFill>
-                        <a:schemeClr val="accent6">
-                          <a:lumMod val="75000"/>
-                        </a:schemeClr>
-                      </a:solidFill>
-                      <a:prstDash val="solid"/>
-                      <a:round/>
-                      <a:headEnd type="none" w="med" len="med"/>
-                      <a:tailEnd type="none" w="med" len="med"/>
-                    </a:lnT>
-                    <a:lnB w="12700" cap="flat" cmpd="sng" algn="ctr">
-                      <a:solidFill>
-                        <a:schemeClr val="accent6">
-                          <a:lumMod val="75000"/>
-                        </a:schemeClr>
-                      </a:solidFill>
-                      <a:prstDash val="solid"/>
-                      <a:round/>
-                      <a:headEnd type="none" w="med" len="med"/>
-                      <a:tailEnd type="none" w="med" len="med"/>
-                    </a:lnB>
-                    <a:solidFill>
-                      <a:srgbClr val="B2D3A4"/>
-                    </a:solidFill>
-                  </a:tcPr>
-                </a:tc>
-                <a:tc>
-                  <a:txBody>
-                    <a:bodyPr/>
-                    <a:lstStyle/>
-                    <a:p>
-                      <a:pPr algn="ctr"/>
-                      <a:r>
-                        <a:rPr lang="en-US" altLang="zh-TW" baseline="0" dirty="0">
-                          <a:solidFill>
-                            <a:schemeClr val="tx1"/>
-                          </a:solidFill>
-                          <a:latin typeface="Times New Roman" panose="02020603050405020304" pitchFamily="18" charset="0"/>
-                          <a:ea typeface="標楷體" panose="03000509000000000000" pitchFamily="65" charset="-120"/>
-                        </a:rPr>
-                        <a:t>(-46,933)</a:t>
-                      </a:r>
-                      <a:endParaRPr lang="zh-TW" altLang="en-US" baseline="0" dirty="0">
-                        <a:solidFill>
-                          <a:schemeClr val="tx1"/>
-                        </a:solidFill>
-                        <a:latin typeface="Times New Roman" panose="02020603050405020304" pitchFamily="18" charset="0"/>
-                        <a:ea typeface="標楷體" panose="03000509000000000000" pitchFamily="65" charset="-120"/>
-                      </a:endParaRPr>
-                    </a:p>
-                  </a:txBody>
-                  <a:tcPr anchor="ctr">
-                    <a:lnL w="12700" cap="flat" cmpd="sng" algn="ctr">
-                      <a:solidFill>
-                        <a:schemeClr val="accent6">
-                          <a:lumMod val="75000"/>
-                        </a:schemeClr>
-                      </a:solidFill>
-                      <a:prstDash val="solid"/>
-                      <a:round/>
-                      <a:headEnd type="none" w="med" len="med"/>
-                      <a:tailEnd type="none" w="med" len="med"/>
-                    </a:lnL>
-                    <a:lnR w="12700" cap="flat" cmpd="sng" algn="ctr">
-                      <a:solidFill>
-                        <a:schemeClr val="accent6">
-                          <a:lumMod val="75000"/>
-                        </a:schemeClr>
-                      </a:solidFill>
-                      <a:prstDash val="solid"/>
-                      <a:round/>
-                      <a:headEnd type="none" w="med" len="med"/>
-                      <a:tailEnd type="none" w="med" len="med"/>
-                    </a:lnR>
-                    <a:lnT w="12700" cap="flat" cmpd="sng" algn="ctr">
-                      <a:solidFill>
-                        <a:schemeClr val="accent6">
-                          <a:lumMod val="75000"/>
-                        </a:schemeClr>
-                      </a:solidFill>
-                      <a:prstDash val="solid"/>
-                      <a:round/>
-                      <a:headEnd type="none" w="med" len="med"/>
-                      <a:tailEnd type="none" w="med" len="med"/>
-                    </a:lnT>
-                    <a:lnB w="12700" cap="flat" cmpd="sng" algn="ctr">
-                      <a:solidFill>
-                        <a:schemeClr val="accent6">
-                          <a:lumMod val="75000"/>
-                        </a:schemeClr>
-                      </a:solidFill>
-                      <a:prstDash val="solid"/>
-                      <a:round/>
-                      <a:headEnd type="none" w="med" len="med"/>
-                      <a:tailEnd type="none" w="med" len="med"/>
-                    </a:lnB>
-                    <a:solidFill>
-                      <a:schemeClr val="accent6">
-                        <a:lumMod val="20000"/>
-                        <a:lumOff val="80000"/>
-                      </a:schemeClr>
-                    </a:solidFill>
-                  </a:tcPr>
-                </a:tc>
-                <a:tc>
-                  <a:txBody>
-                    <a:bodyPr/>
-                    <a:lstStyle/>
-                    <a:p>
-                      <a:pPr algn="ctr"/>
-                      <a:r>
-                        <a:rPr lang="en-US" altLang="zh-TW" baseline="0" dirty="0">
-                          <a:solidFill>
-                            <a:schemeClr val="tx1"/>
-                          </a:solidFill>
-                          <a:latin typeface="Times New Roman" panose="02020603050405020304" pitchFamily="18" charset="0"/>
-                          <a:ea typeface="標楷體" panose="03000509000000000000" pitchFamily="65" charset="-120"/>
-                        </a:rPr>
-                        <a:t>(-28,958)</a:t>
-                      </a:r>
-                      <a:endParaRPr lang="zh-TW" altLang="en-US" baseline="0" dirty="0">
-                        <a:solidFill>
-                          <a:schemeClr val="tx1"/>
-                        </a:solidFill>
-                        <a:latin typeface="Times New Roman" panose="02020603050405020304" pitchFamily="18" charset="0"/>
-                        <a:ea typeface="標楷體" panose="03000509000000000000" pitchFamily="65" charset="-120"/>
-                      </a:endParaRPr>
-                    </a:p>
-                  </a:txBody>
-                  <a:tcPr anchor="ctr">
-                    <a:lnL w="12700" cap="flat" cmpd="sng" algn="ctr">
-                      <a:solidFill>
-                        <a:schemeClr val="accent6">
-                          <a:lumMod val="75000"/>
-                        </a:schemeClr>
-                      </a:solidFill>
-                      <a:prstDash val="solid"/>
-                      <a:round/>
-                      <a:headEnd type="none" w="med" len="med"/>
-                      <a:tailEnd type="none" w="med" len="med"/>
-                    </a:lnL>
-                    <a:lnR w="12700" cap="flat" cmpd="sng" algn="ctr">
-                      <a:solidFill>
-                        <a:schemeClr val="accent6">
-                          <a:lumMod val="75000"/>
-                        </a:schemeClr>
-                      </a:solidFill>
-                      <a:prstDash val="solid"/>
-                      <a:round/>
-                      <a:headEnd type="none" w="med" len="med"/>
-                      <a:tailEnd type="none" w="med" len="med"/>
-                    </a:lnR>
-                    <a:lnT w="12700" cap="flat" cmpd="sng" algn="ctr">
-                      <a:solidFill>
-                        <a:schemeClr val="accent6">
-                          <a:lumMod val="75000"/>
-                        </a:schemeClr>
-                      </a:solidFill>
-                      <a:prstDash val="solid"/>
-                      <a:round/>
-                      <a:headEnd type="none" w="med" len="med"/>
-                      <a:tailEnd type="none" w="med" len="med"/>
-                    </a:lnT>
-                    <a:lnB w="12700" cap="flat" cmpd="sng" algn="ctr">
-                      <a:solidFill>
-                        <a:schemeClr val="accent6">
-                          <a:lumMod val="75000"/>
-                        </a:schemeClr>
-                      </a:solidFill>
-                      <a:prstDash val="solid"/>
-                      <a:round/>
-                      <a:headEnd type="none" w="med" len="med"/>
-                      <a:tailEnd type="none" w="med" len="med"/>
-                    </a:lnB>
-                    <a:solidFill>
-                      <a:schemeClr val="accent6">
-                        <a:lumMod val="20000"/>
-                        <a:lumOff val="80000"/>
-                      </a:schemeClr>
-                    </a:solidFill>
-                  </a:tcPr>
-                </a:tc>
-                <a:extLst>
-                  <a:ext uri="{0D108BD9-81ED-4DB2-BD59-A6C34878D82A}">
-                    <a16:rowId xmlns:a16="http://schemas.microsoft.com/office/drawing/2014/main" val="3953125328"/>
-                  </a:ext>
-                </a:extLst>
-              </a:tr>
-              <a:tr h="370840">
-                <a:tc>
-                  <a:txBody>
-                    <a:bodyPr/>
-                    <a:lstStyle/>
-                    <a:p>
-                      <a:pPr algn="ctr"/>
-                      <a:r>
-                        <a:rPr lang="zh-TW" altLang="en-US" baseline="0" dirty="0">
-                          <a:solidFill>
-                            <a:schemeClr val="tx1"/>
-                          </a:solidFill>
-                          <a:latin typeface="Times New Roman" panose="02020603050405020304" pitchFamily="18" charset="0"/>
-                          <a:ea typeface="標楷體" panose="03000509000000000000" pitchFamily="65" charset="-120"/>
-                        </a:rPr>
-                        <a:t>最大獲利</a:t>
-                      </a:r>
-                    </a:p>
-                  </a:txBody>
-                  <a:tcPr anchor="ctr">
-                    <a:lnL w="12700" cap="flat" cmpd="sng" algn="ctr">
-                      <a:solidFill>
-                        <a:schemeClr val="accent6">
-                          <a:lumMod val="75000"/>
-                        </a:schemeClr>
-                      </a:solidFill>
-                      <a:prstDash val="solid"/>
-                      <a:round/>
-                      <a:headEnd type="none" w="med" len="med"/>
-                      <a:tailEnd type="none" w="med" len="med"/>
-                    </a:lnL>
-                    <a:lnR w="12700" cap="flat" cmpd="sng" algn="ctr">
-                      <a:solidFill>
-                        <a:schemeClr val="accent6">
-                          <a:lumMod val="75000"/>
-                        </a:schemeClr>
-                      </a:solidFill>
-                      <a:prstDash val="solid"/>
-                      <a:round/>
-                      <a:headEnd type="none" w="med" len="med"/>
-                      <a:tailEnd type="none" w="med" len="med"/>
-                    </a:lnR>
-                    <a:lnT w="12700" cap="flat" cmpd="sng" algn="ctr">
-                      <a:solidFill>
-                        <a:schemeClr val="accent6">
-                          <a:lumMod val="75000"/>
-                        </a:schemeClr>
-                      </a:solidFill>
-                      <a:prstDash val="solid"/>
-                      <a:round/>
-                      <a:headEnd type="none" w="med" len="med"/>
-                      <a:tailEnd type="none" w="med" len="med"/>
-                    </a:lnT>
-                    <a:lnB w="12700" cap="flat" cmpd="sng" algn="ctr">
-                      <a:solidFill>
-                        <a:schemeClr val="accent6">
-                          <a:lumMod val="75000"/>
-                        </a:schemeClr>
-                      </a:solidFill>
-                      <a:prstDash val="solid"/>
-                      <a:round/>
-                      <a:headEnd type="none" w="med" len="med"/>
-                      <a:tailEnd type="none" w="med" len="med"/>
-                    </a:lnB>
-                    <a:solidFill>
-                      <a:srgbClr val="B2D3A4"/>
-                    </a:solidFill>
-                  </a:tcPr>
-                </a:tc>
-                <a:tc>
-                  <a:txBody>
-                    <a:bodyPr/>
-                    <a:lstStyle/>
-                    <a:p>
-                      <a:pPr algn="ctr"/>
-                      <a:r>
-                        <a:rPr lang="en-US" altLang="zh-TW" baseline="0" dirty="0">
-                          <a:solidFill>
-                            <a:schemeClr val="tx1"/>
-                          </a:solidFill>
-                          <a:latin typeface="Times New Roman" panose="02020603050405020304" pitchFamily="18" charset="0"/>
-                          <a:ea typeface="標楷體" panose="03000509000000000000" pitchFamily="65" charset="-120"/>
-                        </a:rPr>
-                        <a:t>33,952</a:t>
-                      </a:r>
-                      <a:endParaRPr lang="zh-TW" altLang="en-US" baseline="0" dirty="0">
-                        <a:solidFill>
-                          <a:schemeClr val="tx1"/>
-                        </a:solidFill>
-                        <a:latin typeface="Times New Roman" panose="02020603050405020304" pitchFamily="18" charset="0"/>
-                        <a:ea typeface="標楷體" panose="03000509000000000000" pitchFamily="65" charset="-120"/>
-                      </a:endParaRPr>
-                    </a:p>
-                  </a:txBody>
-                  <a:tcPr anchor="ctr">
-                    <a:lnL w="12700" cap="flat" cmpd="sng" algn="ctr">
-                      <a:solidFill>
-                        <a:schemeClr val="accent6">
-                          <a:lumMod val="75000"/>
-                        </a:schemeClr>
-                      </a:solidFill>
-                      <a:prstDash val="solid"/>
-                      <a:round/>
-                      <a:headEnd type="none" w="med" len="med"/>
-                      <a:tailEnd type="none" w="med" len="med"/>
-                    </a:lnL>
-                    <a:lnR w="12700" cap="flat" cmpd="sng" algn="ctr">
-                      <a:solidFill>
-                        <a:schemeClr val="accent6">
-                          <a:lumMod val="75000"/>
-                        </a:schemeClr>
-                      </a:solidFill>
-                      <a:prstDash val="solid"/>
-                      <a:round/>
-                      <a:headEnd type="none" w="med" len="med"/>
-                      <a:tailEnd type="none" w="med" len="med"/>
-                    </a:lnR>
-                    <a:lnT w="12700" cap="flat" cmpd="sng" algn="ctr">
-                      <a:solidFill>
-                        <a:schemeClr val="accent6">
-                          <a:lumMod val="75000"/>
-                        </a:schemeClr>
-                      </a:solidFill>
-                      <a:prstDash val="solid"/>
-                      <a:round/>
-                      <a:headEnd type="none" w="med" len="med"/>
-                      <a:tailEnd type="none" w="med" len="med"/>
-                    </a:lnT>
-                    <a:lnB w="12700" cap="flat" cmpd="sng" algn="ctr">
-                      <a:solidFill>
-                        <a:schemeClr val="accent6">
-                          <a:lumMod val="75000"/>
-                        </a:schemeClr>
-                      </a:solidFill>
-                      <a:prstDash val="solid"/>
-                      <a:round/>
-                      <a:headEnd type="none" w="med" len="med"/>
-                      <a:tailEnd type="none" w="med" len="med"/>
-                    </a:lnB>
-                    <a:solidFill>
-                      <a:schemeClr val="accent6">
-                        <a:lumMod val="20000"/>
-                        <a:lumOff val="80000"/>
-                      </a:schemeClr>
-                    </a:solidFill>
-                  </a:tcPr>
-                </a:tc>
-                <a:tc>
-                  <a:txBody>
-                    <a:bodyPr/>
-                    <a:lstStyle/>
-                    <a:p>
-                      <a:pPr algn="ctr"/>
-                      <a:r>
-                        <a:rPr lang="en-US" altLang="zh-TW" baseline="0" dirty="0">
-                          <a:solidFill>
-                            <a:schemeClr val="tx1"/>
-                          </a:solidFill>
-                          <a:latin typeface="Times New Roman" panose="02020603050405020304" pitchFamily="18" charset="0"/>
-                          <a:ea typeface="標楷體" panose="03000509000000000000" pitchFamily="65" charset="-120"/>
-                        </a:rPr>
-                        <a:t>50,927</a:t>
-                      </a:r>
-                      <a:endParaRPr lang="zh-TW" altLang="en-US" baseline="0" dirty="0">
-                        <a:solidFill>
-                          <a:schemeClr val="tx1"/>
-                        </a:solidFill>
-                        <a:latin typeface="Times New Roman" panose="02020603050405020304" pitchFamily="18" charset="0"/>
-                        <a:ea typeface="標楷體" panose="03000509000000000000" pitchFamily="65" charset="-120"/>
-                      </a:endParaRPr>
-                    </a:p>
-                  </a:txBody>
-                  <a:tcPr anchor="ctr">
-                    <a:lnL w="12700" cap="flat" cmpd="sng" algn="ctr">
-                      <a:solidFill>
-                        <a:schemeClr val="accent6">
-                          <a:lumMod val="75000"/>
-                        </a:schemeClr>
-                      </a:solidFill>
-                      <a:prstDash val="solid"/>
-                      <a:round/>
-                      <a:headEnd type="none" w="med" len="med"/>
-                      <a:tailEnd type="none" w="med" len="med"/>
-                    </a:lnL>
-                    <a:lnR w="12700" cap="flat" cmpd="sng" algn="ctr">
-                      <a:solidFill>
-                        <a:schemeClr val="accent6">
-                          <a:lumMod val="75000"/>
-                        </a:schemeClr>
-                      </a:solidFill>
-                      <a:prstDash val="solid"/>
-                      <a:round/>
-                      <a:headEnd type="none" w="med" len="med"/>
-                      <a:tailEnd type="none" w="med" len="med"/>
-                    </a:lnR>
-                    <a:lnT w="12700" cap="flat" cmpd="sng" algn="ctr">
-                      <a:solidFill>
-                        <a:schemeClr val="accent6">
-                          <a:lumMod val="75000"/>
-                        </a:schemeClr>
-                      </a:solidFill>
-                      <a:prstDash val="solid"/>
-                      <a:round/>
-                      <a:headEnd type="none" w="med" len="med"/>
-                      <a:tailEnd type="none" w="med" len="med"/>
-                    </a:lnT>
-                    <a:lnB w="12700" cap="flat" cmpd="sng" algn="ctr">
-                      <a:solidFill>
-                        <a:schemeClr val="accent6">
-                          <a:lumMod val="75000"/>
-                        </a:schemeClr>
-                      </a:solidFill>
-                      <a:prstDash val="solid"/>
-                      <a:round/>
-                      <a:headEnd type="none" w="med" len="med"/>
-                      <a:tailEnd type="none" w="med" len="med"/>
-                    </a:lnB>
-                    <a:solidFill>
-                      <a:schemeClr val="accent6">
-                        <a:lumMod val="20000"/>
-                        <a:lumOff val="80000"/>
-                      </a:schemeClr>
-                    </a:solidFill>
-                  </a:tcPr>
-                </a:tc>
-                <a:extLst>
-                  <a:ext uri="{0D108BD9-81ED-4DB2-BD59-A6C34878D82A}">
-                    <a16:rowId xmlns:a16="http://schemas.microsoft.com/office/drawing/2014/main" val="2532811634"/>
-                  </a:ext>
-                </a:extLst>
-              </a:tr>
-              <a:tr h="370840">
-                <a:tc>
-                  <a:txBody>
-                    <a:bodyPr/>
-                    <a:lstStyle/>
-                    <a:p>
-                      <a:pPr algn="ctr"/>
-                      <a:r>
-                        <a:rPr lang="zh-TW" altLang="en-US" baseline="0" dirty="0">
-                          <a:solidFill>
-                            <a:schemeClr val="tx1"/>
-                          </a:solidFill>
-                          <a:latin typeface="Times New Roman" panose="02020603050405020304" pitchFamily="18" charset="0"/>
-                          <a:ea typeface="標楷體" panose="03000509000000000000" pitchFamily="65" charset="-120"/>
-                        </a:rPr>
-                        <a:t>投資報酬率</a:t>
-                      </a:r>
-                    </a:p>
-                  </a:txBody>
-                  <a:tcPr anchor="ctr">
-                    <a:lnL w="12700" cap="flat" cmpd="sng" algn="ctr">
-                      <a:solidFill>
-                        <a:schemeClr val="accent6">
-                          <a:lumMod val="75000"/>
-                        </a:schemeClr>
-                      </a:solidFill>
-                      <a:prstDash val="solid"/>
-                      <a:round/>
-                      <a:headEnd type="none" w="med" len="med"/>
-                      <a:tailEnd type="none" w="med" len="med"/>
-                    </a:lnL>
-                    <a:lnR w="12700" cap="flat" cmpd="sng" algn="ctr">
-                      <a:solidFill>
-                        <a:schemeClr val="accent6">
-                          <a:lumMod val="75000"/>
-                        </a:schemeClr>
-                      </a:solidFill>
-                      <a:prstDash val="solid"/>
-                      <a:round/>
-                      <a:headEnd type="none" w="med" len="med"/>
-                      <a:tailEnd type="none" w="med" len="med"/>
-                    </a:lnR>
-                    <a:lnT w="12700" cap="flat" cmpd="sng" algn="ctr">
-                      <a:solidFill>
-                        <a:schemeClr val="accent6">
-                          <a:lumMod val="75000"/>
-                        </a:schemeClr>
-                      </a:solidFill>
-                      <a:prstDash val="solid"/>
-                      <a:round/>
-                      <a:headEnd type="none" w="med" len="med"/>
-                      <a:tailEnd type="none" w="med" len="med"/>
-                    </a:lnT>
-                    <a:lnB w="12700" cap="flat" cmpd="sng" algn="ctr">
-                      <a:solidFill>
-                        <a:schemeClr val="accent6">
-                          <a:lumMod val="75000"/>
-                        </a:schemeClr>
-                      </a:solidFill>
-                      <a:prstDash val="solid"/>
-                      <a:round/>
-                      <a:headEnd type="none" w="med" len="med"/>
-                      <a:tailEnd type="none" w="med" len="med"/>
-                    </a:lnB>
-                    <a:solidFill>
-                      <a:srgbClr val="B2D3A4"/>
-                    </a:solidFill>
-                  </a:tcPr>
-                </a:tc>
-                <a:tc>
-                  <a:txBody>
-                    <a:bodyPr/>
-                    <a:lstStyle/>
-                    <a:p>
-                      <a:pPr algn="ctr"/>
-                      <a:r>
-                        <a:rPr lang="en-US" altLang="zh-TW" baseline="0" dirty="0">
-                          <a:solidFill>
-                            <a:schemeClr val="tx1"/>
-                          </a:solidFill>
-                          <a:latin typeface="Times New Roman" panose="02020603050405020304" pitchFamily="18" charset="0"/>
-                          <a:ea typeface="標楷體" panose="03000509000000000000" pitchFamily="65" charset="-120"/>
-                        </a:rPr>
-                        <a:t>(-51.15%)</a:t>
-                      </a:r>
-                      <a:endParaRPr lang="zh-TW" altLang="en-US" baseline="0" dirty="0">
-                        <a:solidFill>
-                          <a:schemeClr val="tx1"/>
-                        </a:solidFill>
-                        <a:latin typeface="Times New Roman" panose="02020603050405020304" pitchFamily="18" charset="0"/>
-                        <a:ea typeface="標楷體" panose="03000509000000000000" pitchFamily="65" charset="-120"/>
-                      </a:endParaRPr>
-                    </a:p>
-                  </a:txBody>
-                  <a:tcPr anchor="ctr">
-                    <a:lnL w="12700" cap="flat" cmpd="sng" algn="ctr">
-                      <a:solidFill>
-                        <a:schemeClr val="accent6">
-                          <a:lumMod val="75000"/>
-                        </a:schemeClr>
-                      </a:solidFill>
-                      <a:prstDash val="solid"/>
-                      <a:round/>
-                      <a:headEnd type="none" w="med" len="med"/>
-                      <a:tailEnd type="none" w="med" len="med"/>
-                    </a:lnL>
-                    <a:lnR w="12700" cap="flat" cmpd="sng" algn="ctr">
-                      <a:solidFill>
-                        <a:schemeClr val="accent6">
-                          <a:lumMod val="75000"/>
-                        </a:schemeClr>
-                      </a:solidFill>
-                      <a:prstDash val="solid"/>
-                      <a:round/>
-                      <a:headEnd type="none" w="med" len="med"/>
-                      <a:tailEnd type="none" w="med" len="med"/>
-                    </a:lnR>
-                    <a:lnT w="12700" cap="flat" cmpd="sng" algn="ctr">
-                      <a:solidFill>
-                        <a:schemeClr val="accent6">
-                          <a:lumMod val="75000"/>
-                        </a:schemeClr>
-                      </a:solidFill>
-                      <a:prstDash val="solid"/>
-                      <a:round/>
-                      <a:headEnd type="none" w="med" len="med"/>
-                      <a:tailEnd type="none" w="med" len="med"/>
-                    </a:lnT>
-                    <a:lnB w="12700" cap="flat" cmpd="sng" algn="ctr">
-                      <a:solidFill>
-                        <a:schemeClr val="accent6">
-                          <a:lumMod val="75000"/>
-                        </a:schemeClr>
-                      </a:solidFill>
-                      <a:prstDash val="solid"/>
-                      <a:round/>
-                      <a:headEnd type="none" w="med" len="med"/>
-                      <a:tailEnd type="none" w="med" len="med"/>
-                    </a:lnB>
-                    <a:solidFill>
-                      <a:schemeClr val="accent6">
-                        <a:lumMod val="20000"/>
-                        <a:lumOff val="80000"/>
-                      </a:schemeClr>
-                    </a:solidFill>
-                  </a:tcPr>
-                </a:tc>
-                <a:tc>
-                  <a:txBody>
-                    <a:bodyPr/>
-                    <a:lstStyle/>
-                    <a:p>
-                      <a:pPr algn="ctr"/>
-                      <a:r>
-                        <a:rPr lang="en-US" altLang="zh-TW" baseline="0" dirty="0">
-                          <a:solidFill>
-                            <a:schemeClr val="tx1"/>
-                          </a:solidFill>
-                          <a:latin typeface="Times New Roman" panose="02020603050405020304" pitchFamily="18" charset="0"/>
-                          <a:ea typeface="標楷體" panose="03000509000000000000" pitchFamily="65" charset="-120"/>
-                        </a:rPr>
-                        <a:t>(-16.38%)</a:t>
-                      </a:r>
-                      <a:endParaRPr lang="zh-TW" altLang="en-US" baseline="0" dirty="0">
-                        <a:solidFill>
-                          <a:schemeClr val="tx1"/>
-                        </a:solidFill>
-                        <a:latin typeface="Times New Roman" panose="02020603050405020304" pitchFamily="18" charset="0"/>
-                        <a:ea typeface="標楷體" panose="03000509000000000000" pitchFamily="65" charset="-120"/>
-                      </a:endParaRPr>
-                    </a:p>
-                  </a:txBody>
-                  <a:tcPr anchor="ctr">
-                    <a:lnL w="12700" cap="flat" cmpd="sng" algn="ctr">
-                      <a:solidFill>
-                        <a:schemeClr val="accent6">
-                          <a:lumMod val="75000"/>
-                        </a:schemeClr>
-                      </a:solidFill>
-                      <a:prstDash val="solid"/>
-                      <a:round/>
-                      <a:headEnd type="none" w="med" len="med"/>
-                      <a:tailEnd type="none" w="med" len="med"/>
-                    </a:lnL>
-                    <a:lnR w="12700" cap="flat" cmpd="sng" algn="ctr">
-                      <a:solidFill>
-                        <a:schemeClr val="accent6">
-                          <a:lumMod val="75000"/>
-                        </a:schemeClr>
-                      </a:solidFill>
-                      <a:prstDash val="solid"/>
-                      <a:round/>
-                      <a:headEnd type="none" w="med" len="med"/>
-                      <a:tailEnd type="none" w="med" len="med"/>
-                    </a:lnR>
-                    <a:lnT w="12700" cap="flat" cmpd="sng" algn="ctr">
-                      <a:solidFill>
-                        <a:schemeClr val="accent6">
-                          <a:lumMod val="75000"/>
-                        </a:schemeClr>
-                      </a:solidFill>
-                      <a:prstDash val="solid"/>
-                      <a:round/>
-                      <a:headEnd type="none" w="med" len="med"/>
-                      <a:tailEnd type="none" w="med" len="med"/>
-                    </a:lnT>
-                    <a:lnB w="12700" cap="flat" cmpd="sng" algn="ctr">
-                      <a:solidFill>
-                        <a:schemeClr val="accent6">
-                          <a:lumMod val="75000"/>
-                        </a:schemeClr>
-                      </a:solidFill>
-                      <a:prstDash val="solid"/>
-                      <a:round/>
-                      <a:headEnd type="none" w="med" len="med"/>
-                      <a:tailEnd type="none" w="med" len="med"/>
-                    </a:lnB>
-                    <a:solidFill>
-                      <a:schemeClr val="accent6">
-                        <a:lumMod val="20000"/>
-                        <a:lumOff val="80000"/>
-                      </a:schemeClr>
-                    </a:solidFill>
-                  </a:tcPr>
-                </a:tc>
-                <a:extLst>
-                  <a:ext uri="{0D108BD9-81ED-4DB2-BD59-A6C34878D82A}">
-                    <a16:rowId xmlns:a16="http://schemas.microsoft.com/office/drawing/2014/main" val="499546409"/>
-                  </a:ext>
-                </a:extLst>
-              </a:tr>
-              <a:tr h="370840">
-                <a:tc>
-                  <a:txBody>
-                    <a:bodyPr/>
-                    <a:lstStyle/>
-                    <a:p>
-                      <a:pPr algn="ctr"/>
-                      <a:r>
-                        <a:rPr lang="zh-TW" altLang="en-US" baseline="0" dirty="0">
-                          <a:solidFill>
-                            <a:schemeClr val="tx1"/>
-                          </a:solidFill>
-                          <a:latin typeface="Times New Roman" panose="02020603050405020304" pitchFamily="18" charset="0"/>
-                          <a:ea typeface="標楷體" panose="03000509000000000000" pitchFamily="65" charset="-120"/>
-                        </a:rPr>
-                        <a:t>平均交易報酬率</a:t>
-                      </a:r>
-                    </a:p>
-                  </a:txBody>
-                  <a:tcPr anchor="ctr">
-                    <a:lnL w="12700" cap="flat" cmpd="sng" algn="ctr">
-                      <a:solidFill>
-                        <a:schemeClr val="accent6">
-                          <a:lumMod val="75000"/>
-                        </a:schemeClr>
-                      </a:solidFill>
-                      <a:prstDash val="solid"/>
-                      <a:round/>
-                      <a:headEnd type="none" w="med" len="med"/>
-                      <a:tailEnd type="none" w="med" len="med"/>
-                    </a:lnL>
-                    <a:lnR w="12700" cap="flat" cmpd="sng" algn="ctr">
-                      <a:solidFill>
-                        <a:schemeClr val="accent6">
-                          <a:lumMod val="75000"/>
-                        </a:schemeClr>
-                      </a:solidFill>
-                      <a:prstDash val="solid"/>
-                      <a:round/>
-                      <a:headEnd type="none" w="med" len="med"/>
-                      <a:tailEnd type="none" w="med" len="med"/>
-                    </a:lnR>
-                    <a:lnT w="12700" cap="flat" cmpd="sng" algn="ctr">
-                      <a:solidFill>
-                        <a:schemeClr val="accent6">
-                          <a:lumMod val="75000"/>
-                        </a:schemeClr>
-                      </a:solidFill>
-                      <a:prstDash val="solid"/>
-                      <a:round/>
-                      <a:headEnd type="none" w="med" len="med"/>
-                      <a:tailEnd type="none" w="med" len="med"/>
-                    </a:lnT>
-                    <a:lnB w="12700" cap="flat" cmpd="sng" algn="ctr">
-                      <a:solidFill>
-                        <a:schemeClr val="accent6">
-                          <a:lumMod val="75000"/>
-                        </a:schemeClr>
-                      </a:solidFill>
-                      <a:prstDash val="solid"/>
-                      <a:round/>
-                      <a:headEnd type="none" w="med" len="med"/>
-                      <a:tailEnd type="none" w="med" len="med"/>
-                    </a:lnB>
-                    <a:solidFill>
-                      <a:srgbClr val="B2D3A4"/>
-                    </a:solidFill>
-                  </a:tcPr>
-                </a:tc>
-                <a:tc>
-                  <a:txBody>
-                    <a:bodyPr/>
-                    <a:lstStyle/>
-                    <a:p>
-                      <a:pPr algn="ctr"/>
-                      <a:r>
-                        <a:rPr lang="en-US" altLang="zh-TW" baseline="0" dirty="0">
-                          <a:solidFill>
-                            <a:schemeClr val="tx1"/>
-                          </a:solidFill>
-                          <a:latin typeface="Times New Roman" panose="02020603050405020304" pitchFamily="18" charset="0"/>
-                          <a:ea typeface="標楷體" panose="03000509000000000000" pitchFamily="65" charset="-120"/>
-                        </a:rPr>
-                        <a:t>(-0.97%)</a:t>
-                      </a:r>
-                      <a:endParaRPr lang="zh-TW" altLang="en-US" baseline="0" dirty="0">
-                        <a:solidFill>
-                          <a:schemeClr val="tx1"/>
-                        </a:solidFill>
-                        <a:latin typeface="Times New Roman" panose="02020603050405020304" pitchFamily="18" charset="0"/>
-                        <a:ea typeface="標楷體" panose="03000509000000000000" pitchFamily="65" charset="-120"/>
-                      </a:endParaRPr>
-                    </a:p>
-                  </a:txBody>
-                  <a:tcPr anchor="ctr">
-                    <a:lnL w="12700" cap="flat" cmpd="sng" algn="ctr">
-                      <a:solidFill>
-                        <a:schemeClr val="accent6">
-                          <a:lumMod val="75000"/>
-                        </a:schemeClr>
-                      </a:solidFill>
-                      <a:prstDash val="solid"/>
-                      <a:round/>
-                      <a:headEnd type="none" w="med" len="med"/>
-                      <a:tailEnd type="none" w="med" len="med"/>
-                    </a:lnL>
-                    <a:lnR w="12700" cap="flat" cmpd="sng" algn="ctr">
-                      <a:solidFill>
-                        <a:schemeClr val="accent6">
-                          <a:lumMod val="75000"/>
-                        </a:schemeClr>
-                      </a:solidFill>
-                      <a:prstDash val="solid"/>
-                      <a:round/>
-                      <a:headEnd type="none" w="med" len="med"/>
-                      <a:tailEnd type="none" w="med" len="med"/>
-                    </a:lnR>
-                    <a:lnT w="12700" cap="flat" cmpd="sng" algn="ctr">
-                      <a:solidFill>
-                        <a:schemeClr val="accent6">
-                          <a:lumMod val="75000"/>
-                        </a:schemeClr>
-                      </a:solidFill>
-                      <a:prstDash val="solid"/>
-                      <a:round/>
-                      <a:headEnd type="none" w="med" len="med"/>
-                      <a:tailEnd type="none" w="med" len="med"/>
-                    </a:lnT>
-                    <a:lnB w="12700" cap="flat" cmpd="sng" algn="ctr">
-                      <a:solidFill>
-                        <a:schemeClr val="accent6">
-                          <a:lumMod val="75000"/>
-                        </a:schemeClr>
-                      </a:solidFill>
-                      <a:prstDash val="solid"/>
-                      <a:round/>
-                      <a:headEnd type="none" w="med" len="med"/>
-                      <a:tailEnd type="none" w="med" len="med"/>
-                    </a:lnB>
-                    <a:solidFill>
-                      <a:schemeClr val="accent6">
-                        <a:lumMod val="20000"/>
-                        <a:lumOff val="80000"/>
-                      </a:schemeClr>
-                    </a:solidFill>
-                  </a:tcPr>
-                </a:tc>
-                <a:tc>
-                  <a:txBody>
-                    <a:bodyPr/>
-                    <a:lstStyle/>
-                    <a:p>
-                      <a:pPr algn="ctr"/>
-                      <a:r>
-                        <a:rPr lang="en-US" altLang="zh-TW" baseline="0" dirty="0">
-                          <a:solidFill>
-                            <a:schemeClr val="tx1"/>
-                          </a:solidFill>
-                          <a:latin typeface="Times New Roman" panose="02020603050405020304" pitchFamily="18" charset="0"/>
-                          <a:ea typeface="標楷體" panose="03000509000000000000" pitchFamily="65" charset="-120"/>
-                        </a:rPr>
-                        <a:t>(-0.86%)</a:t>
-                      </a:r>
-                      <a:endParaRPr lang="zh-TW" altLang="en-US" baseline="0" dirty="0">
-                        <a:solidFill>
-                          <a:schemeClr val="tx1"/>
-                        </a:solidFill>
-                        <a:latin typeface="Times New Roman" panose="02020603050405020304" pitchFamily="18" charset="0"/>
-                        <a:ea typeface="標楷體" panose="03000509000000000000" pitchFamily="65" charset="-120"/>
-                      </a:endParaRPr>
-                    </a:p>
-                  </a:txBody>
-                  <a:tcPr anchor="ctr">
-                    <a:lnL w="12700" cap="flat" cmpd="sng" algn="ctr">
-                      <a:solidFill>
-                        <a:schemeClr val="accent6">
-                          <a:lumMod val="75000"/>
-                        </a:schemeClr>
-                      </a:solidFill>
-                      <a:prstDash val="solid"/>
-                      <a:round/>
-                      <a:headEnd type="none" w="med" len="med"/>
-                      <a:tailEnd type="none" w="med" len="med"/>
-                    </a:lnL>
-                    <a:lnR w="12700" cap="flat" cmpd="sng" algn="ctr">
-                      <a:solidFill>
-                        <a:schemeClr val="accent6">
-                          <a:lumMod val="75000"/>
-                        </a:schemeClr>
-                      </a:solidFill>
-                      <a:prstDash val="solid"/>
-                      <a:round/>
-                      <a:headEnd type="none" w="med" len="med"/>
-                      <a:tailEnd type="none" w="med" len="med"/>
-                    </a:lnR>
-                    <a:lnT w="12700" cap="flat" cmpd="sng" algn="ctr">
-                      <a:solidFill>
-                        <a:schemeClr val="accent6">
-                          <a:lumMod val="75000"/>
-                        </a:schemeClr>
-                      </a:solidFill>
-                      <a:prstDash val="solid"/>
-                      <a:round/>
-                      <a:headEnd type="none" w="med" len="med"/>
-                      <a:tailEnd type="none" w="med" len="med"/>
-                    </a:lnT>
-                    <a:lnB w="12700" cap="flat" cmpd="sng" algn="ctr">
-                      <a:solidFill>
-                        <a:schemeClr val="accent6">
-                          <a:lumMod val="75000"/>
-                        </a:schemeClr>
-                      </a:solidFill>
-                      <a:prstDash val="solid"/>
-                      <a:round/>
-                      <a:headEnd type="none" w="med" len="med"/>
-                      <a:tailEnd type="none" w="med" len="med"/>
-                    </a:lnB>
-                    <a:solidFill>
-                      <a:schemeClr val="accent6">
-                        <a:lumMod val="20000"/>
-                        <a:lumOff val="80000"/>
-                      </a:schemeClr>
-                    </a:solidFill>
-                  </a:tcPr>
-                </a:tc>
-                <a:extLst>
-                  <a:ext uri="{0D108BD9-81ED-4DB2-BD59-A6C34878D82A}">
-                    <a16:rowId xmlns:a16="http://schemas.microsoft.com/office/drawing/2014/main" val="1645390413"/>
-                  </a:ext>
-                </a:extLst>
-              </a:tr>
-            </a:tbl>
-          </a:graphicData>
-        </a:graphic>
-      </p:graphicFrame>
-    </p:spTree>
-    <p:extLst>
-      <p:ext uri="{BB962C8B-B14F-4D97-AF65-F5344CB8AC3E}">
-        <p14:creationId xmlns:p14="http://schemas.microsoft.com/office/powerpoint/2010/main" val="2898718121"/>
-      </p:ext>
-    </p:extLst>
-  </p:cSld>
-  <p:clrMapOvr>
-    <a:masterClrMapping/>
-  </p:clrMapOvr>
-</p:sld>
-</file>
-
-<file path=ppt/slides/slide29.xml><?xml version="1.0" encoding="utf-8"?>
-<p:sld xmlns:a="http://schemas.openxmlformats.org/drawingml/2006/main" xmlns:r="http://schemas.openxmlformats.org/officeDocument/2006/relationships" xmlns:p="http://schemas.openxmlformats.org/presentationml/2006/main">
-  <p:cSld>
-    <p:spTree>
-      <p:nvGrpSpPr>
-        <p:cNvPr id="1" name=""/>
-        <p:cNvGrpSpPr/>
-        <p:nvPr/>
-      </p:nvGrpSpPr>
-      <p:grpSpPr>
-        <a:xfrm>
-          <a:off x="0" y="0"/>
-          <a:ext cx="0" cy="0"/>
-          <a:chOff x="0" y="0"/>
-          <a:chExt cx="0" cy="0"/>
-        </a:xfrm>
-      </p:grpSpPr>
-      <p:sp>
-        <p:nvSpPr>
-          <p:cNvPr id="2" name="標題 1">
-            <a:extLst>
-              <a:ext uri="{FF2B5EF4-FFF2-40B4-BE49-F238E27FC236}">
-                <a16:creationId xmlns:a16="http://schemas.microsoft.com/office/drawing/2014/main" id="{46ABF1E5-B2E1-43AF-B4D0-9BF856511B82}"/>
-              </a:ext>
-            </a:extLst>
-          </p:cNvPr>
-          <p:cNvSpPr>
-            <a:spLocks noGrp="1"/>
-          </p:cNvSpPr>
-          <p:nvPr>
-            <p:ph type="title"/>
-          </p:nvPr>
-        </p:nvSpPr>
-        <p:spPr/>
-        <p:txBody>
-          <a:bodyPr/>
-          <a:lstStyle/>
-          <a:p>
-            <a:r>
-              <a:rPr lang="en-US" altLang="zh-TW" dirty="0"/>
-              <a:t>Conclusion</a:t>
-            </a:r>
-            <a:r>
-              <a:rPr lang="zh-TW" altLang="en-US" dirty="0"/>
-              <a:t> </a:t>
-            </a:r>
-            <a:r>
-              <a:rPr lang="en-US" altLang="zh-TW" dirty="0"/>
-              <a:t>(1/2)</a:t>
-            </a:r>
-            <a:endParaRPr lang="zh-TW" altLang="en-US" dirty="0"/>
-          </a:p>
-        </p:txBody>
-      </p:sp>
-      <p:sp>
-        <p:nvSpPr>
-          <p:cNvPr id="3" name="內容版面配置區 2">
-            <a:extLst>
-              <a:ext uri="{FF2B5EF4-FFF2-40B4-BE49-F238E27FC236}">
-                <a16:creationId xmlns:a16="http://schemas.microsoft.com/office/drawing/2014/main" id="{CCCD19C2-5D2A-4622-A0FD-6994D0906AB8}"/>
-              </a:ext>
-            </a:extLst>
-          </p:cNvPr>
-          <p:cNvSpPr>
-            <a:spLocks noGrp="1"/>
-          </p:cNvSpPr>
-          <p:nvPr>
-            <p:ph idx="1"/>
-          </p:nvPr>
-        </p:nvSpPr>
-        <p:spPr/>
-        <p:txBody>
-          <a:bodyPr>
-            <a:normAutofit/>
-          </a:bodyPr>
-          <a:lstStyle/>
-          <a:p>
-            <a:r>
-              <a:rPr lang="zh-TW" altLang="en-US" sz="2400" dirty="0"/>
-              <a:t>模型評估：</a:t>
-            </a:r>
-            <a:endParaRPr lang="en-US" altLang="zh-TW" sz="2400" dirty="0"/>
-          </a:p>
-          <a:p>
-            <a:pPr lvl="1"/>
-            <a:r>
-              <a:rPr lang="zh-TW" altLang="en-US" sz="2000" dirty="0"/>
-              <a:t>最佳預測成效模型：視窗法</a:t>
-            </a:r>
-            <a:r>
-              <a:rPr lang="en-US" altLang="zh-TW" sz="2000" dirty="0"/>
-              <a:t>-ANN</a:t>
-            </a:r>
-          </a:p>
-          <a:p>
-            <a:pPr lvl="1"/>
-            <a:r>
-              <a:rPr lang="zh-TW" altLang="en-US" sz="2000" dirty="0"/>
-              <a:t>最佳模擬投資模型：傳統法</a:t>
-            </a:r>
-            <a:r>
-              <a:rPr lang="en-US" altLang="zh-TW" sz="2000" dirty="0"/>
-              <a:t>-MLR</a:t>
-            </a:r>
-          </a:p>
-          <a:p>
-            <a:pPr lvl="1"/>
-            <a:endParaRPr lang="en-US" altLang="zh-TW" sz="2000" dirty="0"/>
-          </a:p>
-          <a:p>
-            <a:r>
-              <a:rPr lang="zh-TW" altLang="en-US" sz="2400" dirty="0"/>
-              <a:t>以視窗法切割資料集能確實提高模型準確率</a:t>
-            </a:r>
-            <a:endParaRPr lang="en-US" altLang="zh-TW" sz="2400" dirty="0"/>
-          </a:p>
-          <a:p>
-            <a:endParaRPr lang="en-US" altLang="zh-TW" sz="2400" dirty="0"/>
-          </a:p>
-          <a:p>
-            <a:r>
-              <a:rPr lang="zh-TW" altLang="en-US" sz="2400" dirty="0"/>
-              <a:t>視窗法</a:t>
-            </a:r>
-            <a:r>
-              <a:rPr lang="en-US" altLang="zh-TW" sz="2400" dirty="0"/>
-              <a:t>-ANN</a:t>
-            </a:r>
-            <a:r>
-              <a:rPr lang="zh-TW" altLang="en-US" sz="2400" dirty="0"/>
-              <a:t>的模擬投資表現不佳</a:t>
-            </a:r>
-            <a:endParaRPr lang="en-US" altLang="zh-TW" sz="2400" dirty="0"/>
-          </a:p>
-          <a:p>
-            <a:pPr lvl="1"/>
-            <a:r>
-              <a:rPr lang="zh-TW" altLang="en-US" sz="2000" dirty="0"/>
-              <a:t>情感分數特徵表現不佳，影響模型</a:t>
-            </a:r>
-            <a:endParaRPr lang="en-US" altLang="zh-TW" sz="2000" dirty="0"/>
-          </a:p>
-          <a:p>
-            <a:pPr lvl="1"/>
-            <a:r>
-              <a:rPr lang="zh-TW" altLang="en-US" sz="2000" dirty="0"/>
-              <a:t>投資策略不適用此模型</a:t>
-            </a:r>
-            <a:endParaRPr lang="en-US" altLang="zh-TW" sz="2000" dirty="0"/>
-          </a:p>
-          <a:p>
-            <a:pPr lvl="1"/>
-            <a:endParaRPr lang="en-US" altLang="zh-TW" sz="2000" dirty="0"/>
-          </a:p>
-          <a:p>
-            <a:endParaRPr lang="en-US" altLang="zh-TW" sz="2400" dirty="0"/>
-          </a:p>
-        </p:txBody>
-      </p:sp>
-      <p:sp>
-        <p:nvSpPr>
-          <p:cNvPr id="4" name="投影片編號版面配置區 3">
-            <a:extLst>
-              <a:ext uri="{FF2B5EF4-FFF2-40B4-BE49-F238E27FC236}">
-                <a16:creationId xmlns:a16="http://schemas.microsoft.com/office/drawing/2014/main" id="{F4411875-C4A7-4695-A738-4DA54DEE25CE}"/>
-              </a:ext>
-            </a:extLst>
-          </p:cNvPr>
-          <p:cNvSpPr>
-            <a:spLocks noGrp="1"/>
-          </p:cNvSpPr>
-          <p:nvPr>
-            <p:ph type="sldNum" sz="quarter" idx="12"/>
-          </p:nvPr>
-        </p:nvSpPr>
-        <p:spPr/>
-        <p:txBody>
-          <a:bodyPr/>
-          <a:lstStyle/>
-          <a:p>
-            <a:fld id="{46B26A4B-3AD5-4556-810E-C20186AC774D}" type="slidenum">
-              <a:rPr lang="zh-TW" altLang="en-US" smtClean="0"/>
-              <a:t>29</a:t>
-            </a:fld>
-            <a:endParaRPr lang="zh-TW" altLang="en-US"/>
-          </a:p>
-        </p:txBody>
-      </p:sp>
-    </p:spTree>
-    <p:extLst>
-      <p:ext uri="{BB962C8B-B14F-4D97-AF65-F5344CB8AC3E}">
-        <p14:creationId xmlns:p14="http://schemas.microsoft.com/office/powerpoint/2010/main" val="439427507"/>
-      </p:ext>
-    </p:extLst>
-  </p:cSld>
-  <p:clrMapOvr>
-    <a:masterClrMapping/>
-  </p:clrMapOvr>
 </p:sld>
 </file>
 
@@ -31475,6 +30641,2694 @@
       </p:grpSpPr>
       <p:sp>
         <p:nvSpPr>
+          <p:cNvPr id="4" name="投影片編號版面配置區 3">
+            <a:extLst>
+              <a:ext uri="{FF2B5EF4-FFF2-40B4-BE49-F238E27FC236}">
+                <a16:creationId xmlns:a16="http://schemas.microsoft.com/office/drawing/2014/main" id="{BEB3655D-4AD3-4A42-8822-BC2FBDEC195C}"/>
+              </a:ext>
+            </a:extLst>
+          </p:cNvPr>
+          <p:cNvSpPr>
+            <a:spLocks noGrp="1"/>
+          </p:cNvSpPr>
+          <p:nvPr>
+            <p:ph type="sldNum" sz="quarter" idx="12"/>
+          </p:nvPr>
+        </p:nvSpPr>
+        <p:spPr/>
+        <p:txBody>
+          <a:bodyPr/>
+          <a:lstStyle/>
+          <a:p>
+            <a:fld id="{46B26A4B-3AD5-4556-810E-C20186AC774D}" type="slidenum">
+              <a:rPr lang="zh-TW" altLang="en-US" smtClean="0"/>
+              <a:t>30</a:t>
+            </a:fld>
+            <a:endParaRPr lang="zh-TW" altLang="en-US"/>
+          </a:p>
+        </p:txBody>
+      </p:sp>
+      <p:sp>
+        <p:nvSpPr>
+          <p:cNvPr id="2" name="標題 1">
+            <a:extLst>
+              <a:ext uri="{FF2B5EF4-FFF2-40B4-BE49-F238E27FC236}">
+                <a16:creationId xmlns:a16="http://schemas.microsoft.com/office/drawing/2014/main" id="{B1E36E2A-D00F-4875-96FF-273E9C80874E}"/>
+              </a:ext>
+            </a:extLst>
+          </p:cNvPr>
+          <p:cNvSpPr>
+            <a:spLocks noGrp="1"/>
+          </p:cNvSpPr>
+          <p:nvPr>
+            <p:ph type="title"/>
+          </p:nvPr>
+        </p:nvSpPr>
+        <p:spPr/>
+        <p:txBody>
+          <a:bodyPr/>
+          <a:lstStyle/>
+          <a:p>
+            <a:r>
+              <a:rPr lang="en-US" altLang="zh-TW" dirty="0"/>
+              <a:t>Experiment Results (6/6)</a:t>
+            </a:r>
+            <a:br>
+              <a:rPr lang="en-US" altLang="zh-TW" dirty="0"/>
+            </a:br>
+            <a:r>
+              <a:rPr lang="zh-TW" altLang="en-US" sz="3200" dirty="0"/>
+              <a:t>滑動視窗法</a:t>
+            </a:r>
+            <a:r>
+              <a:rPr lang="en-US" altLang="zh-TW" sz="3200" dirty="0"/>
+              <a:t>-</a:t>
+            </a:r>
+            <a:r>
+              <a:rPr lang="zh-TW" altLang="en-US" sz="3200" dirty="0"/>
+              <a:t>模擬投資</a:t>
+            </a:r>
+            <a:endParaRPr lang="zh-TW" altLang="en-US" dirty="0"/>
+          </a:p>
+        </p:txBody>
+      </p:sp>
+      <p:graphicFrame>
+        <p:nvGraphicFramePr>
+          <p:cNvPr id="5" name="表格 6">
+            <a:extLst>
+              <a:ext uri="{FF2B5EF4-FFF2-40B4-BE49-F238E27FC236}">
+                <a16:creationId xmlns:a16="http://schemas.microsoft.com/office/drawing/2014/main" id="{41E81AF6-6DFD-5B40-067A-3954A26956DB}"/>
+              </a:ext>
+            </a:extLst>
+          </p:cNvPr>
+          <p:cNvGraphicFramePr>
+            <a:graphicFrameLocks noGrp="1"/>
+          </p:cNvGraphicFramePr>
+          <p:nvPr>
+            <p:extLst>
+              <p:ext uri="{D42A27DB-BD31-4B8C-83A1-F6EECF244321}">
+                <p14:modId xmlns:p14="http://schemas.microsoft.com/office/powerpoint/2010/main" val="1315406738"/>
+              </p:ext>
+            </p:extLst>
+          </p:nvPr>
+        </p:nvGraphicFramePr>
+        <p:xfrm>
+          <a:off x="2390618" y="2169319"/>
+          <a:ext cx="7410763" cy="3708400"/>
+        </p:xfrm>
+        <a:graphic>
+          <a:graphicData uri="http://schemas.openxmlformats.org/drawingml/2006/table">
+            <a:tbl>
+              <a:tblPr firstRow="1" bandRow="1">
+                <a:tableStyleId>{5C22544A-7EE6-4342-B048-85BDC9FD1C3A}</a:tableStyleId>
+              </a:tblPr>
+              <a:tblGrid>
+                <a:gridCol w="2076481">
+                  <a:extLst>
+                    <a:ext uri="{9D8B030D-6E8A-4147-A177-3AD203B41FA5}">
+                      <a16:colId xmlns:a16="http://schemas.microsoft.com/office/drawing/2014/main" val="1189634700"/>
+                    </a:ext>
+                  </a:extLst>
+                </a:gridCol>
+                <a:gridCol w="2667141">
+                  <a:extLst>
+                    <a:ext uri="{9D8B030D-6E8A-4147-A177-3AD203B41FA5}">
+                      <a16:colId xmlns:a16="http://schemas.microsoft.com/office/drawing/2014/main" val="2508660496"/>
+                    </a:ext>
+                  </a:extLst>
+                </a:gridCol>
+                <a:gridCol w="2667141">
+                  <a:extLst>
+                    <a:ext uri="{9D8B030D-6E8A-4147-A177-3AD203B41FA5}">
+                      <a16:colId xmlns:a16="http://schemas.microsoft.com/office/drawing/2014/main" val="2939191180"/>
+                    </a:ext>
+                  </a:extLst>
+                </a:gridCol>
+              </a:tblGrid>
+              <a:tr h="370840">
+                <a:tc>
+                  <a:txBody>
+                    <a:bodyPr/>
+                    <a:lstStyle/>
+                    <a:p>
+                      <a:pPr algn="ctr"/>
+                      <a:endParaRPr lang="zh-TW" altLang="en-US" baseline="0" dirty="0">
+                        <a:solidFill>
+                          <a:schemeClr val="tx1"/>
+                        </a:solidFill>
+                        <a:latin typeface="Times New Roman" panose="02020603050405020304" pitchFamily="18" charset="0"/>
+                        <a:ea typeface="標楷體" panose="03000509000000000000" pitchFamily="65" charset="-120"/>
+                      </a:endParaRPr>
+                    </a:p>
+                  </a:txBody>
+                  <a:tcPr anchor="ctr">
+                    <a:lnL w="12700" cap="flat" cmpd="sng" algn="ctr">
+                      <a:solidFill>
+                        <a:schemeClr val="accent6">
+                          <a:lumMod val="75000"/>
+                        </a:schemeClr>
+                      </a:solidFill>
+                      <a:prstDash val="solid"/>
+                      <a:round/>
+                      <a:headEnd type="none" w="med" len="med"/>
+                      <a:tailEnd type="none" w="med" len="med"/>
+                    </a:lnL>
+                    <a:lnR w="12700" cap="flat" cmpd="sng" algn="ctr">
+                      <a:solidFill>
+                        <a:schemeClr val="accent6">
+                          <a:lumMod val="75000"/>
+                        </a:schemeClr>
+                      </a:solidFill>
+                      <a:prstDash val="solid"/>
+                      <a:round/>
+                      <a:headEnd type="none" w="med" len="med"/>
+                      <a:tailEnd type="none" w="med" len="med"/>
+                    </a:lnR>
+                    <a:lnT w="12700" cap="flat" cmpd="sng" algn="ctr">
+                      <a:solidFill>
+                        <a:schemeClr val="accent6">
+                          <a:lumMod val="75000"/>
+                        </a:schemeClr>
+                      </a:solidFill>
+                      <a:prstDash val="solid"/>
+                      <a:round/>
+                      <a:headEnd type="none" w="med" len="med"/>
+                      <a:tailEnd type="none" w="med" len="med"/>
+                    </a:lnT>
+                    <a:lnB w="12700" cap="flat" cmpd="sng" algn="ctr">
+                      <a:solidFill>
+                        <a:schemeClr val="accent6">
+                          <a:lumMod val="75000"/>
+                        </a:schemeClr>
+                      </a:solidFill>
+                      <a:prstDash val="solid"/>
+                      <a:round/>
+                      <a:headEnd type="none" w="med" len="med"/>
+                      <a:tailEnd type="none" w="med" len="med"/>
+                    </a:lnB>
+                    <a:solidFill>
+                      <a:srgbClr val="B2D3A4"/>
+                    </a:solidFill>
+                  </a:tcPr>
+                </a:tc>
+                <a:tc>
+                  <a:txBody>
+                    <a:bodyPr/>
+                    <a:lstStyle/>
+                    <a:p>
+                      <a:pPr algn="ctr"/>
+                      <a:r>
+                        <a:rPr lang="zh-TW" altLang="en-US" baseline="0" dirty="0">
+                          <a:solidFill>
+                            <a:schemeClr val="tx1"/>
+                          </a:solidFill>
+                          <a:latin typeface="Times New Roman" panose="02020603050405020304" pitchFamily="18" charset="0"/>
+                          <a:ea typeface="標楷體" panose="03000509000000000000" pitchFamily="65" charset="-120"/>
+                        </a:rPr>
+                        <a:t>滑動視窗法</a:t>
+                      </a:r>
+                      <a:r>
+                        <a:rPr lang="en-US" altLang="zh-TW" baseline="0" dirty="0">
+                          <a:solidFill>
+                            <a:schemeClr val="tx1"/>
+                          </a:solidFill>
+                          <a:latin typeface="Times New Roman" panose="02020603050405020304" pitchFamily="18" charset="0"/>
+                          <a:ea typeface="標楷體" panose="03000509000000000000" pitchFamily="65" charset="-120"/>
+                        </a:rPr>
+                        <a:t>-ANN</a:t>
+                      </a:r>
+                      <a:endParaRPr lang="zh-TW" altLang="en-US" baseline="0" dirty="0">
+                        <a:solidFill>
+                          <a:schemeClr val="tx1"/>
+                        </a:solidFill>
+                        <a:latin typeface="Times New Roman" panose="02020603050405020304" pitchFamily="18" charset="0"/>
+                        <a:ea typeface="標楷體" panose="03000509000000000000" pitchFamily="65" charset="-120"/>
+                      </a:endParaRPr>
+                    </a:p>
+                  </a:txBody>
+                  <a:tcPr anchor="ctr">
+                    <a:lnL w="12700" cap="flat" cmpd="sng" algn="ctr">
+                      <a:solidFill>
+                        <a:schemeClr val="accent6">
+                          <a:lumMod val="75000"/>
+                        </a:schemeClr>
+                      </a:solidFill>
+                      <a:prstDash val="solid"/>
+                      <a:round/>
+                      <a:headEnd type="none" w="med" len="med"/>
+                      <a:tailEnd type="none" w="med" len="med"/>
+                    </a:lnL>
+                    <a:lnR w="12700" cap="flat" cmpd="sng" algn="ctr">
+                      <a:solidFill>
+                        <a:schemeClr val="accent6">
+                          <a:lumMod val="75000"/>
+                        </a:schemeClr>
+                      </a:solidFill>
+                      <a:prstDash val="solid"/>
+                      <a:round/>
+                      <a:headEnd type="none" w="med" len="med"/>
+                      <a:tailEnd type="none" w="med" len="med"/>
+                    </a:lnR>
+                    <a:lnT w="12700" cap="flat" cmpd="sng" algn="ctr">
+                      <a:solidFill>
+                        <a:schemeClr val="accent6">
+                          <a:lumMod val="75000"/>
+                        </a:schemeClr>
+                      </a:solidFill>
+                      <a:prstDash val="solid"/>
+                      <a:round/>
+                      <a:headEnd type="none" w="med" len="med"/>
+                      <a:tailEnd type="none" w="med" len="med"/>
+                    </a:lnT>
+                    <a:lnB w="12700" cap="flat" cmpd="sng" algn="ctr">
+                      <a:solidFill>
+                        <a:schemeClr val="accent6">
+                          <a:lumMod val="75000"/>
+                        </a:schemeClr>
+                      </a:solidFill>
+                      <a:prstDash val="solid"/>
+                      <a:round/>
+                      <a:headEnd type="none" w="med" len="med"/>
+                      <a:tailEnd type="none" w="med" len="med"/>
+                    </a:lnB>
+                    <a:solidFill>
+                      <a:srgbClr val="B2D3A4"/>
+                    </a:solidFill>
+                  </a:tcPr>
+                </a:tc>
+                <a:tc>
+                  <a:txBody>
+                    <a:bodyPr/>
+                    <a:lstStyle/>
+                    <a:p>
+                      <a:pPr algn="ctr"/>
+                      <a:r>
+                        <a:rPr lang="zh-TW" altLang="en-US" baseline="0" dirty="0">
+                          <a:solidFill>
+                            <a:schemeClr val="tx1"/>
+                          </a:solidFill>
+                          <a:latin typeface="Times New Roman" panose="02020603050405020304" pitchFamily="18" charset="0"/>
+                          <a:ea typeface="標楷體" panose="03000509000000000000" pitchFamily="65" charset="-120"/>
+                        </a:rPr>
+                        <a:t>傳統法</a:t>
+                      </a:r>
+                      <a:r>
+                        <a:rPr lang="en-US" altLang="zh-TW" baseline="0" dirty="0">
+                          <a:solidFill>
+                            <a:schemeClr val="tx1"/>
+                          </a:solidFill>
+                          <a:latin typeface="Times New Roman" panose="02020603050405020304" pitchFamily="18" charset="0"/>
+                          <a:ea typeface="標楷體" panose="03000509000000000000" pitchFamily="65" charset="-120"/>
+                        </a:rPr>
+                        <a:t>-ANN</a:t>
+                      </a:r>
+                      <a:endParaRPr lang="zh-TW" altLang="en-US" baseline="0" dirty="0">
+                        <a:solidFill>
+                          <a:schemeClr val="tx1"/>
+                        </a:solidFill>
+                        <a:latin typeface="Times New Roman" panose="02020603050405020304" pitchFamily="18" charset="0"/>
+                        <a:ea typeface="標楷體" panose="03000509000000000000" pitchFamily="65" charset="-120"/>
+                      </a:endParaRPr>
+                    </a:p>
+                  </a:txBody>
+                  <a:tcPr anchor="ctr">
+                    <a:lnL w="12700" cap="flat" cmpd="sng" algn="ctr">
+                      <a:solidFill>
+                        <a:schemeClr val="accent6">
+                          <a:lumMod val="75000"/>
+                        </a:schemeClr>
+                      </a:solidFill>
+                      <a:prstDash val="solid"/>
+                      <a:round/>
+                      <a:headEnd type="none" w="med" len="med"/>
+                      <a:tailEnd type="none" w="med" len="med"/>
+                    </a:lnL>
+                    <a:lnR w="12700" cap="flat" cmpd="sng" algn="ctr">
+                      <a:solidFill>
+                        <a:schemeClr val="accent6">
+                          <a:lumMod val="75000"/>
+                        </a:schemeClr>
+                      </a:solidFill>
+                      <a:prstDash val="solid"/>
+                      <a:round/>
+                      <a:headEnd type="none" w="med" len="med"/>
+                      <a:tailEnd type="none" w="med" len="med"/>
+                    </a:lnR>
+                    <a:lnT w="12700" cap="flat" cmpd="sng" algn="ctr">
+                      <a:solidFill>
+                        <a:schemeClr val="accent6">
+                          <a:lumMod val="75000"/>
+                        </a:schemeClr>
+                      </a:solidFill>
+                      <a:prstDash val="solid"/>
+                      <a:round/>
+                      <a:headEnd type="none" w="med" len="med"/>
+                      <a:tailEnd type="none" w="med" len="med"/>
+                    </a:lnT>
+                    <a:lnB w="12700" cap="flat" cmpd="sng" algn="ctr">
+                      <a:solidFill>
+                        <a:schemeClr val="accent6">
+                          <a:lumMod val="75000"/>
+                        </a:schemeClr>
+                      </a:solidFill>
+                      <a:prstDash val="solid"/>
+                      <a:round/>
+                      <a:headEnd type="none" w="med" len="med"/>
+                      <a:tailEnd type="none" w="med" len="med"/>
+                    </a:lnB>
+                    <a:solidFill>
+                      <a:srgbClr val="B2D3A4"/>
+                    </a:solidFill>
+                  </a:tcPr>
+                </a:tc>
+                <a:extLst>
+                  <a:ext uri="{0D108BD9-81ED-4DB2-BD59-A6C34878D82A}">
+                    <a16:rowId xmlns:a16="http://schemas.microsoft.com/office/drawing/2014/main" val="2086984352"/>
+                  </a:ext>
+                </a:extLst>
+              </a:tr>
+              <a:tr h="370840">
+                <a:tc>
+                  <a:txBody>
+                    <a:bodyPr/>
+                    <a:lstStyle/>
+                    <a:p>
+                      <a:pPr algn="ctr"/>
+                      <a:r>
+                        <a:rPr lang="zh-TW" altLang="en-US" baseline="0" dirty="0">
+                          <a:solidFill>
+                            <a:schemeClr val="tx1"/>
+                          </a:solidFill>
+                          <a:latin typeface="Times New Roman" panose="02020603050405020304" pitchFamily="18" charset="0"/>
+                          <a:ea typeface="標楷體" panose="03000509000000000000" pitchFamily="65" charset="-120"/>
+                        </a:rPr>
+                        <a:t>年份</a:t>
+                      </a:r>
+                    </a:p>
+                  </a:txBody>
+                  <a:tcPr anchor="ctr">
+                    <a:lnL w="12700" cap="flat" cmpd="sng" algn="ctr">
+                      <a:solidFill>
+                        <a:schemeClr val="accent6">
+                          <a:lumMod val="75000"/>
+                        </a:schemeClr>
+                      </a:solidFill>
+                      <a:prstDash val="solid"/>
+                      <a:round/>
+                      <a:headEnd type="none" w="med" len="med"/>
+                      <a:tailEnd type="none" w="med" len="med"/>
+                    </a:lnL>
+                    <a:lnR w="12700" cap="flat" cmpd="sng" algn="ctr">
+                      <a:solidFill>
+                        <a:schemeClr val="accent6">
+                          <a:lumMod val="75000"/>
+                        </a:schemeClr>
+                      </a:solidFill>
+                      <a:prstDash val="solid"/>
+                      <a:round/>
+                      <a:headEnd type="none" w="med" len="med"/>
+                      <a:tailEnd type="none" w="med" len="med"/>
+                    </a:lnR>
+                    <a:lnT w="12700" cap="flat" cmpd="sng" algn="ctr">
+                      <a:solidFill>
+                        <a:schemeClr val="accent6">
+                          <a:lumMod val="75000"/>
+                        </a:schemeClr>
+                      </a:solidFill>
+                      <a:prstDash val="solid"/>
+                      <a:round/>
+                      <a:headEnd type="none" w="med" len="med"/>
+                      <a:tailEnd type="none" w="med" len="med"/>
+                    </a:lnT>
+                    <a:lnB w="12700" cap="flat" cmpd="sng" algn="ctr">
+                      <a:solidFill>
+                        <a:schemeClr val="accent6">
+                          <a:lumMod val="75000"/>
+                        </a:schemeClr>
+                      </a:solidFill>
+                      <a:prstDash val="solid"/>
+                      <a:round/>
+                      <a:headEnd type="none" w="med" len="med"/>
+                      <a:tailEnd type="none" w="med" len="med"/>
+                    </a:lnB>
+                    <a:solidFill>
+                      <a:srgbClr val="B2D3A4"/>
+                    </a:solidFill>
+                  </a:tcPr>
+                </a:tc>
+                <a:tc>
+                  <a:txBody>
+                    <a:bodyPr/>
+                    <a:lstStyle/>
+                    <a:p>
+                      <a:pPr algn="ctr"/>
+                      <a:r>
+                        <a:rPr lang="en-US" altLang="zh-TW" baseline="0" dirty="0">
+                          <a:solidFill>
+                            <a:schemeClr val="tx1"/>
+                          </a:solidFill>
+                          <a:latin typeface="Times New Roman" panose="02020603050405020304" pitchFamily="18" charset="0"/>
+                          <a:ea typeface="標楷體" panose="03000509000000000000" pitchFamily="65" charset="-120"/>
+                        </a:rPr>
+                        <a:t>2021</a:t>
+                      </a:r>
+                      <a:r>
+                        <a:rPr lang="zh-TW" altLang="en-US" baseline="0" dirty="0">
+                          <a:solidFill>
+                            <a:schemeClr val="tx1"/>
+                          </a:solidFill>
+                          <a:latin typeface="Times New Roman" panose="02020603050405020304" pitchFamily="18" charset="0"/>
+                          <a:ea typeface="標楷體" panose="03000509000000000000" pitchFamily="65" charset="-120"/>
+                        </a:rPr>
+                        <a:t>年</a:t>
+                      </a:r>
+                    </a:p>
+                  </a:txBody>
+                  <a:tcPr anchor="ctr">
+                    <a:lnL w="12700" cap="flat" cmpd="sng" algn="ctr">
+                      <a:solidFill>
+                        <a:schemeClr val="accent6">
+                          <a:lumMod val="75000"/>
+                        </a:schemeClr>
+                      </a:solidFill>
+                      <a:prstDash val="solid"/>
+                      <a:round/>
+                      <a:headEnd type="none" w="med" len="med"/>
+                      <a:tailEnd type="none" w="med" len="med"/>
+                    </a:lnL>
+                    <a:lnR w="12700" cap="flat" cmpd="sng" algn="ctr">
+                      <a:solidFill>
+                        <a:schemeClr val="accent6">
+                          <a:lumMod val="75000"/>
+                        </a:schemeClr>
+                      </a:solidFill>
+                      <a:prstDash val="solid"/>
+                      <a:round/>
+                      <a:headEnd type="none" w="med" len="med"/>
+                      <a:tailEnd type="none" w="med" len="med"/>
+                    </a:lnR>
+                    <a:lnT w="12700" cap="flat" cmpd="sng" algn="ctr">
+                      <a:solidFill>
+                        <a:schemeClr val="accent6">
+                          <a:lumMod val="75000"/>
+                        </a:schemeClr>
+                      </a:solidFill>
+                      <a:prstDash val="solid"/>
+                      <a:round/>
+                      <a:headEnd type="none" w="med" len="med"/>
+                      <a:tailEnd type="none" w="med" len="med"/>
+                    </a:lnT>
+                    <a:lnB w="12700" cap="flat" cmpd="sng" algn="ctr">
+                      <a:solidFill>
+                        <a:schemeClr val="accent6">
+                          <a:lumMod val="75000"/>
+                        </a:schemeClr>
+                      </a:solidFill>
+                      <a:prstDash val="solid"/>
+                      <a:round/>
+                      <a:headEnd type="none" w="med" len="med"/>
+                      <a:tailEnd type="none" w="med" len="med"/>
+                    </a:lnB>
+                    <a:solidFill>
+                      <a:schemeClr val="accent6">
+                        <a:lumMod val="20000"/>
+                        <a:lumOff val="80000"/>
+                      </a:schemeClr>
+                    </a:solidFill>
+                  </a:tcPr>
+                </a:tc>
+                <a:tc>
+                  <a:txBody>
+                    <a:bodyPr/>
+                    <a:lstStyle/>
+                    <a:p>
+                      <a:pPr algn="ctr"/>
+                      <a:r>
+                        <a:rPr lang="en-US" altLang="zh-TW" baseline="0" dirty="0">
+                          <a:solidFill>
+                            <a:schemeClr val="tx1"/>
+                          </a:solidFill>
+                          <a:latin typeface="Times New Roman" panose="02020603050405020304" pitchFamily="18" charset="0"/>
+                          <a:ea typeface="標楷體" panose="03000509000000000000" pitchFamily="65" charset="-120"/>
+                        </a:rPr>
+                        <a:t>2021</a:t>
+                      </a:r>
+                      <a:r>
+                        <a:rPr lang="zh-TW" altLang="en-US" baseline="0" dirty="0">
+                          <a:solidFill>
+                            <a:schemeClr val="tx1"/>
+                          </a:solidFill>
+                          <a:latin typeface="Times New Roman" panose="02020603050405020304" pitchFamily="18" charset="0"/>
+                          <a:ea typeface="標楷體" panose="03000509000000000000" pitchFamily="65" charset="-120"/>
+                        </a:rPr>
+                        <a:t>年</a:t>
+                      </a:r>
+                    </a:p>
+                  </a:txBody>
+                  <a:tcPr anchor="ctr">
+                    <a:lnL w="12700" cap="flat" cmpd="sng" algn="ctr">
+                      <a:solidFill>
+                        <a:schemeClr val="accent6">
+                          <a:lumMod val="75000"/>
+                        </a:schemeClr>
+                      </a:solidFill>
+                      <a:prstDash val="solid"/>
+                      <a:round/>
+                      <a:headEnd type="none" w="med" len="med"/>
+                      <a:tailEnd type="none" w="med" len="med"/>
+                    </a:lnL>
+                    <a:lnR w="12700" cap="flat" cmpd="sng" algn="ctr">
+                      <a:solidFill>
+                        <a:schemeClr val="accent6">
+                          <a:lumMod val="75000"/>
+                        </a:schemeClr>
+                      </a:solidFill>
+                      <a:prstDash val="solid"/>
+                      <a:round/>
+                      <a:headEnd type="none" w="med" len="med"/>
+                      <a:tailEnd type="none" w="med" len="med"/>
+                    </a:lnR>
+                    <a:lnT w="12700" cap="flat" cmpd="sng" algn="ctr">
+                      <a:solidFill>
+                        <a:schemeClr val="accent6">
+                          <a:lumMod val="75000"/>
+                        </a:schemeClr>
+                      </a:solidFill>
+                      <a:prstDash val="solid"/>
+                      <a:round/>
+                      <a:headEnd type="none" w="med" len="med"/>
+                      <a:tailEnd type="none" w="med" len="med"/>
+                    </a:lnT>
+                    <a:lnB w="12700" cap="flat" cmpd="sng" algn="ctr">
+                      <a:solidFill>
+                        <a:schemeClr val="accent6">
+                          <a:lumMod val="75000"/>
+                        </a:schemeClr>
+                      </a:solidFill>
+                      <a:prstDash val="solid"/>
+                      <a:round/>
+                      <a:headEnd type="none" w="med" len="med"/>
+                      <a:tailEnd type="none" w="med" len="med"/>
+                    </a:lnB>
+                    <a:solidFill>
+                      <a:schemeClr val="accent6">
+                        <a:lumMod val="20000"/>
+                        <a:lumOff val="80000"/>
+                      </a:schemeClr>
+                    </a:solidFill>
+                  </a:tcPr>
+                </a:tc>
+                <a:extLst>
+                  <a:ext uri="{0D108BD9-81ED-4DB2-BD59-A6C34878D82A}">
+                    <a16:rowId xmlns:a16="http://schemas.microsoft.com/office/drawing/2014/main" val="1141096105"/>
+                  </a:ext>
+                </a:extLst>
+              </a:tr>
+              <a:tr h="370840">
+                <a:tc>
+                  <a:txBody>
+                    <a:bodyPr/>
+                    <a:lstStyle/>
+                    <a:p>
+                      <a:pPr algn="ctr"/>
+                      <a:r>
+                        <a:rPr lang="zh-TW" altLang="en-US" baseline="0" dirty="0">
+                          <a:solidFill>
+                            <a:schemeClr val="tx1"/>
+                          </a:solidFill>
+                          <a:latin typeface="Times New Roman" panose="02020603050405020304" pitchFamily="18" charset="0"/>
+                          <a:ea typeface="標楷體" panose="03000509000000000000" pitchFamily="65" charset="-120"/>
+                        </a:rPr>
+                        <a:t>總損益</a:t>
+                      </a:r>
+                    </a:p>
+                  </a:txBody>
+                  <a:tcPr anchor="ctr">
+                    <a:lnL w="12700" cap="flat" cmpd="sng" algn="ctr">
+                      <a:solidFill>
+                        <a:schemeClr val="accent6">
+                          <a:lumMod val="75000"/>
+                        </a:schemeClr>
+                      </a:solidFill>
+                      <a:prstDash val="solid"/>
+                      <a:round/>
+                      <a:headEnd type="none" w="med" len="med"/>
+                      <a:tailEnd type="none" w="med" len="med"/>
+                    </a:lnL>
+                    <a:lnR w="12700" cap="flat" cmpd="sng" algn="ctr">
+                      <a:solidFill>
+                        <a:schemeClr val="accent6">
+                          <a:lumMod val="75000"/>
+                        </a:schemeClr>
+                      </a:solidFill>
+                      <a:prstDash val="solid"/>
+                      <a:round/>
+                      <a:headEnd type="none" w="med" len="med"/>
+                      <a:tailEnd type="none" w="med" len="med"/>
+                    </a:lnR>
+                    <a:lnT w="12700" cap="flat" cmpd="sng" algn="ctr">
+                      <a:solidFill>
+                        <a:schemeClr val="accent6">
+                          <a:lumMod val="75000"/>
+                        </a:schemeClr>
+                      </a:solidFill>
+                      <a:prstDash val="solid"/>
+                      <a:round/>
+                      <a:headEnd type="none" w="med" len="med"/>
+                      <a:tailEnd type="none" w="med" len="med"/>
+                    </a:lnT>
+                    <a:lnB w="12700" cap="flat" cmpd="sng" algn="ctr">
+                      <a:solidFill>
+                        <a:schemeClr val="accent6">
+                          <a:lumMod val="75000"/>
+                        </a:schemeClr>
+                      </a:solidFill>
+                      <a:prstDash val="solid"/>
+                      <a:round/>
+                      <a:headEnd type="none" w="med" len="med"/>
+                      <a:tailEnd type="none" w="med" len="med"/>
+                    </a:lnB>
+                    <a:solidFill>
+                      <a:srgbClr val="B2D3A4"/>
+                    </a:solidFill>
+                  </a:tcPr>
+                </a:tc>
+                <a:tc>
+                  <a:txBody>
+                    <a:bodyPr/>
+                    <a:lstStyle/>
+                    <a:p>
+                      <a:pPr algn="ctr"/>
+                      <a:r>
+                        <a:rPr lang="en-US" altLang="zh-TW" baseline="0" dirty="0">
+                          <a:solidFill>
+                            <a:schemeClr val="tx1"/>
+                          </a:solidFill>
+                          <a:latin typeface="Times New Roman" panose="02020603050405020304" pitchFamily="18" charset="0"/>
+                          <a:ea typeface="標楷體" panose="03000509000000000000" pitchFamily="65" charset="-120"/>
+                        </a:rPr>
+                        <a:t>(-339,651)</a:t>
+                      </a:r>
+                      <a:endParaRPr lang="zh-TW" altLang="en-US" baseline="0" dirty="0">
+                        <a:solidFill>
+                          <a:schemeClr val="tx1"/>
+                        </a:solidFill>
+                        <a:latin typeface="Times New Roman" panose="02020603050405020304" pitchFamily="18" charset="0"/>
+                        <a:ea typeface="標楷體" panose="03000509000000000000" pitchFamily="65" charset="-120"/>
+                      </a:endParaRPr>
+                    </a:p>
+                  </a:txBody>
+                  <a:tcPr anchor="ctr">
+                    <a:lnL w="12700" cap="flat" cmpd="sng" algn="ctr">
+                      <a:solidFill>
+                        <a:schemeClr val="accent6">
+                          <a:lumMod val="75000"/>
+                        </a:schemeClr>
+                      </a:solidFill>
+                      <a:prstDash val="solid"/>
+                      <a:round/>
+                      <a:headEnd type="none" w="med" len="med"/>
+                      <a:tailEnd type="none" w="med" len="med"/>
+                    </a:lnL>
+                    <a:lnR w="12700" cap="flat" cmpd="sng" algn="ctr">
+                      <a:solidFill>
+                        <a:schemeClr val="accent6">
+                          <a:lumMod val="75000"/>
+                        </a:schemeClr>
+                      </a:solidFill>
+                      <a:prstDash val="solid"/>
+                      <a:round/>
+                      <a:headEnd type="none" w="med" len="med"/>
+                      <a:tailEnd type="none" w="med" len="med"/>
+                    </a:lnR>
+                    <a:lnT w="12700" cap="flat" cmpd="sng" algn="ctr">
+                      <a:solidFill>
+                        <a:schemeClr val="accent6">
+                          <a:lumMod val="75000"/>
+                        </a:schemeClr>
+                      </a:solidFill>
+                      <a:prstDash val="solid"/>
+                      <a:round/>
+                      <a:headEnd type="none" w="med" len="med"/>
+                      <a:tailEnd type="none" w="med" len="med"/>
+                    </a:lnT>
+                    <a:lnB w="12700" cap="flat" cmpd="sng" algn="ctr">
+                      <a:solidFill>
+                        <a:schemeClr val="accent6">
+                          <a:lumMod val="75000"/>
+                        </a:schemeClr>
+                      </a:solidFill>
+                      <a:prstDash val="solid"/>
+                      <a:round/>
+                      <a:headEnd type="none" w="med" len="med"/>
+                      <a:tailEnd type="none" w="med" len="med"/>
+                    </a:lnB>
+                    <a:solidFill>
+                      <a:schemeClr val="accent6">
+                        <a:lumMod val="20000"/>
+                        <a:lumOff val="80000"/>
+                      </a:schemeClr>
+                    </a:solidFill>
+                  </a:tcPr>
+                </a:tc>
+                <a:tc>
+                  <a:txBody>
+                    <a:bodyPr/>
+                    <a:lstStyle/>
+                    <a:p>
+                      <a:pPr algn="ctr"/>
+                      <a:r>
+                        <a:rPr lang="en-US" altLang="zh-TW" baseline="0" dirty="0">
+                          <a:solidFill>
+                            <a:schemeClr val="tx1"/>
+                          </a:solidFill>
+                          <a:latin typeface="Times New Roman" panose="02020603050405020304" pitchFamily="18" charset="0"/>
+                          <a:ea typeface="標楷體" panose="03000509000000000000" pitchFamily="65" charset="-120"/>
+                        </a:rPr>
+                        <a:t>(-103,851)</a:t>
+                      </a:r>
+                      <a:endParaRPr lang="zh-TW" altLang="en-US" baseline="0" dirty="0">
+                        <a:solidFill>
+                          <a:schemeClr val="tx1"/>
+                        </a:solidFill>
+                        <a:latin typeface="Times New Roman" panose="02020603050405020304" pitchFamily="18" charset="0"/>
+                        <a:ea typeface="標楷體" panose="03000509000000000000" pitchFamily="65" charset="-120"/>
+                      </a:endParaRPr>
+                    </a:p>
+                  </a:txBody>
+                  <a:tcPr anchor="ctr">
+                    <a:lnL w="12700" cap="flat" cmpd="sng" algn="ctr">
+                      <a:solidFill>
+                        <a:schemeClr val="accent6">
+                          <a:lumMod val="75000"/>
+                        </a:schemeClr>
+                      </a:solidFill>
+                      <a:prstDash val="solid"/>
+                      <a:round/>
+                      <a:headEnd type="none" w="med" len="med"/>
+                      <a:tailEnd type="none" w="med" len="med"/>
+                    </a:lnL>
+                    <a:lnR w="12700" cap="flat" cmpd="sng" algn="ctr">
+                      <a:solidFill>
+                        <a:schemeClr val="accent6">
+                          <a:lumMod val="75000"/>
+                        </a:schemeClr>
+                      </a:solidFill>
+                      <a:prstDash val="solid"/>
+                      <a:round/>
+                      <a:headEnd type="none" w="med" len="med"/>
+                      <a:tailEnd type="none" w="med" len="med"/>
+                    </a:lnR>
+                    <a:lnT w="12700" cap="flat" cmpd="sng" algn="ctr">
+                      <a:solidFill>
+                        <a:schemeClr val="accent6">
+                          <a:lumMod val="75000"/>
+                        </a:schemeClr>
+                      </a:solidFill>
+                      <a:prstDash val="solid"/>
+                      <a:round/>
+                      <a:headEnd type="none" w="med" len="med"/>
+                      <a:tailEnd type="none" w="med" len="med"/>
+                    </a:lnT>
+                    <a:lnB w="12700" cap="flat" cmpd="sng" algn="ctr">
+                      <a:solidFill>
+                        <a:schemeClr val="accent6">
+                          <a:lumMod val="75000"/>
+                        </a:schemeClr>
+                      </a:solidFill>
+                      <a:prstDash val="solid"/>
+                      <a:round/>
+                      <a:headEnd type="none" w="med" len="med"/>
+                      <a:tailEnd type="none" w="med" len="med"/>
+                    </a:lnB>
+                    <a:solidFill>
+                      <a:schemeClr val="accent6">
+                        <a:lumMod val="20000"/>
+                        <a:lumOff val="80000"/>
+                      </a:schemeClr>
+                    </a:solidFill>
+                  </a:tcPr>
+                </a:tc>
+                <a:extLst>
+                  <a:ext uri="{0D108BD9-81ED-4DB2-BD59-A6C34878D82A}">
+                    <a16:rowId xmlns:a16="http://schemas.microsoft.com/office/drawing/2014/main" val="83040936"/>
+                  </a:ext>
+                </a:extLst>
+              </a:tr>
+              <a:tr h="370840">
+                <a:tc>
+                  <a:txBody>
+                    <a:bodyPr/>
+                    <a:lstStyle/>
+                    <a:p>
+                      <a:pPr algn="ctr"/>
+                      <a:r>
+                        <a:rPr lang="zh-TW" altLang="en-US" baseline="0" dirty="0">
+                          <a:solidFill>
+                            <a:schemeClr val="tx1"/>
+                          </a:solidFill>
+                          <a:latin typeface="Times New Roman" panose="02020603050405020304" pitchFamily="18" charset="0"/>
+                          <a:ea typeface="標楷體" panose="03000509000000000000" pitchFamily="65" charset="-120"/>
+                        </a:rPr>
+                        <a:t>交易總次數</a:t>
+                      </a:r>
+                    </a:p>
+                  </a:txBody>
+                  <a:tcPr anchor="ctr">
+                    <a:lnL w="12700" cap="flat" cmpd="sng" algn="ctr">
+                      <a:solidFill>
+                        <a:schemeClr val="accent6">
+                          <a:lumMod val="75000"/>
+                        </a:schemeClr>
+                      </a:solidFill>
+                      <a:prstDash val="solid"/>
+                      <a:round/>
+                      <a:headEnd type="none" w="med" len="med"/>
+                      <a:tailEnd type="none" w="med" len="med"/>
+                    </a:lnL>
+                    <a:lnR w="12700" cap="flat" cmpd="sng" algn="ctr">
+                      <a:solidFill>
+                        <a:schemeClr val="accent6">
+                          <a:lumMod val="75000"/>
+                        </a:schemeClr>
+                      </a:solidFill>
+                      <a:prstDash val="solid"/>
+                      <a:round/>
+                      <a:headEnd type="none" w="med" len="med"/>
+                      <a:tailEnd type="none" w="med" len="med"/>
+                    </a:lnR>
+                    <a:lnT w="12700" cap="flat" cmpd="sng" algn="ctr">
+                      <a:solidFill>
+                        <a:schemeClr val="accent6">
+                          <a:lumMod val="75000"/>
+                        </a:schemeClr>
+                      </a:solidFill>
+                      <a:prstDash val="solid"/>
+                      <a:round/>
+                      <a:headEnd type="none" w="med" len="med"/>
+                      <a:tailEnd type="none" w="med" len="med"/>
+                    </a:lnT>
+                    <a:lnB w="12700" cap="flat" cmpd="sng" algn="ctr">
+                      <a:solidFill>
+                        <a:schemeClr val="accent6">
+                          <a:lumMod val="75000"/>
+                        </a:schemeClr>
+                      </a:solidFill>
+                      <a:prstDash val="solid"/>
+                      <a:round/>
+                      <a:headEnd type="none" w="med" len="med"/>
+                      <a:tailEnd type="none" w="med" len="med"/>
+                    </a:lnB>
+                    <a:solidFill>
+                      <a:srgbClr val="B2D3A4"/>
+                    </a:solidFill>
+                  </a:tcPr>
+                </a:tc>
+                <a:tc>
+                  <a:txBody>
+                    <a:bodyPr/>
+                    <a:lstStyle/>
+                    <a:p>
+                      <a:pPr algn="ctr"/>
+                      <a:r>
+                        <a:rPr lang="en-US" altLang="zh-TW" baseline="0" dirty="0">
+                          <a:solidFill>
+                            <a:schemeClr val="tx1"/>
+                          </a:solidFill>
+                          <a:latin typeface="Times New Roman" panose="02020603050405020304" pitchFamily="18" charset="0"/>
+                          <a:ea typeface="標楷體" panose="03000509000000000000" pitchFamily="65" charset="-120"/>
+                        </a:rPr>
+                        <a:t>53</a:t>
+                      </a:r>
+                      <a:endParaRPr lang="zh-TW" altLang="en-US" baseline="0" dirty="0">
+                        <a:solidFill>
+                          <a:schemeClr val="tx1"/>
+                        </a:solidFill>
+                        <a:latin typeface="Times New Roman" panose="02020603050405020304" pitchFamily="18" charset="0"/>
+                        <a:ea typeface="標楷體" panose="03000509000000000000" pitchFamily="65" charset="-120"/>
+                      </a:endParaRPr>
+                    </a:p>
+                  </a:txBody>
+                  <a:tcPr anchor="ctr">
+                    <a:lnL w="12700" cap="flat" cmpd="sng" algn="ctr">
+                      <a:solidFill>
+                        <a:schemeClr val="accent6">
+                          <a:lumMod val="75000"/>
+                        </a:schemeClr>
+                      </a:solidFill>
+                      <a:prstDash val="solid"/>
+                      <a:round/>
+                      <a:headEnd type="none" w="med" len="med"/>
+                      <a:tailEnd type="none" w="med" len="med"/>
+                    </a:lnL>
+                    <a:lnR w="12700" cap="flat" cmpd="sng" algn="ctr">
+                      <a:solidFill>
+                        <a:schemeClr val="accent6">
+                          <a:lumMod val="75000"/>
+                        </a:schemeClr>
+                      </a:solidFill>
+                      <a:prstDash val="solid"/>
+                      <a:round/>
+                      <a:headEnd type="none" w="med" len="med"/>
+                      <a:tailEnd type="none" w="med" len="med"/>
+                    </a:lnR>
+                    <a:lnT w="12700" cap="flat" cmpd="sng" algn="ctr">
+                      <a:solidFill>
+                        <a:schemeClr val="accent6">
+                          <a:lumMod val="75000"/>
+                        </a:schemeClr>
+                      </a:solidFill>
+                      <a:prstDash val="solid"/>
+                      <a:round/>
+                      <a:headEnd type="none" w="med" len="med"/>
+                      <a:tailEnd type="none" w="med" len="med"/>
+                    </a:lnT>
+                    <a:lnB w="12700" cap="flat" cmpd="sng" algn="ctr">
+                      <a:solidFill>
+                        <a:schemeClr val="accent6">
+                          <a:lumMod val="75000"/>
+                        </a:schemeClr>
+                      </a:solidFill>
+                      <a:prstDash val="solid"/>
+                      <a:round/>
+                      <a:headEnd type="none" w="med" len="med"/>
+                      <a:tailEnd type="none" w="med" len="med"/>
+                    </a:lnB>
+                    <a:solidFill>
+                      <a:schemeClr val="accent6">
+                        <a:lumMod val="20000"/>
+                        <a:lumOff val="80000"/>
+                      </a:schemeClr>
+                    </a:solidFill>
+                  </a:tcPr>
+                </a:tc>
+                <a:tc>
+                  <a:txBody>
+                    <a:bodyPr/>
+                    <a:lstStyle/>
+                    <a:p>
+                      <a:pPr algn="ctr"/>
+                      <a:r>
+                        <a:rPr lang="en-US" altLang="zh-TW" baseline="0" dirty="0">
+                          <a:solidFill>
+                            <a:schemeClr val="tx1"/>
+                          </a:solidFill>
+                          <a:latin typeface="Times New Roman" panose="02020603050405020304" pitchFamily="18" charset="0"/>
+                          <a:ea typeface="標楷體" panose="03000509000000000000" pitchFamily="65" charset="-120"/>
+                        </a:rPr>
+                        <a:t>19</a:t>
+                      </a:r>
+                      <a:endParaRPr lang="zh-TW" altLang="en-US" baseline="0" dirty="0">
+                        <a:solidFill>
+                          <a:schemeClr val="tx1"/>
+                        </a:solidFill>
+                        <a:latin typeface="Times New Roman" panose="02020603050405020304" pitchFamily="18" charset="0"/>
+                        <a:ea typeface="標楷體" panose="03000509000000000000" pitchFamily="65" charset="-120"/>
+                      </a:endParaRPr>
+                    </a:p>
+                  </a:txBody>
+                  <a:tcPr anchor="ctr">
+                    <a:lnL w="12700" cap="flat" cmpd="sng" algn="ctr">
+                      <a:solidFill>
+                        <a:schemeClr val="accent6">
+                          <a:lumMod val="75000"/>
+                        </a:schemeClr>
+                      </a:solidFill>
+                      <a:prstDash val="solid"/>
+                      <a:round/>
+                      <a:headEnd type="none" w="med" len="med"/>
+                      <a:tailEnd type="none" w="med" len="med"/>
+                    </a:lnL>
+                    <a:lnR w="12700" cap="flat" cmpd="sng" algn="ctr">
+                      <a:solidFill>
+                        <a:schemeClr val="accent6">
+                          <a:lumMod val="75000"/>
+                        </a:schemeClr>
+                      </a:solidFill>
+                      <a:prstDash val="solid"/>
+                      <a:round/>
+                      <a:headEnd type="none" w="med" len="med"/>
+                      <a:tailEnd type="none" w="med" len="med"/>
+                    </a:lnR>
+                    <a:lnT w="12700" cap="flat" cmpd="sng" algn="ctr">
+                      <a:solidFill>
+                        <a:schemeClr val="accent6">
+                          <a:lumMod val="75000"/>
+                        </a:schemeClr>
+                      </a:solidFill>
+                      <a:prstDash val="solid"/>
+                      <a:round/>
+                      <a:headEnd type="none" w="med" len="med"/>
+                      <a:tailEnd type="none" w="med" len="med"/>
+                    </a:lnT>
+                    <a:lnB w="12700" cap="flat" cmpd="sng" algn="ctr">
+                      <a:solidFill>
+                        <a:schemeClr val="accent6">
+                          <a:lumMod val="75000"/>
+                        </a:schemeClr>
+                      </a:solidFill>
+                      <a:prstDash val="solid"/>
+                      <a:round/>
+                      <a:headEnd type="none" w="med" len="med"/>
+                      <a:tailEnd type="none" w="med" len="med"/>
+                    </a:lnB>
+                    <a:solidFill>
+                      <a:schemeClr val="accent6">
+                        <a:lumMod val="20000"/>
+                        <a:lumOff val="80000"/>
+                      </a:schemeClr>
+                    </a:solidFill>
+                  </a:tcPr>
+                </a:tc>
+                <a:extLst>
+                  <a:ext uri="{0D108BD9-81ED-4DB2-BD59-A6C34878D82A}">
+                    <a16:rowId xmlns:a16="http://schemas.microsoft.com/office/drawing/2014/main" val="3364515437"/>
+                  </a:ext>
+                </a:extLst>
+              </a:tr>
+              <a:tr h="370840">
+                <a:tc>
+                  <a:txBody>
+                    <a:bodyPr/>
+                    <a:lstStyle/>
+                    <a:p>
+                      <a:pPr algn="ctr"/>
+                      <a:r>
+                        <a:rPr lang="zh-TW" altLang="en-US" baseline="0" dirty="0">
+                          <a:solidFill>
+                            <a:schemeClr val="tx1"/>
+                          </a:solidFill>
+                          <a:latin typeface="Times New Roman" panose="02020603050405020304" pitchFamily="18" charset="0"/>
+                          <a:ea typeface="標楷體" panose="03000509000000000000" pitchFamily="65" charset="-120"/>
+                        </a:rPr>
+                        <a:t>交易產生總費用</a:t>
+                      </a:r>
+                    </a:p>
+                  </a:txBody>
+                  <a:tcPr anchor="ctr">
+                    <a:lnL w="12700" cap="flat" cmpd="sng" algn="ctr">
+                      <a:solidFill>
+                        <a:schemeClr val="accent6">
+                          <a:lumMod val="75000"/>
+                        </a:schemeClr>
+                      </a:solidFill>
+                      <a:prstDash val="solid"/>
+                      <a:round/>
+                      <a:headEnd type="none" w="med" len="med"/>
+                      <a:tailEnd type="none" w="med" len="med"/>
+                    </a:lnL>
+                    <a:lnR w="12700" cap="flat" cmpd="sng" algn="ctr">
+                      <a:solidFill>
+                        <a:schemeClr val="accent6">
+                          <a:lumMod val="75000"/>
+                        </a:schemeClr>
+                      </a:solidFill>
+                      <a:prstDash val="solid"/>
+                      <a:round/>
+                      <a:headEnd type="none" w="med" len="med"/>
+                      <a:tailEnd type="none" w="med" len="med"/>
+                    </a:lnR>
+                    <a:lnT w="12700" cap="flat" cmpd="sng" algn="ctr">
+                      <a:solidFill>
+                        <a:schemeClr val="accent6">
+                          <a:lumMod val="75000"/>
+                        </a:schemeClr>
+                      </a:solidFill>
+                      <a:prstDash val="solid"/>
+                      <a:round/>
+                      <a:headEnd type="none" w="med" len="med"/>
+                      <a:tailEnd type="none" w="med" len="med"/>
+                    </a:lnT>
+                    <a:lnB w="12700" cap="flat" cmpd="sng" algn="ctr">
+                      <a:solidFill>
+                        <a:schemeClr val="accent6">
+                          <a:lumMod val="75000"/>
+                        </a:schemeClr>
+                      </a:solidFill>
+                      <a:prstDash val="solid"/>
+                      <a:round/>
+                      <a:headEnd type="none" w="med" len="med"/>
+                      <a:tailEnd type="none" w="med" len="med"/>
+                    </a:lnB>
+                    <a:solidFill>
+                      <a:srgbClr val="B2D3A4"/>
+                    </a:solidFill>
+                  </a:tcPr>
+                </a:tc>
+                <a:tc>
+                  <a:txBody>
+                    <a:bodyPr/>
+                    <a:lstStyle/>
+                    <a:p>
+                      <a:pPr algn="ctr"/>
+                      <a:r>
+                        <a:rPr lang="en-US" altLang="zh-TW" baseline="0" dirty="0">
+                          <a:solidFill>
+                            <a:schemeClr val="tx1"/>
+                          </a:solidFill>
+                          <a:latin typeface="Times New Roman" panose="02020603050405020304" pitchFamily="18" charset="0"/>
+                          <a:ea typeface="標楷體" panose="03000509000000000000" pitchFamily="65" charset="-120"/>
+                        </a:rPr>
+                        <a:t>(-89,355)</a:t>
+                      </a:r>
+                      <a:endParaRPr lang="zh-TW" altLang="en-US" baseline="0" dirty="0">
+                        <a:solidFill>
+                          <a:schemeClr val="tx1"/>
+                        </a:solidFill>
+                        <a:latin typeface="Times New Roman" panose="02020603050405020304" pitchFamily="18" charset="0"/>
+                        <a:ea typeface="標楷體" panose="03000509000000000000" pitchFamily="65" charset="-120"/>
+                      </a:endParaRPr>
+                    </a:p>
+                  </a:txBody>
+                  <a:tcPr anchor="ctr">
+                    <a:lnL w="12700" cap="flat" cmpd="sng" algn="ctr">
+                      <a:solidFill>
+                        <a:schemeClr val="accent6">
+                          <a:lumMod val="75000"/>
+                        </a:schemeClr>
+                      </a:solidFill>
+                      <a:prstDash val="solid"/>
+                      <a:round/>
+                      <a:headEnd type="none" w="med" len="med"/>
+                      <a:tailEnd type="none" w="med" len="med"/>
+                    </a:lnL>
+                    <a:lnR w="12700" cap="flat" cmpd="sng" algn="ctr">
+                      <a:solidFill>
+                        <a:schemeClr val="accent6">
+                          <a:lumMod val="75000"/>
+                        </a:schemeClr>
+                      </a:solidFill>
+                      <a:prstDash val="solid"/>
+                      <a:round/>
+                      <a:headEnd type="none" w="med" len="med"/>
+                      <a:tailEnd type="none" w="med" len="med"/>
+                    </a:lnR>
+                    <a:lnT w="12700" cap="flat" cmpd="sng" algn="ctr">
+                      <a:solidFill>
+                        <a:schemeClr val="accent6">
+                          <a:lumMod val="75000"/>
+                        </a:schemeClr>
+                      </a:solidFill>
+                      <a:prstDash val="solid"/>
+                      <a:round/>
+                      <a:headEnd type="none" w="med" len="med"/>
+                      <a:tailEnd type="none" w="med" len="med"/>
+                    </a:lnT>
+                    <a:lnB w="12700" cap="flat" cmpd="sng" algn="ctr">
+                      <a:solidFill>
+                        <a:schemeClr val="accent6">
+                          <a:lumMod val="75000"/>
+                        </a:schemeClr>
+                      </a:solidFill>
+                      <a:prstDash val="solid"/>
+                      <a:round/>
+                      <a:headEnd type="none" w="med" len="med"/>
+                      <a:tailEnd type="none" w="med" len="med"/>
+                    </a:lnB>
+                    <a:solidFill>
+                      <a:schemeClr val="accent6">
+                        <a:lumMod val="20000"/>
+                        <a:lumOff val="80000"/>
+                      </a:schemeClr>
+                    </a:solidFill>
+                  </a:tcPr>
+                </a:tc>
+                <a:tc>
+                  <a:txBody>
+                    <a:bodyPr/>
+                    <a:lstStyle/>
+                    <a:p>
+                      <a:pPr algn="ctr"/>
+                      <a:r>
+                        <a:rPr lang="en-US" altLang="zh-TW" baseline="0" dirty="0">
+                          <a:solidFill>
+                            <a:schemeClr val="tx1"/>
+                          </a:solidFill>
+                          <a:latin typeface="Times New Roman" panose="02020603050405020304" pitchFamily="18" charset="0"/>
+                          <a:ea typeface="標楷體" panose="03000509000000000000" pitchFamily="65" charset="-120"/>
+                        </a:rPr>
+                        <a:t>(-32,329)</a:t>
+                      </a:r>
+                      <a:endParaRPr lang="zh-TW" altLang="en-US" baseline="0" dirty="0">
+                        <a:solidFill>
+                          <a:schemeClr val="tx1"/>
+                        </a:solidFill>
+                        <a:latin typeface="Times New Roman" panose="02020603050405020304" pitchFamily="18" charset="0"/>
+                        <a:ea typeface="標楷體" panose="03000509000000000000" pitchFamily="65" charset="-120"/>
+                      </a:endParaRPr>
+                    </a:p>
+                  </a:txBody>
+                  <a:tcPr anchor="ctr">
+                    <a:lnL w="12700" cap="flat" cmpd="sng" algn="ctr">
+                      <a:solidFill>
+                        <a:schemeClr val="accent6">
+                          <a:lumMod val="75000"/>
+                        </a:schemeClr>
+                      </a:solidFill>
+                      <a:prstDash val="solid"/>
+                      <a:round/>
+                      <a:headEnd type="none" w="med" len="med"/>
+                      <a:tailEnd type="none" w="med" len="med"/>
+                    </a:lnL>
+                    <a:lnR w="12700" cap="flat" cmpd="sng" algn="ctr">
+                      <a:solidFill>
+                        <a:schemeClr val="accent6">
+                          <a:lumMod val="75000"/>
+                        </a:schemeClr>
+                      </a:solidFill>
+                      <a:prstDash val="solid"/>
+                      <a:round/>
+                      <a:headEnd type="none" w="med" len="med"/>
+                      <a:tailEnd type="none" w="med" len="med"/>
+                    </a:lnR>
+                    <a:lnT w="12700" cap="flat" cmpd="sng" algn="ctr">
+                      <a:solidFill>
+                        <a:schemeClr val="accent6">
+                          <a:lumMod val="75000"/>
+                        </a:schemeClr>
+                      </a:solidFill>
+                      <a:prstDash val="solid"/>
+                      <a:round/>
+                      <a:headEnd type="none" w="med" len="med"/>
+                      <a:tailEnd type="none" w="med" len="med"/>
+                    </a:lnT>
+                    <a:lnB w="12700" cap="flat" cmpd="sng" algn="ctr">
+                      <a:solidFill>
+                        <a:schemeClr val="accent6">
+                          <a:lumMod val="75000"/>
+                        </a:schemeClr>
+                      </a:solidFill>
+                      <a:prstDash val="solid"/>
+                      <a:round/>
+                      <a:headEnd type="none" w="med" len="med"/>
+                      <a:tailEnd type="none" w="med" len="med"/>
+                    </a:lnB>
+                    <a:solidFill>
+                      <a:schemeClr val="accent6">
+                        <a:lumMod val="20000"/>
+                        <a:lumOff val="80000"/>
+                      </a:schemeClr>
+                    </a:solidFill>
+                  </a:tcPr>
+                </a:tc>
+                <a:extLst>
+                  <a:ext uri="{0D108BD9-81ED-4DB2-BD59-A6C34878D82A}">
+                    <a16:rowId xmlns:a16="http://schemas.microsoft.com/office/drawing/2014/main" val="2159728735"/>
+                  </a:ext>
+                </a:extLst>
+              </a:tr>
+              <a:tr h="370840">
+                <a:tc>
+                  <a:txBody>
+                    <a:bodyPr/>
+                    <a:lstStyle/>
+                    <a:p>
+                      <a:pPr algn="ctr"/>
+                      <a:r>
+                        <a:rPr lang="zh-TW" altLang="en-US" baseline="0" dirty="0">
+                          <a:solidFill>
+                            <a:schemeClr val="tx1"/>
+                          </a:solidFill>
+                          <a:latin typeface="Times New Roman" panose="02020603050405020304" pitchFamily="18" charset="0"/>
+                          <a:ea typeface="標楷體" panose="03000509000000000000" pitchFamily="65" charset="-120"/>
+                        </a:rPr>
+                        <a:t>勝率</a:t>
+                      </a:r>
+                    </a:p>
+                  </a:txBody>
+                  <a:tcPr anchor="ctr">
+                    <a:lnL w="12700" cap="flat" cmpd="sng" algn="ctr">
+                      <a:solidFill>
+                        <a:schemeClr val="accent6">
+                          <a:lumMod val="75000"/>
+                        </a:schemeClr>
+                      </a:solidFill>
+                      <a:prstDash val="solid"/>
+                      <a:round/>
+                      <a:headEnd type="none" w="med" len="med"/>
+                      <a:tailEnd type="none" w="med" len="med"/>
+                    </a:lnL>
+                    <a:lnR w="12700" cap="flat" cmpd="sng" algn="ctr">
+                      <a:solidFill>
+                        <a:schemeClr val="accent6">
+                          <a:lumMod val="75000"/>
+                        </a:schemeClr>
+                      </a:solidFill>
+                      <a:prstDash val="solid"/>
+                      <a:round/>
+                      <a:headEnd type="none" w="med" len="med"/>
+                      <a:tailEnd type="none" w="med" len="med"/>
+                    </a:lnR>
+                    <a:lnT w="12700" cap="flat" cmpd="sng" algn="ctr">
+                      <a:solidFill>
+                        <a:schemeClr val="accent6">
+                          <a:lumMod val="75000"/>
+                        </a:schemeClr>
+                      </a:solidFill>
+                      <a:prstDash val="solid"/>
+                      <a:round/>
+                      <a:headEnd type="none" w="med" len="med"/>
+                      <a:tailEnd type="none" w="med" len="med"/>
+                    </a:lnT>
+                    <a:lnB w="12700" cap="flat" cmpd="sng" algn="ctr">
+                      <a:solidFill>
+                        <a:schemeClr val="accent6">
+                          <a:lumMod val="75000"/>
+                        </a:schemeClr>
+                      </a:solidFill>
+                      <a:prstDash val="solid"/>
+                      <a:round/>
+                      <a:headEnd type="none" w="med" len="med"/>
+                      <a:tailEnd type="none" w="med" len="med"/>
+                    </a:lnB>
+                    <a:solidFill>
+                      <a:srgbClr val="B2D3A4"/>
+                    </a:solidFill>
+                  </a:tcPr>
+                </a:tc>
+                <a:tc>
+                  <a:txBody>
+                    <a:bodyPr/>
+                    <a:lstStyle/>
+                    <a:p>
+                      <a:pPr algn="ctr"/>
+                      <a:r>
+                        <a:rPr lang="en-US" altLang="zh-TW" baseline="0" dirty="0">
+                          <a:solidFill>
+                            <a:schemeClr val="tx1"/>
+                          </a:solidFill>
+                          <a:latin typeface="Times New Roman" panose="02020603050405020304" pitchFamily="18" charset="0"/>
+                          <a:ea typeface="標楷體" panose="03000509000000000000" pitchFamily="65" charset="-120"/>
+                        </a:rPr>
+                        <a:t>20.75%</a:t>
+                      </a:r>
+                      <a:endParaRPr lang="zh-TW" altLang="en-US" baseline="0" dirty="0">
+                        <a:solidFill>
+                          <a:schemeClr val="tx1"/>
+                        </a:solidFill>
+                        <a:latin typeface="Times New Roman" panose="02020603050405020304" pitchFamily="18" charset="0"/>
+                        <a:ea typeface="標楷體" panose="03000509000000000000" pitchFamily="65" charset="-120"/>
+                      </a:endParaRPr>
+                    </a:p>
+                  </a:txBody>
+                  <a:tcPr anchor="ctr">
+                    <a:lnL w="12700" cap="flat" cmpd="sng" algn="ctr">
+                      <a:solidFill>
+                        <a:schemeClr val="accent6">
+                          <a:lumMod val="75000"/>
+                        </a:schemeClr>
+                      </a:solidFill>
+                      <a:prstDash val="solid"/>
+                      <a:round/>
+                      <a:headEnd type="none" w="med" len="med"/>
+                      <a:tailEnd type="none" w="med" len="med"/>
+                    </a:lnL>
+                    <a:lnR w="12700" cap="flat" cmpd="sng" algn="ctr">
+                      <a:solidFill>
+                        <a:schemeClr val="accent6">
+                          <a:lumMod val="75000"/>
+                        </a:schemeClr>
+                      </a:solidFill>
+                      <a:prstDash val="solid"/>
+                      <a:round/>
+                      <a:headEnd type="none" w="med" len="med"/>
+                      <a:tailEnd type="none" w="med" len="med"/>
+                    </a:lnR>
+                    <a:lnT w="12700" cap="flat" cmpd="sng" algn="ctr">
+                      <a:solidFill>
+                        <a:schemeClr val="accent6">
+                          <a:lumMod val="75000"/>
+                        </a:schemeClr>
+                      </a:solidFill>
+                      <a:prstDash val="solid"/>
+                      <a:round/>
+                      <a:headEnd type="none" w="med" len="med"/>
+                      <a:tailEnd type="none" w="med" len="med"/>
+                    </a:lnT>
+                    <a:lnB w="12700" cap="flat" cmpd="sng" algn="ctr">
+                      <a:solidFill>
+                        <a:schemeClr val="accent6">
+                          <a:lumMod val="75000"/>
+                        </a:schemeClr>
+                      </a:solidFill>
+                      <a:prstDash val="solid"/>
+                      <a:round/>
+                      <a:headEnd type="none" w="med" len="med"/>
+                      <a:tailEnd type="none" w="med" len="med"/>
+                    </a:lnB>
+                    <a:solidFill>
+                      <a:schemeClr val="accent6">
+                        <a:lumMod val="20000"/>
+                        <a:lumOff val="80000"/>
+                      </a:schemeClr>
+                    </a:solidFill>
+                  </a:tcPr>
+                </a:tc>
+                <a:tc>
+                  <a:txBody>
+                    <a:bodyPr/>
+                    <a:lstStyle/>
+                    <a:p>
+                      <a:pPr algn="ctr"/>
+                      <a:r>
+                        <a:rPr lang="en-US" altLang="zh-TW" baseline="0" dirty="0">
+                          <a:solidFill>
+                            <a:schemeClr val="tx1"/>
+                          </a:solidFill>
+                          <a:latin typeface="Times New Roman" panose="02020603050405020304" pitchFamily="18" charset="0"/>
+                          <a:ea typeface="標楷體" panose="03000509000000000000" pitchFamily="65" charset="-120"/>
+                        </a:rPr>
+                        <a:t>26.32%</a:t>
+                      </a:r>
+                      <a:endParaRPr lang="zh-TW" altLang="en-US" baseline="0" dirty="0">
+                        <a:solidFill>
+                          <a:schemeClr val="tx1"/>
+                        </a:solidFill>
+                        <a:latin typeface="Times New Roman" panose="02020603050405020304" pitchFamily="18" charset="0"/>
+                        <a:ea typeface="標楷體" panose="03000509000000000000" pitchFamily="65" charset="-120"/>
+                      </a:endParaRPr>
+                    </a:p>
+                  </a:txBody>
+                  <a:tcPr anchor="ctr">
+                    <a:lnL w="12700" cap="flat" cmpd="sng" algn="ctr">
+                      <a:solidFill>
+                        <a:schemeClr val="accent6">
+                          <a:lumMod val="75000"/>
+                        </a:schemeClr>
+                      </a:solidFill>
+                      <a:prstDash val="solid"/>
+                      <a:round/>
+                      <a:headEnd type="none" w="med" len="med"/>
+                      <a:tailEnd type="none" w="med" len="med"/>
+                    </a:lnL>
+                    <a:lnR w="12700" cap="flat" cmpd="sng" algn="ctr">
+                      <a:solidFill>
+                        <a:schemeClr val="accent6">
+                          <a:lumMod val="75000"/>
+                        </a:schemeClr>
+                      </a:solidFill>
+                      <a:prstDash val="solid"/>
+                      <a:round/>
+                      <a:headEnd type="none" w="med" len="med"/>
+                      <a:tailEnd type="none" w="med" len="med"/>
+                    </a:lnR>
+                    <a:lnT w="12700" cap="flat" cmpd="sng" algn="ctr">
+                      <a:solidFill>
+                        <a:schemeClr val="accent6">
+                          <a:lumMod val="75000"/>
+                        </a:schemeClr>
+                      </a:solidFill>
+                      <a:prstDash val="solid"/>
+                      <a:round/>
+                      <a:headEnd type="none" w="med" len="med"/>
+                      <a:tailEnd type="none" w="med" len="med"/>
+                    </a:lnT>
+                    <a:lnB w="12700" cap="flat" cmpd="sng" algn="ctr">
+                      <a:solidFill>
+                        <a:schemeClr val="accent6">
+                          <a:lumMod val="75000"/>
+                        </a:schemeClr>
+                      </a:solidFill>
+                      <a:prstDash val="solid"/>
+                      <a:round/>
+                      <a:headEnd type="none" w="med" len="med"/>
+                      <a:tailEnd type="none" w="med" len="med"/>
+                    </a:lnB>
+                    <a:solidFill>
+                      <a:schemeClr val="accent6">
+                        <a:lumMod val="20000"/>
+                        <a:lumOff val="80000"/>
+                      </a:schemeClr>
+                    </a:solidFill>
+                  </a:tcPr>
+                </a:tc>
+                <a:extLst>
+                  <a:ext uri="{0D108BD9-81ED-4DB2-BD59-A6C34878D82A}">
+                    <a16:rowId xmlns:a16="http://schemas.microsoft.com/office/drawing/2014/main" val="2854323263"/>
+                  </a:ext>
+                </a:extLst>
+              </a:tr>
+              <a:tr h="370840">
+                <a:tc>
+                  <a:txBody>
+                    <a:bodyPr/>
+                    <a:lstStyle/>
+                    <a:p>
+                      <a:pPr algn="ctr"/>
+                      <a:r>
+                        <a:rPr lang="zh-TW" altLang="en-US" baseline="0" dirty="0">
+                          <a:solidFill>
+                            <a:schemeClr val="tx1"/>
+                          </a:solidFill>
+                          <a:latin typeface="Times New Roman" panose="02020603050405020304" pitchFamily="18" charset="0"/>
+                          <a:ea typeface="標楷體" panose="03000509000000000000" pitchFamily="65" charset="-120"/>
+                        </a:rPr>
+                        <a:t>最大損失</a:t>
+                      </a:r>
+                    </a:p>
+                  </a:txBody>
+                  <a:tcPr anchor="ctr">
+                    <a:lnL w="12700" cap="flat" cmpd="sng" algn="ctr">
+                      <a:solidFill>
+                        <a:schemeClr val="accent6">
+                          <a:lumMod val="75000"/>
+                        </a:schemeClr>
+                      </a:solidFill>
+                      <a:prstDash val="solid"/>
+                      <a:round/>
+                      <a:headEnd type="none" w="med" len="med"/>
+                      <a:tailEnd type="none" w="med" len="med"/>
+                    </a:lnL>
+                    <a:lnR w="12700" cap="flat" cmpd="sng" algn="ctr">
+                      <a:solidFill>
+                        <a:schemeClr val="accent6">
+                          <a:lumMod val="75000"/>
+                        </a:schemeClr>
+                      </a:solidFill>
+                      <a:prstDash val="solid"/>
+                      <a:round/>
+                      <a:headEnd type="none" w="med" len="med"/>
+                      <a:tailEnd type="none" w="med" len="med"/>
+                    </a:lnR>
+                    <a:lnT w="12700" cap="flat" cmpd="sng" algn="ctr">
+                      <a:solidFill>
+                        <a:schemeClr val="accent6">
+                          <a:lumMod val="75000"/>
+                        </a:schemeClr>
+                      </a:solidFill>
+                      <a:prstDash val="solid"/>
+                      <a:round/>
+                      <a:headEnd type="none" w="med" len="med"/>
+                      <a:tailEnd type="none" w="med" len="med"/>
+                    </a:lnT>
+                    <a:lnB w="12700" cap="flat" cmpd="sng" algn="ctr">
+                      <a:solidFill>
+                        <a:schemeClr val="accent6">
+                          <a:lumMod val="75000"/>
+                        </a:schemeClr>
+                      </a:solidFill>
+                      <a:prstDash val="solid"/>
+                      <a:round/>
+                      <a:headEnd type="none" w="med" len="med"/>
+                      <a:tailEnd type="none" w="med" len="med"/>
+                    </a:lnB>
+                    <a:solidFill>
+                      <a:srgbClr val="B2D3A4"/>
+                    </a:solidFill>
+                  </a:tcPr>
+                </a:tc>
+                <a:tc>
+                  <a:txBody>
+                    <a:bodyPr/>
+                    <a:lstStyle/>
+                    <a:p>
+                      <a:pPr algn="ctr"/>
+                      <a:r>
+                        <a:rPr lang="en-US" altLang="zh-TW" baseline="0" dirty="0">
+                          <a:solidFill>
+                            <a:schemeClr val="tx1"/>
+                          </a:solidFill>
+                          <a:latin typeface="Times New Roman" panose="02020603050405020304" pitchFamily="18" charset="0"/>
+                          <a:ea typeface="標楷體" panose="03000509000000000000" pitchFamily="65" charset="-120"/>
+                        </a:rPr>
+                        <a:t>(-46,933)</a:t>
+                      </a:r>
+                      <a:endParaRPr lang="zh-TW" altLang="en-US" baseline="0" dirty="0">
+                        <a:solidFill>
+                          <a:schemeClr val="tx1"/>
+                        </a:solidFill>
+                        <a:latin typeface="Times New Roman" panose="02020603050405020304" pitchFamily="18" charset="0"/>
+                        <a:ea typeface="標楷體" panose="03000509000000000000" pitchFamily="65" charset="-120"/>
+                      </a:endParaRPr>
+                    </a:p>
+                  </a:txBody>
+                  <a:tcPr anchor="ctr">
+                    <a:lnL w="12700" cap="flat" cmpd="sng" algn="ctr">
+                      <a:solidFill>
+                        <a:schemeClr val="accent6">
+                          <a:lumMod val="75000"/>
+                        </a:schemeClr>
+                      </a:solidFill>
+                      <a:prstDash val="solid"/>
+                      <a:round/>
+                      <a:headEnd type="none" w="med" len="med"/>
+                      <a:tailEnd type="none" w="med" len="med"/>
+                    </a:lnL>
+                    <a:lnR w="12700" cap="flat" cmpd="sng" algn="ctr">
+                      <a:solidFill>
+                        <a:schemeClr val="accent6">
+                          <a:lumMod val="75000"/>
+                        </a:schemeClr>
+                      </a:solidFill>
+                      <a:prstDash val="solid"/>
+                      <a:round/>
+                      <a:headEnd type="none" w="med" len="med"/>
+                      <a:tailEnd type="none" w="med" len="med"/>
+                    </a:lnR>
+                    <a:lnT w="12700" cap="flat" cmpd="sng" algn="ctr">
+                      <a:solidFill>
+                        <a:schemeClr val="accent6">
+                          <a:lumMod val="75000"/>
+                        </a:schemeClr>
+                      </a:solidFill>
+                      <a:prstDash val="solid"/>
+                      <a:round/>
+                      <a:headEnd type="none" w="med" len="med"/>
+                      <a:tailEnd type="none" w="med" len="med"/>
+                    </a:lnT>
+                    <a:lnB w="12700" cap="flat" cmpd="sng" algn="ctr">
+                      <a:solidFill>
+                        <a:schemeClr val="accent6">
+                          <a:lumMod val="75000"/>
+                        </a:schemeClr>
+                      </a:solidFill>
+                      <a:prstDash val="solid"/>
+                      <a:round/>
+                      <a:headEnd type="none" w="med" len="med"/>
+                      <a:tailEnd type="none" w="med" len="med"/>
+                    </a:lnB>
+                    <a:solidFill>
+                      <a:schemeClr val="accent6">
+                        <a:lumMod val="20000"/>
+                        <a:lumOff val="80000"/>
+                      </a:schemeClr>
+                    </a:solidFill>
+                  </a:tcPr>
+                </a:tc>
+                <a:tc>
+                  <a:txBody>
+                    <a:bodyPr/>
+                    <a:lstStyle/>
+                    <a:p>
+                      <a:pPr algn="ctr"/>
+                      <a:r>
+                        <a:rPr lang="en-US" altLang="zh-TW" baseline="0" dirty="0">
+                          <a:solidFill>
+                            <a:schemeClr val="tx1"/>
+                          </a:solidFill>
+                          <a:latin typeface="Times New Roman" panose="02020603050405020304" pitchFamily="18" charset="0"/>
+                          <a:ea typeface="標楷體" panose="03000509000000000000" pitchFamily="65" charset="-120"/>
+                        </a:rPr>
+                        <a:t>(-28,958)</a:t>
+                      </a:r>
+                      <a:endParaRPr lang="zh-TW" altLang="en-US" baseline="0" dirty="0">
+                        <a:solidFill>
+                          <a:schemeClr val="tx1"/>
+                        </a:solidFill>
+                        <a:latin typeface="Times New Roman" panose="02020603050405020304" pitchFamily="18" charset="0"/>
+                        <a:ea typeface="標楷體" panose="03000509000000000000" pitchFamily="65" charset="-120"/>
+                      </a:endParaRPr>
+                    </a:p>
+                  </a:txBody>
+                  <a:tcPr anchor="ctr">
+                    <a:lnL w="12700" cap="flat" cmpd="sng" algn="ctr">
+                      <a:solidFill>
+                        <a:schemeClr val="accent6">
+                          <a:lumMod val="75000"/>
+                        </a:schemeClr>
+                      </a:solidFill>
+                      <a:prstDash val="solid"/>
+                      <a:round/>
+                      <a:headEnd type="none" w="med" len="med"/>
+                      <a:tailEnd type="none" w="med" len="med"/>
+                    </a:lnL>
+                    <a:lnR w="12700" cap="flat" cmpd="sng" algn="ctr">
+                      <a:solidFill>
+                        <a:schemeClr val="accent6">
+                          <a:lumMod val="75000"/>
+                        </a:schemeClr>
+                      </a:solidFill>
+                      <a:prstDash val="solid"/>
+                      <a:round/>
+                      <a:headEnd type="none" w="med" len="med"/>
+                      <a:tailEnd type="none" w="med" len="med"/>
+                    </a:lnR>
+                    <a:lnT w="12700" cap="flat" cmpd="sng" algn="ctr">
+                      <a:solidFill>
+                        <a:schemeClr val="accent6">
+                          <a:lumMod val="75000"/>
+                        </a:schemeClr>
+                      </a:solidFill>
+                      <a:prstDash val="solid"/>
+                      <a:round/>
+                      <a:headEnd type="none" w="med" len="med"/>
+                      <a:tailEnd type="none" w="med" len="med"/>
+                    </a:lnT>
+                    <a:lnB w="12700" cap="flat" cmpd="sng" algn="ctr">
+                      <a:solidFill>
+                        <a:schemeClr val="accent6">
+                          <a:lumMod val="75000"/>
+                        </a:schemeClr>
+                      </a:solidFill>
+                      <a:prstDash val="solid"/>
+                      <a:round/>
+                      <a:headEnd type="none" w="med" len="med"/>
+                      <a:tailEnd type="none" w="med" len="med"/>
+                    </a:lnB>
+                    <a:solidFill>
+                      <a:schemeClr val="accent6">
+                        <a:lumMod val="20000"/>
+                        <a:lumOff val="80000"/>
+                      </a:schemeClr>
+                    </a:solidFill>
+                  </a:tcPr>
+                </a:tc>
+                <a:extLst>
+                  <a:ext uri="{0D108BD9-81ED-4DB2-BD59-A6C34878D82A}">
+                    <a16:rowId xmlns:a16="http://schemas.microsoft.com/office/drawing/2014/main" val="3953125328"/>
+                  </a:ext>
+                </a:extLst>
+              </a:tr>
+              <a:tr h="370840">
+                <a:tc>
+                  <a:txBody>
+                    <a:bodyPr/>
+                    <a:lstStyle/>
+                    <a:p>
+                      <a:pPr algn="ctr"/>
+                      <a:r>
+                        <a:rPr lang="zh-TW" altLang="en-US" baseline="0" dirty="0">
+                          <a:solidFill>
+                            <a:schemeClr val="tx1"/>
+                          </a:solidFill>
+                          <a:latin typeface="Times New Roman" panose="02020603050405020304" pitchFamily="18" charset="0"/>
+                          <a:ea typeface="標楷體" panose="03000509000000000000" pitchFamily="65" charset="-120"/>
+                        </a:rPr>
+                        <a:t>最大獲利</a:t>
+                      </a:r>
+                    </a:p>
+                  </a:txBody>
+                  <a:tcPr anchor="ctr">
+                    <a:lnL w="12700" cap="flat" cmpd="sng" algn="ctr">
+                      <a:solidFill>
+                        <a:schemeClr val="accent6">
+                          <a:lumMod val="75000"/>
+                        </a:schemeClr>
+                      </a:solidFill>
+                      <a:prstDash val="solid"/>
+                      <a:round/>
+                      <a:headEnd type="none" w="med" len="med"/>
+                      <a:tailEnd type="none" w="med" len="med"/>
+                    </a:lnL>
+                    <a:lnR w="12700" cap="flat" cmpd="sng" algn="ctr">
+                      <a:solidFill>
+                        <a:schemeClr val="accent6">
+                          <a:lumMod val="75000"/>
+                        </a:schemeClr>
+                      </a:solidFill>
+                      <a:prstDash val="solid"/>
+                      <a:round/>
+                      <a:headEnd type="none" w="med" len="med"/>
+                      <a:tailEnd type="none" w="med" len="med"/>
+                    </a:lnR>
+                    <a:lnT w="12700" cap="flat" cmpd="sng" algn="ctr">
+                      <a:solidFill>
+                        <a:schemeClr val="accent6">
+                          <a:lumMod val="75000"/>
+                        </a:schemeClr>
+                      </a:solidFill>
+                      <a:prstDash val="solid"/>
+                      <a:round/>
+                      <a:headEnd type="none" w="med" len="med"/>
+                      <a:tailEnd type="none" w="med" len="med"/>
+                    </a:lnT>
+                    <a:lnB w="12700" cap="flat" cmpd="sng" algn="ctr">
+                      <a:solidFill>
+                        <a:schemeClr val="accent6">
+                          <a:lumMod val="75000"/>
+                        </a:schemeClr>
+                      </a:solidFill>
+                      <a:prstDash val="solid"/>
+                      <a:round/>
+                      <a:headEnd type="none" w="med" len="med"/>
+                      <a:tailEnd type="none" w="med" len="med"/>
+                    </a:lnB>
+                    <a:solidFill>
+                      <a:srgbClr val="B2D3A4"/>
+                    </a:solidFill>
+                  </a:tcPr>
+                </a:tc>
+                <a:tc>
+                  <a:txBody>
+                    <a:bodyPr/>
+                    <a:lstStyle/>
+                    <a:p>
+                      <a:pPr algn="ctr"/>
+                      <a:r>
+                        <a:rPr lang="en-US" altLang="zh-TW" baseline="0" dirty="0">
+                          <a:solidFill>
+                            <a:schemeClr val="tx1"/>
+                          </a:solidFill>
+                          <a:latin typeface="Times New Roman" panose="02020603050405020304" pitchFamily="18" charset="0"/>
+                          <a:ea typeface="標楷體" panose="03000509000000000000" pitchFamily="65" charset="-120"/>
+                        </a:rPr>
+                        <a:t>33,952</a:t>
+                      </a:r>
+                      <a:endParaRPr lang="zh-TW" altLang="en-US" baseline="0" dirty="0">
+                        <a:solidFill>
+                          <a:schemeClr val="tx1"/>
+                        </a:solidFill>
+                        <a:latin typeface="Times New Roman" panose="02020603050405020304" pitchFamily="18" charset="0"/>
+                        <a:ea typeface="標楷體" panose="03000509000000000000" pitchFamily="65" charset="-120"/>
+                      </a:endParaRPr>
+                    </a:p>
+                  </a:txBody>
+                  <a:tcPr anchor="ctr">
+                    <a:lnL w="12700" cap="flat" cmpd="sng" algn="ctr">
+                      <a:solidFill>
+                        <a:schemeClr val="accent6">
+                          <a:lumMod val="75000"/>
+                        </a:schemeClr>
+                      </a:solidFill>
+                      <a:prstDash val="solid"/>
+                      <a:round/>
+                      <a:headEnd type="none" w="med" len="med"/>
+                      <a:tailEnd type="none" w="med" len="med"/>
+                    </a:lnL>
+                    <a:lnR w="12700" cap="flat" cmpd="sng" algn="ctr">
+                      <a:solidFill>
+                        <a:schemeClr val="accent6">
+                          <a:lumMod val="75000"/>
+                        </a:schemeClr>
+                      </a:solidFill>
+                      <a:prstDash val="solid"/>
+                      <a:round/>
+                      <a:headEnd type="none" w="med" len="med"/>
+                      <a:tailEnd type="none" w="med" len="med"/>
+                    </a:lnR>
+                    <a:lnT w="12700" cap="flat" cmpd="sng" algn="ctr">
+                      <a:solidFill>
+                        <a:schemeClr val="accent6">
+                          <a:lumMod val="75000"/>
+                        </a:schemeClr>
+                      </a:solidFill>
+                      <a:prstDash val="solid"/>
+                      <a:round/>
+                      <a:headEnd type="none" w="med" len="med"/>
+                      <a:tailEnd type="none" w="med" len="med"/>
+                    </a:lnT>
+                    <a:lnB w="12700" cap="flat" cmpd="sng" algn="ctr">
+                      <a:solidFill>
+                        <a:schemeClr val="accent6">
+                          <a:lumMod val="75000"/>
+                        </a:schemeClr>
+                      </a:solidFill>
+                      <a:prstDash val="solid"/>
+                      <a:round/>
+                      <a:headEnd type="none" w="med" len="med"/>
+                      <a:tailEnd type="none" w="med" len="med"/>
+                    </a:lnB>
+                    <a:solidFill>
+                      <a:schemeClr val="accent6">
+                        <a:lumMod val="20000"/>
+                        <a:lumOff val="80000"/>
+                      </a:schemeClr>
+                    </a:solidFill>
+                  </a:tcPr>
+                </a:tc>
+                <a:tc>
+                  <a:txBody>
+                    <a:bodyPr/>
+                    <a:lstStyle/>
+                    <a:p>
+                      <a:pPr algn="ctr"/>
+                      <a:r>
+                        <a:rPr lang="en-US" altLang="zh-TW" baseline="0" dirty="0">
+                          <a:solidFill>
+                            <a:schemeClr val="tx1"/>
+                          </a:solidFill>
+                          <a:latin typeface="Times New Roman" panose="02020603050405020304" pitchFamily="18" charset="0"/>
+                          <a:ea typeface="標楷體" panose="03000509000000000000" pitchFamily="65" charset="-120"/>
+                        </a:rPr>
+                        <a:t>50,927</a:t>
+                      </a:r>
+                      <a:endParaRPr lang="zh-TW" altLang="en-US" baseline="0" dirty="0">
+                        <a:solidFill>
+                          <a:schemeClr val="tx1"/>
+                        </a:solidFill>
+                        <a:latin typeface="Times New Roman" panose="02020603050405020304" pitchFamily="18" charset="0"/>
+                        <a:ea typeface="標楷體" panose="03000509000000000000" pitchFamily="65" charset="-120"/>
+                      </a:endParaRPr>
+                    </a:p>
+                  </a:txBody>
+                  <a:tcPr anchor="ctr">
+                    <a:lnL w="12700" cap="flat" cmpd="sng" algn="ctr">
+                      <a:solidFill>
+                        <a:schemeClr val="accent6">
+                          <a:lumMod val="75000"/>
+                        </a:schemeClr>
+                      </a:solidFill>
+                      <a:prstDash val="solid"/>
+                      <a:round/>
+                      <a:headEnd type="none" w="med" len="med"/>
+                      <a:tailEnd type="none" w="med" len="med"/>
+                    </a:lnL>
+                    <a:lnR w="12700" cap="flat" cmpd="sng" algn="ctr">
+                      <a:solidFill>
+                        <a:schemeClr val="accent6">
+                          <a:lumMod val="75000"/>
+                        </a:schemeClr>
+                      </a:solidFill>
+                      <a:prstDash val="solid"/>
+                      <a:round/>
+                      <a:headEnd type="none" w="med" len="med"/>
+                      <a:tailEnd type="none" w="med" len="med"/>
+                    </a:lnR>
+                    <a:lnT w="12700" cap="flat" cmpd="sng" algn="ctr">
+                      <a:solidFill>
+                        <a:schemeClr val="accent6">
+                          <a:lumMod val="75000"/>
+                        </a:schemeClr>
+                      </a:solidFill>
+                      <a:prstDash val="solid"/>
+                      <a:round/>
+                      <a:headEnd type="none" w="med" len="med"/>
+                      <a:tailEnd type="none" w="med" len="med"/>
+                    </a:lnT>
+                    <a:lnB w="12700" cap="flat" cmpd="sng" algn="ctr">
+                      <a:solidFill>
+                        <a:schemeClr val="accent6">
+                          <a:lumMod val="75000"/>
+                        </a:schemeClr>
+                      </a:solidFill>
+                      <a:prstDash val="solid"/>
+                      <a:round/>
+                      <a:headEnd type="none" w="med" len="med"/>
+                      <a:tailEnd type="none" w="med" len="med"/>
+                    </a:lnB>
+                    <a:solidFill>
+                      <a:schemeClr val="accent6">
+                        <a:lumMod val="20000"/>
+                        <a:lumOff val="80000"/>
+                      </a:schemeClr>
+                    </a:solidFill>
+                  </a:tcPr>
+                </a:tc>
+                <a:extLst>
+                  <a:ext uri="{0D108BD9-81ED-4DB2-BD59-A6C34878D82A}">
+                    <a16:rowId xmlns:a16="http://schemas.microsoft.com/office/drawing/2014/main" val="2532811634"/>
+                  </a:ext>
+                </a:extLst>
+              </a:tr>
+              <a:tr h="370840">
+                <a:tc>
+                  <a:txBody>
+                    <a:bodyPr/>
+                    <a:lstStyle/>
+                    <a:p>
+                      <a:pPr algn="ctr"/>
+                      <a:r>
+                        <a:rPr lang="zh-TW" altLang="en-US" baseline="0" dirty="0">
+                          <a:solidFill>
+                            <a:schemeClr val="tx1"/>
+                          </a:solidFill>
+                          <a:latin typeface="Times New Roman" panose="02020603050405020304" pitchFamily="18" charset="0"/>
+                          <a:ea typeface="標楷體" panose="03000509000000000000" pitchFamily="65" charset="-120"/>
+                        </a:rPr>
+                        <a:t>投資報酬率</a:t>
+                      </a:r>
+                    </a:p>
+                  </a:txBody>
+                  <a:tcPr anchor="ctr">
+                    <a:lnL w="12700" cap="flat" cmpd="sng" algn="ctr">
+                      <a:solidFill>
+                        <a:schemeClr val="accent6">
+                          <a:lumMod val="75000"/>
+                        </a:schemeClr>
+                      </a:solidFill>
+                      <a:prstDash val="solid"/>
+                      <a:round/>
+                      <a:headEnd type="none" w="med" len="med"/>
+                      <a:tailEnd type="none" w="med" len="med"/>
+                    </a:lnL>
+                    <a:lnR w="12700" cap="flat" cmpd="sng" algn="ctr">
+                      <a:solidFill>
+                        <a:schemeClr val="accent6">
+                          <a:lumMod val="75000"/>
+                        </a:schemeClr>
+                      </a:solidFill>
+                      <a:prstDash val="solid"/>
+                      <a:round/>
+                      <a:headEnd type="none" w="med" len="med"/>
+                      <a:tailEnd type="none" w="med" len="med"/>
+                    </a:lnR>
+                    <a:lnT w="12700" cap="flat" cmpd="sng" algn="ctr">
+                      <a:solidFill>
+                        <a:schemeClr val="accent6">
+                          <a:lumMod val="75000"/>
+                        </a:schemeClr>
+                      </a:solidFill>
+                      <a:prstDash val="solid"/>
+                      <a:round/>
+                      <a:headEnd type="none" w="med" len="med"/>
+                      <a:tailEnd type="none" w="med" len="med"/>
+                    </a:lnT>
+                    <a:lnB w="12700" cap="flat" cmpd="sng" algn="ctr">
+                      <a:solidFill>
+                        <a:schemeClr val="accent6">
+                          <a:lumMod val="75000"/>
+                        </a:schemeClr>
+                      </a:solidFill>
+                      <a:prstDash val="solid"/>
+                      <a:round/>
+                      <a:headEnd type="none" w="med" len="med"/>
+                      <a:tailEnd type="none" w="med" len="med"/>
+                    </a:lnB>
+                    <a:solidFill>
+                      <a:srgbClr val="B2D3A4"/>
+                    </a:solidFill>
+                  </a:tcPr>
+                </a:tc>
+                <a:tc>
+                  <a:txBody>
+                    <a:bodyPr/>
+                    <a:lstStyle/>
+                    <a:p>
+                      <a:pPr algn="ctr"/>
+                      <a:r>
+                        <a:rPr lang="en-US" altLang="zh-TW" baseline="0" dirty="0">
+                          <a:solidFill>
+                            <a:schemeClr val="tx1"/>
+                          </a:solidFill>
+                          <a:latin typeface="Times New Roman" panose="02020603050405020304" pitchFamily="18" charset="0"/>
+                          <a:ea typeface="標楷體" panose="03000509000000000000" pitchFamily="65" charset="-120"/>
+                        </a:rPr>
+                        <a:t>(-51.15%)</a:t>
+                      </a:r>
+                      <a:endParaRPr lang="zh-TW" altLang="en-US" baseline="0" dirty="0">
+                        <a:solidFill>
+                          <a:schemeClr val="tx1"/>
+                        </a:solidFill>
+                        <a:latin typeface="Times New Roman" panose="02020603050405020304" pitchFamily="18" charset="0"/>
+                        <a:ea typeface="標楷體" panose="03000509000000000000" pitchFamily="65" charset="-120"/>
+                      </a:endParaRPr>
+                    </a:p>
+                  </a:txBody>
+                  <a:tcPr anchor="ctr">
+                    <a:lnL w="12700" cap="flat" cmpd="sng" algn="ctr">
+                      <a:solidFill>
+                        <a:schemeClr val="accent6">
+                          <a:lumMod val="75000"/>
+                        </a:schemeClr>
+                      </a:solidFill>
+                      <a:prstDash val="solid"/>
+                      <a:round/>
+                      <a:headEnd type="none" w="med" len="med"/>
+                      <a:tailEnd type="none" w="med" len="med"/>
+                    </a:lnL>
+                    <a:lnR w="12700" cap="flat" cmpd="sng" algn="ctr">
+                      <a:solidFill>
+                        <a:schemeClr val="accent6">
+                          <a:lumMod val="75000"/>
+                        </a:schemeClr>
+                      </a:solidFill>
+                      <a:prstDash val="solid"/>
+                      <a:round/>
+                      <a:headEnd type="none" w="med" len="med"/>
+                      <a:tailEnd type="none" w="med" len="med"/>
+                    </a:lnR>
+                    <a:lnT w="12700" cap="flat" cmpd="sng" algn="ctr">
+                      <a:solidFill>
+                        <a:schemeClr val="accent6">
+                          <a:lumMod val="75000"/>
+                        </a:schemeClr>
+                      </a:solidFill>
+                      <a:prstDash val="solid"/>
+                      <a:round/>
+                      <a:headEnd type="none" w="med" len="med"/>
+                      <a:tailEnd type="none" w="med" len="med"/>
+                    </a:lnT>
+                    <a:lnB w="12700" cap="flat" cmpd="sng" algn="ctr">
+                      <a:solidFill>
+                        <a:schemeClr val="accent6">
+                          <a:lumMod val="75000"/>
+                        </a:schemeClr>
+                      </a:solidFill>
+                      <a:prstDash val="solid"/>
+                      <a:round/>
+                      <a:headEnd type="none" w="med" len="med"/>
+                      <a:tailEnd type="none" w="med" len="med"/>
+                    </a:lnB>
+                    <a:solidFill>
+                      <a:schemeClr val="accent6">
+                        <a:lumMod val="20000"/>
+                        <a:lumOff val="80000"/>
+                      </a:schemeClr>
+                    </a:solidFill>
+                  </a:tcPr>
+                </a:tc>
+                <a:tc>
+                  <a:txBody>
+                    <a:bodyPr/>
+                    <a:lstStyle/>
+                    <a:p>
+                      <a:pPr algn="ctr"/>
+                      <a:r>
+                        <a:rPr lang="en-US" altLang="zh-TW" baseline="0" dirty="0">
+                          <a:solidFill>
+                            <a:schemeClr val="tx1"/>
+                          </a:solidFill>
+                          <a:latin typeface="Times New Roman" panose="02020603050405020304" pitchFamily="18" charset="0"/>
+                          <a:ea typeface="標楷體" panose="03000509000000000000" pitchFamily="65" charset="-120"/>
+                        </a:rPr>
+                        <a:t>(-16.38%)</a:t>
+                      </a:r>
+                      <a:endParaRPr lang="zh-TW" altLang="en-US" baseline="0" dirty="0">
+                        <a:solidFill>
+                          <a:schemeClr val="tx1"/>
+                        </a:solidFill>
+                        <a:latin typeface="Times New Roman" panose="02020603050405020304" pitchFamily="18" charset="0"/>
+                        <a:ea typeface="標楷體" panose="03000509000000000000" pitchFamily="65" charset="-120"/>
+                      </a:endParaRPr>
+                    </a:p>
+                  </a:txBody>
+                  <a:tcPr anchor="ctr">
+                    <a:lnL w="12700" cap="flat" cmpd="sng" algn="ctr">
+                      <a:solidFill>
+                        <a:schemeClr val="accent6">
+                          <a:lumMod val="75000"/>
+                        </a:schemeClr>
+                      </a:solidFill>
+                      <a:prstDash val="solid"/>
+                      <a:round/>
+                      <a:headEnd type="none" w="med" len="med"/>
+                      <a:tailEnd type="none" w="med" len="med"/>
+                    </a:lnL>
+                    <a:lnR w="12700" cap="flat" cmpd="sng" algn="ctr">
+                      <a:solidFill>
+                        <a:schemeClr val="accent6">
+                          <a:lumMod val="75000"/>
+                        </a:schemeClr>
+                      </a:solidFill>
+                      <a:prstDash val="solid"/>
+                      <a:round/>
+                      <a:headEnd type="none" w="med" len="med"/>
+                      <a:tailEnd type="none" w="med" len="med"/>
+                    </a:lnR>
+                    <a:lnT w="12700" cap="flat" cmpd="sng" algn="ctr">
+                      <a:solidFill>
+                        <a:schemeClr val="accent6">
+                          <a:lumMod val="75000"/>
+                        </a:schemeClr>
+                      </a:solidFill>
+                      <a:prstDash val="solid"/>
+                      <a:round/>
+                      <a:headEnd type="none" w="med" len="med"/>
+                      <a:tailEnd type="none" w="med" len="med"/>
+                    </a:lnT>
+                    <a:lnB w="12700" cap="flat" cmpd="sng" algn="ctr">
+                      <a:solidFill>
+                        <a:schemeClr val="accent6">
+                          <a:lumMod val="75000"/>
+                        </a:schemeClr>
+                      </a:solidFill>
+                      <a:prstDash val="solid"/>
+                      <a:round/>
+                      <a:headEnd type="none" w="med" len="med"/>
+                      <a:tailEnd type="none" w="med" len="med"/>
+                    </a:lnB>
+                    <a:solidFill>
+                      <a:schemeClr val="accent6">
+                        <a:lumMod val="20000"/>
+                        <a:lumOff val="80000"/>
+                      </a:schemeClr>
+                    </a:solidFill>
+                  </a:tcPr>
+                </a:tc>
+                <a:extLst>
+                  <a:ext uri="{0D108BD9-81ED-4DB2-BD59-A6C34878D82A}">
+                    <a16:rowId xmlns:a16="http://schemas.microsoft.com/office/drawing/2014/main" val="499546409"/>
+                  </a:ext>
+                </a:extLst>
+              </a:tr>
+              <a:tr h="370840">
+                <a:tc>
+                  <a:txBody>
+                    <a:bodyPr/>
+                    <a:lstStyle/>
+                    <a:p>
+                      <a:pPr algn="ctr"/>
+                      <a:r>
+                        <a:rPr lang="zh-TW" altLang="en-US" baseline="0" dirty="0">
+                          <a:solidFill>
+                            <a:schemeClr val="tx1"/>
+                          </a:solidFill>
+                          <a:latin typeface="Times New Roman" panose="02020603050405020304" pitchFamily="18" charset="0"/>
+                          <a:ea typeface="標楷體" panose="03000509000000000000" pitchFamily="65" charset="-120"/>
+                        </a:rPr>
+                        <a:t>平均交易報酬率</a:t>
+                      </a:r>
+                    </a:p>
+                  </a:txBody>
+                  <a:tcPr anchor="ctr">
+                    <a:lnL w="12700" cap="flat" cmpd="sng" algn="ctr">
+                      <a:solidFill>
+                        <a:schemeClr val="accent6">
+                          <a:lumMod val="75000"/>
+                        </a:schemeClr>
+                      </a:solidFill>
+                      <a:prstDash val="solid"/>
+                      <a:round/>
+                      <a:headEnd type="none" w="med" len="med"/>
+                      <a:tailEnd type="none" w="med" len="med"/>
+                    </a:lnL>
+                    <a:lnR w="12700" cap="flat" cmpd="sng" algn="ctr">
+                      <a:solidFill>
+                        <a:schemeClr val="accent6">
+                          <a:lumMod val="75000"/>
+                        </a:schemeClr>
+                      </a:solidFill>
+                      <a:prstDash val="solid"/>
+                      <a:round/>
+                      <a:headEnd type="none" w="med" len="med"/>
+                      <a:tailEnd type="none" w="med" len="med"/>
+                    </a:lnR>
+                    <a:lnT w="12700" cap="flat" cmpd="sng" algn="ctr">
+                      <a:solidFill>
+                        <a:schemeClr val="accent6">
+                          <a:lumMod val="75000"/>
+                        </a:schemeClr>
+                      </a:solidFill>
+                      <a:prstDash val="solid"/>
+                      <a:round/>
+                      <a:headEnd type="none" w="med" len="med"/>
+                      <a:tailEnd type="none" w="med" len="med"/>
+                    </a:lnT>
+                    <a:lnB w="12700" cap="flat" cmpd="sng" algn="ctr">
+                      <a:solidFill>
+                        <a:schemeClr val="accent6">
+                          <a:lumMod val="75000"/>
+                        </a:schemeClr>
+                      </a:solidFill>
+                      <a:prstDash val="solid"/>
+                      <a:round/>
+                      <a:headEnd type="none" w="med" len="med"/>
+                      <a:tailEnd type="none" w="med" len="med"/>
+                    </a:lnB>
+                    <a:solidFill>
+                      <a:srgbClr val="B2D3A4"/>
+                    </a:solidFill>
+                  </a:tcPr>
+                </a:tc>
+                <a:tc>
+                  <a:txBody>
+                    <a:bodyPr/>
+                    <a:lstStyle/>
+                    <a:p>
+                      <a:pPr algn="ctr"/>
+                      <a:r>
+                        <a:rPr lang="en-US" altLang="zh-TW" baseline="0" dirty="0">
+                          <a:solidFill>
+                            <a:schemeClr val="tx1"/>
+                          </a:solidFill>
+                          <a:latin typeface="Times New Roman" panose="02020603050405020304" pitchFamily="18" charset="0"/>
+                          <a:ea typeface="標楷體" panose="03000509000000000000" pitchFamily="65" charset="-120"/>
+                        </a:rPr>
+                        <a:t>(-0.97%)</a:t>
+                      </a:r>
+                      <a:endParaRPr lang="zh-TW" altLang="en-US" baseline="0" dirty="0">
+                        <a:solidFill>
+                          <a:schemeClr val="tx1"/>
+                        </a:solidFill>
+                        <a:latin typeface="Times New Roman" panose="02020603050405020304" pitchFamily="18" charset="0"/>
+                        <a:ea typeface="標楷體" panose="03000509000000000000" pitchFamily="65" charset="-120"/>
+                      </a:endParaRPr>
+                    </a:p>
+                  </a:txBody>
+                  <a:tcPr anchor="ctr">
+                    <a:lnL w="12700" cap="flat" cmpd="sng" algn="ctr">
+                      <a:solidFill>
+                        <a:schemeClr val="accent6">
+                          <a:lumMod val="75000"/>
+                        </a:schemeClr>
+                      </a:solidFill>
+                      <a:prstDash val="solid"/>
+                      <a:round/>
+                      <a:headEnd type="none" w="med" len="med"/>
+                      <a:tailEnd type="none" w="med" len="med"/>
+                    </a:lnL>
+                    <a:lnR w="12700" cap="flat" cmpd="sng" algn="ctr">
+                      <a:solidFill>
+                        <a:schemeClr val="accent6">
+                          <a:lumMod val="75000"/>
+                        </a:schemeClr>
+                      </a:solidFill>
+                      <a:prstDash val="solid"/>
+                      <a:round/>
+                      <a:headEnd type="none" w="med" len="med"/>
+                      <a:tailEnd type="none" w="med" len="med"/>
+                    </a:lnR>
+                    <a:lnT w="12700" cap="flat" cmpd="sng" algn="ctr">
+                      <a:solidFill>
+                        <a:schemeClr val="accent6">
+                          <a:lumMod val="75000"/>
+                        </a:schemeClr>
+                      </a:solidFill>
+                      <a:prstDash val="solid"/>
+                      <a:round/>
+                      <a:headEnd type="none" w="med" len="med"/>
+                      <a:tailEnd type="none" w="med" len="med"/>
+                    </a:lnT>
+                    <a:lnB w="12700" cap="flat" cmpd="sng" algn="ctr">
+                      <a:solidFill>
+                        <a:schemeClr val="accent6">
+                          <a:lumMod val="75000"/>
+                        </a:schemeClr>
+                      </a:solidFill>
+                      <a:prstDash val="solid"/>
+                      <a:round/>
+                      <a:headEnd type="none" w="med" len="med"/>
+                      <a:tailEnd type="none" w="med" len="med"/>
+                    </a:lnB>
+                    <a:solidFill>
+                      <a:schemeClr val="accent6">
+                        <a:lumMod val="20000"/>
+                        <a:lumOff val="80000"/>
+                      </a:schemeClr>
+                    </a:solidFill>
+                  </a:tcPr>
+                </a:tc>
+                <a:tc>
+                  <a:txBody>
+                    <a:bodyPr/>
+                    <a:lstStyle/>
+                    <a:p>
+                      <a:pPr algn="ctr"/>
+                      <a:r>
+                        <a:rPr lang="en-US" altLang="zh-TW" baseline="0" dirty="0">
+                          <a:solidFill>
+                            <a:schemeClr val="tx1"/>
+                          </a:solidFill>
+                          <a:latin typeface="Times New Roman" panose="02020603050405020304" pitchFamily="18" charset="0"/>
+                          <a:ea typeface="標楷體" panose="03000509000000000000" pitchFamily="65" charset="-120"/>
+                        </a:rPr>
+                        <a:t>(-0.86%)</a:t>
+                      </a:r>
+                      <a:endParaRPr lang="zh-TW" altLang="en-US" baseline="0" dirty="0">
+                        <a:solidFill>
+                          <a:schemeClr val="tx1"/>
+                        </a:solidFill>
+                        <a:latin typeface="Times New Roman" panose="02020603050405020304" pitchFamily="18" charset="0"/>
+                        <a:ea typeface="標楷體" panose="03000509000000000000" pitchFamily="65" charset="-120"/>
+                      </a:endParaRPr>
+                    </a:p>
+                  </a:txBody>
+                  <a:tcPr anchor="ctr">
+                    <a:lnL w="12700" cap="flat" cmpd="sng" algn="ctr">
+                      <a:solidFill>
+                        <a:schemeClr val="accent6">
+                          <a:lumMod val="75000"/>
+                        </a:schemeClr>
+                      </a:solidFill>
+                      <a:prstDash val="solid"/>
+                      <a:round/>
+                      <a:headEnd type="none" w="med" len="med"/>
+                      <a:tailEnd type="none" w="med" len="med"/>
+                    </a:lnL>
+                    <a:lnR w="12700" cap="flat" cmpd="sng" algn="ctr">
+                      <a:solidFill>
+                        <a:schemeClr val="accent6">
+                          <a:lumMod val="75000"/>
+                        </a:schemeClr>
+                      </a:solidFill>
+                      <a:prstDash val="solid"/>
+                      <a:round/>
+                      <a:headEnd type="none" w="med" len="med"/>
+                      <a:tailEnd type="none" w="med" len="med"/>
+                    </a:lnR>
+                    <a:lnT w="12700" cap="flat" cmpd="sng" algn="ctr">
+                      <a:solidFill>
+                        <a:schemeClr val="accent6">
+                          <a:lumMod val="75000"/>
+                        </a:schemeClr>
+                      </a:solidFill>
+                      <a:prstDash val="solid"/>
+                      <a:round/>
+                      <a:headEnd type="none" w="med" len="med"/>
+                      <a:tailEnd type="none" w="med" len="med"/>
+                    </a:lnT>
+                    <a:lnB w="12700" cap="flat" cmpd="sng" algn="ctr">
+                      <a:solidFill>
+                        <a:schemeClr val="accent6">
+                          <a:lumMod val="75000"/>
+                        </a:schemeClr>
+                      </a:solidFill>
+                      <a:prstDash val="solid"/>
+                      <a:round/>
+                      <a:headEnd type="none" w="med" len="med"/>
+                      <a:tailEnd type="none" w="med" len="med"/>
+                    </a:lnB>
+                    <a:solidFill>
+                      <a:schemeClr val="accent6">
+                        <a:lumMod val="20000"/>
+                        <a:lumOff val="80000"/>
+                      </a:schemeClr>
+                    </a:solidFill>
+                  </a:tcPr>
+                </a:tc>
+                <a:extLst>
+                  <a:ext uri="{0D108BD9-81ED-4DB2-BD59-A6C34878D82A}">
+                    <a16:rowId xmlns:a16="http://schemas.microsoft.com/office/drawing/2014/main" val="1645390413"/>
+                  </a:ext>
+                </a:extLst>
+              </a:tr>
+            </a:tbl>
+          </a:graphicData>
+        </a:graphic>
+      </p:graphicFrame>
+    </p:spTree>
+    <p:extLst>
+      <p:ext uri="{BB962C8B-B14F-4D97-AF65-F5344CB8AC3E}">
+        <p14:creationId xmlns:p14="http://schemas.microsoft.com/office/powerpoint/2010/main" val="2898718121"/>
+      </p:ext>
+    </p:extLst>
+  </p:cSld>
+  <p:clrMapOvr>
+    <a:masterClrMapping/>
+  </p:clrMapOvr>
+</p:sld>
+</file>
+
+<file path=ppt/slides/slide31.xml><?xml version="1.0" encoding="utf-8"?>
+<p:sld xmlns:a="http://schemas.openxmlformats.org/drawingml/2006/main" xmlns:r="http://schemas.openxmlformats.org/officeDocument/2006/relationships" xmlns:p="http://schemas.openxmlformats.org/presentationml/2006/main">
+  <p:cSld>
+    <p:spTree>
+      <p:nvGrpSpPr>
+        <p:cNvPr id="1" name=""/>
+        <p:cNvGrpSpPr/>
+        <p:nvPr/>
+      </p:nvGrpSpPr>
+      <p:grpSpPr>
+        <a:xfrm>
+          <a:off x="0" y="0"/>
+          <a:ext cx="0" cy="0"/>
+          <a:chOff x="0" y="0"/>
+          <a:chExt cx="0" cy="0"/>
+        </a:xfrm>
+      </p:grpSpPr>
+      <p:sp>
+        <p:nvSpPr>
+          <p:cNvPr id="2" name="標題 1">
+            <a:extLst>
+              <a:ext uri="{FF2B5EF4-FFF2-40B4-BE49-F238E27FC236}">
+                <a16:creationId xmlns:a16="http://schemas.microsoft.com/office/drawing/2014/main" id="{46ABF1E5-B2E1-43AF-B4D0-9BF856511B82}"/>
+              </a:ext>
+            </a:extLst>
+          </p:cNvPr>
+          <p:cNvSpPr>
+            <a:spLocks noGrp="1"/>
+          </p:cNvSpPr>
+          <p:nvPr>
+            <p:ph type="title"/>
+          </p:nvPr>
+        </p:nvSpPr>
+        <p:spPr/>
+        <p:txBody>
+          <a:bodyPr/>
+          <a:lstStyle/>
+          <a:p>
+            <a:r>
+              <a:rPr lang="en-US" altLang="zh-TW" dirty="0"/>
+              <a:t>Conclusion</a:t>
+            </a:r>
+            <a:r>
+              <a:rPr lang="zh-TW" altLang="en-US" dirty="0"/>
+              <a:t> </a:t>
+            </a:r>
+            <a:r>
+              <a:rPr lang="en-US" altLang="zh-TW" dirty="0"/>
+              <a:t>(1/2)</a:t>
+            </a:r>
+            <a:endParaRPr lang="zh-TW" altLang="en-US" dirty="0"/>
+          </a:p>
+        </p:txBody>
+      </p:sp>
+      <p:sp>
+        <p:nvSpPr>
+          <p:cNvPr id="3" name="內容版面配置區 2">
+            <a:extLst>
+              <a:ext uri="{FF2B5EF4-FFF2-40B4-BE49-F238E27FC236}">
+                <a16:creationId xmlns:a16="http://schemas.microsoft.com/office/drawing/2014/main" id="{CCCD19C2-5D2A-4622-A0FD-6994D0906AB8}"/>
+              </a:ext>
+            </a:extLst>
+          </p:cNvPr>
+          <p:cNvSpPr>
+            <a:spLocks noGrp="1"/>
+          </p:cNvSpPr>
+          <p:nvPr>
+            <p:ph idx="1"/>
+          </p:nvPr>
+        </p:nvSpPr>
+        <p:spPr/>
+        <p:txBody>
+          <a:bodyPr>
+            <a:normAutofit/>
+          </a:bodyPr>
+          <a:lstStyle/>
+          <a:p>
+            <a:r>
+              <a:rPr lang="zh-TW" altLang="en-US" sz="2400" dirty="0"/>
+              <a:t>模型評估：</a:t>
+            </a:r>
+            <a:endParaRPr lang="en-US" altLang="zh-TW" sz="2400" dirty="0"/>
+          </a:p>
+          <a:p>
+            <a:pPr lvl="1"/>
+            <a:r>
+              <a:rPr lang="zh-TW" altLang="en-US" sz="2000" dirty="0"/>
+              <a:t>最佳預測成效模型：視窗法</a:t>
+            </a:r>
+            <a:r>
+              <a:rPr lang="en-US" altLang="zh-TW" sz="2000" dirty="0"/>
+              <a:t>-ANN</a:t>
+            </a:r>
+          </a:p>
+          <a:p>
+            <a:pPr lvl="1"/>
+            <a:r>
+              <a:rPr lang="zh-TW" altLang="en-US" sz="2000" dirty="0"/>
+              <a:t>最佳模擬投資模型：傳統法</a:t>
+            </a:r>
+            <a:r>
+              <a:rPr lang="en-US" altLang="zh-TW" sz="2000" dirty="0"/>
+              <a:t>-MLR</a:t>
+            </a:r>
+          </a:p>
+          <a:p>
+            <a:pPr lvl="1"/>
+            <a:endParaRPr lang="en-US" altLang="zh-TW" sz="2000" dirty="0"/>
+          </a:p>
+          <a:p>
+            <a:r>
+              <a:rPr lang="zh-TW" altLang="en-US" sz="2400" dirty="0"/>
+              <a:t>以視窗法切割資料集能確實提高模型準確率</a:t>
+            </a:r>
+            <a:endParaRPr lang="en-US" altLang="zh-TW" sz="2400" dirty="0"/>
+          </a:p>
+          <a:p>
+            <a:endParaRPr lang="en-US" altLang="zh-TW" sz="2400" dirty="0"/>
+          </a:p>
+          <a:p>
+            <a:r>
+              <a:rPr lang="zh-TW" altLang="en-US" sz="2400" dirty="0"/>
+              <a:t>視窗法</a:t>
+            </a:r>
+            <a:r>
+              <a:rPr lang="en-US" altLang="zh-TW" sz="2400" dirty="0"/>
+              <a:t>-ANN</a:t>
+            </a:r>
+            <a:r>
+              <a:rPr lang="zh-TW" altLang="en-US" sz="2400" dirty="0"/>
+              <a:t>的模擬投資表現不佳</a:t>
+            </a:r>
+            <a:endParaRPr lang="en-US" altLang="zh-TW" sz="2400" dirty="0"/>
+          </a:p>
+          <a:p>
+            <a:pPr lvl="1"/>
+            <a:r>
+              <a:rPr lang="zh-TW" altLang="en-US" sz="2000" dirty="0"/>
+              <a:t>情感分數特徵表現不佳，影響模型</a:t>
+            </a:r>
+            <a:endParaRPr lang="en-US" altLang="zh-TW" sz="2000" dirty="0"/>
+          </a:p>
+          <a:p>
+            <a:pPr lvl="1"/>
+            <a:r>
+              <a:rPr lang="zh-TW" altLang="en-US" sz="2000" dirty="0"/>
+              <a:t>投資策略不適用此模型</a:t>
+            </a:r>
+            <a:endParaRPr lang="en-US" altLang="zh-TW" sz="2000" dirty="0"/>
+          </a:p>
+          <a:p>
+            <a:pPr lvl="1"/>
+            <a:endParaRPr lang="en-US" altLang="zh-TW" sz="2000" dirty="0"/>
+          </a:p>
+          <a:p>
+            <a:endParaRPr lang="en-US" altLang="zh-TW" sz="2400" dirty="0"/>
+          </a:p>
+        </p:txBody>
+      </p:sp>
+      <p:sp>
+        <p:nvSpPr>
+          <p:cNvPr id="4" name="投影片編號版面配置區 3">
+            <a:extLst>
+              <a:ext uri="{FF2B5EF4-FFF2-40B4-BE49-F238E27FC236}">
+                <a16:creationId xmlns:a16="http://schemas.microsoft.com/office/drawing/2014/main" id="{F4411875-C4A7-4695-A738-4DA54DEE25CE}"/>
+              </a:ext>
+            </a:extLst>
+          </p:cNvPr>
+          <p:cNvSpPr>
+            <a:spLocks noGrp="1"/>
+          </p:cNvSpPr>
+          <p:nvPr>
+            <p:ph type="sldNum" sz="quarter" idx="12"/>
+          </p:nvPr>
+        </p:nvSpPr>
+        <p:spPr/>
+        <p:txBody>
+          <a:bodyPr/>
+          <a:lstStyle/>
+          <a:p>
+            <a:fld id="{46B26A4B-3AD5-4556-810E-C20186AC774D}" type="slidenum">
+              <a:rPr lang="zh-TW" altLang="en-US" smtClean="0"/>
+              <a:t>31</a:t>
+            </a:fld>
+            <a:endParaRPr lang="zh-TW" altLang="en-US"/>
+          </a:p>
+        </p:txBody>
+      </p:sp>
+    </p:spTree>
+    <p:extLst>
+      <p:ext uri="{BB962C8B-B14F-4D97-AF65-F5344CB8AC3E}">
+        <p14:creationId xmlns:p14="http://schemas.microsoft.com/office/powerpoint/2010/main" val="439427507"/>
+      </p:ext>
+    </p:extLst>
+  </p:cSld>
+  <p:clrMapOvr>
+    <a:masterClrMapping/>
+  </p:clrMapOvr>
+</p:sld>
+</file>
+
+<file path=ppt/slides/slide32.xml><?xml version="1.0" encoding="utf-8"?>
+<p:sld xmlns:a="http://schemas.openxmlformats.org/drawingml/2006/main" xmlns:r="http://schemas.openxmlformats.org/officeDocument/2006/relationships" xmlns:p="http://schemas.openxmlformats.org/presentationml/2006/main">
+  <p:cSld>
+    <p:spTree>
+      <p:nvGrpSpPr>
+        <p:cNvPr id="1" name=""/>
+        <p:cNvGrpSpPr/>
+        <p:nvPr/>
+      </p:nvGrpSpPr>
+      <p:grpSpPr>
+        <a:xfrm>
+          <a:off x="0" y="0"/>
+          <a:ext cx="0" cy="0"/>
+          <a:chOff x="0" y="0"/>
+          <a:chExt cx="0" cy="0"/>
+        </a:xfrm>
+      </p:grpSpPr>
+      <p:sp>
+        <p:nvSpPr>
           <p:cNvPr id="2" name="標題 1">
             <a:extLst>
               <a:ext uri="{FF2B5EF4-FFF2-40B4-BE49-F238E27FC236}">
@@ -31598,7 +33452,7 @@
           <a:p>
             <a:fld id="{46B26A4B-3AD5-4556-810E-C20186AC774D}" type="slidenum">
               <a:rPr lang="zh-TW" altLang="en-US" smtClean="0"/>
-              <a:t>30</a:t>
+              <a:t>32</a:t>
             </a:fld>
             <a:endParaRPr lang="zh-TW" altLang="en-US"/>
           </a:p>
@@ -31617,7 +33471,7 @@
 </p:sld>
 </file>
 
-<file path=ppt/slides/slide31.xml><?xml version="1.0" encoding="utf-8"?>
+<file path=ppt/slides/slide33.xml><?xml version="1.0" encoding="utf-8"?>
 <p:sld xmlns:a="http://schemas.openxmlformats.org/drawingml/2006/main" xmlns:r="http://schemas.openxmlformats.org/officeDocument/2006/relationships" xmlns:p="http://schemas.openxmlformats.org/presentationml/2006/main">
   <p:cSld>
     <p:spTree>
@@ -31657,7 +33511,7 @@
           <a:p>
             <a:fld id="{46B26A4B-3AD5-4556-810E-C20186AC774D}" type="slidenum">
               <a:rPr lang="zh-TW" altLang="en-US" smtClean="0"/>
-              <a:t>31</a:t>
+              <a:t>33</a:t>
             </a:fld>
             <a:endParaRPr lang="zh-TW" altLang="en-US"/>
           </a:p>
@@ -31889,7 +33743,7 @@
 </p:sld>
 </file>
 
-<file path=ppt/slides/slide32.xml><?xml version="1.0" encoding="utf-8"?>
+<file path=ppt/slides/slide34.xml><?xml version="1.0" encoding="utf-8"?>
 <p:sld xmlns:a="http://schemas.openxmlformats.org/drawingml/2006/main" xmlns:r="http://schemas.openxmlformats.org/officeDocument/2006/relationships" xmlns:p="http://schemas.openxmlformats.org/presentationml/2006/main" show="0">
   <p:cSld>
     <p:spTree>
@@ -31966,7 +33820,7 @@
           <a:p>
             <a:fld id="{46B26A4B-3AD5-4556-810E-C20186AC774D}" type="slidenum">
               <a:rPr lang="zh-TW" altLang="en-US" smtClean="0"/>
-              <a:t>32</a:t>
+              <a:t>34</a:t>
             </a:fld>
             <a:endParaRPr lang="zh-TW" altLang="en-US"/>
           </a:p>
@@ -32190,7 +34044,7 @@
 </p:sld>
 </file>
 
-<file path=ppt/slides/slide33.xml><?xml version="1.0" encoding="utf-8"?>
+<file path=ppt/slides/slide35.xml><?xml version="1.0" encoding="utf-8"?>
 <p:sld xmlns:a="http://schemas.openxmlformats.org/drawingml/2006/main" xmlns:r="http://schemas.openxmlformats.org/officeDocument/2006/relationships" xmlns:p="http://schemas.openxmlformats.org/presentationml/2006/main" show="0">
   <p:cSld>
     <p:spTree>
@@ -32267,7 +34121,7 @@
           <a:p>
             <a:fld id="{46B26A4B-3AD5-4556-810E-C20186AC774D}" type="slidenum">
               <a:rPr lang="zh-TW" altLang="en-US" smtClean="0"/>
-              <a:t>33</a:t>
+              <a:t>35</a:t>
             </a:fld>
             <a:endParaRPr lang="zh-TW" altLang="en-US"/>
           </a:p>
